--- a/asset/Learn_ja/OASE-online-install_ja.pptx
+++ b/asset/Learn_ja/OASE-online-install_ja.pptx
@@ -350,7 +350,7 @@
               <a:rPr kumimoji="1" lang="ja-JP" altLang="en-US" smtClean="0">
                 <a:ea typeface="メイリオ" panose="020B0604030504040204" pitchFamily="50" charset="-128"/>
               </a:rPr>
-              <a:t>2020/5/21</a:t>
+              <a:t>2020/5/29</a:t>
             </a:fld>
             <a:endParaRPr kumimoji="1" lang="ja-JP" altLang="en-US">
               <a:ea typeface="メイリオ" panose="020B0604030504040204" pitchFamily="50" charset="-128"/>
@@ -496,7 +496,7 @@
             <a:fld id="{4B26993D-C081-44EB-B0F5-A9F467792B62}" type="datetimeFigureOut">
               <a:rPr lang="ja-JP" altLang="en-US" smtClean="0"/>
               <a:pPr/>
-              <a:t>2020/5/21</a:t>
+              <a:t>2020/5/29</a:t>
             </a:fld>
             <a:endParaRPr lang="ja-JP" altLang="en-US"/>
           </a:p>
@@ -1100,7 +1100,7 @@
           <a:p>
             <a:fld id="{56F9016B-CCA6-43BE-8BEE-59565A35F4F7}" type="datetimeFigureOut">
               <a:rPr kumimoji="1" lang="ja-JP" altLang="en-US" smtClean="0"/>
-              <a:t>2020/5/21</a:t>
+              <a:t>2020/5/29</a:t>
             </a:fld>
             <a:endParaRPr kumimoji="1" lang="ja-JP" altLang="en-US"/>
           </a:p>
@@ -1300,7 +1300,7 @@
           <a:p>
             <a:fld id="{56F9016B-CCA6-43BE-8BEE-59565A35F4F7}" type="datetimeFigureOut">
               <a:rPr kumimoji="1" lang="ja-JP" altLang="en-US" smtClean="0"/>
-              <a:t>2020/5/21</a:t>
+              <a:t>2020/5/29</a:t>
             </a:fld>
             <a:endParaRPr kumimoji="1" lang="ja-JP" altLang="en-US"/>
           </a:p>
@@ -1545,7 +1545,7 @@
           <a:p>
             <a:fld id="{56F9016B-CCA6-43BE-8BEE-59565A35F4F7}" type="datetimeFigureOut">
               <a:rPr kumimoji="1" lang="ja-JP" altLang="en-US" smtClean="0"/>
-              <a:t>2020/5/21</a:t>
+              <a:t>2020/5/29</a:t>
             </a:fld>
             <a:endParaRPr kumimoji="1" lang="ja-JP" altLang="en-US"/>
           </a:p>
@@ -1838,7 +1838,7 @@
           <a:p>
             <a:fld id="{56F9016B-CCA6-43BE-8BEE-59565A35F4F7}" type="datetimeFigureOut">
               <a:rPr kumimoji="1" lang="ja-JP" altLang="en-US" smtClean="0"/>
-              <a:t>2020/5/21</a:t>
+              <a:t>2020/5/29</a:t>
             </a:fld>
             <a:endParaRPr kumimoji="1" lang="ja-JP" altLang="en-US"/>
           </a:p>
@@ -2266,7 +2266,7 @@
           <a:p>
             <a:fld id="{56F9016B-CCA6-43BE-8BEE-59565A35F4F7}" type="datetimeFigureOut">
               <a:rPr kumimoji="1" lang="ja-JP" altLang="en-US" smtClean="0"/>
-              <a:t>2020/5/21</a:t>
+              <a:t>2020/5/29</a:t>
             </a:fld>
             <a:endParaRPr kumimoji="1" lang="ja-JP" altLang="en-US"/>
           </a:p>
@@ -2383,7 +2383,7 @@
           <a:p>
             <a:fld id="{56F9016B-CCA6-43BE-8BEE-59565A35F4F7}" type="datetimeFigureOut">
               <a:rPr kumimoji="1" lang="ja-JP" altLang="en-US" smtClean="0"/>
-              <a:t>2020/5/21</a:t>
+              <a:t>2020/5/29</a:t>
             </a:fld>
             <a:endParaRPr kumimoji="1" lang="ja-JP" altLang="en-US"/>
           </a:p>
@@ -2478,7 +2478,7 @@
           <a:p>
             <a:fld id="{56F9016B-CCA6-43BE-8BEE-59565A35F4F7}" type="datetimeFigureOut">
               <a:rPr kumimoji="1" lang="ja-JP" altLang="en-US" smtClean="0"/>
-              <a:t>2020/5/21</a:t>
+              <a:t>2020/5/29</a:t>
             </a:fld>
             <a:endParaRPr kumimoji="1" lang="ja-JP" altLang="en-US"/>
           </a:p>
@@ -2785,7 +2785,7 @@
           <a:p>
             <a:fld id="{56F9016B-CCA6-43BE-8BEE-59565A35F4F7}" type="datetimeFigureOut">
               <a:rPr kumimoji="1" lang="ja-JP" altLang="en-US" smtClean="0"/>
-              <a:t>2020/5/21</a:t>
+              <a:t>2020/5/29</a:t>
             </a:fld>
             <a:endParaRPr kumimoji="1" lang="ja-JP" altLang="en-US"/>
           </a:p>
@@ -3037,7 +3037,7 @@
           <a:p>
             <a:fld id="{56F9016B-CCA6-43BE-8BEE-59565A35F4F7}" type="datetimeFigureOut">
               <a:rPr kumimoji="1" lang="ja-JP" altLang="en-US" smtClean="0"/>
-              <a:t>2020/5/21</a:t>
+              <a:t>2020/5/29</a:t>
             </a:fld>
             <a:endParaRPr kumimoji="1" lang="ja-JP" altLang="en-US"/>
           </a:p>
@@ -3304,7 +3304,7 @@
           <a:p>
             <a:fld id="{56F9016B-CCA6-43BE-8BEE-59565A35F4F7}" type="datetimeFigureOut">
               <a:rPr kumimoji="1" lang="ja-JP" altLang="en-US" smtClean="0"/>
-              <a:t>2020/5/21</a:t>
+              <a:t>2020/5/29</a:t>
             </a:fld>
             <a:endParaRPr kumimoji="1" lang="ja-JP" altLang="en-US"/>
           </a:p>
@@ -3514,7 +3514,7 @@
           <a:p>
             <a:fld id="{56F9016B-CCA6-43BE-8BEE-59565A35F4F7}" type="datetimeFigureOut">
               <a:rPr kumimoji="1" lang="ja-JP" altLang="en-US" smtClean="0"/>
-              <a:t>2020/5/21</a:t>
+              <a:t>2020/5/29</a:t>
             </a:fld>
             <a:endParaRPr kumimoji="1" lang="ja-JP" altLang="en-US"/>
           </a:p>
@@ -6506,7 +6506,7 @@
           <a:p>
             <a:fld id="{56F9016B-CCA6-43BE-8BEE-59565A35F4F7}" type="datetimeFigureOut">
               <a:rPr kumimoji="1" lang="ja-JP" altLang="en-US" smtClean="0"/>
-              <a:t>2020/5/21</a:t>
+              <a:t>2020/5/29</a:t>
             </a:fld>
             <a:endParaRPr kumimoji="1" lang="ja-JP" altLang="en-US"/>
           </a:p>
@@ -6972,8 +6972,8 @@
         </p:nvSpPr>
         <p:spPr bwMode="gray">
           <a:xfrm>
-            <a:off x="0" y="1816796"/>
-            <a:ext cx="9143999" cy="2252343"/>
+            <a:off x="0" y="3417234"/>
+            <a:ext cx="9143999" cy="651905"/>
           </a:xfrm>
           <a:prstGeom prst="rect">
             <a:avLst/>
@@ -7124,31 +7124,10 @@
           </a:lstStyle>
           <a:p>
             <a:r>
-              <a:rPr lang="en-US" altLang="ja-JP" sz="4800" b="1"/>
-              <a:t>Operation</a:t>
-            </a:r>
-            <a:r>
-              <a:rPr lang="en-US" altLang="ja-JP" sz="4800" b="1" kern="0">
-                <a:solidFill>
-                  <a:schemeClr val="tx2">
-                    <a:lumMod val="75000"/>
-                    <a:lumOff val="25000"/>
-                  </a:schemeClr>
-                </a:solidFill>
-              </a:rPr>
-              <a:t> </a:t>
-            </a:r>
-            <a:r>
-              <a:rPr lang="en-US" altLang="ja-JP" sz="4800" b="1"/>
-              <a:t>Autonomy Support Engine</a:t>
-            </a:r>
-          </a:p>
-          <a:p>
-            <a:r>
-              <a:rPr lang="ja-JP" altLang="en-US" sz="4800" b="1"/>
+              <a:rPr lang="ja-JP" altLang="en-US" sz="4000" b="1" smtClean="0"/>
               <a:t>オンラインインストール</a:t>
             </a:r>
-            <a:endParaRPr lang="en-US" altLang="ja-JP" sz="4800" b="1" kern="0" spc="-150">
+            <a:endParaRPr lang="en-US" altLang="ja-JP" sz="4000" b="1" kern="0" spc="-150">
               <a:solidFill>
                 <a:schemeClr val="tx2">
                   <a:lumMod val="75000"/>
@@ -7420,6 +7399,36 @@
           <a:xfrm>
             <a:off x="251400" y="247474"/>
             <a:ext cx="3528490" cy="826990"/>
+          </a:xfrm>
+          <a:prstGeom prst="rect">
+            <a:avLst/>
+          </a:prstGeom>
+        </p:spPr>
+      </p:pic>
+      <p:pic>
+        <p:nvPicPr>
+          <p:cNvPr id="2" name="図 1"/>
+          <p:cNvPicPr>
+            <a:picLocks noChangeAspect="1"/>
+          </p:cNvPicPr>
+          <p:nvPr/>
+        </p:nvPicPr>
+        <p:blipFill>
+          <a:blip r:embed="rId3">
+            <a:extLst>
+              <a:ext uri="{28A0092B-C50C-407E-A947-70E740481C1C}">
+                <a14:useLocalDpi xmlns:a14="http://schemas.microsoft.com/office/drawing/2010/main" val="0"/>
+              </a:ext>
+            </a:extLst>
+          </a:blip>
+          <a:stretch>
+            <a:fillRect/>
+          </a:stretch>
+        </p:blipFill>
+        <p:spPr>
+          <a:xfrm>
+            <a:off x="914399" y="2157398"/>
+            <a:ext cx="7315200" cy="1095375"/>
           </a:xfrm>
           <a:prstGeom prst="rect">
             <a:avLst/>
@@ -18445,11 +18454,7 @@
             </a:pPr>
             <a:r>
               <a:rPr lang="ja-JP" altLang="en-US"/>
-              <a:t>　②　</a:t>
-            </a:r>
-            <a:r>
-              <a:rPr lang="ja-JP" altLang="en-US"/>
-              <a:t>プライバシ</a:t>
+              <a:t>　②　プライバシ</a:t>
             </a:r>
             <a:r>
               <a:rPr lang="ja-JP" altLang="en-US" smtClean="0"/>
@@ -18503,11 +18508,7 @@
             </a:r>
             <a:r>
               <a:rPr lang="ja-JP" altLang="en-US" smtClean="0"/>
-              <a:t>　　</a:t>
-            </a:r>
-            <a:r>
-              <a:rPr lang="ja-JP" altLang="en-US" smtClean="0"/>
-              <a:t>理</a:t>
+              <a:t>　　理</a:t>
             </a:r>
             <a:r>
               <a:rPr lang="en-US" altLang="ja-JP"/>

--- a/asset/Learn_ja/OASE-online-install_ja.pptx
+++ b/asset/Learn_ja/OASE-online-install_ja.pptx
@@ -161,7 +161,7 @@
             <p14:sldId id="532"/>
           </p14:sldIdLst>
         </p14:section>
-        <p14:section name="3.　ITA環境構築手順" id="{80AA9663-4D64-45AD-996E-69C03C14D297}">
+        <p14:section name="3.　OASE環境構築手順" id="{80AA9663-4D64-45AD-996E-69C03C14D297}">
           <p14:sldIdLst>
             <p14:sldId id="512"/>
             <p14:sldId id="513"/>
@@ -177,7 +177,7 @@
             <p14:sldId id="522"/>
           </p14:sldIdLst>
         </p14:section>
-        <p14:section name="4.　ITA動作確認" id="{997E25C5-536A-441F-84BA-3CB1FBC6F6F3}">
+        <p14:section name="4.　OASE動作確認" id="{997E25C5-536A-441F-84BA-3CB1FBC6F6F3}">
           <p14:sldIdLst>
             <p14:sldId id="524"/>
             <p14:sldId id="539"/>
@@ -350,7 +350,7 @@
               <a:rPr kumimoji="1" lang="ja-JP" altLang="en-US" smtClean="0">
                 <a:ea typeface="メイリオ" panose="020B0604030504040204" pitchFamily="50" charset="-128"/>
               </a:rPr>
-              <a:t>2020/5/29</a:t>
+              <a:t>2020/6/15</a:t>
             </a:fld>
             <a:endParaRPr kumimoji="1" lang="ja-JP" altLang="en-US">
               <a:ea typeface="メイリオ" panose="020B0604030504040204" pitchFamily="50" charset="-128"/>
@@ -496,7 +496,7 @@
             <a:fld id="{4B26993D-C081-44EB-B0F5-A9F467792B62}" type="datetimeFigureOut">
               <a:rPr lang="ja-JP" altLang="en-US" smtClean="0"/>
               <a:pPr/>
-              <a:t>2020/5/29</a:t>
+              <a:t>2020/6/15</a:t>
             </a:fld>
             <a:endParaRPr lang="ja-JP" altLang="en-US"/>
           </a:p>
@@ -1100,7 +1100,7 @@
           <a:p>
             <a:fld id="{56F9016B-CCA6-43BE-8BEE-59565A35F4F7}" type="datetimeFigureOut">
               <a:rPr kumimoji="1" lang="ja-JP" altLang="en-US" smtClean="0"/>
-              <a:t>2020/5/29</a:t>
+              <a:t>2020/6/15</a:t>
             </a:fld>
             <a:endParaRPr kumimoji="1" lang="ja-JP" altLang="en-US"/>
           </a:p>
@@ -1300,7 +1300,7 @@
           <a:p>
             <a:fld id="{56F9016B-CCA6-43BE-8BEE-59565A35F4F7}" type="datetimeFigureOut">
               <a:rPr kumimoji="1" lang="ja-JP" altLang="en-US" smtClean="0"/>
-              <a:t>2020/5/29</a:t>
+              <a:t>2020/6/15</a:t>
             </a:fld>
             <a:endParaRPr kumimoji="1" lang="ja-JP" altLang="en-US"/>
           </a:p>
@@ -1545,7 +1545,7 @@
           <a:p>
             <a:fld id="{56F9016B-CCA6-43BE-8BEE-59565A35F4F7}" type="datetimeFigureOut">
               <a:rPr kumimoji="1" lang="ja-JP" altLang="en-US" smtClean="0"/>
-              <a:t>2020/5/29</a:t>
+              <a:t>2020/6/15</a:t>
             </a:fld>
             <a:endParaRPr kumimoji="1" lang="ja-JP" altLang="en-US"/>
           </a:p>
@@ -1838,7 +1838,7 @@
           <a:p>
             <a:fld id="{56F9016B-CCA6-43BE-8BEE-59565A35F4F7}" type="datetimeFigureOut">
               <a:rPr kumimoji="1" lang="ja-JP" altLang="en-US" smtClean="0"/>
-              <a:t>2020/5/29</a:t>
+              <a:t>2020/6/15</a:t>
             </a:fld>
             <a:endParaRPr kumimoji="1" lang="ja-JP" altLang="en-US"/>
           </a:p>
@@ -2266,7 +2266,7 @@
           <a:p>
             <a:fld id="{56F9016B-CCA6-43BE-8BEE-59565A35F4F7}" type="datetimeFigureOut">
               <a:rPr kumimoji="1" lang="ja-JP" altLang="en-US" smtClean="0"/>
-              <a:t>2020/5/29</a:t>
+              <a:t>2020/6/15</a:t>
             </a:fld>
             <a:endParaRPr kumimoji="1" lang="ja-JP" altLang="en-US"/>
           </a:p>
@@ -2383,7 +2383,7 @@
           <a:p>
             <a:fld id="{56F9016B-CCA6-43BE-8BEE-59565A35F4F7}" type="datetimeFigureOut">
               <a:rPr kumimoji="1" lang="ja-JP" altLang="en-US" smtClean="0"/>
-              <a:t>2020/5/29</a:t>
+              <a:t>2020/6/15</a:t>
             </a:fld>
             <a:endParaRPr kumimoji="1" lang="ja-JP" altLang="en-US"/>
           </a:p>
@@ -2478,7 +2478,7 @@
           <a:p>
             <a:fld id="{56F9016B-CCA6-43BE-8BEE-59565A35F4F7}" type="datetimeFigureOut">
               <a:rPr kumimoji="1" lang="ja-JP" altLang="en-US" smtClean="0"/>
-              <a:t>2020/5/29</a:t>
+              <a:t>2020/6/15</a:t>
             </a:fld>
             <a:endParaRPr kumimoji="1" lang="ja-JP" altLang="en-US"/>
           </a:p>
@@ -2785,7 +2785,7 @@
           <a:p>
             <a:fld id="{56F9016B-CCA6-43BE-8BEE-59565A35F4F7}" type="datetimeFigureOut">
               <a:rPr kumimoji="1" lang="ja-JP" altLang="en-US" smtClean="0"/>
-              <a:t>2020/5/29</a:t>
+              <a:t>2020/6/15</a:t>
             </a:fld>
             <a:endParaRPr kumimoji="1" lang="ja-JP" altLang="en-US"/>
           </a:p>
@@ -3037,7 +3037,7 @@
           <a:p>
             <a:fld id="{56F9016B-CCA6-43BE-8BEE-59565A35F4F7}" type="datetimeFigureOut">
               <a:rPr kumimoji="1" lang="ja-JP" altLang="en-US" smtClean="0"/>
-              <a:t>2020/5/29</a:t>
+              <a:t>2020/6/15</a:t>
             </a:fld>
             <a:endParaRPr kumimoji="1" lang="ja-JP" altLang="en-US"/>
           </a:p>
@@ -3304,7 +3304,7 @@
           <a:p>
             <a:fld id="{56F9016B-CCA6-43BE-8BEE-59565A35F4F7}" type="datetimeFigureOut">
               <a:rPr kumimoji="1" lang="ja-JP" altLang="en-US" smtClean="0"/>
-              <a:t>2020/5/29</a:t>
+              <a:t>2020/6/15</a:t>
             </a:fld>
             <a:endParaRPr kumimoji="1" lang="ja-JP" altLang="en-US"/>
           </a:p>
@@ -3514,7 +3514,7 @@
           <a:p>
             <a:fld id="{56F9016B-CCA6-43BE-8BEE-59565A35F4F7}" type="datetimeFigureOut">
               <a:rPr kumimoji="1" lang="ja-JP" altLang="en-US" smtClean="0"/>
-              <a:t>2020/5/29</a:t>
+              <a:t>2020/6/15</a:t>
             </a:fld>
             <a:endParaRPr kumimoji="1" lang="ja-JP" altLang="en-US"/>
           </a:p>
@@ -6506,7 +6506,7 @@
           <a:p>
             <a:fld id="{56F9016B-CCA6-43BE-8BEE-59565A35F4F7}" type="datetimeFigureOut">
               <a:rPr kumimoji="1" lang="ja-JP" altLang="en-US" smtClean="0"/>
-              <a:t>2020/5/29</a:t>
+              <a:t>2020/6/15</a:t>
             </a:fld>
             <a:endParaRPr kumimoji="1" lang="ja-JP" altLang="en-US"/>
           </a:p>
@@ -10766,7 +10766,7 @@
           <p:nvPr>
             <p:extLst>
               <p:ext uri="{D42A27DB-BD31-4B8C-83A1-F6EECF244321}">
-                <p14:modId xmlns:p14="http://schemas.microsoft.com/office/powerpoint/2010/main" val="3172084951"/>
+                <p14:modId xmlns:p14="http://schemas.microsoft.com/office/powerpoint/2010/main" val="3585518640"/>
               </p:ext>
             </p:extLst>
           </p:nvPr>
@@ -12537,31 +12537,52 @@
                         </a:spcAft>
                       </a:pPr>
                       <a:r>
-                        <a:rPr lang="ja-JP" altLang="en-US" sz="1050" kern="100">
+                        <a:rPr kumimoji="1" lang="en-US" altLang="ja-JP" sz="1050" b="0" i="0" kern="1200" smtClean="0">
+                          <a:solidFill>
+                            <a:schemeClr val="dk1"/>
+                          </a:solidFill>
                           <a:effectLst/>
                           <a:latin typeface="+mn-lt"/>
                           <a:ea typeface="+mn-ea"/>
                           <a:cs typeface="+mn-cs"/>
                         </a:rPr>
-                        <a:t>接続時の</a:t>
-                      </a:r>
-                      <a:r>
-                        <a:rPr lang="en-US" altLang="ja-JP" sz="1050" kern="100">
+                        <a:t>OASE</a:t>
+                      </a:r>
+                      <a:r>
+                        <a:rPr kumimoji="1" lang="ja-JP" altLang="en-US" sz="1050" b="0" i="0" kern="1200" smtClean="0">
+                          <a:solidFill>
+                            <a:schemeClr val="dk1"/>
+                          </a:solidFill>
                           <a:effectLst/>
                           <a:latin typeface="+mn-lt"/>
                           <a:ea typeface="+mn-ea"/>
                           <a:cs typeface="+mn-cs"/>
                         </a:rPr>
-                        <a:t>DB</a:t>
-                      </a:r>
-                      <a:r>
-                        <a:rPr lang="ja-JP" altLang="en-US" sz="1050" kern="100">
+                        <a:t>のアンインストール時、</a:t>
+                      </a:r>
+                      <a:r>
+                        <a:rPr kumimoji="1" lang="en-US" altLang="ja-JP" sz="1050" b="0" i="0" kern="1200" smtClean="0">
+                          <a:solidFill>
+                            <a:schemeClr val="dk1"/>
+                          </a:solidFill>
                           <a:effectLst/>
                           <a:latin typeface="+mn-lt"/>
                           <a:ea typeface="+mn-ea"/>
                           <a:cs typeface="+mn-cs"/>
                         </a:rPr>
-                        <a:t>の有無選択</a:t>
+                        <a:t>DB</a:t>
+                      </a:r>
+                      <a:r>
+                        <a:rPr kumimoji="1" lang="ja-JP" altLang="en-US" sz="1050" b="0" i="0" kern="1200" smtClean="0">
+                          <a:solidFill>
+                            <a:schemeClr val="dk1"/>
+                          </a:solidFill>
+                          <a:effectLst/>
+                          <a:latin typeface="+mn-lt"/>
+                          <a:ea typeface="+mn-ea"/>
+                          <a:cs typeface="+mn-cs"/>
+                        </a:rPr>
+                        <a:t>を消すか、残すかの選択</a:t>
                       </a:r>
                       <a:endParaRPr lang="ja-JP" sz="1050" kern="100">
                         <a:effectLst/>
@@ -12595,13 +12616,13 @@
                         </a:spcAft>
                       </a:pPr>
                       <a:r>
-                        <a:rPr lang="en-US" sz="1000" kern="100" err="1">
+                        <a:rPr lang="en-US" sz="1000" kern="100" smtClean="0">
                           <a:solidFill>
                             <a:schemeClr val="bg1"/>
                           </a:solidFill>
                           <a:effectLst/>
                         </a:rPr>
-                        <a:t>jboss_root_directory</a:t>
+                        <a:t>_root_directory</a:t>
                       </a:r>
                       <a:endParaRPr lang="ja-JP" sz="1000" kern="100">
                         <a:solidFill>

--- a/asset/Learn_ja/OASE-online-install_ja.pptx
+++ b/asset/Learn_ja/OASE-online-install_ja.pptx
@@ -6,10 +6,10 @@
     <p:sldMasterId id="2147483703" r:id="rId2"/>
   </p:sldMasterIdLst>
   <p:notesMasterIdLst>
-    <p:notesMasterId r:id="rId29"/>
+    <p:notesMasterId r:id="rId33"/>
   </p:notesMasterIdLst>
   <p:handoutMasterIdLst>
-    <p:handoutMasterId r:id="rId30"/>
+    <p:handoutMasterId r:id="rId34"/>
   </p:handoutMasterIdLst>
   <p:sldIdLst>
     <p:sldId id="262" r:id="rId3"/>
@@ -25,19 +25,23 @@
     <p:sldId id="517" r:id="rId13"/>
     <p:sldId id="533" r:id="rId14"/>
     <p:sldId id="518" r:id="rId15"/>
-    <p:sldId id="521" r:id="rId16"/>
-    <p:sldId id="537" r:id="rId17"/>
-    <p:sldId id="538" r:id="rId18"/>
-    <p:sldId id="522" r:id="rId19"/>
-    <p:sldId id="524" r:id="rId20"/>
-    <p:sldId id="539" r:id="rId21"/>
-    <p:sldId id="526" r:id="rId22"/>
-    <p:sldId id="525" r:id="rId23"/>
-    <p:sldId id="528" r:id="rId24"/>
-    <p:sldId id="529" r:id="rId25"/>
-    <p:sldId id="527" r:id="rId26"/>
-    <p:sldId id="540" r:id="rId27"/>
-    <p:sldId id="318" r:id="rId28"/>
+    <p:sldId id="541" r:id="rId16"/>
+    <p:sldId id="543" r:id="rId17"/>
+    <p:sldId id="544" r:id="rId18"/>
+    <p:sldId id="521" r:id="rId19"/>
+    <p:sldId id="545" r:id="rId20"/>
+    <p:sldId id="538" r:id="rId21"/>
+    <p:sldId id="542" r:id="rId22"/>
+    <p:sldId id="522" r:id="rId23"/>
+    <p:sldId id="524" r:id="rId24"/>
+    <p:sldId id="539" r:id="rId25"/>
+    <p:sldId id="526" r:id="rId26"/>
+    <p:sldId id="525" r:id="rId27"/>
+    <p:sldId id="528" r:id="rId28"/>
+    <p:sldId id="529" r:id="rId29"/>
+    <p:sldId id="527" r:id="rId30"/>
+    <p:sldId id="540" r:id="rId31"/>
+    <p:sldId id="318" r:id="rId32"/>
   </p:sldIdLst>
   <p:sldSz cx="9144000" cy="6858000" type="screen4x3"/>
   <p:notesSz cx="6807200" cy="9939338"/>
@@ -171,9 +175,13 @@
             <p14:sldId id="517"/>
             <p14:sldId id="533"/>
             <p14:sldId id="518"/>
+            <p14:sldId id="541"/>
+            <p14:sldId id="543"/>
+            <p14:sldId id="544"/>
             <p14:sldId id="521"/>
-            <p14:sldId id="537"/>
+            <p14:sldId id="545"/>
             <p14:sldId id="538"/>
+            <p14:sldId id="542"/>
             <p14:sldId id="522"/>
           </p14:sldIdLst>
         </p14:section>
@@ -250,20 +258,6 @@
 </p:cmAuthorLst>
 </file>
 
-<file path=ppt/comments/comment1.xml><?xml version="1.0" encoding="utf-8"?>
-<p:cmLst xmlns:a="http://schemas.openxmlformats.org/drawingml/2006/main" xmlns:r="http://schemas.openxmlformats.org/officeDocument/2006/relationships" xmlns:p="http://schemas.openxmlformats.org/presentationml/2006/main">
-  <p:cm authorId="2" dt="2020-04-22T13:22:13.425" idx="1">
-    <p:pos x="10" y="10"/>
-    <p:text/>
-    <p:extLst>
-      <p:ext uri="{C676402C-5697-4E1C-873F-D02D1690AC5C}">
-        <p15:threadingInfo xmlns:p15="http://schemas.microsoft.com/office/powerpoint/2012/main" timeZoneBias="-540"/>
-      </p:ext>
-    </p:extLst>
-  </p:cm>
-</p:cmLst>
-</file>
-
 <file path=ppt/handoutMasters/handoutMaster1.xml><?xml version="1.0" encoding="utf-8"?>
 <p:handoutMaster xmlns:a="http://schemas.openxmlformats.org/drawingml/2006/main" xmlns:r="http://schemas.openxmlformats.org/officeDocument/2006/relationships" xmlns:p="http://schemas.openxmlformats.org/presentationml/2006/main">
   <p:cSld>
@@ -350,7 +344,7 @@
               <a:rPr kumimoji="1" lang="ja-JP" altLang="en-US" smtClean="0">
                 <a:ea typeface="メイリオ" panose="020B0604030504040204" pitchFamily="50" charset="-128"/>
               </a:rPr>
-              <a:t>2020/12/3</a:t>
+              <a:t>2021/3/1</a:t>
             </a:fld>
             <a:endParaRPr kumimoji="1" lang="ja-JP" altLang="en-US">
               <a:ea typeface="メイリオ" panose="020B0604030504040204" pitchFamily="50" charset="-128"/>
@@ -496,7 +490,7 @@
             <a:fld id="{4B26993D-C081-44EB-B0F5-A9F467792B62}" type="datetimeFigureOut">
               <a:rPr lang="ja-JP" altLang="en-US" smtClean="0"/>
               <a:pPr/>
-              <a:t>2020/12/3</a:t>
+              <a:t>2021/3/1</a:t>
             </a:fld>
             <a:endParaRPr lang="ja-JP" altLang="en-US"/>
           </a:p>
@@ -706,6 +700,91 @@
     </a:lvl9pPr>
   </p:notesStyle>
 </p:notesMaster>
+</file>
+
+<file path=ppt/notesSlides/notesSlide1.xml><?xml version="1.0" encoding="utf-8"?>
+<p:notes xmlns:a="http://schemas.openxmlformats.org/drawingml/2006/main" xmlns:r="http://schemas.openxmlformats.org/officeDocument/2006/relationships" xmlns:p="http://schemas.openxmlformats.org/presentationml/2006/main">
+  <p:cSld>
+    <p:spTree>
+      <p:nvGrpSpPr>
+        <p:cNvPr id="1" name=""/>
+        <p:cNvGrpSpPr/>
+        <p:nvPr/>
+      </p:nvGrpSpPr>
+      <p:grpSpPr>
+        <a:xfrm>
+          <a:off x="0" y="0"/>
+          <a:ext cx="0" cy="0"/>
+          <a:chOff x="0" y="0"/>
+          <a:chExt cx="0" cy="0"/>
+        </a:xfrm>
+      </p:grpSpPr>
+      <p:sp>
+        <p:nvSpPr>
+          <p:cNvPr id="2" name="スライド イメージ プレースホルダー 1"/>
+          <p:cNvSpPr>
+            <a:spLocks noGrp="1" noRot="1" noChangeAspect="1"/>
+          </p:cNvSpPr>
+          <p:nvPr>
+            <p:ph type="sldImg"/>
+          </p:nvPr>
+        </p:nvSpPr>
+        <p:spPr/>
+      </p:sp>
+      <p:sp>
+        <p:nvSpPr>
+          <p:cNvPr id="3" name="ノート プレースホルダー 2"/>
+          <p:cNvSpPr>
+            <a:spLocks noGrp="1"/>
+          </p:cNvSpPr>
+          <p:nvPr>
+            <p:ph type="body" idx="1"/>
+          </p:nvPr>
+        </p:nvSpPr>
+        <p:spPr/>
+        <p:txBody>
+          <a:bodyPr/>
+          <a:lstStyle/>
+          <a:p>
+            <a:endParaRPr kumimoji="1" lang="ja-JP" altLang="en-US" dirty="0"/>
+          </a:p>
+        </p:txBody>
+      </p:sp>
+      <p:sp>
+        <p:nvSpPr>
+          <p:cNvPr id="4" name="スライド番号プレースホルダー 3"/>
+          <p:cNvSpPr>
+            <a:spLocks noGrp="1"/>
+          </p:cNvSpPr>
+          <p:nvPr>
+            <p:ph type="sldNum" sz="quarter" idx="10"/>
+          </p:nvPr>
+        </p:nvSpPr>
+        <p:spPr/>
+        <p:txBody>
+          <a:bodyPr/>
+          <a:lstStyle/>
+          <a:p>
+            <a:fld id="{CFBBA293-708C-4261-9FD1-AE04041D5F79}" type="slidenum">
+              <a:rPr lang="ja-JP" altLang="en-US" smtClean="0"/>
+              <a:pPr/>
+              <a:t>8</a:t>
+            </a:fld>
+            <a:endParaRPr lang="ja-JP" altLang="en-US"/>
+          </a:p>
+        </p:txBody>
+      </p:sp>
+    </p:spTree>
+    <p:extLst>
+      <p:ext uri="{BB962C8B-B14F-4D97-AF65-F5344CB8AC3E}">
+        <p14:creationId xmlns:p14="http://schemas.microsoft.com/office/powerpoint/2010/main" val="4177469100"/>
+      </p:ext>
+    </p:extLst>
+  </p:cSld>
+  <p:clrMapOvr>
+    <a:masterClrMapping/>
+  </p:clrMapOvr>
+</p:notes>
 </file>
 
 <file path=ppt/slideLayouts/slideLayout1.xml><?xml version="1.0" encoding="utf-8"?>
@@ -1100,7 +1179,7 @@
           <a:p>
             <a:fld id="{56F9016B-CCA6-43BE-8BEE-59565A35F4F7}" type="datetimeFigureOut">
               <a:rPr kumimoji="1" lang="ja-JP" altLang="en-US" smtClean="0"/>
-              <a:t>2020/12/3</a:t>
+              <a:t>2021/3/1</a:t>
             </a:fld>
             <a:endParaRPr kumimoji="1" lang="ja-JP" altLang="en-US"/>
           </a:p>
@@ -1300,7 +1379,7 @@
           <a:p>
             <a:fld id="{56F9016B-CCA6-43BE-8BEE-59565A35F4F7}" type="datetimeFigureOut">
               <a:rPr kumimoji="1" lang="ja-JP" altLang="en-US" smtClean="0"/>
-              <a:t>2020/12/3</a:t>
+              <a:t>2021/3/1</a:t>
             </a:fld>
             <a:endParaRPr kumimoji="1" lang="ja-JP" altLang="en-US"/>
           </a:p>
@@ -1545,7 +1624,7 @@
           <a:p>
             <a:fld id="{56F9016B-CCA6-43BE-8BEE-59565A35F4F7}" type="datetimeFigureOut">
               <a:rPr kumimoji="1" lang="ja-JP" altLang="en-US" smtClean="0"/>
-              <a:t>2020/12/3</a:t>
+              <a:t>2021/3/1</a:t>
             </a:fld>
             <a:endParaRPr kumimoji="1" lang="ja-JP" altLang="en-US"/>
           </a:p>
@@ -1838,7 +1917,7 @@
           <a:p>
             <a:fld id="{56F9016B-CCA6-43BE-8BEE-59565A35F4F7}" type="datetimeFigureOut">
               <a:rPr kumimoji="1" lang="ja-JP" altLang="en-US" smtClean="0"/>
-              <a:t>2020/12/3</a:t>
+              <a:t>2021/3/1</a:t>
             </a:fld>
             <a:endParaRPr kumimoji="1" lang="ja-JP" altLang="en-US"/>
           </a:p>
@@ -2266,7 +2345,7 @@
           <a:p>
             <a:fld id="{56F9016B-CCA6-43BE-8BEE-59565A35F4F7}" type="datetimeFigureOut">
               <a:rPr kumimoji="1" lang="ja-JP" altLang="en-US" smtClean="0"/>
-              <a:t>2020/12/3</a:t>
+              <a:t>2021/3/1</a:t>
             </a:fld>
             <a:endParaRPr kumimoji="1" lang="ja-JP" altLang="en-US"/>
           </a:p>
@@ -2383,7 +2462,7 @@
           <a:p>
             <a:fld id="{56F9016B-CCA6-43BE-8BEE-59565A35F4F7}" type="datetimeFigureOut">
               <a:rPr kumimoji="1" lang="ja-JP" altLang="en-US" smtClean="0"/>
-              <a:t>2020/12/3</a:t>
+              <a:t>2021/3/1</a:t>
             </a:fld>
             <a:endParaRPr kumimoji="1" lang="ja-JP" altLang="en-US"/>
           </a:p>
@@ -2478,7 +2557,7 @@
           <a:p>
             <a:fld id="{56F9016B-CCA6-43BE-8BEE-59565A35F4F7}" type="datetimeFigureOut">
               <a:rPr kumimoji="1" lang="ja-JP" altLang="en-US" smtClean="0"/>
-              <a:t>2020/12/3</a:t>
+              <a:t>2021/3/1</a:t>
             </a:fld>
             <a:endParaRPr kumimoji="1" lang="ja-JP" altLang="en-US"/>
           </a:p>
@@ -2785,7 +2864,7 @@
           <a:p>
             <a:fld id="{56F9016B-CCA6-43BE-8BEE-59565A35F4F7}" type="datetimeFigureOut">
               <a:rPr kumimoji="1" lang="ja-JP" altLang="en-US" smtClean="0"/>
-              <a:t>2020/12/3</a:t>
+              <a:t>2021/3/1</a:t>
             </a:fld>
             <a:endParaRPr kumimoji="1" lang="ja-JP" altLang="en-US"/>
           </a:p>
@@ -3037,7 +3116,7 @@
           <a:p>
             <a:fld id="{56F9016B-CCA6-43BE-8BEE-59565A35F4F7}" type="datetimeFigureOut">
               <a:rPr kumimoji="1" lang="ja-JP" altLang="en-US" smtClean="0"/>
-              <a:t>2020/12/3</a:t>
+              <a:t>2021/3/1</a:t>
             </a:fld>
             <a:endParaRPr kumimoji="1" lang="ja-JP" altLang="en-US"/>
           </a:p>
@@ -3304,7 +3383,7 @@
           <a:p>
             <a:fld id="{56F9016B-CCA6-43BE-8BEE-59565A35F4F7}" type="datetimeFigureOut">
               <a:rPr kumimoji="1" lang="ja-JP" altLang="en-US" smtClean="0"/>
-              <a:t>2020/12/3</a:t>
+              <a:t>2021/3/1</a:t>
             </a:fld>
             <a:endParaRPr kumimoji="1" lang="ja-JP" altLang="en-US"/>
           </a:p>
@@ -3514,7 +3593,7 @@
           <a:p>
             <a:fld id="{56F9016B-CCA6-43BE-8BEE-59565A35F4F7}" type="datetimeFigureOut">
               <a:rPr kumimoji="1" lang="ja-JP" altLang="en-US" smtClean="0"/>
-              <a:t>2020/12/3</a:t>
+              <a:t>2021/3/1</a:t>
             </a:fld>
             <a:endParaRPr kumimoji="1" lang="ja-JP" altLang="en-US"/>
           </a:p>
@@ -6506,7 +6585,7 @@
           <a:p>
             <a:fld id="{56F9016B-CCA6-43BE-8BEE-59565A35F4F7}" type="datetimeFigureOut">
               <a:rPr kumimoji="1" lang="ja-JP" altLang="en-US" smtClean="0"/>
-              <a:t>2020/12/3</a:t>
+              <a:t>2021/3/1</a:t>
             </a:fld>
             <a:endParaRPr kumimoji="1" lang="ja-JP" altLang="en-US"/>
           </a:p>
@@ -6937,7 +7016,7 @@
             </a:r>
             <a:r>
               <a:rPr lang="en-US" altLang="ja-JP" dirty="0" smtClean="0"/>
-              <a:t>1.1</a:t>
+              <a:t>1.2</a:t>
             </a:r>
             <a:r>
               <a:rPr lang="ja-JP" altLang="en-US" dirty="0" smtClean="0"/>
@@ -7445,6 +7524,13 @@
   <p:clrMapOvr>
     <a:masterClrMapping/>
   </p:clrMapOvr>
+  <p:timing>
+    <p:tnLst>
+      <p:par>
+        <p:cTn id="1" dur="indefinite" restart="never" nodeType="tmRoot"/>
+      </p:par>
+    </p:tnLst>
+  </p:timing>
 </p:sld>
 </file>
 
@@ -7481,22 +7567,22 @@
           <a:lstStyle/>
           <a:p>
             <a:r>
-              <a:rPr lang="en-US" altLang="ja-JP"/>
-              <a:t>3.4</a:t>
-            </a:r>
-            <a:r>
-              <a:rPr lang="ja-JP" altLang="en-US"/>
+              <a:rPr lang="en-US" altLang="ja-JP" dirty="0" smtClean="0"/>
+              <a:t>3.3</a:t>
+            </a:r>
+            <a:r>
+              <a:rPr lang="ja-JP" altLang="en-US" dirty="0"/>
               <a:t>　</a:t>
             </a:r>
             <a:r>
-              <a:rPr lang="en-US" altLang="ja-JP"/>
+              <a:rPr lang="en-US" altLang="ja-JP" dirty="0"/>
               <a:t>OASE</a:t>
             </a:r>
             <a:r>
-              <a:rPr lang="ja-JP" altLang="en-US"/>
+              <a:rPr lang="ja-JP" altLang="en-US" dirty="0"/>
               <a:t>環境構築フロー</a:t>
             </a:r>
-            <a:endParaRPr kumimoji="1" lang="ja-JP" altLang="en-US"/>
+            <a:endParaRPr kumimoji="1" lang="ja-JP" altLang="en-US" dirty="0"/>
           </a:p>
         </p:txBody>
       </p:sp>
@@ -7516,18 +7602,18 @@
           <a:lstStyle/>
           <a:p>
             <a:r>
-              <a:rPr kumimoji="1" lang="ja-JP" altLang="en-US"/>
+              <a:rPr kumimoji="1" lang="ja-JP" altLang="en-US" dirty="0"/>
               <a:t>環境構築フロー（オンライン）</a:t>
             </a:r>
-            <a:endParaRPr kumimoji="1" lang="en-US" altLang="ja-JP"/>
+            <a:endParaRPr kumimoji="1" lang="en-US" altLang="ja-JP" dirty="0"/>
           </a:p>
           <a:p>
             <a:pPr lvl="1"/>
             <a:r>
-              <a:rPr lang="ja-JP" altLang="en-US"/>
+              <a:rPr lang="ja-JP" altLang="en-US" dirty="0"/>
               <a:t>環境構築は以下のフローとなっています。</a:t>
             </a:r>
-            <a:endParaRPr kumimoji="1" lang="ja-JP" altLang="en-US"/>
+            <a:endParaRPr kumimoji="1" lang="ja-JP" altLang="en-US" dirty="0"/>
           </a:p>
         </p:txBody>
       </p:sp>
@@ -8083,14 +8169,28 @@
               <a:tabLst/>
             </a:pPr>
             <a:r>
-              <a:rPr kumimoji="0" lang="en-US" altLang="ja-JP" sz="1050" dirty="0">
+              <a:rPr kumimoji="0" lang="en-US" altLang="ja-JP" sz="1050" dirty="0" err="1" smtClean="0">
                 <a:solidFill>
                   <a:srgbClr val="000000"/>
                 </a:solidFill>
                 <a:latin typeface="+mn-ea"/>
                 <a:cs typeface="Times New Roman" panose="02020603050405020304" pitchFamily="18" charset="0"/>
               </a:rPr>
-              <a:t>MySQL</a:t>
+              <a:t>MariaDB</a:t>
+            </a:r>
+            <a:r>
+              <a:rPr kumimoji="0" lang="ja-JP" altLang="en-US" sz="1050" b="0" i="0" u="none" strike="noStrike" cap="none" normalizeH="0" baseline="0" dirty="0" smtClean="0">
+                <a:ln>
+                  <a:noFill/>
+                </a:ln>
+                <a:solidFill>
+                  <a:srgbClr val="000000"/>
+                </a:solidFill>
+                <a:effectLst/>
+                <a:latin typeface="+mn-ea"/>
+                <a:cs typeface="Times New Roman" panose="02020603050405020304" pitchFamily="18" charset="0"/>
+              </a:rPr>
+              <a:t>の</a:t>
             </a:r>
             <a:r>
               <a:rPr kumimoji="0" lang="ja-JP" altLang="en-US" sz="1050" b="0" i="0" u="none" strike="noStrike" cap="none" normalizeH="0" baseline="0" dirty="0">
@@ -8104,7 +8204,7 @@
                 <a:latin typeface="+mn-ea"/>
                 <a:cs typeface="Times New Roman" panose="02020603050405020304" pitchFamily="18" charset="0"/>
               </a:rPr>
-              <a:t>の設定</a:t>
+              <a:t>設定</a:t>
             </a:r>
             <a:endParaRPr kumimoji="0" lang="ja-JP" altLang="en-US" sz="1050" b="0" i="0" u="none" strike="noStrike" cap="none" normalizeH="0" baseline="0" dirty="0">
               <a:ln>
@@ -8133,7 +8233,7 @@
                 <a:latin typeface="+mn-ea"/>
                 <a:cs typeface="Times New Roman" panose="02020603050405020304" pitchFamily="18" charset="0"/>
               </a:rPr>
-              <a:t>Wildfly</a:t>
+              <a:t>JBoss</a:t>
             </a:r>
             <a:r>
               <a:rPr kumimoji="0" lang="ja-JP" altLang="en-US" sz="1050" b="0" i="0" u="none" strike="noStrike" cap="none" normalizeH="0" baseline="0" dirty="0" smtClean="0">
@@ -8469,6 +8569,13 @@
   <p:clrMapOvr>
     <a:masterClrMapping/>
   </p:clrMapOvr>
+  <p:timing>
+    <p:tnLst>
+      <p:par>
+        <p:cTn id="1" dur="indefinite" restart="never" nodeType="tmRoot"/>
+      </p:par>
+    </p:tnLst>
+  </p:timing>
 </p:sld>
 </file>
 
@@ -8507,26 +8614,26 @@
           <a:lstStyle/>
           <a:p>
             <a:r>
-              <a:rPr lang="en-US" altLang="ja-JP"/>
-              <a:t>3.5</a:t>
-            </a:r>
-            <a:r>
-              <a:rPr kumimoji="1" lang="ja-JP" altLang="en-US"/>
+              <a:rPr lang="en-US" altLang="ja-JP" dirty="0" smtClean="0"/>
+              <a:t>3.4</a:t>
+            </a:r>
+            <a:r>
+              <a:rPr kumimoji="1" lang="ja-JP" altLang="en-US" dirty="0"/>
               <a:t>　</a:t>
             </a:r>
             <a:r>
-              <a:rPr lang="ja-JP" altLang="en-US"/>
+              <a:rPr lang="ja-JP" altLang="en-US" dirty="0"/>
               <a:t>環境構築（</a:t>
             </a:r>
             <a:r>
-              <a:rPr lang="en-US" altLang="ja-JP"/>
-              <a:t>1/7</a:t>
-            </a:r>
-            <a:r>
-              <a:rPr lang="ja-JP" altLang="en-US"/>
+              <a:rPr lang="en-US" altLang="ja-JP" dirty="0" smtClean="0"/>
+              <a:t>1/11</a:t>
+            </a:r>
+            <a:r>
+              <a:rPr lang="ja-JP" altLang="en-US" dirty="0" smtClean="0"/>
               <a:t>）</a:t>
             </a:r>
-            <a:endParaRPr kumimoji="1" lang="ja-JP" altLang="en-US"/>
+            <a:endParaRPr kumimoji="1" lang="ja-JP" altLang="en-US" dirty="0"/>
           </a:p>
         </p:txBody>
       </p:sp>
@@ -8722,44 +8829,44 @@
           <a:p>
             <a:r>
               <a:rPr lang="ja-JP" altLang="en-US" dirty="0" smtClean="0"/>
-              <a:t>インストールスクリプトの権限変更</a:t>
-            </a:r>
-            <a:endParaRPr lang="en-US" altLang="ja-JP" dirty="0"/>
+              <a:t>インストールスクリプトの解凍</a:t>
+            </a:r>
+            <a:endParaRPr lang="en-US" altLang="ja-JP" dirty="0" smtClean="0"/>
           </a:p>
           <a:p>
             <a:pPr lvl="1"/>
             <a:r>
-              <a:rPr lang="en-US" altLang="ja-JP" dirty="0"/>
+              <a:rPr lang="en-US" altLang="ja-JP" dirty="0" smtClean="0"/>
               <a:t>Zip</a:t>
             </a:r>
             <a:r>
-              <a:rPr lang="ja-JP" altLang="en-US" dirty="0"/>
-              <a:t>ファイルを解凍し、インストールスクリプトの権限を変更します。</a:t>
-            </a:r>
-            <a:r>
-              <a:rPr lang="en-US" altLang="ja-JP" dirty="0"/>
+              <a:rPr lang="ja-JP" altLang="en-US" dirty="0" smtClean="0"/>
+              <a:t>ファイルを解凍します。</a:t>
+            </a:r>
+            <a:r>
+              <a:rPr lang="en-US" altLang="ja-JP" dirty="0" smtClean="0"/>
               <a:t/>
             </a:r>
             <a:br>
-              <a:rPr lang="en-US" altLang="ja-JP" dirty="0"/>
+              <a:rPr lang="en-US" altLang="ja-JP" dirty="0" smtClean="0"/>
             </a:br>
             <a:r>
-              <a:rPr lang="en-US" altLang="ja-JP" dirty="0"/>
+              <a:rPr lang="en-US" altLang="ja-JP" dirty="0" smtClean="0"/>
               <a:t/>
             </a:r>
             <a:br>
-              <a:rPr lang="en-US" altLang="ja-JP" dirty="0"/>
+              <a:rPr lang="en-US" altLang="ja-JP" dirty="0" smtClean="0"/>
             </a:br>
             <a:r>
-              <a:rPr lang="en-US" altLang="ja-JP" sz="1400" dirty="0"/>
+              <a:rPr lang="en-US" altLang="ja-JP" sz="1400" dirty="0" smtClean="0"/>
               <a:t>$ tar </a:t>
             </a:r>
             <a:r>
-              <a:rPr lang="en-US" altLang="ja-JP" sz="1400" dirty="0" err="1"/>
+              <a:rPr lang="en-US" altLang="ja-JP" sz="1400" dirty="0" err="1" smtClean="0"/>
               <a:t>zxf</a:t>
             </a:r>
             <a:r>
-              <a:rPr lang="ja-JP" altLang="en-US" sz="1400" dirty="0"/>
+              <a:rPr lang="ja-JP" altLang="en-US" sz="1400" dirty="0" smtClean="0"/>
               <a:t> </a:t>
             </a:r>
             <a:r>
@@ -8778,80 +8885,14 @@
               <a:rPr lang="en-US" altLang="ja-JP" sz="1400" dirty="0" smtClean="0"/>
               <a:t>.tar.gz</a:t>
             </a:r>
-            <a:r>
-              <a:rPr lang="en-US" altLang="ja-JP" sz="1400" dirty="0"/>
-              <a:t/>
-            </a:r>
             <a:br>
-              <a:rPr lang="en-US" altLang="ja-JP" sz="1400" dirty="0"/>
+              <a:rPr lang="en-US" altLang="ja-JP" sz="1400" dirty="0" smtClean="0"/>
             </a:br>
-            <a:r>
-              <a:rPr lang="en-US" altLang="ja-JP" sz="1400" dirty="0"/>
-              <a:t>$ find ./</a:t>
-            </a:r>
-            <a:r>
-              <a:rPr lang="en-US" altLang="ja-JP" sz="1400" dirty="0" err="1" smtClean="0"/>
-              <a:t>oase</a:t>
-            </a:r>
-            <a:r>
-              <a:rPr lang="en-US" altLang="ja-JP" sz="1400" dirty="0" smtClean="0"/>
-              <a:t>/</a:t>
-            </a:r>
-            <a:r>
-              <a:rPr lang="en-US" altLang="ja-JP" sz="1400" dirty="0" err="1" smtClean="0"/>
-              <a:t>oase_install_package</a:t>
-            </a:r>
-            <a:r>
-              <a:rPr lang="en-US" altLang="ja-JP" sz="1400" dirty="0" smtClean="0"/>
-              <a:t>/</a:t>
-            </a:r>
-            <a:r>
-              <a:rPr lang="en-US" altLang="ja-JP" sz="1400" dirty="0" err="1" smtClean="0"/>
-              <a:t>install_scripts</a:t>
-            </a:r>
-            <a:r>
-              <a:rPr lang="en-US" altLang="ja-JP" sz="1400" dirty="0"/>
-              <a:t>/ -type f -name *.</a:t>
-            </a:r>
-            <a:r>
-              <a:rPr lang="en-US" altLang="ja-JP" sz="1400" dirty="0" err="1"/>
-              <a:t>sh</a:t>
-            </a:r>
-            <a:r>
-              <a:rPr lang="en-US" altLang="ja-JP" sz="1400" dirty="0"/>
-              <a:t> | </a:t>
-            </a:r>
-            <a:r>
-              <a:rPr lang="en-US" altLang="ja-JP" sz="1400" dirty="0" err="1"/>
-              <a:t>xargs</a:t>
-            </a:r>
-            <a:r>
-              <a:rPr lang="en-US" altLang="ja-JP" sz="1400" dirty="0"/>
-              <a:t> </a:t>
-            </a:r>
-            <a:r>
-              <a:rPr lang="en-US" altLang="ja-JP" sz="1400" dirty="0" err="1"/>
-              <a:t>chmod</a:t>
-            </a:r>
-            <a:r>
-              <a:rPr lang="en-US" altLang="ja-JP" sz="1400" dirty="0"/>
-              <a:t> </a:t>
-            </a:r>
-            <a:r>
-              <a:rPr lang="en-US" altLang="ja-JP" sz="1400" dirty="0" smtClean="0"/>
-              <a:t>755</a:t>
-            </a:r>
-            <a:endParaRPr lang="en-US" altLang="ja-JP" dirty="0"/>
-          </a:p>
-          <a:p>
-            <a:pPr marL="180000" lvl="1" indent="0">
-              <a:buNone/>
-            </a:pPr>
             <a:endParaRPr lang="en-US" altLang="ja-JP" dirty="0" smtClean="0"/>
           </a:p>
           <a:p>
             <a:r>
-              <a:rPr lang="en-US" altLang="ja-JP" dirty="0"/>
+              <a:rPr lang="en-US" altLang="ja-JP" dirty="0" smtClean="0"/>
               <a:t>answers</a:t>
             </a:r>
             <a:r>
@@ -8900,6 +8941,13 @@
   <p:clrMapOvr>
     <a:masterClrMapping/>
   </p:clrMapOvr>
+  <p:timing>
+    <p:tnLst>
+      <p:par>
+        <p:cTn id="1" dur="indefinite" restart="never" nodeType="tmRoot"/>
+      </p:par>
+    </p:tnLst>
+  </p:timing>
 </p:sld>
 </file>
 
@@ -8936,22 +8984,22 @@
           <a:lstStyle/>
           <a:p>
             <a:r>
-              <a:rPr lang="en-US" altLang="ja-JP"/>
-              <a:t>3.6</a:t>
-            </a:r>
-            <a:r>
-              <a:rPr lang="ja-JP" altLang="en-US"/>
+              <a:rPr lang="en-US" altLang="ja-JP" dirty="0" smtClean="0"/>
+              <a:t>3.5</a:t>
+            </a:r>
+            <a:r>
+              <a:rPr lang="ja-JP" altLang="en-US" dirty="0"/>
               <a:t>　環境構築（</a:t>
             </a:r>
             <a:r>
-              <a:rPr lang="en-US" altLang="ja-JP"/>
-              <a:t>2/7</a:t>
-            </a:r>
-            <a:r>
-              <a:rPr lang="ja-JP" altLang="en-US"/>
+              <a:rPr lang="en-US" altLang="ja-JP" dirty="0" smtClean="0"/>
+              <a:t>2/11</a:t>
+            </a:r>
+            <a:r>
+              <a:rPr lang="ja-JP" altLang="en-US" dirty="0" smtClean="0"/>
               <a:t>）</a:t>
             </a:r>
-            <a:endParaRPr kumimoji="1" lang="ja-JP" altLang="en-US"/>
+            <a:endParaRPr kumimoji="1" lang="ja-JP" altLang="en-US" dirty="0"/>
           </a:p>
         </p:txBody>
       </p:sp>
@@ -8978,80 +9026,84 @@
           <a:lstStyle/>
           <a:p>
             <a:r>
-              <a:rPr lang="en-US" altLang="ja-JP"/>
+              <a:rPr lang="en-US" altLang="ja-JP" dirty="0"/>
               <a:t>answers</a:t>
             </a:r>
             <a:r>
-              <a:rPr lang="ja-JP" altLang="en-US"/>
+              <a:rPr lang="ja-JP" altLang="en-US" dirty="0"/>
               <a:t>ファイル編集</a:t>
             </a:r>
             <a:r>
-              <a:rPr lang="en-US" altLang="ja-JP"/>
-              <a:t>(1/2)</a:t>
-            </a:r>
-            <a:endParaRPr lang="ja-JP" altLang="en-US"/>
+              <a:rPr lang="en-US" altLang="ja-JP" dirty="0"/>
+              <a:t>(</a:t>
+            </a:r>
+            <a:r>
+              <a:rPr lang="en-US" altLang="ja-JP" dirty="0" smtClean="0"/>
+              <a:t>1/3)</a:t>
+            </a:r>
+            <a:endParaRPr lang="ja-JP" altLang="en-US" dirty="0"/>
           </a:p>
           <a:p>
             <a:pPr lvl="1"/>
             <a:r>
-              <a:rPr lang="en-US" altLang="ja-JP"/>
+              <a:rPr lang="en-US" altLang="ja-JP" dirty="0"/>
               <a:t>OASE</a:t>
             </a:r>
             <a:r>
-              <a:rPr lang="ja-JP" altLang="en-US"/>
+              <a:rPr lang="ja-JP" altLang="en-US" dirty="0"/>
               <a:t>環境構築の設定を行うセッティングファイル</a:t>
             </a:r>
             <a:r>
-              <a:rPr lang="en-US" altLang="ja-JP"/>
+              <a:rPr lang="en-US" altLang="ja-JP" dirty="0"/>
               <a:t>(oase_answers.txt)</a:t>
             </a:r>
             <a:r>
-              <a:rPr lang="ja-JP" altLang="en-US"/>
+              <a:rPr lang="ja-JP" altLang="en-US" dirty="0"/>
               <a:t>の</a:t>
             </a:r>
-            <a:endParaRPr lang="en-US" altLang="ja-JP"/>
+            <a:endParaRPr lang="en-US" altLang="ja-JP" dirty="0"/>
           </a:p>
           <a:p>
             <a:pPr marL="180000" lvl="1" indent="0">
               <a:buNone/>
             </a:pPr>
             <a:r>
-              <a:rPr lang="en-US" altLang="ja-JP"/>
+              <a:rPr lang="en-US" altLang="ja-JP" dirty="0"/>
               <a:t>  </a:t>
             </a:r>
             <a:r>
-              <a:rPr lang="ja-JP" altLang="en-US"/>
+              <a:rPr lang="ja-JP" altLang="en-US" dirty="0"/>
               <a:t>編集方法を以下に示します。</a:t>
             </a:r>
             <a:r>
-              <a:rPr lang="en-US" altLang="ja-JP"/>
+              <a:rPr lang="en-US" altLang="ja-JP" dirty="0"/>
               <a:t/>
             </a:r>
             <a:br>
-              <a:rPr lang="en-US" altLang="ja-JP"/>
+              <a:rPr lang="en-US" altLang="ja-JP" dirty="0"/>
             </a:br>
             <a:r>
-              <a:rPr lang="en-US" altLang="ja-JP"/>
+              <a:rPr lang="en-US" altLang="ja-JP" dirty="0"/>
               <a:t/>
             </a:r>
             <a:br>
-              <a:rPr lang="en-US" altLang="ja-JP"/>
+              <a:rPr lang="en-US" altLang="ja-JP" dirty="0"/>
             </a:br>
             <a:r>
-              <a:rPr lang="en-US" altLang="ja-JP"/>
+              <a:rPr lang="en-US" altLang="ja-JP" dirty="0"/>
               <a:t/>
             </a:r>
             <a:br>
-              <a:rPr lang="en-US" altLang="ja-JP"/>
+              <a:rPr lang="en-US" altLang="ja-JP" dirty="0"/>
             </a:br>
-            <a:endParaRPr lang="en-US" altLang="ja-JP"/>
-          </a:p>
-          <a:p>
-            <a:endParaRPr lang="en-US" altLang="ja-JP"/>
+            <a:endParaRPr lang="en-US" altLang="ja-JP" dirty="0"/>
+          </a:p>
+          <a:p>
+            <a:endParaRPr lang="en-US" altLang="ja-JP" dirty="0"/>
           </a:p>
           <a:p>
             <a:pPr lvl="1"/>
-            <a:endParaRPr lang="en-US" altLang="ja-JP"/>
+            <a:endParaRPr lang="en-US" altLang="ja-JP" dirty="0"/>
           </a:p>
         </p:txBody>
       </p:sp>
@@ -9064,14 +9116,14 @@
           <p:nvPr>
             <p:extLst>
               <p:ext uri="{D42A27DB-BD31-4B8C-83A1-F6EECF244321}">
-                <p14:modId xmlns:p14="http://schemas.microsoft.com/office/powerpoint/2010/main" val="1534822224"/>
+                <p14:modId xmlns:p14="http://schemas.microsoft.com/office/powerpoint/2010/main" val="2071803994"/>
               </p:ext>
             </p:extLst>
           </p:nvPr>
         </p:nvGraphicFramePr>
         <p:xfrm>
           <a:off x="179513" y="1683186"/>
-          <a:ext cx="8784000" cy="4704014"/>
+          <a:ext cx="8784000" cy="4862557"/>
         </p:xfrm>
         <a:graphic>
           <a:graphicData uri="http://schemas.openxmlformats.org/drawingml/2006/table">
@@ -9338,13 +9390,13 @@
                         </a:spcAft>
                       </a:pPr>
                       <a:r>
-                        <a:rPr lang="en-US" altLang="ja-JP" sz="900" kern="100" dirty="0">
+                        <a:rPr lang="en-US" altLang="ja-JP" sz="900" kern="100" dirty="0" err="1" smtClean="0">
                           <a:effectLst/>
                           <a:latin typeface="+mn-lt"/>
                           <a:ea typeface="+mn-ea"/>
                           <a:cs typeface="+mn-cs"/>
                         </a:rPr>
-                        <a:t>Install</a:t>
+                        <a:t>Install_Online</a:t>
                       </a:r>
                       <a:endParaRPr lang="ja-JP" sz="900" kern="100" dirty="0">
                         <a:effectLst/>
@@ -9370,7 +9422,146 @@
                           <a:spcPts val="0"/>
                         </a:spcAft>
                       </a:pPr>
-                      <a:endParaRPr lang="ja-JP" sz="1050" kern="100">
+                      <a:r>
+                        <a:rPr lang="ja-JP" altLang="en-US" sz="1050" kern="100" dirty="0" smtClean="0">
+                          <a:effectLst/>
+                          <a:latin typeface="+mn-lt"/>
+                          <a:ea typeface="ＭＳ 明朝" panose="02020609040205080304" pitchFamily="17" charset="-128"/>
+                          <a:cs typeface="Times New Roman" panose="02020603050405020304" pitchFamily="18" charset="0"/>
+                        </a:rPr>
+                        <a:t>インストールモードを選択</a:t>
+                      </a:r>
+                      <a:endParaRPr lang="en-US" altLang="ja-JP" sz="1050" kern="100" dirty="0" smtClean="0">
+                        <a:effectLst/>
+                        <a:latin typeface="+mn-lt"/>
+                        <a:ea typeface="ＭＳ 明朝" panose="02020609040205080304" pitchFamily="17" charset="-128"/>
+                        <a:cs typeface="Times New Roman" panose="02020603050405020304" pitchFamily="18" charset="0"/>
+                      </a:endParaRPr>
+                    </a:p>
+                    <a:p>
+                      <a:pPr algn="just">
+                        <a:spcAft>
+                          <a:spcPts val="0"/>
+                        </a:spcAft>
+                      </a:pPr>
+                      <a:r>
+                        <a:rPr lang="en-US" altLang="ja-JP" sz="1050" kern="100" dirty="0" smtClean="0">
+                          <a:effectLst/>
+                          <a:latin typeface="Century" panose="02040604050505020304" pitchFamily="18" charset="0"/>
+                          <a:ea typeface="ＭＳ 明朝" panose="02020609040205080304" pitchFamily="17" charset="-128"/>
+                          <a:cs typeface="Times New Roman" panose="02020603050405020304" pitchFamily="18" charset="0"/>
+                        </a:rPr>
+                        <a:t>(</a:t>
+                      </a:r>
+                      <a:r>
+                        <a:rPr lang="en-US" altLang="ja-JP" sz="1050" kern="100" dirty="0" err="1" smtClean="0">
+                          <a:effectLst/>
+                          <a:latin typeface="Century" panose="02040604050505020304" pitchFamily="18" charset="0"/>
+                          <a:ea typeface="ＭＳ 明朝" panose="02020609040205080304" pitchFamily="17" charset="-128"/>
+                          <a:cs typeface="Times New Roman" panose="02020603050405020304" pitchFamily="18" charset="0"/>
+                        </a:rPr>
+                        <a:t>Install_Online</a:t>
+                      </a:r>
+                      <a:r>
+                        <a:rPr lang="en-US" altLang="ja-JP" sz="1050" kern="100" dirty="0" smtClean="0">
+                          <a:effectLst/>
+                          <a:latin typeface="Century" panose="02040604050505020304" pitchFamily="18" charset="0"/>
+                          <a:ea typeface="ＭＳ 明朝" panose="02020609040205080304" pitchFamily="17" charset="-128"/>
+                          <a:cs typeface="Times New Roman" panose="02020603050405020304" pitchFamily="18" charset="0"/>
+                        </a:rPr>
+                        <a:t>, </a:t>
+                      </a:r>
+                      <a:r>
+                        <a:rPr lang="en-US" altLang="ja-JP" sz="1050" kern="100" dirty="0" err="1" smtClean="0">
+                          <a:effectLst/>
+                          <a:latin typeface="Century" panose="02040604050505020304" pitchFamily="18" charset="0"/>
+                          <a:ea typeface="ＭＳ 明朝" panose="02020609040205080304" pitchFamily="17" charset="-128"/>
+                          <a:cs typeface="Times New Roman" panose="02020603050405020304" pitchFamily="18" charset="0"/>
+                        </a:rPr>
+                        <a:t>Install_Offline</a:t>
+                      </a:r>
+                      <a:r>
+                        <a:rPr lang="en-US" altLang="ja-JP" sz="1050" kern="100" dirty="0" smtClean="0">
+                          <a:effectLst/>
+                          <a:latin typeface="Century" panose="02040604050505020304" pitchFamily="18" charset="0"/>
+                          <a:ea typeface="ＭＳ 明朝" panose="02020609040205080304" pitchFamily="17" charset="-128"/>
+                          <a:cs typeface="Times New Roman" panose="02020603050405020304" pitchFamily="18" charset="0"/>
+                        </a:rPr>
+                        <a:t>, </a:t>
+                      </a:r>
+                      <a:r>
+                        <a:rPr lang="en-US" altLang="ja-JP" sz="1050" kern="100" dirty="0" err="1" smtClean="0">
+                          <a:effectLst/>
+                          <a:latin typeface="Century" panose="02040604050505020304" pitchFamily="18" charset="0"/>
+                          <a:ea typeface="ＭＳ 明朝" panose="02020609040205080304" pitchFamily="17" charset="-128"/>
+                          <a:cs typeface="Times New Roman" panose="02020603050405020304" pitchFamily="18" charset="0"/>
+                        </a:rPr>
+                        <a:t>Gather_Library</a:t>
+                      </a:r>
+                      <a:r>
+                        <a:rPr lang="en-US" altLang="ja-JP" sz="1050" kern="100" dirty="0" smtClean="0">
+                          <a:effectLst/>
+                          <a:latin typeface="Century" panose="02040604050505020304" pitchFamily="18" charset="0"/>
+                          <a:ea typeface="ＭＳ 明朝" panose="02020609040205080304" pitchFamily="17" charset="-128"/>
+                          <a:cs typeface="Times New Roman" panose="02020603050405020304" pitchFamily="18" charset="0"/>
+                        </a:rPr>
+                        <a:t>,</a:t>
+                      </a:r>
+                      <a:r>
+                        <a:rPr lang="ja-JP" altLang="en-US" sz="1050" kern="100" baseline="0" dirty="0" smtClean="0">
+                          <a:effectLst/>
+                          <a:latin typeface="Century" panose="02040604050505020304" pitchFamily="18" charset="0"/>
+                          <a:ea typeface="ＭＳ 明朝" panose="02020609040205080304" pitchFamily="17" charset="-128"/>
+                          <a:cs typeface="Times New Roman" panose="02020603050405020304" pitchFamily="18" charset="0"/>
+                        </a:rPr>
+                        <a:t> </a:t>
+                      </a:r>
+                      <a:r>
+                        <a:rPr lang="en-US" altLang="ja-JP" sz="1050" kern="100" baseline="0" dirty="0" err="1" smtClean="0">
+                          <a:effectLst/>
+                          <a:latin typeface="Century" panose="02040604050505020304" pitchFamily="18" charset="0"/>
+                          <a:ea typeface="ＭＳ 明朝" panose="02020609040205080304" pitchFamily="17" charset="-128"/>
+                          <a:cs typeface="Times New Roman" panose="02020603050405020304" pitchFamily="18" charset="0"/>
+                        </a:rPr>
+                        <a:t>Versionup_All</a:t>
+                      </a:r>
+                      <a:r>
+                        <a:rPr lang="en-US" altLang="ja-JP" sz="1050" kern="100" baseline="0" dirty="0" smtClean="0">
+                          <a:effectLst/>
+                          <a:latin typeface="Century" panose="02040604050505020304" pitchFamily="18" charset="0"/>
+                          <a:ea typeface="ＭＳ 明朝" panose="02020609040205080304" pitchFamily="17" charset="-128"/>
+                          <a:cs typeface="Times New Roman" panose="02020603050405020304" pitchFamily="18" charset="0"/>
+                        </a:rPr>
+                        <a:t>,</a:t>
+                      </a:r>
+                      <a:r>
+                        <a:rPr lang="en-US" altLang="ja-JP" sz="1050" kern="100" dirty="0" smtClean="0">
+                          <a:effectLst/>
+                          <a:latin typeface="Century" panose="02040604050505020304" pitchFamily="18" charset="0"/>
+                          <a:ea typeface="ＭＳ 明朝" panose="02020609040205080304" pitchFamily="17" charset="-128"/>
+                          <a:cs typeface="Times New Roman" panose="02020603050405020304" pitchFamily="18" charset="0"/>
+                        </a:rPr>
+                        <a:t> </a:t>
+                      </a:r>
+                      <a:r>
+                        <a:rPr lang="en-US" altLang="ja-JP" sz="1050" kern="100" dirty="0" err="1" smtClean="0">
+                          <a:effectLst/>
+                          <a:latin typeface="Century" panose="02040604050505020304" pitchFamily="18" charset="0"/>
+                          <a:ea typeface="ＭＳ 明朝" panose="02020609040205080304" pitchFamily="17" charset="-128"/>
+                          <a:cs typeface="Times New Roman" panose="02020603050405020304" pitchFamily="18" charset="0"/>
+                        </a:rPr>
+                        <a:t>Versionup_OASE</a:t>
+                      </a:r>
+                      <a:r>
+                        <a:rPr lang="en-US" altLang="ja-JP" sz="1050" kern="100" dirty="0" smtClean="0">
+                          <a:effectLst/>
+                          <a:latin typeface="Century" panose="02040604050505020304" pitchFamily="18" charset="0"/>
+                          <a:ea typeface="ＭＳ 明朝" panose="02020609040205080304" pitchFamily="17" charset="-128"/>
+                          <a:cs typeface="Times New Roman" panose="02020603050405020304" pitchFamily="18" charset="0"/>
+                        </a:rPr>
+                        <a:t>, Uninstall)</a:t>
+                      </a:r>
+                      <a:endParaRPr lang="ja-JP" sz="1050" kern="100" dirty="0">
                         <a:effectLst/>
                         <a:latin typeface="Century" panose="02040604050505020304" pitchFamily="18" charset="0"/>
                         <a:ea typeface="ＭＳ 明朝" panose="02020609040205080304" pitchFamily="17" charset="-128"/>
@@ -9519,18 +9710,18 @@
                         <a:defRPr/>
                       </a:pPr>
                       <a:r>
-                        <a:rPr lang="en-US" altLang="ja-JP" sz="1050" kern="100" err="1">
+                        <a:rPr lang="en-US" altLang="ja-JP" sz="1050" kern="100" dirty="0" err="1">
                           <a:effectLst/>
                         </a:rPr>
                         <a:t>RabbitMQ</a:t>
                       </a:r>
                       <a:r>
-                        <a:rPr lang="ja-JP" altLang="en-US" sz="1050" kern="100">
+                        <a:rPr lang="ja-JP" altLang="en-US" sz="1050" kern="100" dirty="0">
                           <a:effectLst/>
                         </a:rPr>
                         <a:t>のユーザー名</a:t>
                       </a:r>
-                      <a:endParaRPr lang="ja-JP" altLang="ja-JP" sz="1050" kern="100">
+                      <a:endParaRPr lang="ja-JP" altLang="ja-JP" sz="1050" kern="100" dirty="0">
                         <a:effectLst/>
                         <a:latin typeface="Century" panose="02040604050505020304" pitchFamily="18" charset="0"/>
                         <a:ea typeface="ＭＳ 明朝" panose="02020609040205080304" pitchFamily="17" charset="-128"/>
@@ -9679,18 +9870,18 @@
                         <a:defRPr/>
                       </a:pPr>
                       <a:r>
-                        <a:rPr lang="en-US" altLang="ja-JP" sz="1050" kern="100" err="1">
+                        <a:rPr lang="en-US" altLang="ja-JP" sz="1050" kern="100" dirty="0" err="1">
                           <a:effectLst/>
                         </a:rPr>
                         <a:t>RabbitMQ</a:t>
                       </a:r>
                       <a:r>
-                        <a:rPr lang="ja-JP" altLang="en-US" sz="1050" kern="100">
+                        <a:rPr lang="ja-JP" altLang="en-US" sz="1050" kern="100" dirty="0">
                           <a:effectLst/>
                         </a:rPr>
                         <a:t>のパスワード</a:t>
                       </a:r>
-                      <a:endParaRPr lang="ja-JP" altLang="ja-JP" sz="1050" kern="100">
+                      <a:endParaRPr lang="ja-JP" altLang="ja-JP" sz="1050" kern="100" dirty="0">
                         <a:effectLst/>
                         <a:latin typeface="Century" panose="02040604050505020304" pitchFamily="18" charset="0"/>
                         <a:ea typeface="ＭＳ 明朝" panose="02020609040205080304" pitchFamily="17" charset="-128"/>
@@ -9839,7 +10030,7 @@
                         <a:defRPr/>
                       </a:pPr>
                       <a:r>
-                        <a:rPr lang="en-US" altLang="ja-JP" sz="1050" kern="100" err="1">
+                        <a:rPr lang="en-US" altLang="ja-JP" sz="1050" kern="100" dirty="0" err="1">
                           <a:effectLst/>
                           <a:latin typeface="+mn-lt"/>
                           <a:ea typeface="+mn-ea"/>
@@ -9848,7 +10039,7 @@
                         <a:t>RabbitMQ</a:t>
                       </a:r>
                       <a:r>
-                        <a:rPr lang="ja-JP" altLang="en-US" sz="1050" kern="100">
+                        <a:rPr lang="ja-JP" altLang="en-US" sz="1050" kern="100" dirty="0">
                           <a:effectLst/>
                           <a:latin typeface="+mn-lt"/>
                           <a:ea typeface="+mn-ea"/>
@@ -9857,7 +10048,7 @@
                         <a:t>のキューの</a:t>
                       </a:r>
                       <a:r>
-                        <a:rPr lang="ja-JP" altLang="en-US" sz="1050" kern="100" smtClean="0">
+                        <a:rPr lang="ja-JP" altLang="en-US" sz="1050" kern="100" dirty="0" smtClean="0">
                           <a:effectLst/>
                           <a:latin typeface="+mn-lt"/>
                           <a:ea typeface="+mn-ea"/>
@@ -9865,7 +10056,7 @@
                         </a:rPr>
                         <a:t>名前（生成されるので任意のもの）</a:t>
                       </a:r>
-                      <a:endParaRPr lang="ja-JP" altLang="ja-JP" sz="1050" kern="100">
+                      <a:endParaRPr lang="ja-JP" altLang="ja-JP" sz="1050" kern="100" dirty="0">
                         <a:effectLst/>
                         <a:latin typeface="Century" panose="02040604050505020304" pitchFamily="18" charset="0"/>
                         <a:ea typeface="ＭＳ 明朝" panose="02020609040205080304" pitchFamily="17" charset="-128"/>
@@ -10011,30 +10202,30 @@
                         <a:defRPr/>
                       </a:pPr>
                       <a:r>
-                        <a:rPr lang="en-US" altLang="ja-JP" sz="1050" kern="100" err="1">
+                        <a:rPr lang="en-US" altLang="ja-JP" sz="1050" kern="100" dirty="0" err="1">
                           <a:effectLst/>
                         </a:rPr>
                         <a:t>RabbitMQ</a:t>
                       </a:r>
                       <a:r>
-                        <a:rPr lang="ja-JP" altLang="en-US" sz="1050" kern="100">
+                        <a:rPr lang="ja-JP" altLang="en-US" sz="1050" kern="100" dirty="0">
                           <a:effectLst/>
                         </a:rPr>
                         <a:t>の</a:t>
                       </a:r>
                       <a:r>
-                        <a:rPr lang="en-US" altLang="ja-JP" sz="1050" kern="100">
+                        <a:rPr lang="en-US" altLang="ja-JP" sz="1050" kern="100" dirty="0">
                           <a:effectLst/>
                         </a:rPr>
                         <a:t>IP</a:t>
                       </a:r>
                       <a:r>
-                        <a:rPr lang="ja-JP" altLang="en-US" sz="1050" kern="100">
+                        <a:rPr lang="ja-JP" altLang="en-US" sz="1050" kern="100" dirty="0">
                           <a:effectLst/>
                         </a:rPr>
                         <a:t>アドレス</a:t>
                       </a:r>
-                      <a:endParaRPr lang="ja-JP" altLang="ja-JP" sz="1050" kern="100">
+                      <a:endParaRPr lang="ja-JP" altLang="ja-JP" sz="1050" kern="100" dirty="0">
                         <a:effectLst/>
                         <a:latin typeface="Century" panose="02040604050505020304" pitchFamily="18" charset="0"/>
                         <a:ea typeface="ＭＳ 明朝" panose="02020609040205080304" pitchFamily="17" charset="-128"/>
@@ -10177,7 +10368,7 @@
                         </a:spcAft>
                       </a:pPr>
                       <a:r>
-                        <a:rPr kumimoji="1" lang="en-US" altLang="ja-JP" sz="1050" kern="100">
+                        <a:rPr kumimoji="1" lang="en-US" altLang="ja-JP" sz="1050" kern="100" dirty="0" err="1" smtClean="0">
                           <a:solidFill>
                             <a:schemeClr val="dk1"/>
                           </a:solidFill>
@@ -10186,10 +10377,10 @@
                           <a:ea typeface="+mn-ea"/>
                           <a:cs typeface="+mn-cs"/>
                         </a:rPr>
-                        <a:t>MySQL</a:t>
-                      </a:r>
-                      <a:r>
-                        <a:rPr kumimoji="1" lang="ja-JP" altLang="en-US" sz="1050" kern="100">
+                        <a:t>MariaDB</a:t>
+                      </a:r>
+                      <a:r>
+                        <a:rPr kumimoji="1" lang="ja-JP" altLang="en-US" sz="1050" kern="100" dirty="0" smtClean="0">
                           <a:solidFill>
                             <a:schemeClr val="dk1"/>
                           </a:solidFill>
@@ -10201,7 +10392,7 @@
                         <a:t>の</a:t>
                       </a:r>
                       <a:r>
-                        <a:rPr kumimoji="1" lang="en-US" altLang="ja-JP" sz="1050" kern="100">
+                        <a:rPr kumimoji="1" lang="en-US" altLang="ja-JP" sz="1050" kern="100" dirty="0">
                           <a:solidFill>
                             <a:schemeClr val="dk1"/>
                           </a:solidFill>
@@ -10213,7 +10404,7 @@
                         <a:t>root</a:t>
                       </a:r>
                       <a:r>
-                        <a:rPr kumimoji="1" lang="ja-JP" altLang="en-US" sz="1050" kern="100">
+                        <a:rPr kumimoji="1" lang="ja-JP" altLang="en-US" sz="1050" kern="100" dirty="0">
                           <a:solidFill>
                             <a:schemeClr val="dk1"/>
                           </a:solidFill>
@@ -10224,7 +10415,7 @@
                         </a:rPr>
                         <a:t>パスワード</a:t>
                       </a:r>
-                      <a:endParaRPr kumimoji="1" lang="ja-JP" altLang="ja-JP" sz="1050" kern="100">
+                      <a:endParaRPr kumimoji="1" lang="ja-JP" altLang="ja-JP" sz="1050" kern="100" dirty="0">
                         <a:solidFill>
                           <a:schemeClr val="dk1"/>
                         </a:solidFill>
@@ -10382,7 +10573,7 @@
                         </a:spcAft>
                       </a:pPr>
                       <a:r>
-                        <a:rPr lang="en-US" altLang="ja-JP" sz="1050" kern="100">
+                        <a:rPr lang="en-US" altLang="ja-JP" sz="1050" kern="100" dirty="0" smtClean="0">
                           <a:effectLst/>
                           <a:latin typeface="+mn-lt"/>
                           <a:ea typeface="+mn-ea"/>
@@ -10391,7 +10582,7 @@
                         <a:t>OASE</a:t>
                       </a:r>
                       <a:r>
-                        <a:rPr lang="ja-JP" altLang="en-US" sz="1050" kern="100">
+                        <a:rPr lang="ja-JP" altLang="en-US" sz="1050" kern="100" dirty="0" smtClean="0">
                           <a:effectLst/>
                           <a:latin typeface="+mn-lt"/>
                           <a:ea typeface="+mn-ea"/>
@@ -10400,24 +10591,36 @@
                         <a:t>用</a:t>
                       </a:r>
                       <a:r>
-                        <a:rPr lang="en-US" altLang="ja-JP" sz="1050" kern="100">
+                        <a:rPr kumimoji="1" lang="en-US" altLang="ja-JP" sz="1050" kern="100" dirty="0" err="1" smtClean="0">
+                          <a:solidFill>
+                            <a:schemeClr val="dk1"/>
+                          </a:solidFill>
                           <a:effectLst/>
                           <a:latin typeface="+mn-lt"/>
                           <a:ea typeface="+mn-ea"/>
                           <a:cs typeface="+mn-cs"/>
                         </a:rPr>
-                        <a:t>MySQL</a:t>
-                      </a:r>
-                      <a:r>
-                        <a:rPr lang="ja-JP" altLang="en-US" sz="1050" kern="100">
+                        <a:t>MariaDB</a:t>
+                      </a:r>
+                      <a:r>
+                        <a:rPr lang="ja-JP" altLang="en-US" sz="1050" kern="100" dirty="0" smtClean="0">
                           <a:effectLst/>
                           <a:latin typeface="+mn-lt"/>
                           <a:ea typeface="+mn-ea"/>
                           <a:cs typeface="+mn-cs"/>
                         </a:rPr>
-                        <a:t>データベースの名前</a:t>
-                      </a:r>
-                      <a:endParaRPr lang="ja-JP" altLang="ja-JP" sz="1050" kern="100">
+                        <a:t>データベース</a:t>
+                      </a:r>
+                      <a:r>
+                        <a:rPr lang="ja-JP" altLang="en-US" sz="1050" kern="100" dirty="0">
+                          <a:effectLst/>
+                          <a:latin typeface="+mn-lt"/>
+                          <a:ea typeface="+mn-ea"/>
+                          <a:cs typeface="+mn-cs"/>
+                        </a:rPr>
+                        <a:t>の名前</a:t>
+                      </a:r>
+                      <a:endParaRPr lang="ja-JP" altLang="ja-JP" sz="1050" kern="100" dirty="0">
                         <a:effectLst/>
                         <a:latin typeface="Century" panose="02040604050505020304" pitchFamily="18" charset="0"/>
                         <a:ea typeface="ＭＳ 明朝" panose="02020609040205080304" pitchFamily="17" charset="-128"/>
@@ -10560,7 +10763,7 @@
                         </a:spcAft>
                       </a:pPr>
                       <a:r>
-                        <a:rPr lang="en-US" altLang="ja-JP" sz="1050" kern="100">
+                        <a:rPr lang="en-US" altLang="ja-JP" sz="1050" kern="100" dirty="0" smtClean="0">
                           <a:effectLst/>
                           <a:latin typeface="+mn-lt"/>
                           <a:ea typeface="+mn-ea"/>
@@ -10569,7 +10772,7 @@
                         <a:t>OASE</a:t>
                       </a:r>
                       <a:r>
-                        <a:rPr lang="ja-JP" altLang="en-US" sz="1050" kern="100">
+                        <a:rPr lang="ja-JP" altLang="en-US" sz="1050" kern="100" dirty="0" smtClean="0">
                           <a:effectLst/>
                           <a:latin typeface="+mn-lt"/>
                           <a:ea typeface="+mn-ea"/>
@@ -10578,24 +10781,36 @@
                         <a:t>用</a:t>
                       </a:r>
                       <a:r>
-                        <a:rPr lang="en-US" altLang="ja-JP" sz="1050" kern="100">
+                        <a:rPr kumimoji="1" lang="en-US" altLang="ja-JP" sz="1050" kern="100" dirty="0" err="1" smtClean="0">
+                          <a:solidFill>
+                            <a:schemeClr val="dk1"/>
+                          </a:solidFill>
                           <a:effectLst/>
                           <a:latin typeface="+mn-lt"/>
                           <a:ea typeface="+mn-ea"/>
                           <a:cs typeface="+mn-cs"/>
                         </a:rPr>
-                        <a:t>MySQL</a:t>
-                      </a:r>
-                      <a:r>
-                        <a:rPr lang="ja-JP" altLang="en-US" sz="1050" kern="100">
+                        <a:t>MariaDB</a:t>
+                      </a:r>
+                      <a:r>
+                        <a:rPr lang="ja-JP" altLang="en-US" sz="1050" kern="100" dirty="0" smtClean="0">
                           <a:effectLst/>
                           <a:latin typeface="+mn-lt"/>
                           <a:ea typeface="+mn-ea"/>
                           <a:cs typeface="+mn-cs"/>
                         </a:rPr>
-                        <a:t>データベースのユーザー名</a:t>
-                      </a:r>
-                      <a:endParaRPr lang="ja-JP" altLang="ja-JP" sz="1050" kern="100">
+                        <a:t>データベース</a:t>
+                      </a:r>
+                      <a:r>
+                        <a:rPr lang="ja-JP" altLang="en-US" sz="1050" kern="100" dirty="0">
+                          <a:effectLst/>
+                          <a:latin typeface="+mn-lt"/>
+                          <a:ea typeface="+mn-ea"/>
+                          <a:cs typeface="+mn-cs"/>
+                        </a:rPr>
+                        <a:t>のユーザー名</a:t>
+                      </a:r>
+                      <a:endParaRPr lang="ja-JP" altLang="ja-JP" sz="1050" kern="100" dirty="0">
                         <a:effectLst/>
                         <a:latin typeface="Century" panose="02040604050505020304" pitchFamily="18" charset="0"/>
                         <a:ea typeface="ＭＳ 明朝" panose="02020609040205080304" pitchFamily="17" charset="-128"/>
@@ -10738,7 +10953,7 @@
                         </a:spcAft>
                       </a:pPr>
                       <a:r>
-                        <a:rPr lang="en-US" altLang="ja-JP" sz="1050" kern="100">
+                        <a:rPr lang="en-US" altLang="ja-JP" sz="1050" kern="100" dirty="0" smtClean="0">
                           <a:effectLst/>
                           <a:latin typeface="+mn-lt"/>
                           <a:ea typeface="+mn-ea"/>
@@ -10747,7 +10962,7 @@
                         <a:t>OASE</a:t>
                       </a:r>
                       <a:r>
-                        <a:rPr lang="ja-JP" altLang="en-US" sz="1050" kern="100">
+                        <a:rPr lang="ja-JP" altLang="en-US" sz="1050" kern="100" dirty="0" smtClean="0">
                           <a:effectLst/>
                           <a:latin typeface="+mn-lt"/>
                           <a:ea typeface="+mn-ea"/>
@@ -10756,24 +10971,36 @@
                         <a:t>用</a:t>
                       </a:r>
                       <a:r>
-                        <a:rPr lang="en-US" altLang="ja-JP" sz="1050" kern="100">
+                        <a:rPr kumimoji="1" lang="en-US" altLang="ja-JP" sz="1050" kern="100" dirty="0" err="1" smtClean="0">
+                          <a:solidFill>
+                            <a:schemeClr val="dk1"/>
+                          </a:solidFill>
                           <a:effectLst/>
                           <a:latin typeface="+mn-lt"/>
                           <a:ea typeface="+mn-ea"/>
                           <a:cs typeface="+mn-cs"/>
                         </a:rPr>
-                        <a:t>MySQL</a:t>
-                      </a:r>
-                      <a:r>
-                        <a:rPr lang="ja-JP" altLang="en-US" sz="1050" kern="100">
+                        <a:t>MariaDB</a:t>
+                      </a:r>
+                      <a:r>
+                        <a:rPr lang="ja-JP" altLang="en-US" sz="1050" kern="100" dirty="0" smtClean="0">
                           <a:effectLst/>
                           <a:latin typeface="+mn-lt"/>
                           <a:ea typeface="+mn-ea"/>
                           <a:cs typeface="+mn-cs"/>
                         </a:rPr>
-                        <a:t>データベースのパスワード</a:t>
-                      </a:r>
-                      <a:endParaRPr lang="ja-JP" altLang="ja-JP" sz="1050" kern="100">
+                        <a:t>データベース</a:t>
+                      </a:r>
+                      <a:r>
+                        <a:rPr lang="ja-JP" altLang="en-US" sz="1050" kern="100" dirty="0">
+                          <a:effectLst/>
+                          <a:latin typeface="+mn-lt"/>
+                          <a:ea typeface="+mn-ea"/>
+                          <a:cs typeface="+mn-cs"/>
+                        </a:rPr>
+                        <a:t>のパスワード</a:t>
+                      </a:r>
+                      <a:endParaRPr lang="ja-JP" altLang="ja-JP" sz="1050" kern="100" dirty="0">
                         <a:effectLst/>
                         <a:latin typeface="Century" panose="02040604050505020304" pitchFamily="18" charset="0"/>
                         <a:ea typeface="ＭＳ 明朝" panose="02020609040205080304" pitchFamily="17" charset="-128"/>
@@ -11001,7 +11228,7 @@
                           </a:solidFill>
                           <a:effectLst/>
                         </a:rPr>
-                        <a:t>wildfly_root_directory</a:t>
+                        <a:t>jboss_root_directory</a:t>
                       </a:r>
                       <a:endParaRPr lang="ja-JP" sz="1000" kern="100" dirty="0">
                         <a:solidFill>
@@ -11106,7 +11333,7 @@
                         </a:spcAft>
                       </a:pPr>
                       <a:r>
-                        <a:rPr lang="en-US" altLang="ja-JP" sz="1050" kern="100" err="1">
+                        <a:rPr lang="en-US" altLang="ja-JP" sz="1050" kern="100" dirty="0" err="1">
                           <a:effectLst/>
                           <a:latin typeface="+mn-lt"/>
                           <a:ea typeface="+mn-ea"/>
@@ -11115,7 +11342,7 @@
                         <a:t>Jboss</a:t>
                       </a:r>
                       <a:r>
-                        <a:rPr lang="ja-JP" altLang="en-US" sz="1050" kern="100">
+                        <a:rPr lang="ja-JP" altLang="en-US" sz="1050" kern="100" dirty="0">
                           <a:effectLst/>
                           <a:latin typeface="+mn-lt"/>
                           <a:ea typeface="+mn-ea"/>
@@ -11123,7 +11350,7 @@
                         </a:rPr>
                         <a:t>のインストール先</a:t>
                       </a:r>
-                      <a:endParaRPr lang="ja-JP" sz="1050" kern="100">
+                      <a:endParaRPr lang="ja-JP" sz="1050" kern="100" dirty="0">
                         <a:effectLst/>
                         <a:latin typeface="Century" panose="02040604050505020304" pitchFamily="18" charset="0"/>
                         <a:ea typeface="ＭＳ 明朝" panose="02020609040205080304" pitchFamily="17" charset="-128"/>
@@ -11161,7 +11388,7 @@
                           </a:solidFill>
                           <a:effectLst/>
                         </a:rPr>
-                        <a:t>drools_adminname</a:t>
+                        <a:t>rhdm_adminname</a:t>
                       </a:r>
                       <a:endParaRPr lang="ja-JP" sz="1000" kern="100" dirty="0">
                         <a:solidFill>
@@ -11260,16 +11487,16 @@
                         </a:spcAft>
                       </a:pPr>
                       <a:r>
-                        <a:rPr lang="en-US" altLang="ja-JP" sz="1050" kern="100" smtClean="0">
+                        <a:rPr lang="en-US" altLang="ja-JP" sz="1050" kern="100" dirty="0" smtClean="0">
                           <a:effectLst/>
                           <a:latin typeface="Century" panose="02040604050505020304" pitchFamily="18" charset="0"/>
                           <a:ea typeface="ＭＳ 明朝" panose="02020609040205080304" pitchFamily="17" charset="-128"/>
                           <a:cs typeface="Times New Roman" panose="02020603050405020304" pitchFamily="18" charset="0"/>
                         </a:rPr>
-                        <a:t>Drools</a:t>
-                      </a:r>
-                      <a:r>
-                        <a:rPr lang="ja-JP" altLang="en-US" sz="1050" kern="100" smtClean="0">
+                        <a:t>RHDM</a:t>
+                      </a:r>
+                      <a:r>
+                        <a:rPr lang="ja-JP" altLang="en-US" sz="1050" kern="100" dirty="0" smtClean="0">
                           <a:effectLst/>
                           <a:latin typeface="Century" panose="02040604050505020304" pitchFamily="18" charset="0"/>
                           <a:ea typeface="ＭＳ 明朝" panose="02020609040205080304" pitchFamily="17" charset="-128"/>
@@ -11326,6 +11553,13 @@
   <p:clrMapOvr>
     <a:masterClrMapping/>
   </p:clrMapOvr>
+  <p:timing>
+    <p:tnLst>
+      <p:par>
+        <p:cTn id="1" dur="indefinite" restart="never" nodeType="tmRoot"/>
+      </p:par>
+    </p:tnLst>
+  </p:timing>
 </p:sld>
 </file>
 
@@ -11362,22 +11596,22 @@
           <a:lstStyle/>
           <a:p>
             <a:r>
-              <a:rPr lang="en-US" altLang="ja-JP"/>
-              <a:t>3.7</a:t>
-            </a:r>
-            <a:r>
-              <a:rPr lang="ja-JP" altLang="en-US"/>
+              <a:rPr lang="en-US" altLang="ja-JP" dirty="0" smtClean="0"/>
+              <a:t>3.6</a:t>
+            </a:r>
+            <a:r>
+              <a:rPr lang="ja-JP" altLang="en-US" dirty="0"/>
               <a:t>　環境構築（</a:t>
             </a:r>
             <a:r>
-              <a:rPr lang="en-US" altLang="ja-JP"/>
-              <a:t>3/7</a:t>
-            </a:r>
-            <a:r>
-              <a:rPr lang="ja-JP" altLang="en-US"/>
+              <a:rPr lang="en-US" altLang="ja-JP" dirty="0" smtClean="0"/>
+              <a:t>3/11</a:t>
+            </a:r>
+            <a:r>
+              <a:rPr lang="ja-JP" altLang="en-US" dirty="0" smtClean="0"/>
               <a:t>）</a:t>
             </a:r>
-            <a:endParaRPr kumimoji="1" lang="ja-JP" altLang="en-US"/>
+            <a:endParaRPr kumimoji="1" lang="ja-JP" altLang="en-US" dirty="0"/>
           </a:p>
         </p:txBody>
       </p:sp>
@@ -11404,80 +11638,84 @@
           <a:lstStyle/>
           <a:p>
             <a:r>
-              <a:rPr lang="en-US" altLang="ja-JP"/>
+              <a:rPr lang="en-US" altLang="ja-JP" dirty="0"/>
               <a:t>answers</a:t>
             </a:r>
             <a:r>
-              <a:rPr lang="ja-JP" altLang="en-US"/>
+              <a:rPr lang="ja-JP" altLang="en-US" dirty="0"/>
               <a:t>ファイル編集</a:t>
             </a:r>
             <a:r>
-              <a:rPr lang="en-US" altLang="ja-JP"/>
-              <a:t>(2/2)</a:t>
-            </a:r>
-            <a:endParaRPr lang="ja-JP" altLang="en-US"/>
+              <a:rPr lang="en-US" altLang="ja-JP" dirty="0"/>
+              <a:t>(</a:t>
+            </a:r>
+            <a:r>
+              <a:rPr lang="en-US" altLang="ja-JP" dirty="0" smtClean="0"/>
+              <a:t>2/3)</a:t>
+            </a:r>
+            <a:endParaRPr lang="ja-JP" altLang="en-US" dirty="0"/>
           </a:p>
           <a:p>
             <a:pPr lvl="1"/>
             <a:r>
-              <a:rPr lang="en-US" altLang="ja-JP"/>
+              <a:rPr lang="en-US" altLang="ja-JP" dirty="0"/>
               <a:t>OASE</a:t>
             </a:r>
             <a:r>
-              <a:rPr lang="ja-JP" altLang="en-US"/>
+              <a:rPr lang="ja-JP" altLang="en-US" dirty="0"/>
               <a:t>環境構築の設定を行うセッティングファイル</a:t>
             </a:r>
             <a:r>
-              <a:rPr lang="en-US" altLang="ja-JP"/>
+              <a:rPr lang="en-US" altLang="ja-JP" dirty="0"/>
               <a:t>(oase_answers.txt)</a:t>
             </a:r>
             <a:r>
-              <a:rPr lang="ja-JP" altLang="en-US"/>
+              <a:rPr lang="ja-JP" altLang="en-US" dirty="0"/>
               <a:t>の</a:t>
             </a:r>
-            <a:endParaRPr lang="en-US" altLang="ja-JP"/>
+            <a:endParaRPr lang="en-US" altLang="ja-JP" dirty="0"/>
           </a:p>
           <a:p>
             <a:pPr marL="180000" lvl="1" indent="0">
               <a:buNone/>
             </a:pPr>
             <a:r>
-              <a:rPr lang="en-US" altLang="ja-JP"/>
+              <a:rPr lang="en-US" altLang="ja-JP" dirty="0"/>
               <a:t>  </a:t>
             </a:r>
             <a:r>
-              <a:rPr lang="ja-JP" altLang="en-US"/>
+              <a:rPr lang="ja-JP" altLang="en-US" dirty="0"/>
               <a:t>編集方法を以下に示します。</a:t>
             </a:r>
             <a:r>
-              <a:rPr lang="en-US" altLang="ja-JP"/>
+              <a:rPr lang="en-US" altLang="ja-JP" dirty="0"/>
               <a:t/>
             </a:r>
             <a:br>
-              <a:rPr lang="en-US" altLang="ja-JP"/>
+              <a:rPr lang="en-US" altLang="ja-JP" dirty="0"/>
             </a:br>
             <a:r>
-              <a:rPr lang="en-US" altLang="ja-JP"/>
+              <a:rPr lang="en-US" altLang="ja-JP" dirty="0"/>
               <a:t/>
             </a:r>
             <a:br>
-              <a:rPr lang="en-US" altLang="ja-JP"/>
+              <a:rPr lang="en-US" altLang="ja-JP" dirty="0"/>
             </a:br>
             <a:r>
-              <a:rPr lang="en-US" altLang="ja-JP"/>
+              <a:rPr lang="en-US" altLang="ja-JP" dirty="0"/>
               <a:t/>
             </a:r>
             <a:br>
-              <a:rPr lang="en-US" altLang="ja-JP"/>
+              <a:rPr lang="en-US" altLang="ja-JP" dirty="0"/>
             </a:br>
-            <a:endParaRPr lang="en-US" altLang="ja-JP"/>
-          </a:p>
-          <a:p>
-            <a:endParaRPr lang="en-US" altLang="ja-JP"/>
+            <a:endParaRPr lang="en-US" altLang="ja-JP" dirty="0"/>
+          </a:p>
+          <a:p>
+            <a:endParaRPr lang="en-US" altLang="ja-JP" dirty="0"/>
           </a:p>
           <a:p>
             <a:pPr lvl="1"/>
-            <a:endParaRPr lang="en-US" altLang="ja-JP"/>
+            <a:endParaRPr lang="en-US" altLang="ja-JP" dirty="0"/>
           </a:p>
         </p:txBody>
       </p:sp>
@@ -11490,7 +11728,7 @@
           <p:nvPr>
             <p:extLst>
               <p:ext uri="{D42A27DB-BD31-4B8C-83A1-F6EECF244321}">
-                <p14:modId xmlns:p14="http://schemas.microsoft.com/office/powerpoint/2010/main" val="329173291"/>
+                <p14:modId xmlns:p14="http://schemas.microsoft.com/office/powerpoint/2010/main" val="3953663152"/>
               </p:ext>
             </p:extLst>
           </p:nvPr>
@@ -11547,7 +11785,7 @@
                         </a:spcAft>
                       </a:pPr>
                       <a:r>
-                        <a:rPr lang="ja-JP" sz="1000" kern="100">
+                        <a:rPr lang="ja-JP" sz="1000" kern="100" dirty="0">
                           <a:solidFill>
                             <a:schemeClr val="bg1"/>
                           </a:solidFill>
@@ -11555,7 +11793,7 @@
                         </a:rPr>
                         <a:t>種目</a:t>
                       </a:r>
-                      <a:endParaRPr lang="ja-JP" sz="1000" kern="100">
+                      <a:endParaRPr lang="ja-JP" sz="1000" kern="100" dirty="0">
                         <a:solidFill>
                           <a:schemeClr val="bg1"/>
                         </a:solidFill>
@@ -11704,7 +11942,7 @@
                           </a:solidFill>
                           <a:effectLst/>
                         </a:rPr>
-                        <a:t>drools_password</a:t>
+                        <a:t>rhdm_password</a:t>
                       </a:r>
                       <a:endParaRPr lang="ja-JP" sz="1100" kern="100" dirty="0">
                         <a:solidFill>
@@ -11797,7 +12035,7 @@
                         </a:spcAft>
                       </a:pPr>
                       <a:r>
-                        <a:rPr kumimoji="1" lang="en-US" altLang="ja-JP" sz="1100" kern="100" smtClean="0">
+                        <a:rPr kumimoji="1" lang="en-US" altLang="ja-JP" sz="1100" kern="100" dirty="0" smtClean="0">
                           <a:solidFill>
                             <a:schemeClr val="dk1"/>
                           </a:solidFill>
@@ -11806,10 +12044,10 @@
                           <a:ea typeface="+mn-ea"/>
                           <a:cs typeface="+mn-cs"/>
                         </a:rPr>
-                        <a:t>Drools</a:t>
-                      </a:r>
-                      <a:r>
-                        <a:rPr kumimoji="1" lang="ja-JP" altLang="en-US" sz="1100" kern="100" smtClean="0">
+                        <a:t>RHDM</a:t>
+                      </a:r>
+                      <a:r>
+                        <a:rPr kumimoji="1" lang="ja-JP" altLang="en-US" sz="1100" kern="100" dirty="0" smtClean="0">
                           <a:solidFill>
                             <a:schemeClr val="dk1"/>
                           </a:solidFill>
@@ -11966,16 +12204,16 @@
                         </a:spcAft>
                       </a:pPr>
                       <a:r>
-                        <a:rPr lang="en-US" altLang="ja-JP" sz="1100" kern="100" smtClean="0">
+                        <a:rPr lang="en-US" altLang="ja-JP" sz="1100" kern="100" dirty="0" smtClean="0">
                           <a:effectLst/>
                           <a:latin typeface="+mn-lt"/>
                           <a:ea typeface="+mn-ea"/>
                           <a:cs typeface="+mn-cs"/>
                         </a:rPr>
-                        <a:t>Drools</a:t>
-                      </a:r>
-                      <a:r>
-                        <a:rPr lang="ja-JP" altLang="en-US" sz="1100" kern="100" smtClean="0">
+                        <a:t>RHDM</a:t>
+                      </a:r>
+                      <a:r>
+                        <a:rPr lang="ja-JP" altLang="en-US" sz="1100" kern="100" dirty="0" smtClean="0">
                           <a:effectLst/>
                           <a:latin typeface="+mn-lt"/>
                           <a:ea typeface="+mn-ea"/>
@@ -11984,7 +12222,7 @@
                         <a:t>の</a:t>
                       </a:r>
                       <a:r>
-                        <a:rPr lang="en-US" altLang="ja-JP" sz="1100" kern="100">
+                        <a:rPr lang="en-US" altLang="ja-JP" sz="1100" kern="100" dirty="0">
                           <a:effectLst/>
                           <a:latin typeface="+mn-lt"/>
                           <a:ea typeface="+mn-ea"/>
@@ -11993,7 +12231,7 @@
                         <a:t>IP</a:t>
                       </a:r>
                       <a:r>
-                        <a:rPr lang="ja-JP" altLang="en-US" sz="1100" kern="100">
+                        <a:rPr lang="ja-JP" altLang="en-US" sz="1100" kern="100" dirty="0">
                           <a:effectLst/>
                           <a:latin typeface="+mn-lt"/>
                           <a:ea typeface="+mn-ea"/>
@@ -12001,7 +12239,7 @@
                         </a:rPr>
                         <a:t>アドレスとポート番号</a:t>
                       </a:r>
-                      <a:endParaRPr lang="ja-JP" sz="1100" kern="100">
+                      <a:endParaRPr lang="ja-JP" sz="1100" kern="100" dirty="0">
                         <a:effectLst/>
                         <a:latin typeface="Century" panose="02040604050505020304" pitchFamily="18" charset="0"/>
                         <a:ea typeface="ＭＳ 明朝" panose="02020609040205080304" pitchFamily="17" charset="-128"/>
@@ -12150,16 +12388,16 @@
                         </a:spcAft>
                       </a:pPr>
                       <a:r>
-                        <a:rPr lang="en-US" altLang="ja-JP" sz="1100" kern="100" smtClean="0">
+                        <a:rPr lang="en-US" altLang="ja-JP" sz="1100" kern="100" dirty="0" smtClean="0">
                           <a:effectLst/>
                           <a:latin typeface="+mn-lt"/>
                           <a:ea typeface="+mn-ea"/>
                           <a:cs typeface="+mn-cs"/>
                         </a:rPr>
-                        <a:t>Drools</a:t>
-                      </a:r>
-                      <a:r>
-                        <a:rPr lang="ja-JP" altLang="en-US" sz="1100" kern="100" smtClean="0">
+                        <a:t>RHDM</a:t>
+                      </a:r>
+                      <a:r>
+                        <a:rPr lang="ja-JP" altLang="en-US" sz="1100" kern="100" dirty="0" smtClean="0">
                           <a:effectLst/>
                           <a:latin typeface="+mn-lt"/>
                           <a:ea typeface="+mn-ea"/>
@@ -12168,7 +12406,7 @@
                         <a:t>の</a:t>
                       </a:r>
                       <a:r>
-                        <a:rPr lang="ja-JP" altLang="en-US" sz="1100" kern="100">
+                        <a:rPr lang="ja-JP" altLang="en-US" sz="1100" kern="100" dirty="0">
                           <a:effectLst/>
                           <a:latin typeface="+mn-lt"/>
                           <a:ea typeface="+mn-ea"/>
@@ -12177,7 +12415,7 @@
                         <a:t>ルール設定</a:t>
                       </a:r>
                       <a:r>
-                        <a:rPr lang="ja-JP" altLang="en-US" sz="1100" kern="100" smtClean="0">
+                        <a:rPr lang="ja-JP" altLang="en-US" sz="1100" kern="100" dirty="0" smtClean="0">
                           <a:effectLst/>
                           <a:latin typeface="+mn-lt"/>
                           <a:ea typeface="+mn-ea"/>
@@ -12185,7 +12423,7 @@
                         </a:rPr>
                         <a:t>ファイルパス（生成されるので任意の場所）</a:t>
                       </a:r>
-                      <a:endParaRPr lang="ja-JP" sz="1100" kern="100">
+                      <a:endParaRPr lang="ja-JP" sz="1100" kern="100" dirty="0">
                         <a:effectLst/>
                         <a:latin typeface="Century" panose="02040604050505020304" pitchFamily="18" charset="0"/>
                         <a:ea typeface="ＭＳ 明朝" panose="02020609040205080304" pitchFamily="17" charset="-128"/>
@@ -12313,7 +12551,7 @@
                         </a:spcAft>
                       </a:pPr>
                       <a:r>
-                        <a:rPr kumimoji="1" lang="en-US" altLang="ja-JP" sz="1100" kern="100">
+                        <a:rPr kumimoji="1" lang="en-US" altLang="ja-JP" sz="1100" kern="100" dirty="0">
                           <a:solidFill>
                             <a:schemeClr val="dk1"/>
                           </a:solidFill>
@@ -12325,7 +12563,7 @@
                         <a:t>Apply</a:t>
                       </a:r>
                       <a:r>
-                        <a:rPr kumimoji="1" lang="ja-JP" altLang="en-US" sz="1100" kern="100">
+                        <a:rPr kumimoji="1" lang="ja-JP" altLang="en-US" sz="1100" kern="100" dirty="0">
                           <a:solidFill>
                             <a:schemeClr val="dk1"/>
                           </a:solidFill>
@@ -12337,7 +12575,7 @@
                         <a:t>サービスが起動する</a:t>
                       </a:r>
                       <a:r>
-                        <a:rPr kumimoji="1" lang="en-US" altLang="ja-JP" sz="1100" kern="100">
+                        <a:rPr kumimoji="1" lang="en-US" altLang="ja-JP" sz="1100" kern="100" dirty="0">
                           <a:solidFill>
                             <a:schemeClr val="dk1"/>
                           </a:solidFill>
@@ -12349,7 +12587,7 @@
                         <a:t>IP</a:t>
                       </a:r>
                       <a:r>
-                        <a:rPr kumimoji="1" lang="ja-JP" altLang="en-US" sz="1100" kern="100">
+                        <a:rPr kumimoji="1" lang="ja-JP" altLang="en-US" sz="1100" kern="100" dirty="0">
                           <a:solidFill>
                             <a:schemeClr val="dk1"/>
                           </a:solidFill>
@@ -12360,7 +12598,7 @@
                         </a:rPr>
                         <a:t>とポート</a:t>
                       </a:r>
-                      <a:endParaRPr kumimoji="1" lang="ja-JP" sz="1100" kern="100">
+                      <a:endParaRPr kumimoji="1" lang="ja-JP" sz="1100" kern="100" dirty="0">
                         <a:solidFill>
                           <a:schemeClr val="dk1"/>
                         </a:solidFill>
@@ -12515,7 +12753,7 @@
                         </a:spcAft>
                       </a:pPr>
                       <a:r>
-                        <a:rPr kumimoji="1" lang="en-US" altLang="ja-JP" sz="1100" kern="100" smtClean="0">
+                        <a:rPr kumimoji="1" lang="en-US" altLang="ja-JP" sz="1100" kern="100" dirty="0" smtClean="0">
                           <a:solidFill>
                             <a:schemeClr val="dk1"/>
                           </a:solidFill>
@@ -12527,7 +12765,7 @@
                         <a:t>Maven</a:t>
                       </a:r>
                       <a:r>
-                        <a:rPr kumimoji="1" lang="ja-JP" altLang="en-US" sz="1100" kern="100">
+                        <a:rPr kumimoji="1" lang="ja-JP" altLang="en-US" sz="1100" kern="100" dirty="0">
                           <a:solidFill>
                             <a:schemeClr val="dk1"/>
                           </a:solidFill>
@@ -12539,7 +12777,7 @@
                         <a:t>　</a:t>
                       </a:r>
                       <a:r>
-                        <a:rPr kumimoji="1" lang="en-US" altLang="ja-JP" sz="1100" kern="100">
+                        <a:rPr kumimoji="1" lang="en-US" altLang="ja-JP" sz="1100" kern="100" dirty="0">
                           <a:solidFill>
                             <a:schemeClr val="dk1"/>
                           </a:solidFill>
@@ -12551,7 +12789,7 @@
                         <a:t>jar</a:t>
                       </a:r>
                       <a:r>
-                        <a:rPr kumimoji="1" lang="ja-JP" altLang="en-US" sz="1100" kern="100">
+                        <a:rPr kumimoji="1" lang="ja-JP" altLang="en-US" sz="1100" kern="100" dirty="0">
                           <a:solidFill>
                             <a:schemeClr val="dk1"/>
                           </a:solidFill>
@@ -12562,7 +12800,7 @@
                         </a:rPr>
                         <a:t>ファイルの格納場所</a:t>
                       </a:r>
-                      <a:endParaRPr kumimoji="1" lang="ja-JP" sz="1100" kern="100">
+                      <a:endParaRPr kumimoji="1" lang="ja-JP" sz="1100" kern="100" dirty="0">
                         <a:solidFill>
                           <a:schemeClr val="dk1"/>
                         </a:solidFill>
@@ -12859,7 +13097,7 @@
                         </a:spcAft>
                       </a:pPr>
                       <a:r>
-                        <a:rPr kumimoji="1" lang="en-US" altLang="ja-JP" sz="1100" kern="100">
+                        <a:rPr kumimoji="1" lang="en-US" altLang="ja-JP" sz="1100" kern="100" dirty="0">
                           <a:solidFill>
                             <a:schemeClr val="dk1"/>
                           </a:solidFill>
@@ -12871,7 +13109,7 @@
                         <a:t>OASE</a:t>
                       </a:r>
                       <a:r>
-                        <a:rPr kumimoji="1" lang="ja-JP" altLang="en-US" sz="1100" kern="100">
+                        <a:rPr kumimoji="1" lang="ja-JP" altLang="en-US" sz="1100" kern="100" dirty="0">
                           <a:solidFill>
                             <a:schemeClr val="dk1"/>
                           </a:solidFill>
@@ -12882,7 +13120,7 @@
                         </a:rPr>
                         <a:t>のインストール先パス</a:t>
                       </a:r>
-                      <a:endParaRPr kumimoji="1" lang="en-US" altLang="ja-JP" sz="1100" kern="100">
+                      <a:endParaRPr kumimoji="1" lang="en-US" altLang="ja-JP" sz="1100" kern="100" dirty="0">
                         <a:solidFill>
                           <a:schemeClr val="dk1"/>
                         </a:solidFill>
@@ -13013,7 +13251,7 @@
                         </a:spcAft>
                       </a:pPr>
                       <a:r>
-                        <a:rPr kumimoji="1" lang="en-US" altLang="ja-JP" sz="1100" kern="100" smtClean="0">
+                        <a:rPr kumimoji="1" lang="en-US" altLang="ja-JP" sz="1100" kern="100" dirty="0" smtClean="0">
                           <a:solidFill>
                             <a:schemeClr val="dk1"/>
                           </a:solidFill>
@@ -13025,7 +13263,7 @@
                         <a:t>OASE</a:t>
                       </a:r>
                       <a:r>
-                        <a:rPr kumimoji="1" lang="ja-JP" altLang="en-US" sz="1100" kern="100" smtClean="0">
+                        <a:rPr kumimoji="1" lang="ja-JP" altLang="en-US" sz="1100" kern="100" dirty="0" smtClean="0">
                           <a:solidFill>
                             <a:schemeClr val="dk1"/>
                           </a:solidFill>
@@ -13037,7 +13275,7 @@
                         <a:t>セッション</a:t>
                       </a:r>
                       <a:r>
-                        <a:rPr kumimoji="1" lang="ja-JP" altLang="en-US" sz="1100" kern="100">
+                        <a:rPr kumimoji="1" lang="ja-JP" altLang="en-US" sz="1100" kern="100" dirty="0">
                           <a:solidFill>
                             <a:schemeClr val="dk1"/>
                           </a:solidFill>
@@ -13048,7 +13286,7 @@
                         </a:rPr>
                         <a:t>の保持方法</a:t>
                       </a:r>
-                      <a:endParaRPr kumimoji="1" lang="ja-JP" sz="1100" kern="100">
+                      <a:endParaRPr kumimoji="1" lang="ja-JP" sz="1100" kern="100" dirty="0">
                         <a:solidFill>
                           <a:schemeClr val="dk1"/>
                         </a:solidFill>
@@ -13078,10 +13316,10 @@
                     <a:lstStyle/>
                     <a:p>
                       <a:r>
-                        <a:rPr lang="en-US" altLang="ja-JP" sz="1100" err="1"/>
+                        <a:rPr lang="en-US" altLang="ja-JP" sz="1100" dirty="0" err="1"/>
                         <a:t>ev_location</a:t>
                       </a:r>
-                      <a:endParaRPr lang="ja-JP" altLang="en-US" sz="1100"/>
+                      <a:endParaRPr lang="ja-JP" altLang="en-US" sz="1100" dirty="0"/>
                     </a:p>
                   </a:txBody>
                   <a:tcPr marL="55979" marR="55979" marT="0" marB="0" anchor="ctr">
@@ -13179,7 +13417,7 @@
                         </a:spcAft>
                       </a:pPr>
                       <a:r>
-                        <a:rPr kumimoji="1" lang="en-US" altLang="ja-JP" sz="1100" kern="100">
+                        <a:rPr kumimoji="1" lang="en-US" altLang="ja-JP" sz="1100" kern="100" dirty="0">
                           <a:solidFill>
                             <a:schemeClr val="dk1"/>
                           </a:solidFill>
@@ -13191,7 +13429,7 @@
                         <a:t>AD</a:t>
                       </a:r>
                       <a:r>
-                        <a:rPr kumimoji="1" lang="ja-JP" altLang="en-US" sz="1100" kern="100">
+                        <a:rPr kumimoji="1" lang="ja-JP" altLang="en-US" sz="1100" kern="100" dirty="0">
                           <a:solidFill>
                             <a:schemeClr val="dk1"/>
                           </a:solidFill>
@@ -13203,7 +13441,7 @@
                         <a:t>連携時、クローン</a:t>
                       </a:r>
                       <a:r>
-                        <a:rPr kumimoji="1" lang="en-US" altLang="ja-JP" sz="1100" kern="100">
+                        <a:rPr kumimoji="1" lang="en-US" altLang="ja-JP" sz="1100" kern="100" dirty="0">
                           <a:solidFill>
                             <a:schemeClr val="dk1"/>
                           </a:solidFill>
@@ -13215,7 +13453,7 @@
                         <a:t>Job</a:t>
                       </a:r>
                       <a:r>
-                        <a:rPr kumimoji="1" lang="ja-JP" altLang="en-US" sz="1100" kern="100">
+                        <a:rPr kumimoji="1" lang="ja-JP" altLang="en-US" sz="1100" kern="100" dirty="0">
                           <a:solidFill>
                             <a:schemeClr val="dk1"/>
                           </a:solidFill>
@@ -13227,7 +13465,7 @@
                         <a:t>実行するときの</a:t>
                       </a:r>
                       <a:r>
-                        <a:rPr kumimoji="1" lang="en-US" altLang="ja-JP" sz="1100" kern="100">
+                        <a:rPr kumimoji="1" lang="en-US" altLang="ja-JP" sz="1100" kern="100" dirty="0">
                           <a:solidFill>
                             <a:schemeClr val="dk1"/>
                           </a:solidFill>
@@ -13239,7 +13477,7 @@
                         <a:t>IP</a:t>
                       </a:r>
                       <a:r>
-                        <a:rPr kumimoji="1" lang="ja-JP" altLang="en-US" sz="1100" kern="100">
+                        <a:rPr kumimoji="1" lang="ja-JP" altLang="en-US" sz="1100" kern="100" dirty="0">
                           <a:solidFill>
                             <a:schemeClr val="dk1"/>
                           </a:solidFill>
@@ -13372,7 +13610,7 @@
                         </a:spcAft>
                       </a:pPr>
                       <a:r>
-                        <a:rPr kumimoji="1" lang="ja-JP" altLang="en-US" sz="1100" kern="100">
+                        <a:rPr kumimoji="1" lang="ja-JP" altLang="en-US" sz="1100" kern="100" dirty="0">
                           <a:solidFill>
                             <a:schemeClr val="dk1"/>
                           </a:solidFill>
@@ -13565,6 +13803,13 @@
   <p:clrMapOvr>
     <a:masterClrMapping/>
   </p:clrMapOvr>
+  <p:timing>
+    <p:tnLst>
+      <p:par>
+        <p:cTn id="1" dur="indefinite" restart="never" nodeType="tmRoot"/>
+      </p:par>
+    </p:tnLst>
+  </p:timing>
 </p:sld>
 </file>
 
@@ -13601,22 +13846,26 @@
           <a:lstStyle/>
           <a:p>
             <a:r>
-              <a:rPr lang="en-US" altLang="ja-JP"/>
-              <a:t>3.8</a:t>
-            </a:r>
-            <a:r>
-              <a:rPr lang="ja-JP" altLang="en-US"/>
-              <a:t>　環境構築（</a:t>
-            </a:r>
-            <a:r>
-              <a:rPr lang="en-US" altLang="ja-JP"/>
-              <a:t>4/7</a:t>
-            </a:r>
-            <a:r>
-              <a:rPr lang="ja-JP" altLang="en-US"/>
+              <a:rPr lang="en-US" altLang="ja-JP" dirty="0" smtClean="0"/>
+              <a:t>3.7</a:t>
+            </a:r>
+            <a:r>
+              <a:rPr lang="ja-JP" altLang="en-US" dirty="0"/>
+              <a:t>　環境構築</a:t>
+            </a:r>
+            <a:r>
+              <a:rPr lang="ja-JP" altLang="en-US" dirty="0" smtClean="0"/>
+              <a:t>（</a:t>
+            </a:r>
+            <a:r>
+              <a:rPr lang="en-US" altLang="ja-JP" dirty="0" smtClean="0"/>
+              <a:t>4/11</a:t>
+            </a:r>
+            <a:r>
+              <a:rPr lang="ja-JP" altLang="en-US" dirty="0" smtClean="0"/>
               <a:t>）</a:t>
             </a:r>
-            <a:endParaRPr kumimoji="1" lang="ja-JP" altLang="en-US"/>
+            <a:endParaRPr kumimoji="1" lang="ja-JP" altLang="en-US" dirty="0"/>
           </a:p>
         </p:txBody>
       </p:sp>
@@ -13632,8 +13881,8 @@
         </p:nvSpPr>
         <p:spPr>
           <a:xfrm>
-            <a:off x="179512" y="692620"/>
-            <a:ext cx="8964487" cy="5760568"/>
+            <a:off x="179513" y="692620"/>
+            <a:ext cx="8964487" cy="5616476"/>
           </a:xfrm>
         </p:spPr>
         <p:txBody>
@@ -13643,94 +13892,910 @@
           <a:lstStyle/>
           <a:p>
             <a:r>
-              <a:rPr lang="ja-JP" altLang="en-US"/>
-              <a:t>アンサーファイル</a:t>
-            </a:r>
-            <a:r>
-              <a:rPr lang="en-US" altLang="ja-JP"/>
+              <a:rPr lang="en-US" altLang="ja-JP" dirty="0"/>
+              <a:t>answers</a:t>
+            </a:r>
+            <a:r>
+              <a:rPr lang="ja-JP" altLang="en-US" dirty="0"/>
+              <a:t>ファイル編集</a:t>
+            </a:r>
+            <a:r>
+              <a:rPr lang="en-US" altLang="ja-JP" dirty="0" smtClean="0"/>
+              <a:t>(</a:t>
+            </a:r>
+            <a:r>
+              <a:rPr lang="en-US" altLang="ja-JP" dirty="0"/>
+              <a:t>3</a:t>
+            </a:r>
+            <a:r>
+              <a:rPr lang="en-US" altLang="ja-JP" dirty="0" smtClean="0"/>
+              <a:t>/3)</a:t>
+            </a:r>
+            <a:endParaRPr lang="ja-JP" altLang="en-US" dirty="0"/>
+          </a:p>
+          <a:p>
+            <a:pPr lvl="1"/>
+            <a:r>
+              <a:rPr lang="en-US" altLang="ja-JP" dirty="0"/>
+              <a:t>OASE</a:t>
+            </a:r>
+            <a:r>
+              <a:rPr lang="ja-JP" altLang="en-US" dirty="0"/>
+              <a:t>環境構築の設定を行うセッティングファイル</a:t>
+            </a:r>
+            <a:r>
+              <a:rPr lang="en-US" altLang="ja-JP" dirty="0"/>
               <a:t>(oase_answers.txt)</a:t>
             </a:r>
             <a:r>
-              <a:rPr lang="ja-JP" altLang="en-US"/>
-              <a:t>の記述サンプル </a:t>
-            </a:r>
-            <a:r>
-              <a:rPr lang="en-US" altLang="ja-JP"/>
-              <a:t>1/3</a:t>
-            </a:r>
+              <a:rPr lang="ja-JP" altLang="en-US" dirty="0"/>
+              <a:t>の</a:t>
+            </a:r>
+            <a:endParaRPr lang="en-US" altLang="ja-JP" dirty="0"/>
+          </a:p>
+          <a:p>
+            <a:pPr marL="180000" lvl="1" indent="0">
+              <a:buNone/>
+            </a:pPr>
+            <a:r>
+              <a:rPr lang="en-US" altLang="ja-JP" dirty="0"/>
+              <a:t>  </a:t>
+            </a:r>
+            <a:r>
+              <a:rPr lang="ja-JP" altLang="en-US" dirty="0"/>
+              <a:t>編集方法を以下に示します。</a:t>
+            </a:r>
+            <a:r>
+              <a:rPr lang="en-US" altLang="ja-JP" dirty="0"/>
+              <a:t/>
+            </a:r>
+            <a:br>
+              <a:rPr lang="en-US" altLang="ja-JP" dirty="0"/>
+            </a:br>
+            <a:r>
+              <a:rPr lang="en-US" altLang="ja-JP" dirty="0"/>
+              <a:t/>
+            </a:r>
+            <a:br>
+              <a:rPr lang="en-US" altLang="ja-JP" dirty="0"/>
+            </a:br>
+            <a:r>
+              <a:rPr lang="en-US" altLang="ja-JP" dirty="0"/>
+              <a:t/>
+            </a:r>
+            <a:br>
+              <a:rPr lang="en-US" altLang="ja-JP" dirty="0"/>
+            </a:br>
+            <a:endParaRPr lang="en-US" altLang="ja-JP" dirty="0"/>
+          </a:p>
+          <a:p>
+            <a:endParaRPr lang="en-US" altLang="ja-JP" dirty="0"/>
           </a:p>
           <a:p>
             <a:pPr lvl="1"/>
-            <a:r>
-              <a:rPr lang="ja-JP" altLang="en-US"/>
-              <a:t>アンサーファイル</a:t>
-            </a:r>
-            <a:r>
-              <a:rPr lang="en-US" altLang="ja-JP"/>
-              <a:t>(oase_answers.txt)</a:t>
-            </a:r>
-            <a:r>
-              <a:rPr lang="ja-JP" altLang="en-US"/>
-              <a:t>の記述サンプルを以下に示します</a:t>
-            </a:r>
-            <a:r>
-              <a:rPr lang="en-US" altLang="ja-JP"/>
-              <a:t/>
-            </a:r>
-            <a:br>
-              <a:rPr lang="en-US" altLang="ja-JP"/>
-            </a:br>
-            <a:endParaRPr lang="en-US" altLang="ja-JP"/>
-          </a:p>
-          <a:p>
-            <a:endParaRPr lang="en-US" altLang="ja-JP"/>
-          </a:p>
-          <a:p>
-            <a:pPr lvl="1"/>
-            <a:endParaRPr lang="en-US" altLang="ja-JP"/>
+            <a:endParaRPr lang="en-US" altLang="ja-JP" dirty="0"/>
           </a:p>
         </p:txBody>
       </p:sp>
-      <p:pic>
-        <p:nvPicPr>
-          <p:cNvPr id="5" name="図 4"/>
-          <p:cNvPicPr>
-            <a:picLocks noChangeAspect="1"/>
-          </p:cNvPicPr>
-          <p:nvPr/>
-        </p:nvPicPr>
-        <p:blipFill>
-          <a:blip r:embed="rId2">
-            <a:extLst>
-              <a:ext uri="{28A0092B-C50C-407E-A947-70E740481C1C}">
-                <a14:useLocalDpi xmlns:a14="http://schemas.microsoft.com/office/drawing/2010/main" val="0"/>
-              </a:ext>
-            </a:extLst>
-          </a:blip>
-          <a:stretch>
-            <a:fillRect/>
-          </a:stretch>
-        </p:blipFill>
-        <p:spPr>
-          <a:xfrm>
-            <a:off x="2066476" y="1333358"/>
-            <a:ext cx="5010074" cy="5119830"/>
-          </a:xfrm>
-          <a:prstGeom prst="rect">
-            <a:avLst/>
-          </a:prstGeom>
-        </p:spPr>
-      </p:pic>
+      <p:graphicFrame>
+        <p:nvGraphicFramePr>
+          <p:cNvPr id="6" name="表 5"/>
+          <p:cNvGraphicFramePr>
+            <a:graphicFrameLocks noGrp="1"/>
+          </p:cNvGraphicFramePr>
+          <p:nvPr>
+            <p:extLst>
+              <p:ext uri="{D42A27DB-BD31-4B8C-83A1-F6EECF244321}">
+                <p14:modId xmlns:p14="http://schemas.microsoft.com/office/powerpoint/2010/main" val="1070355565"/>
+              </p:ext>
+            </p:extLst>
+          </p:nvPr>
+        </p:nvGraphicFramePr>
+        <p:xfrm>
+          <a:off x="179513" y="1683186"/>
+          <a:ext cx="8784000" cy="1956990"/>
+        </p:xfrm>
+        <a:graphic>
+          <a:graphicData uri="http://schemas.openxmlformats.org/drawingml/2006/table">
+            <a:tbl>
+              <a:tblPr firstRow="1" firstCol="1" bandRow="1">
+                <a:tableStyleId>{5C22544A-7EE6-4342-B048-85BDC9FD1C3A}</a:tableStyleId>
+              </a:tblPr>
+              <a:tblGrid>
+                <a:gridCol w="1800128">
+                  <a:extLst>
+                    <a:ext uri="{9D8B030D-6E8A-4147-A177-3AD203B41FA5}">
+                      <a16:colId xmlns:a16="http://schemas.microsoft.com/office/drawing/2014/main" val="20000"/>
+                    </a:ext>
+                  </a:extLst>
+                </a:gridCol>
+                <a:gridCol w="648089">
+                  <a:extLst>
+                    <a:ext uri="{9D8B030D-6E8A-4147-A177-3AD203B41FA5}">
+                      <a16:colId xmlns:a16="http://schemas.microsoft.com/office/drawing/2014/main" val="20001"/>
+                    </a:ext>
+                  </a:extLst>
+                </a:gridCol>
+                <a:gridCol w="2016280">
+                  <a:extLst>
+                    <a:ext uri="{9D8B030D-6E8A-4147-A177-3AD203B41FA5}">
+                      <a16:colId xmlns:a16="http://schemas.microsoft.com/office/drawing/2014/main" val="20002"/>
+                    </a:ext>
+                  </a:extLst>
+                </a:gridCol>
+                <a:gridCol w="4319503">
+                  <a:extLst>
+                    <a:ext uri="{9D8B030D-6E8A-4147-A177-3AD203B41FA5}">
+                      <a16:colId xmlns:a16="http://schemas.microsoft.com/office/drawing/2014/main" val="20003"/>
+                    </a:ext>
+                  </a:extLst>
+                </a:gridCol>
+              </a:tblGrid>
+              <a:tr h="335834">
+                <a:tc>
+                  <a:txBody>
+                    <a:bodyPr/>
+                    <a:lstStyle/>
+                    <a:p>
+                      <a:pPr algn="ctr">
+                        <a:spcAft>
+                          <a:spcPts val="0"/>
+                        </a:spcAft>
+                      </a:pPr>
+                      <a:r>
+                        <a:rPr lang="ja-JP" sz="1000" kern="100">
+                          <a:solidFill>
+                            <a:schemeClr val="bg1"/>
+                          </a:solidFill>
+                          <a:effectLst/>
+                        </a:rPr>
+                        <a:t>種目</a:t>
+                      </a:r>
+                      <a:endParaRPr lang="ja-JP" sz="1000" kern="100">
+                        <a:solidFill>
+                          <a:schemeClr val="bg1"/>
+                        </a:solidFill>
+                        <a:effectLst/>
+                        <a:latin typeface="Century" panose="02040604050505020304" pitchFamily="18" charset="0"/>
+                        <a:ea typeface="ＭＳ 明朝" panose="02020609040205080304" pitchFamily="17" charset="-128"/>
+                        <a:cs typeface="Times New Roman" panose="02020603050405020304" pitchFamily="18" charset="0"/>
+                      </a:endParaRPr>
+                    </a:p>
+                  </a:txBody>
+                  <a:tcPr marL="55979" marR="55979" marT="0" marB="0" anchor="ctr">
+                    <a:solidFill>
+                      <a:srgbClr val="002B62"/>
+                    </a:solidFill>
+                  </a:tcPr>
+                </a:tc>
+                <a:tc>
+                  <a:txBody>
+                    <a:bodyPr/>
+                    <a:lstStyle/>
+                    <a:p>
+                      <a:pPr algn="ctr">
+                        <a:spcAft>
+                          <a:spcPts val="0"/>
+                        </a:spcAft>
+                      </a:pPr>
+                      <a:r>
+                        <a:rPr lang="ja-JP" sz="1000" kern="100">
+                          <a:solidFill>
+                            <a:schemeClr val="bg1"/>
+                          </a:solidFill>
+                          <a:effectLst/>
+                        </a:rPr>
+                        <a:t>必須</a:t>
+                      </a:r>
+                      <a:endParaRPr lang="ja-JP" sz="1000" kern="100">
+                        <a:solidFill>
+                          <a:schemeClr val="bg1"/>
+                        </a:solidFill>
+                        <a:effectLst/>
+                        <a:latin typeface="Century" panose="02040604050505020304" pitchFamily="18" charset="0"/>
+                        <a:ea typeface="ＭＳ 明朝" panose="02020609040205080304" pitchFamily="17" charset="-128"/>
+                        <a:cs typeface="Times New Roman" panose="02020603050405020304" pitchFamily="18" charset="0"/>
+                      </a:endParaRPr>
+                    </a:p>
+                  </a:txBody>
+                  <a:tcPr marL="55979" marR="55979" marT="0" marB="0" anchor="ctr">
+                    <a:solidFill>
+                      <a:srgbClr val="002B62"/>
+                    </a:solidFill>
+                  </a:tcPr>
+                </a:tc>
+                <a:tc>
+                  <a:txBody>
+                    <a:bodyPr/>
+                    <a:lstStyle/>
+                    <a:p>
+                      <a:pPr algn="ctr">
+                        <a:spcAft>
+                          <a:spcPts val="0"/>
+                        </a:spcAft>
+                      </a:pPr>
+                      <a:r>
+                        <a:rPr lang="ja-JP" sz="1000" kern="100">
+                          <a:solidFill>
+                            <a:schemeClr val="bg1"/>
+                          </a:solidFill>
+                          <a:effectLst/>
+                        </a:rPr>
+                        <a:t>初期値</a:t>
+                      </a:r>
+                      <a:endParaRPr lang="ja-JP" sz="1000" kern="100">
+                        <a:solidFill>
+                          <a:schemeClr val="bg1"/>
+                        </a:solidFill>
+                        <a:effectLst/>
+                        <a:latin typeface="Century" panose="02040604050505020304" pitchFamily="18" charset="0"/>
+                        <a:ea typeface="ＭＳ 明朝" panose="02020609040205080304" pitchFamily="17" charset="-128"/>
+                        <a:cs typeface="Times New Roman" panose="02020603050405020304" pitchFamily="18" charset="0"/>
+                      </a:endParaRPr>
+                    </a:p>
+                  </a:txBody>
+                  <a:tcPr marL="55979" marR="55979" marT="0" marB="0" anchor="ctr">
+                    <a:solidFill>
+                      <a:srgbClr val="002B62"/>
+                    </a:solidFill>
+                  </a:tcPr>
+                </a:tc>
+                <a:tc>
+                  <a:txBody>
+                    <a:bodyPr/>
+                    <a:lstStyle/>
+                    <a:p>
+                      <a:pPr algn="ctr">
+                        <a:spcAft>
+                          <a:spcPts val="0"/>
+                        </a:spcAft>
+                      </a:pPr>
+                      <a:r>
+                        <a:rPr lang="ja-JP" sz="1000" kern="100">
+                          <a:solidFill>
+                            <a:schemeClr val="bg1"/>
+                          </a:solidFill>
+                          <a:effectLst/>
+                        </a:rPr>
+                        <a:t>説明</a:t>
+                      </a:r>
+                      <a:endParaRPr lang="ja-JP" sz="1000" kern="100">
+                        <a:solidFill>
+                          <a:schemeClr val="bg1"/>
+                        </a:solidFill>
+                        <a:effectLst/>
+                        <a:latin typeface="Century" panose="02040604050505020304" pitchFamily="18" charset="0"/>
+                        <a:ea typeface="ＭＳ 明朝" panose="02020609040205080304" pitchFamily="17" charset="-128"/>
+                        <a:cs typeface="Times New Roman" panose="02020603050405020304" pitchFamily="18" charset="0"/>
+                      </a:endParaRPr>
+                    </a:p>
+                  </a:txBody>
+                  <a:tcPr marL="55979" marR="55979" marT="0" marB="0" anchor="ctr">
+                    <a:solidFill>
+                      <a:srgbClr val="002B62"/>
+                    </a:solidFill>
+                  </a:tcPr>
+                </a:tc>
+                <a:extLst>
+                  <a:ext uri="{0D108BD9-81ED-4DB2-BD59-A6C34878D82A}">
+                    <a16:rowId xmlns:a16="http://schemas.microsoft.com/office/drawing/2014/main" val="10000"/>
+                  </a:ext>
+                </a:extLst>
+              </a:tr>
+              <a:tr h="335834">
+                <a:tc>
+                  <a:txBody>
+                    <a:bodyPr/>
+                    <a:lstStyle/>
+                    <a:p>
+                      <a:pPr algn="just">
+                        <a:spcAft>
+                          <a:spcPts val="0"/>
+                        </a:spcAft>
+                      </a:pPr>
+                      <a:r>
+                        <a:rPr lang="en-US" sz="1100" kern="100" dirty="0" err="1" smtClean="0">
+                          <a:solidFill>
+                            <a:schemeClr val="bg1"/>
+                          </a:solidFill>
+                          <a:effectLst/>
+                        </a:rPr>
+                        <a:t>oase_domain</a:t>
+                      </a:r>
+                      <a:endParaRPr lang="ja-JP" sz="1100" kern="100" dirty="0">
+                        <a:solidFill>
+                          <a:schemeClr val="bg1"/>
+                        </a:solidFill>
+                        <a:effectLst/>
+                        <a:latin typeface="Century" panose="02040604050505020304" pitchFamily="18" charset="0"/>
+                        <a:ea typeface="ＭＳ 明朝" panose="02020609040205080304" pitchFamily="17" charset="-128"/>
+                        <a:cs typeface="Times New Roman" panose="02020603050405020304" pitchFamily="18" charset="0"/>
+                      </a:endParaRPr>
+                    </a:p>
+                  </a:txBody>
+                  <a:tcPr marL="55979" marR="55979" marT="0" marB="0" anchor="ctr">
+                    <a:solidFill>
+                      <a:srgbClr val="002B62"/>
+                    </a:solidFill>
+                  </a:tcPr>
+                </a:tc>
+                <a:tc>
+                  <a:txBody>
+                    <a:bodyPr/>
+                    <a:lstStyle/>
+                    <a:p>
+                      <a:pPr algn="l">
+                        <a:spcAft>
+                          <a:spcPts val="0"/>
+                        </a:spcAft>
+                      </a:pPr>
+                      <a:r>
+                        <a:rPr lang="en-US" sz="1100" kern="100">
+                          <a:effectLst/>
+                        </a:rPr>
+                        <a:t>○</a:t>
+                      </a:r>
+                      <a:endParaRPr lang="ja-JP" sz="1100" kern="100">
+                        <a:effectLst/>
+                        <a:latin typeface="Century" panose="02040604050505020304" pitchFamily="18" charset="0"/>
+                        <a:ea typeface="ＭＳ 明朝" panose="02020609040205080304" pitchFamily="17" charset="-128"/>
+                        <a:cs typeface="Times New Roman" panose="02020603050405020304" pitchFamily="18" charset="0"/>
+                      </a:endParaRPr>
+                    </a:p>
+                  </a:txBody>
+                  <a:tcPr marL="55979" marR="55979" marT="0" marB="0" anchor="ctr">
+                    <a:solidFill>
+                      <a:srgbClr val="CBCDD3"/>
+                    </a:solidFill>
+                  </a:tcPr>
+                </a:tc>
+                <a:tc>
+                  <a:txBody>
+                    <a:bodyPr/>
+                    <a:lstStyle/>
+                    <a:p>
+                      <a:pPr algn="just">
+                        <a:spcAft>
+                          <a:spcPts val="0"/>
+                        </a:spcAft>
+                      </a:pPr>
+                      <a:r>
+                        <a:rPr lang="en-US" altLang="ja-JP" sz="900" kern="100" dirty="0" err="1" smtClean="0">
+                          <a:effectLst/>
+                          <a:latin typeface="Century" panose="02040604050505020304" pitchFamily="18" charset="0"/>
+                          <a:ea typeface="ＭＳ 明朝" panose="02020609040205080304" pitchFamily="17" charset="-128"/>
+                          <a:cs typeface="Times New Roman" panose="02020603050405020304" pitchFamily="18" charset="0"/>
+                        </a:rPr>
+                        <a:t>exastro-oase.local</a:t>
+                      </a:r>
+                      <a:endParaRPr lang="ja-JP" sz="900" kern="100" dirty="0">
+                        <a:effectLst/>
+                        <a:latin typeface="Century" panose="02040604050505020304" pitchFamily="18" charset="0"/>
+                        <a:ea typeface="ＭＳ 明朝" panose="02020609040205080304" pitchFamily="17" charset="-128"/>
+                        <a:cs typeface="Times New Roman" panose="02020603050405020304" pitchFamily="18" charset="0"/>
+                      </a:endParaRPr>
+                    </a:p>
+                  </a:txBody>
+                  <a:tcPr marL="55979" marR="55979" marT="0" marB="0" anchor="ctr">
+                    <a:solidFill>
+                      <a:srgbClr val="CBCDD3"/>
+                    </a:solidFill>
+                  </a:tcPr>
+                </a:tc>
+                <a:tc>
+                  <a:txBody>
+                    <a:bodyPr/>
+                    <a:lstStyle/>
+                    <a:p>
+                      <a:pPr algn="just">
+                        <a:spcAft>
+                          <a:spcPts val="0"/>
+                        </a:spcAft>
+                      </a:pPr>
+                      <a:r>
+                        <a:rPr kumimoji="1" lang="en-US" altLang="ja-JP" sz="1100" kern="100" dirty="0" smtClean="0">
+                          <a:solidFill>
+                            <a:schemeClr val="dk1"/>
+                          </a:solidFill>
+                          <a:effectLst/>
+                          <a:latin typeface="+mn-lt"/>
+                          <a:ea typeface="+mn-ea"/>
+                          <a:cs typeface="+mn-cs"/>
+                        </a:rPr>
+                        <a:t>OASE</a:t>
+                      </a:r>
+                      <a:r>
+                        <a:rPr kumimoji="1" lang="ja-JP" altLang="en-US" sz="1100" kern="100" dirty="0" smtClean="0">
+                          <a:solidFill>
+                            <a:schemeClr val="dk1"/>
+                          </a:solidFill>
+                          <a:effectLst/>
+                          <a:latin typeface="+mn-lt"/>
+                          <a:ea typeface="+mn-ea"/>
+                          <a:cs typeface="+mn-cs"/>
+                        </a:rPr>
+                        <a:t>のドメイン名</a:t>
+                      </a:r>
+                      <a:endParaRPr kumimoji="1" lang="ja-JP" sz="1100" kern="100" dirty="0">
+                        <a:solidFill>
+                          <a:schemeClr val="dk1"/>
+                        </a:solidFill>
+                        <a:effectLst/>
+                        <a:latin typeface="+mn-lt"/>
+                        <a:ea typeface="+mn-ea"/>
+                        <a:cs typeface="+mn-cs"/>
+                      </a:endParaRPr>
+                    </a:p>
+                  </a:txBody>
+                  <a:tcPr marL="55979" marR="55979" marT="0" marB="0" anchor="ctr">
+                    <a:solidFill>
+                      <a:srgbClr val="CBCDD3"/>
+                    </a:solidFill>
+                  </a:tcPr>
+                </a:tc>
+                <a:extLst>
+                  <a:ext uri="{0D108BD9-81ED-4DB2-BD59-A6C34878D82A}">
+                    <a16:rowId xmlns:a16="http://schemas.microsoft.com/office/drawing/2014/main" val="10001"/>
+                  </a:ext>
+                </a:extLst>
+              </a:tr>
+              <a:tr h="642086">
+                <a:tc>
+                  <a:txBody>
+                    <a:bodyPr/>
+                    <a:lstStyle/>
+                    <a:p>
+                      <a:pPr algn="just">
+                        <a:spcAft>
+                          <a:spcPts val="0"/>
+                        </a:spcAft>
+                      </a:pPr>
+                      <a:r>
+                        <a:rPr lang="en-US" sz="1100" kern="100" dirty="0" err="1" smtClean="0">
+                          <a:solidFill>
+                            <a:schemeClr val="bg1"/>
+                          </a:solidFill>
+                          <a:effectLst/>
+                        </a:rPr>
+                        <a:t>certificate_path</a:t>
+                      </a:r>
+                      <a:endParaRPr lang="ja-JP" sz="1100" kern="100" dirty="0">
+                        <a:solidFill>
+                          <a:schemeClr val="bg1"/>
+                        </a:solidFill>
+                        <a:effectLst/>
+                        <a:latin typeface="Century" panose="02040604050505020304" pitchFamily="18" charset="0"/>
+                        <a:ea typeface="ＭＳ 明朝" panose="02020609040205080304" pitchFamily="17" charset="-128"/>
+                        <a:cs typeface="Times New Roman" panose="02020603050405020304" pitchFamily="18" charset="0"/>
+                      </a:endParaRPr>
+                    </a:p>
+                  </a:txBody>
+                  <a:tcPr marL="55979" marR="55979" marT="0" marB="0" anchor="ctr">
+                    <a:solidFill>
+                      <a:srgbClr val="002B62"/>
+                    </a:solidFill>
+                  </a:tcPr>
+                </a:tc>
+                <a:tc>
+                  <a:txBody>
+                    <a:bodyPr/>
+                    <a:lstStyle/>
+                    <a:p>
+                      <a:pPr algn="l">
+                        <a:spcAft>
+                          <a:spcPts val="0"/>
+                        </a:spcAft>
+                      </a:pPr>
+                      <a:r>
+                        <a:rPr lang="ja-JP" altLang="en-US" sz="1100" kern="100" dirty="0">
+                          <a:effectLst/>
+                          <a:latin typeface="+mn-lt"/>
+                          <a:ea typeface="+mn-ea"/>
+                          <a:cs typeface="+mn-cs"/>
+                        </a:rPr>
+                        <a:t>任意</a:t>
+                      </a:r>
+                      <a:endParaRPr lang="ja-JP" sz="1100" kern="100" dirty="0">
+                        <a:effectLst/>
+                        <a:latin typeface="Century" panose="02040604050505020304" pitchFamily="18" charset="0"/>
+                        <a:ea typeface="ＭＳ 明朝" panose="02020609040205080304" pitchFamily="17" charset="-128"/>
+                        <a:cs typeface="Times New Roman" panose="02020603050405020304" pitchFamily="18" charset="0"/>
+                      </a:endParaRPr>
+                    </a:p>
+                  </a:txBody>
+                  <a:tcPr marL="55979" marR="55979" marT="0" marB="0" anchor="ctr">
+                    <a:solidFill>
+                      <a:srgbClr val="E7E8EA"/>
+                    </a:solidFill>
+                  </a:tcPr>
+                </a:tc>
+                <a:tc>
+                  <a:txBody>
+                    <a:bodyPr/>
+                    <a:lstStyle/>
+                    <a:p>
+                      <a:pPr algn="just">
+                        <a:spcAft>
+                          <a:spcPts val="0"/>
+                        </a:spcAft>
+                      </a:pPr>
+                      <a:r>
+                        <a:rPr lang="ja-JP" altLang="en-US" sz="900" kern="100" dirty="0" smtClean="0">
+                          <a:effectLst/>
+                          <a:latin typeface="Century" panose="02040604050505020304" pitchFamily="18" charset="0"/>
+                          <a:ea typeface="ＭＳ 明朝" panose="02020609040205080304" pitchFamily="17" charset="-128"/>
+                          <a:cs typeface="Times New Roman" panose="02020603050405020304" pitchFamily="18" charset="0"/>
+                        </a:rPr>
+                        <a:t>－</a:t>
+                      </a:r>
+                      <a:endParaRPr lang="ja-JP" sz="900" kern="100" dirty="0">
+                        <a:effectLst/>
+                        <a:latin typeface="Century" panose="02040604050505020304" pitchFamily="18" charset="0"/>
+                        <a:ea typeface="ＭＳ 明朝" panose="02020609040205080304" pitchFamily="17" charset="-128"/>
+                        <a:cs typeface="Times New Roman" panose="02020603050405020304" pitchFamily="18" charset="0"/>
+                      </a:endParaRPr>
+                    </a:p>
+                  </a:txBody>
+                  <a:tcPr marL="55979" marR="55979" marT="0" marB="0" anchor="ctr">
+                    <a:solidFill>
+                      <a:srgbClr val="E7E8EA"/>
+                    </a:solidFill>
+                  </a:tcPr>
+                </a:tc>
+                <a:tc>
+                  <a:txBody>
+                    <a:bodyPr/>
+                    <a:lstStyle/>
+                    <a:p>
+                      <a:pPr algn="just">
+                        <a:spcAft>
+                          <a:spcPts val="0"/>
+                        </a:spcAft>
+                      </a:pPr>
+                      <a:r>
+                        <a:rPr lang="ja-JP" altLang="en-US" sz="1100" kern="100" dirty="0" smtClean="0">
+                          <a:effectLst/>
+                          <a:latin typeface="+mn-lt"/>
+                          <a:ea typeface="+mn-ea"/>
+                          <a:cs typeface="+mn-cs"/>
+                        </a:rPr>
+                        <a:t>ユーザ指定の</a:t>
+                      </a:r>
+                      <a:r>
+                        <a:rPr lang="en-US" altLang="ja-JP" sz="1100" kern="100" dirty="0" smtClean="0">
+                          <a:effectLst/>
+                          <a:latin typeface="+mn-lt"/>
+                          <a:ea typeface="+mn-ea"/>
+                          <a:cs typeface="+mn-cs"/>
+                        </a:rPr>
+                        <a:t>SSL</a:t>
+                      </a:r>
+                      <a:r>
+                        <a:rPr lang="ja-JP" altLang="en-US" sz="1100" kern="100" dirty="0" smtClean="0">
+                          <a:effectLst/>
+                          <a:latin typeface="+mn-lt"/>
+                          <a:ea typeface="+mn-ea"/>
+                          <a:cs typeface="+mn-cs"/>
+                        </a:rPr>
+                        <a:t>サーバ証明書に使用するファイルのファイルパス</a:t>
+                      </a:r>
+                      <a:endParaRPr lang="en-US" altLang="ja-JP" sz="1100" kern="100" dirty="0" smtClean="0">
+                        <a:effectLst/>
+                        <a:latin typeface="+mn-lt"/>
+                        <a:ea typeface="+mn-ea"/>
+                        <a:cs typeface="+mn-cs"/>
+                      </a:endParaRPr>
+                    </a:p>
+                    <a:p>
+                      <a:pPr algn="just">
+                        <a:spcAft>
+                          <a:spcPts val="0"/>
+                        </a:spcAft>
+                      </a:pPr>
+                      <a:r>
+                        <a:rPr lang="en-US" altLang="ja-JP" sz="1100" kern="100" dirty="0" smtClean="0">
+                          <a:effectLst/>
+                          <a:latin typeface="+mn-lt"/>
+                          <a:ea typeface="+mn-ea"/>
+                          <a:cs typeface="+mn-cs"/>
+                        </a:rPr>
+                        <a:t>(</a:t>
+                      </a:r>
+                      <a:r>
+                        <a:rPr lang="ja-JP" altLang="en-US" sz="1100" kern="100" dirty="0" smtClean="0">
+                          <a:effectLst/>
+                          <a:latin typeface="+mn-lt"/>
+                          <a:ea typeface="+mn-ea"/>
+                          <a:cs typeface="+mn-cs"/>
+                        </a:rPr>
+                        <a:t>ユーザ指定の</a:t>
+                      </a:r>
+                      <a:r>
+                        <a:rPr lang="en-US" altLang="ja-JP" sz="1100" kern="100" dirty="0" smtClean="0">
+                          <a:effectLst/>
+                          <a:latin typeface="+mn-lt"/>
+                          <a:ea typeface="+mn-ea"/>
+                          <a:cs typeface="+mn-cs"/>
+                        </a:rPr>
+                        <a:t>SSL</a:t>
+                      </a:r>
+                      <a:r>
+                        <a:rPr lang="ja-JP" altLang="en-US" sz="1100" kern="100" dirty="0" smtClean="0">
+                          <a:effectLst/>
+                          <a:latin typeface="+mn-lt"/>
+                          <a:ea typeface="+mn-ea"/>
+                          <a:cs typeface="+mn-cs"/>
+                        </a:rPr>
+                        <a:t>証明書使用時のみ入力。絶対パスで指定してください</a:t>
+                      </a:r>
+                      <a:r>
+                        <a:rPr lang="en-US" altLang="ja-JP" sz="1100" kern="100" dirty="0" smtClean="0">
+                          <a:effectLst/>
+                          <a:latin typeface="+mn-lt"/>
+                          <a:ea typeface="+mn-ea"/>
+                          <a:cs typeface="+mn-cs"/>
+                        </a:rPr>
+                        <a:t>)</a:t>
+                      </a:r>
+                      <a:endParaRPr lang="ja-JP" sz="1100" kern="100" dirty="0">
+                        <a:effectLst/>
+                        <a:latin typeface="Century" panose="02040604050505020304" pitchFamily="18" charset="0"/>
+                        <a:ea typeface="ＭＳ 明朝" panose="02020609040205080304" pitchFamily="17" charset="-128"/>
+                        <a:cs typeface="Times New Roman" panose="02020603050405020304" pitchFamily="18" charset="0"/>
+                      </a:endParaRPr>
+                    </a:p>
+                  </a:txBody>
+                  <a:tcPr marL="55979" marR="55979" marT="0" marB="0" anchor="ctr">
+                    <a:solidFill>
+                      <a:srgbClr val="E7E8EA"/>
+                    </a:solidFill>
+                  </a:tcPr>
+                </a:tc>
+                <a:extLst>
+                  <a:ext uri="{0D108BD9-81ED-4DB2-BD59-A6C34878D82A}">
+                    <a16:rowId xmlns:a16="http://schemas.microsoft.com/office/drawing/2014/main" val="10002"/>
+                  </a:ext>
+                </a:extLst>
+              </a:tr>
+              <a:tr h="643236">
+                <a:tc>
+                  <a:txBody>
+                    <a:bodyPr/>
+                    <a:lstStyle/>
+                    <a:p>
+                      <a:pPr algn="just">
+                        <a:spcAft>
+                          <a:spcPts val="0"/>
+                        </a:spcAft>
+                      </a:pPr>
+                      <a:r>
+                        <a:rPr lang="en-US" sz="1100" kern="100" dirty="0" err="1" smtClean="0">
+                          <a:solidFill>
+                            <a:schemeClr val="bg1"/>
+                          </a:solidFill>
+                          <a:effectLst/>
+                        </a:rPr>
+                        <a:t>private_key_path</a:t>
+                      </a:r>
+                      <a:endParaRPr lang="ja-JP" sz="1100" kern="100" dirty="0">
+                        <a:solidFill>
+                          <a:schemeClr val="bg1"/>
+                        </a:solidFill>
+                        <a:effectLst/>
+                        <a:latin typeface="Century" panose="02040604050505020304" pitchFamily="18" charset="0"/>
+                        <a:ea typeface="ＭＳ 明朝" panose="02020609040205080304" pitchFamily="17" charset="-128"/>
+                        <a:cs typeface="Times New Roman" panose="02020603050405020304" pitchFamily="18" charset="0"/>
+                      </a:endParaRPr>
+                    </a:p>
+                  </a:txBody>
+                  <a:tcPr marL="55979" marR="55979" marT="0" marB="0" anchor="ctr">
+                    <a:solidFill>
+                      <a:srgbClr val="002B62"/>
+                    </a:solidFill>
+                  </a:tcPr>
+                </a:tc>
+                <a:tc>
+                  <a:txBody>
+                    <a:bodyPr/>
+                    <a:lstStyle/>
+                    <a:p>
+                      <a:pPr algn="l">
+                        <a:spcAft>
+                          <a:spcPts val="0"/>
+                        </a:spcAft>
+                      </a:pPr>
+                      <a:r>
+                        <a:rPr lang="ja-JP" altLang="en-US" sz="1100" kern="100" dirty="0">
+                          <a:effectLst/>
+                          <a:latin typeface="+mn-lt"/>
+                          <a:ea typeface="+mn-ea"/>
+                          <a:cs typeface="+mn-cs"/>
+                        </a:rPr>
+                        <a:t>任意</a:t>
+                      </a:r>
+                      <a:endParaRPr lang="ja-JP" sz="1100" kern="100" dirty="0">
+                        <a:effectLst/>
+                        <a:latin typeface="Century" panose="02040604050505020304" pitchFamily="18" charset="0"/>
+                        <a:ea typeface="ＭＳ 明朝" panose="02020609040205080304" pitchFamily="17" charset="-128"/>
+                        <a:cs typeface="Times New Roman" panose="02020603050405020304" pitchFamily="18" charset="0"/>
+                      </a:endParaRPr>
+                    </a:p>
+                  </a:txBody>
+                  <a:tcPr marL="55979" marR="55979" marT="0" marB="0" anchor="ctr">
+                    <a:solidFill>
+                      <a:srgbClr val="CBCDD3"/>
+                    </a:solidFill>
+                  </a:tcPr>
+                </a:tc>
+                <a:tc>
+                  <a:txBody>
+                    <a:bodyPr/>
+                    <a:lstStyle/>
+                    <a:p>
+                      <a:pPr algn="just">
+                        <a:spcAft>
+                          <a:spcPts val="0"/>
+                        </a:spcAft>
+                      </a:pPr>
+                      <a:r>
+                        <a:rPr lang="ja-JP" altLang="en-US" sz="900" kern="100" dirty="0" smtClean="0">
+                          <a:effectLst/>
+                          <a:latin typeface="Century" panose="02040604050505020304" pitchFamily="18" charset="0"/>
+                          <a:ea typeface="ＭＳ 明朝" panose="02020609040205080304" pitchFamily="17" charset="-128"/>
+                          <a:cs typeface="Times New Roman" panose="02020603050405020304" pitchFamily="18" charset="0"/>
+                        </a:rPr>
+                        <a:t>－</a:t>
+                      </a:r>
+                      <a:endParaRPr lang="ja-JP" sz="900" kern="100" dirty="0">
+                        <a:effectLst/>
+                        <a:latin typeface="Century" panose="02040604050505020304" pitchFamily="18" charset="0"/>
+                        <a:ea typeface="ＭＳ 明朝" panose="02020609040205080304" pitchFamily="17" charset="-128"/>
+                        <a:cs typeface="Times New Roman" panose="02020603050405020304" pitchFamily="18" charset="0"/>
+                      </a:endParaRPr>
+                    </a:p>
+                  </a:txBody>
+                  <a:tcPr marL="55979" marR="55979" marT="0" marB="0" anchor="ctr">
+                    <a:solidFill>
+                      <a:srgbClr val="CBCDD3"/>
+                    </a:solidFill>
+                  </a:tcPr>
+                </a:tc>
+                <a:tc>
+                  <a:txBody>
+                    <a:bodyPr/>
+                    <a:lstStyle/>
+                    <a:p>
+                      <a:pPr algn="just">
+                        <a:spcAft>
+                          <a:spcPts val="0"/>
+                        </a:spcAft>
+                      </a:pPr>
+                      <a:r>
+                        <a:rPr lang="ja-JP" altLang="en-US" sz="1100" kern="100" dirty="0" smtClean="0">
+                          <a:effectLst/>
+                          <a:latin typeface="+mn-lt"/>
+                          <a:ea typeface="+mn-ea"/>
+                          <a:cs typeface="+mn-cs"/>
+                        </a:rPr>
+                        <a:t>ユーザ指定の</a:t>
+                      </a:r>
+                      <a:r>
+                        <a:rPr lang="en-US" altLang="ja-JP" sz="1100" kern="100" dirty="0" smtClean="0">
+                          <a:effectLst/>
+                          <a:latin typeface="+mn-lt"/>
+                          <a:ea typeface="+mn-ea"/>
+                          <a:cs typeface="+mn-cs"/>
+                        </a:rPr>
+                        <a:t>SSL</a:t>
+                      </a:r>
+                      <a:r>
+                        <a:rPr lang="ja-JP" altLang="en-US" sz="1100" kern="100" dirty="0" smtClean="0">
+                          <a:effectLst/>
+                          <a:latin typeface="+mn-lt"/>
+                          <a:ea typeface="+mn-ea"/>
+                          <a:cs typeface="+mn-cs"/>
+                        </a:rPr>
+                        <a:t>秘密鍵に使用するファイルのファイルパス</a:t>
+                      </a:r>
+                      <a:endParaRPr lang="en-US" altLang="ja-JP" sz="1100" kern="100" dirty="0" smtClean="0">
+                        <a:effectLst/>
+                        <a:latin typeface="+mn-lt"/>
+                        <a:ea typeface="+mn-ea"/>
+                        <a:cs typeface="+mn-cs"/>
+                      </a:endParaRPr>
+                    </a:p>
+                    <a:p>
+                      <a:pPr algn="just">
+                        <a:spcAft>
+                          <a:spcPts val="0"/>
+                        </a:spcAft>
+                      </a:pPr>
+                      <a:r>
+                        <a:rPr lang="en-US" altLang="ja-JP" sz="1100" kern="100" dirty="0" smtClean="0">
+                          <a:effectLst/>
+                          <a:latin typeface="+mn-lt"/>
+                          <a:ea typeface="+mn-ea"/>
+                          <a:cs typeface="+mn-cs"/>
+                        </a:rPr>
+                        <a:t>(</a:t>
+                      </a:r>
+                      <a:r>
+                        <a:rPr lang="ja-JP" altLang="en-US" sz="1100" kern="100" dirty="0" smtClean="0">
+                          <a:effectLst/>
+                          <a:latin typeface="+mn-lt"/>
+                          <a:ea typeface="+mn-ea"/>
+                          <a:cs typeface="+mn-cs"/>
+                        </a:rPr>
+                        <a:t>ユーザ指定の</a:t>
+                      </a:r>
+                      <a:r>
+                        <a:rPr lang="en-US" altLang="ja-JP" sz="1100" kern="100" dirty="0" smtClean="0">
+                          <a:effectLst/>
+                          <a:latin typeface="+mn-lt"/>
+                          <a:ea typeface="+mn-ea"/>
+                          <a:cs typeface="+mn-cs"/>
+                        </a:rPr>
+                        <a:t>SSL</a:t>
+                      </a:r>
+                      <a:r>
+                        <a:rPr lang="ja-JP" altLang="en-US" sz="1100" kern="100" dirty="0" smtClean="0">
+                          <a:effectLst/>
+                          <a:latin typeface="+mn-lt"/>
+                          <a:ea typeface="+mn-ea"/>
+                          <a:cs typeface="+mn-cs"/>
+                        </a:rPr>
+                        <a:t>秘密鍵使用時のみ入力。絶対パスで指定してください</a:t>
+                      </a:r>
+                      <a:r>
+                        <a:rPr lang="en-US" altLang="ja-JP" sz="1100" kern="100" dirty="0" smtClean="0">
+                          <a:effectLst/>
+                          <a:latin typeface="+mn-lt"/>
+                          <a:ea typeface="+mn-ea"/>
+                          <a:cs typeface="+mn-cs"/>
+                        </a:rPr>
+                        <a:t>)</a:t>
+                      </a:r>
+                      <a:endParaRPr lang="ja-JP" sz="1100" kern="100" dirty="0">
+                        <a:effectLst/>
+                        <a:latin typeface="Century" panose="02040604050505020304" pitchFamily="18" charset="0"/>
+                        <a:ea typeface="ＭＳ 明朝" panose="02020609040205080304" pitchFamily="17" charset="-128"/>
+                        <a:cs typeface="Times New Roman" panose="02020603050405020304" pitchFamily="18" charset="0"/>
+                      </a:endParaRPr>
+                    </a:p>
+                  </a:txBody>
+                  <a:tcPr marL="55979" marR="55979" marT="0" marB="0" anchor="ctr">
+                    <a:solidFill>
+                      <a:srgbClr val="CBCDD3"/>
+                    </a:solidFill>
+                  </a:tcPr>
+                </a:tc>
+                <a:extLst>
+                  <a:ext uri="{0D108BD9-81ED-4DB2-BD59-A6C34878D82A}">
+                    <a16:rowId xmlns:a16="http://schemas.microsoft.com/office/drawing/2014/main" val="10003"/>
+                  </a:ext>
+                </a:extLst>
+              </a:tr>
+            </a:tbl>
+          </a:graphicData>
+        </a:graphic>
+      </p:graphicFrame>
     </p:spTree>
     <p:extLst>
       <p:ext uri="{BB962C8B-B14F-4D97-AF65-F5344CB8AC3E}">
-        <p14:creationId xmlns:p14="http://schemas.microsoft.com/office/powerpoint/2010/main" val="1030943158"/>
+        <p14:creationId xmlns:p14="http://schemas.microsoft.com/office/powerpoint/2010/main" val="4061790530"/>
       </p:ext>
     </p:extLst>
   </p:cSld>
   <p:clrMapOvr>
     <a:masterClrMapping/>
   </p:clrMapOvr>
+  <p:timing>
+    <p:tnLst>
+      <p:par>
+        <p:cTn id="1" dur="indefinite" restart="never" nodeType="tmRoot"/>
+      </p:par>
+    </p:tnLst>
+  </p:timing>
 </p:sld>
 </file>
 
@@ -13763,26 +14828,36 @@
         </p:nvSpPr>
         <p:spPr/>
         <p:txBody>
-          <a:bodyPr/>
+          <a:bodyPr>
+            <a:normAutofit/>
+          </a:bodyPr>
           <a:lstStyle/>
           <a:p>
             <a:r>
-              <a:rPr lang="en-US" altLang="ja-JP"/>
-              <a:t>3.9</a:t>
-            </a:r>
-            <a:r>
-              <a:rPr lang="ja-JP" altLang="en-US"/>
-              <a:t>　環境構築（</a:t>
-            </a:r>
-            <a:r>
-              <a:rPr lang="en-US" altLang="ja-JP"/>
-              <a:t>5/7</a:t>
-            </a:r>
-            <a:r>
-              <a:rPr lang="ja-JP" altLang="en-US"/>
+              <a:rPr lang="en-US" altLang="ja-JP" dirty="0" smtClean="0"/>
+              <a:t>3.8</a:t>
+            </a:r>
+            <a:r>
+              <a:rPr kumimoji="1" lang="ja-JP" altLang="en-US" dirty="0"/>
+              <a:t>　</a:t>
+            </a:r>
+            <a:r>
+              <a:rPr lang="ja-JP" altLang="en-US" dirty="0"/>
+              <a:t>環境構築</a:t>
+            </a:r>
+            <a:r>
+              <a:rPr lang="ja-JP" altLang="en-US" dirty="0" smtClean="0"/>
+              <a:t>（</a:t>
+            </a:r>
+            <a:r>
+              <a:rPr lang="en-US" altLang="ja-JP" dirty="0" smtClean="0"/>
+              <a:t>5/11</a:t>
+            </a:r>
+            <a:r>
+              <a:rPr lang="ja-JP" altLang="en-US" dirty="0" smtClean="0"/>
               <a:t>）</a:t>
             </a:r>
-            <a:endParaRPr kumimoji="1" lang="ja-JP" altLang="en-US"/>
+            <a:endParaRPr kumimoji="1" lang="ja-JP" altLang="en-US" dirty="0"/>
           </a:p>
         </p:txBody>
       </p:sp>
@@ -13798,8 +14873,8 @@
         </p:nvSpPr>
         <p:spPr>
           <a:xfrm>
-            <a:off x="179512" y="692620"/>
-            <a:ext cx="8964487" cy="5760568"/>
+            <a:off x="179512" y="836712"/>
+            <a:ext cx="8964487" cy="5616476"/>
           </a:xfrm>
         </p:spPr>
         <p:txBody>
@@ -13809,68 +14884,264 @@
           <a:lstStyle/>
           <a:p>
             <a:r>
-              <a:rPr lang="ja-JP" altLang="en-US"/>
-              <a:t>アンサーファイル</a:t>
-            </a:r>
-            <a:r>
-              <a:rPr lang="en-US" altLang="ja-JP"/>
+              <a:rPr lang="ja-JP" altLang="en-US" dirty="0" smtClean="0"/>
+              <a:t>ユーザ指定サーバ証明書・秘密鍵について</a:t>
+            </a:r>
+            <a:endParaRPr lang="en-US" altLang="ja-JP" dirty="0"/>
+          </a:p>
+          <a:p>
+            <a:pPr lvl="1"/>
+            <a:r>
+              <a:rPr lang="ja-JP" altLang="en-US" dirty="0" smtClean="0"/>
+              <a:t>サーバ</a:t>
+            </a:r>
+            <a:r>
+              <a:rPr lang="ja-JP" altLang="en-US" dirty="0"/>
+              <a:t>証明書</a:t>
+            </a:r>
+            <a:r>
+              <a:rPr lang="ja-JP" altLang="en-US" dirty="0" smtClean="0"/>
+              <a:t>と秘密鍵にユーザが用意したファイルを使用することができます。使用する場合は、サーバ証明書と秘密鍵の両方を用意し、アンサーファイル</a:t>
+            </a:r>
+            <a:r>
+              <a:rPr lang="en-US" altLang="ja-JP" dirty="0" smtClean="0"/>
               <a:t>(oase_answers.txt)</a:t>
             </a:r>
             <a:r>
-              <a:rPr lang="ja-JP" altLang="en-US"/>
-              <a:t>の記述サンプル</a:t>
-            </a:r>
-            <a:r>
-              <a:rPr lang="en-US" altLang="ja-JP"/>
-              <a:t> 2/3</a:t>
-            </a:r>
+              <a:rPr lang="ja-JP" altLang="en-US" dirty="0" smtClean="0"/>
+              <a:t>の「</a:t>
+            </a:r>
+            <a:r>
+              <a:rPr lang="en-US" altLang="ja-JP" dirty="0" err="1" smtClean="0"/>
+              <a:t>certificate_path</a:t>
+            </a:r>
+            <a:r>
+              <a:rPr lang="ja-JP" altLang="en-US" dirty="0" smtClean="0"/>
+              <a:t>」と「</a:t>
+            </a:r>
+            <a:r>
+              <a:rPr lang="en-US" altLang="ja-JP" dirty="0" err="1" smtClean="0"/>
+              <a:t>private_key_path</a:t>
+            </a:r>
+            <a:r>
+              <a:rPr lang="ja-JP" altLang="en-US" dirty="0" smtClean="0"/>
+              <a:t>」の両方にファイルパスを入力してください。証明書と秘密鍵どちらか片方のみの使用はできません。</a:t>
+            </a:r>
+            <a:r>
+              <a:rPr lang="en-US" altLang="ja-JP" dirty="0"/>
+              <a:t/>
+            </a:r>
+            <a:br>
+              <a:rPr lang="en-US" altLang="ja-JP" dirty="0"/>
+            </a:br>
+            <a:endParaRPr lang="en-US" altLang="ja-JP" dirty="0" smtClean="0"/>
           </a:p>
           <a:p>
             <a:pPr lvl="1"/>
-            <a:endParaRPr lang="en-US" altLang="ja-JP"/>
+            <a:r>
+              <a:rPr lang="ja-JP" altLang="en-US" dirty="0" smtClean="0"/>
+              <a:t>サーバ</a:t>
+            </a:r>
+            <a:r>
+              <a:rPr lang="ja-JP" altLang="en-US" dirty="0"/>
+              <a:t>証明書</a:t>
+            </a:r>
+            <a:r>
+              <a:rPr lang="ja-JP" altLang="en-US" dirty="0" smtClean="0"/>
+              <a:t>に中間証明書が付属している場合は、サーバ証明書に中間</a:t>
+            </a:r>
+            <a:r>
+              <a:rPr lang="ja-JP" altLang="en-US" dirty="0"/>
+              <a:t>証明書</a:t>
+            </a:r>
+            <a:r>
+              <a:rPr lang="ja-JP" altLang="en-US" dirty="0" smtClean="0"/>
+              <a:t>を</a:t>
+            </a:r>
+            <a:r>
+              <a:rPr lang="ja-JP" altLang="en-US" dirty="0"/>
+              <a:t>連結</a:t>
+            </a:r>
+            <a:r>
+              <a:rPr lang="ja-JP" altLang="en-US" dirty="0" smtClean="0"/>
+              <a:t>して</a:t>
+            </a:r>
+            <a:r>
+              <a:rPr lang="ja-JP" altLang="en-US" dirty="0"/>
+              <a:t>ファイル</a:t>
+            </a:r>
+            <a:r>
+              <a:rPr lang="ja-JP" altLang="en-US" dirty="0" smtClean="0"/>
+              <a:t>を</a:t>
+            </a:r>
+            <a:r>
+              <a:rPr lang="ja-JP" altLang="en-US" dirty="0"/>
+              <a:t>作成</a:t>
+            </a:r>
+            <a:r>
+              <a:rPr lang="ja-JP" altLang="en-US" dirty="0" smtClean="0"/>
+              <a:t>し、「</a:t>
+            </a:r>
+            <a:r>
+              <a:rPr lang="en-US" altLang="ja-JP" dirty="0" err="1" smtClean="0"/>
+              <a:t>certificate_path</a:t>
+            </a:r>
+            <a:r>
+              <a:rPr lang="ja-JP" altLang="en-US" dirty="0" smtClean="0"/>
+              <a:t>」に作成したファイルのパスを指定してください。</a:t>
+            </a:r>
+            <a:r>
+              <a:rPr lang="en-US" altLang="ja-JP" dirty="0" smtClean="0"/>
+              <a:t/>
+            </a:r>
+            <a:br>
+              <a:rPr lang="en-US" altLang="ja-JP" dirty="0" smtClean="0"/>
+            </a:br>
+            <a:r>
+              <a:rPr lang="en-US" altLang="ja-JP" dirty="0" smtClean="0"/>
+              <a:t/>
+            </a:r>
+            <a:br>
+              <a:rPr lang="en-US" altLang="ja-JP" dirty="0" smtClean="0"/>
+            </a:br>
+            <a:r>
+              <a:rPr lang="ja-JP" altLang="en-US" dirty="0" smtClean="0"/>
+              <a:t>作成コマンド例</a:t>
+            </a:r>
+            <a:endParaRPr lang="en-US" altLang="ja-JP" dirty="0"/>
+          </a:p>
+          <a:p>
+            <a:pPr marL="180000" lvl="1" indent="0">
+              <a:buNone/>
+            </a:pPr>
+            <a:r>
+              <a:rPr lang="ja-JP" altLang="en-US" sz="1400" dirty="0" smtClean="0"/>
+              <a:t>　</a:t>
+            </a:r>
+            <a:r>
+              <a:rPr lang="en-US" altLang="ja-JP" sz="1400" dirty="0" smtClean="0"/>
+              <a:t># cat [</a:t>
+            </a:r>
+            <a:r>
+              <a:rPr lang="ja-JP" altLang="en-US" sz="1400" dirty="0" smtClean="0"/>
+              <a:t>サーバ証明書ファイル</a:t>
+            </a:r>
+            <a:r>
+              <a:rPr lang="en-US" altLang="ja-JP" sz="1400" dirty="0" smtClean="0"/>
+              <a:t>] [</a:t>
+            </a:r>
+            <a:r>
+              <a:rPr lang="ja-JP" altLang="en-US" sz="1400" dirty="0" smtClean="0"/>
+              <a:t>中間証明書ファイル</a:t>
+            </a:r>
+            <a:r>
+              <a:rPr lang="en-US" altLang="ja-JP" sz="1400" dirty="0" smtClean="0"/>
+              <a:t>] &gt; [</a:t>
+            </a:r>
+            <a:r>
+              <a:rPr lang="ja-JP" altLang="en-US" sz="1400" dirty="0" smtClean="0"/>
+              <a:t>連結済サーバ証明書ファイル</a:t>
+            </a:r>
+            <a:r>
+              <a:rPr lang="en-US" altLang="ja-JP" sz="1400" dirty="0" smtClean="0"/>
+              <a:t>]</a:t>
+            </a:r>
+          </a:p>
+          <a:p>
+            <a:pPr marL="180000" lvl="1" indent="0">
+              <a:buNone/>
+            </a:pPr>
+            <a:r>
+              <a:rPr lang="ja-JP" altLang="en-US" sz="1400" dirty="0"/>
+              <a:t>　</a:t>
+            </a:r>
+            <a:endParaRPr lang="en-US" altLang="ja-JP" dirty="0"/>
+          </a:p>
+          <a:p>
+            <a:pPr lvl="1"/>
+            <a:r>
+              <a:rPr lang="ja-JP" altLang="en-US" dirty="0" smtClean="0"/>
+              <a:t>「</a:t>
+            </a:r>
+            <a:r>
+              <a:rPr lang="en-US" altLang="ja-JP" dirty="0" err="1" smtClean="0"/>
+              <a:t>certificate_path</a:t>
+            </a:r>
+            <a:r>
+              <a:rPr lang="ja-JP" altLang="en-US" dirty="0" smtClean="0"/>
+              <a:t>」と「</a:t>
+            </a:r>
+            <a:r>
+              <a:rPr lang="en-US" altLang="ja-JP" dirty="0" err="1" smtClean="0"/>
+              <a:t>private_key_path</a:t>
+            </a:r>
+            <a:r>
+              <a:rPr lang="ja-JP" altLang="en-US" dirty="0" smtClean="0"/>
+              <a:t>」に入力がない場合は、</a:t>
+            </a:r>
+            <a:r>
+              <a:rPr lang="en-US" altLang="ja-JP" dirty="0" smtClean="0"/>
+              <a:t>OASE</a:t>
+            </a:r>
+            <a:r>
+              <a:rPr lang="ja-JP" altLang="en-US" dirty="0" smtClean="0"/>
+              <a:t>インストーラーがアンサーファイルの「</a:t>
+            </a:r>
+            <a:r>
+              <a:rPr lang="en-US" altLang="ja-JP" dirty="0" err="1" smtClean="0"/>
+              <a:t>oase_domain</a:t>
+            </a:r>
+            <a:r>
+              <a:rPr lang="ja-JP" altLang="en-US" dirty="0" smtClean="0"/>
+              <a:t>」の値を使用して自己証明書を作成・設置します。</a:t>
+            </a:r>
+            <a:endParaRPr lang="en-US" altLang="ja-JP" dirty="0" smtClean="0"/>
+          </a:p>
+          <a:p>
+            <a:pPr marL="180000" lvl="1" indent="0">
+              <a:buNone/>
+            </a:pPr>
+            <a:r>
+              <a:rPr lang="ja-JP" altLang="en-US" dirty="0" smtClean="0"/>
+              <a:t>（</a:t>
+            </a:r>
+            <a:r>
+              <a:rPr lang="en-US" altLang="ja-JP" dirty="0" smtClean="0"/>
+              <a:t>※</a:t>
+            </a:r>
+            <a:r>
+              <a:rPr lang="ja-JP" altLang="en-US" dirty="0" smtClean="0"/>
+              <a:t>「</a:t>
+            </a:r>
+            <a:r>
+              <a:rPr lang="en-US" altLang="ja-JP" dirty="0" err="1" smtClean="0"/>
+              <a:t>oase_domain</a:t>
+            </a:r>
+            <a:r>
+              <a:rPr lang="ja-JP" altLang="en-US" dirty="0" smtClean="0"/>
+              <a:t>」の値を自己証明書作成時のコモンネーム、ならびに自己証明書と秘密鍵のファイル名に使用します）</a:t>
+            </a:r>
+            <a:endParaRPr lang="en-US" altLang="ja-JP" dirty="0" smtClean="0"/>
           </a:p>
         </p:txBody>
       </p:sp>
-      <p:pic>
-        <p:nvPicPr>
-          <p:cNvPr id="4" name="図 3"/>
-          <p:cNvPicPr>
-            <a:picLocks noChangeAspect="1"/>
-          </p:cNvPicPr>
-          <p:nvPr/>
-        </p:nvPicPr>
-        <p:blipFill>
-          <a:blip r:embed="rId2">
-            <a:extLst>
-              <a:ext uri="{28A0092B-C50C-407E-A947-70E740481C1C}">
-                <a14:useLocalDpi xmlns:a14="http://schemas.microsoft.com/office/drawing/2010/main" val="0"/>
-              </a:ext>
-            </a:extLst>
-          </a:blip>
-          <a:stretch>
-            <a:fillRect/>
-          </a:stretch>
-        </p:blipFill>
-        <p:spPr>
-          <a:xfrm>
-            <a:off x="2053980" y="1196690"/>
-            <a:ext cx="5035066" cy="5119200"/>
-          </a:xfrm>
-          <a:prstGeom prst="rect">
-            <a:avLst/>
-          </a:prstGeom>
-        </p:spPr>
-      </p:pic>
     </p:spTree>
     <p:extLst>
       <p:ext uri="{BB962C8B-B14F-4D97-AF65-F5344CB8AC3E}">
-        <p14:creationId xmlns:p14="http://schemas.microsoft.com/office/powerpoint/2010/main" val="3905307589"/>
+        <p14:creationId xmlns:p14="http://schemas.microsoft.com/office/powerpoint/2010/main" val="3724794568"/>
       </p:ext>
     </p:extLst>
   </p:cSld>
   <p:clrMapOvr>
     <a:masterClrMapping/>
   </p:clrMapOvr>
+  <p:timing>
+    <p:tnLst>
+      <p:par>
+        <p:cTn id="1" dur="indefinite" restart="never" nodeType="tmRoot"/>
+      </p:par>
+    </p:tnLst>
+  </p:timing>
 </p:sld>
 </file>
 
@@ -13903,26 +15174,40 @@
         </p:nvSpPr>
         <p:spPr/>
         <p:txBody>
-          <a:bodyPr/>
+          <a:bodyPr>
+            <a:normAutofit/>
+          </a:bodyPr>
           <a:lstStyle/>
           <a:p>
             <a:r>
-              <a:rPr lang="en-US" altLang="ja-JP"/>
-              <a:t>3.10</a:t>
-            </a:r>
-            <a:r>
-              <a:rPr lang="ja-JP" altLang="en-US"/>
-              <a:t>　環境構築（</a:t>
-            </a:r>
-            <a:r>
-              <a:rPr lang="en-US" altLang="ja-JP"/>
-              <a:t>6/7</a:t>
-            </a:r>
-            <a:r>
-              <a:rPr lang="ja-JP" altLang="en-US"/>
+              <a:rPr lang="en-US" altLang="ja-JP" dirty="0" smtClean="0"/>
+              <a:t>3.9</a:t>
+            </a:r>
+            <a:r>
+              <a:rPr kumimoji="1" lang="ja-JP" altLang="en-US" dirty="0"/>
+              <a:t>　</a:t>
+            </a:r>
+            <a:r>
+              <a:rPr lang="ja-JP" altLang="en-US" dirty="0"/>
+              <a:t>環境構築</a:t>
+            </a:r>
+            <a:r>
+              <a:rPr lang="ja-JP" altLang="en-US" dirty="0" smtClean="0"/>
+              <a:t>（</a:t>
+            </a:r>
+            <a:r>
+              <a:rPr lang="en-US" altLang="ja-JP" dirty="0"/>
+              <a:t>6</a:t>
+            </a:r>
+            <a:r>
+              <a:rPr lang="en-US" altLang="ja-JP" dirty="0" smtClean="0"/>
+              <a:t>/11</a:t>
+            </a:r>
+            <a:r>
+              <a:rPr lang="ja-JP" altLang="en-US" dirty="0" smtClean="0"/>
               <a:t>）</a:t>
             </a:r>
-            <a:endParaRPr kumimoji="1" lang="ja-JP" altLang="en-US"/>
+            <a:endParaRPr kumimoji="1" lang="ja-JP" altLang="en-US" dirty="0"/>
           </a:p>
         </p:txBody>
       </p:sp>
@@ -13938,8 +15223,8 @@
         </p:nvSpPr>
         <p:spPr>
           <a:xfrm>
-            <a:off x="179512" y="692620"/>
-            <a:ext cx="8964487" cy="5760568"/>
+            <a:off x="179512" y="836712"/>
+            <a:ext cx="8964487" cy="5616476"/>
           </a:xfrm>
         </p:spPr>
         <p:txBody>
@@ -13948,69 +15233,124 @@
           </a:bodyPr>
           <a:lstStyle/>
           <a:p>
-            <a:r>
-              <a:rPr lang="ja-JP" altLang="en-US"/>
-              <a:t>アンサーファイル</a:t>
-            </a:r>
-            <a:r>
-              <a:rPr lang="en-US" altLang="ja-JP"/>
-              <a:t>(oase_answers.txt)</a:t>
-            </a:r>
-            <a:r>
-              <a:rPr lang="ja-JP" altLang="en-US"/>
-              <a:t>の記述サンプル</a:t>
-            </a:r>
-            <a:r>
-              <a:rPr lang="en-US" altLang="ja-JP"/>
-              <a:t> 3/3</a:t>
-            </a:r>
-          </a:p>
-          <a:p>
             <a:pPr lvl="1"/>
-            <a:endParaRPr lang="en-US" altLang="ja-JP"/>
+            <a:r>
+              <a:rPr lang="ja-JP" altLang="en-US" dirty="0"/>
+              <a:t>インストール時にサーバ証明書と秘密鍵は「</a:t>
+            </a:r>
+            <a:r>
+              <a:rPr lang="en-US" altLang="ja-JP" dirty="0"/>
+              <a:t>/</a:t>
+            </a:r>
+            <a:r>
+              <a:rPr lang="en-US" altLang="ja-JP" dirty="0" err="1"/>
+              <a:t>etc</a:t>
+            </a:r>
+            <a:r>
+              <a:rPr lang="en-US" altLang="ja-JP" dirty="0"/>
+              <a:t>/</a:t>
+            </a:r>
+            <a:r>
+              <a:rPr lang="en-US" altLang="ja-JP" dirty="0" err="1"/>
+              <a:t>pki</a:t>
+            </a:r>
+            <a:r>
+              <a:rPr lang="en-US" altLang="ja-JP" dirty="0"/>
+              <a:t>/</a:t>
+            </a:r>
+            <a:r>
+              <a:rPr lang="en-US" altLang="ja-JP" dirty="0" err="1"/>
+              <a:t>tls</a:t>
+            </a:r>
+            <a:r>
+              <a:rPr lang="en-US" altLang="ja-JP" dirty="0"/>
+              <a:t>/certs</a:t>
+            </a:r>
+            <a:r>
+              <a:rPr lang="ja-JP" altLang="en-US" dirty="0"/>
+              <a:t>」のディレクトリに設置され、アンインストール時にはそのディレクトリから削除されますので、ユーザ指定のサーバ証明書と秘密鍵を使用する場合は、オリジナルのサーバ証明書・秘密鍵ファイルの管理に注意してください</a:t>
+            </a:r>
+            <a:r>
+              <a:rPr lang="ja-JP" altLang="en-US" dirty="0" smtClean="0"/>
+              <a:t>。</a:t>
+            </a:r>
+            <a:endParaRPr lang="en-US" altLang="ja-JP" dirty="0" smtClean="0"/>
+          </a:p>
+          <a:p>
+            <a:pPr lvl="1"/>
+            <a:endParaRPr lang="en-US" altLang="ja-JP" dirty="0"/>
+          </a:p>
+          <a:p>
+            <a:pPr lvl="1"/>
+            <a:r>
+              <a:rPr lang="ja-JP" altLang="en-US" dirty="0" smtClean="0"/>
+              <a:t>アンインストール</a:t>
+            </a:r>
+            <a:r>
+              <a:rPr lang="ja-JP" altLang="en-US" dirty="0"/>
+              <a:t>では、アンサーファイル</a:t>
+            </a:r>
+            <a:r>
+              <a:rPr lang="en-US" altLang="ja-JP" dirty="0" smtClean="0"/>
+              <a:t>(oase_answers.txt</a:t>
+            </a:r>
+            <a:r>
+              <a:rPr lang="en-US" altLang="ja-JP" dirty="0"/>
+              <a:t>)</a:t>
+            </a:r>
+            <a:r>
+              <a:rPr lang="ja-JP" altLang="en-US" dirty="0"/>
+              <a:t>の「</a:t>
+            </a:r>
+            <a:r>
+              <a:rPr lang="en-US" altLang="ja-JP" dirty="0"/>
+              <a:t>certificate_path</a:t>
+            </a:r>
+            <a:r>
+              <a:rPr lang="ja-JP" altLang="en-US" dirty="0"/>
+              <a:t>」と「</a:t>
+            </a:r>
+            <a:r>
+              <a:rPr lang="en-US" altLang="ja-JP" dirty="0"/>
+              <a:t>private_key_path</a:t>
+            </a:r>
+            <a:r>
+              <a:rPr lang="ja-JP" altLang="en-US" dirty="0"/>
+              <a:t>」の両方にファイル指定がある場合は、それらの指定されたファイルの削除を行い、ファイル指定がない場合は、アンサーファイルの</a:t>
+            </a:r>
+            <a:r>
+              <a:rPr lang="ja-JP" altLang="en-US" dirty="0" smtClean="0"/>
+              <a:t>「</a:t>
+            </a:r>
+            <a:r>
+              <a:rPr lang="en-US" altLang="ja-JP" dirty="0" err="1" smtClean="0"/>
+              <a:t>oase_domain</a:t>
+            </a:r>
+            <a:r>
+              <a:rPr lang="ja-JP" altLang="en-US" dirty="0"/>
+              <a:t>」に指定されている名前を使用したファイルを削除します</a:t>
+            </a:r>
+            <a:endParaRPr lang="en-US" altLang="ja-JP" dirty="0"/>
           </a:p>
         </p:txBody>
       </p:sp>
-      <p:pic>
-        <p:nvPicPr>
-          <p:cNvPr id="5" name="図 4"/>
-          <p:cNvPicPr>
-            <a:picLocks noChangeAspect="1"/>
-          </p:cNvPicPr>
-          <p:nvPr/>
-        </p:nvPicPr>
-        <p:blipFill>
-          <a:blip r:embed="rId2">
-            <a:extLst>
-              <a:ext uri="{28A0092B-C50C-407E-A947-70E740481C1C}">
-                <a14:useLocalDpi xmlns:a14="http://schemas.microsoft.com/office/drawing/2010/main" val="0"/>
-              </a:ext>
-            </a:extLst>
-          </a:blip>
-          <a:stretch>
-            <a:fillRect/>
-          </a:stretch>
-        </p:blipFill>
-        <p:spPr>
-          <a:xfrm>
-            <a:off x="2012691" y="1196690"/>
-            <a:ext cx="5034639" cy="5119200"/>
-          </a:xfrm>
-          <a:prstGeom prst="rect">
-            <a:avLst/>
-          </a:prstGeom>
-        </p:spPr>
-      </p:pic>
     </p:spTree>
     <p:extLst>
       <p:ext uri="{BB962C8B-B14F-4D97-AF65-F5344CB8AC3E}">
-        <p14:creationId xmlns:p14="http://schemas.microsoft.com/office/powerpoint/2010/main" val="3270756872"/>
+        <p14:creationId xmlns:p14="http://schemas.microsoft.com/office/powerpoint/2010/main" val="1644366428"/>
       </p:ext>
     </p:extLst>
   </p:cSld>
   <p:clrMapOvr>
     <a:masterClrMapping/>
   </p:clrMapOvr>
+  <p:timing>
+    <p:tnLst>
+      <p:par>
+        <p:cTn id="1" dur="indefinite" restart="never" nodeType="tmRoot"/>
+      </p:par>
+    </p:tnLst>
+  </p:timing>
 </p:sld>
 </file>
 
@@ -14047,22 +15387,1847 @@
           <a:lstStyle/>
           <a:p>
             <a:r>
-              <a:rPr lang="en-US" altLang="ja-JP"/>
+              <a:rPr lang="en-US" altLang="ja-JP" dirty="0" smtClean="0"/>
+              <a:t>3.10</a:t>
+            </a:r>
+            <a:r>
+              <a:rPr lang="ja-JP" altLang="en-US" dirty="0"/>
+              <a:t>　環境構築</a:t>
+            </a:r>
+            <a:r>
+              <a:rPr lang="ja-JP" altLang="en-US" dirty="0" smtClean="0"/>
+              <a:t>（</a:t>
+            </a:r>
+            <a:r>
+              <a:rPr lang="en-US" altLang="ja-JP" dirty="0"/>
+              <a:t>7</a:t>
+            </a:r>
+            <a:r>
+              <a:rPr lang="en-US" altLang="ja-JP" dirty="0" smtClean="0"/>
+              <a:t>/11</a:t>
+            </a:r>
+            <a:r>
+              <a:rPr lang="ja-JP" altLang="en-US" dirty="0" smtClean="0"/>
+              <a:t>）</a:t>
+            </a:r>
+            <a:endParaRPr kumimoji="1" lang="ja-JP" altLang="en-US" dirty="0"/>
+          </a:p>
+        </p:txBody>
+      </p:sp>
+      <p:sp>
+        <p:nvSpPr>
+          <p:cNvPr id="3" name="コンテンツ プレースホルダー 2"/>
+          <p:cNvSpPr>
+            <a:spLocks noGrp="1"/>
+          </p:cNvSpPr>
+          <p:nvPr>
+            <p:ph sz="quarter" idx="10"/>
+          </p:nvPr>
+        </p:nvSpPr>
+        <p:spPr>
+          <a:xfrm>
+            <a:off x="179512" y="692620"/>
+            <a:ext cx="8964487" cy="5760568"/>
+          </a:xfrm>
+        </p:spPr>
+        <p:txBody>
+          <a:bodyPr>
+            <a:normAutofit/>
+          </a:bodyPr>
+          <a:lstStyle/>
+          <a:p>
+            <a:r>
+              <a:rPr lang="ja-JP" altLang="en-US" dirty="0"/>
+              <a:t>アンサーファイル</a:t>
+            </a:r>
+            <a:r>
+              <a:rPr lang="en-US" altLang="ja-JP" dirty="0"/>
+              <a:t>(oase_answers.txt)</a:t>
+            </a:r>
+            <a:r>
+              <a:rPr lang="ja-JP" altLang="en-US" dirty="0"/>
+              <a:t>の記述サンプル </a:t>
+            </a:r>
+            <a:r>
+              <a:rPr lang="en-US" altLang="ja-JP" dirty="0" smtClean="0"/>
+              <a:t>1/4</a:t>
+            </a:r>
+            <a:endParaRPr lang="en-US" altLang="ja-JP" dirty="0"/>
+          </a:p>
+          <a:p>
+            <a:pPr lvl="1"/>
+            <a:r>
+              <a:rPr lang="ja-JP" altLang="en-US" dirty="0"/>
+              <a:t>アンサーファイル</a:t>
+            </a:r>
+            <a:r>
+              <a:rPr lang="en-US" altLang="ja-JP" dirty="0"/>
+              <a:t>(oase_answers.txt)</a:t>
+            </a:r>
+            <a:r>
+              <a:rPr lang="ja-JP" altLang="en-US" dirty="0"/>
+              <a:t>の記述サンプルを以下に示します</a:t>
+            </a:r>
+            <a:r>
+              <a:rPr lang="en-US" altLang="ja-JP" dirty="0"/>
+              <a:t/>
+            </a:r>
+            <a:br>
+              <a:rPr lang="en-US" altLang="ja-JP" dirty="0"/>
+            </a:br>
+            <a:endParaRPr lang="en-US" altLang="ja-JP" dirty="0"/>
+          </a:p>
+          <a:p>
+            <a:endParaRPr lang="en-US" altLang="ja-JP" dirty="0"/>
+          </a:p>
+          <a:p>
+            <a:pPr lvl="1"/>
+            <a:endParaRPr lang="en-US" altLang="ja-JP" dirty="0"/>
+          </a:p>
+        </p:txBody>
+      </p:sp>
+      <p:pic>
+        <p:nvPicPr>
+          <p:cNvPr id="5" name="図 4"/>
+          <p:cNvPicPr>
+            <a:picLocks noChangeAspect="1"/>
+          </p:cNvPicPr>
+          <p:nvPr/>
+        </p:nvPicPr>
+        <p:blipFill>
+          <a:blip r:embed="rId2"/>
+          <a:stretch>
+            <a:fillRect/>
+          </a:stretch>
+        </p:blipFill>
+        <p:spPr>
+          <a:xfrm>
+            <a:off x="2200275" y="1556740"/>
+            <a:ext cx="4743450" cy="4552950"/>
+          </a:xfrm>
+          <a:prstGeom prst="rect">
+            <a:avLst/>
+          </a:prstGeom>
+        </p:spPr>
+      </p:pic>
+      <p:cxnSp>
+        <p:nvCxnSpPr>
+          <p:cNvPr id="10" name="直線コネクタ 9"/>
+          <p:cNvCxnSpPr/>
+          <p:nvPr/>
+        </p:nvCxnSpPr>
+        <p:spPr bwMode="auto">
+          <a:xfrm>
+            <a:off x="3275820" y="4077090"/>
+            <a:ext cx="432060" cy="0"/>
+          </a:xfrm>
+          <a:prstGeom prst="line">
+            <a:avLst/>
+          </a:prstGeom>
+          <a:solidFill>
+            <a:schemeClr val="bg1"/>
+          </a:solidFill>
+          <a:ln w="38100" cap="flat" cmpd="sng" algn="ctr">
+            <a:solidFill>
+              <a:srgbClr val="FF0000"/>
+            </a:solidFill>
+            <a:prstDash val="solid"/>
+            <a:round/>
+            <a:headEnd type="none" w="med" len="med"/>
+            <a:tailEnd type="none" w="med" len="med"/>
+          </a:ln>
+          <a:effectLst/>
+          <a:extLst>
+            <a:ext uri="{AF507438-7753-43E0-B8FC-AC1667EBCBE1}">
+              <a14:hiddenEffects xmlns:a14="http://schemas.microsoft.com/office/drawing/2010/main">
+                <a:effectLst>
+                  <a:outerShdw dist="35921" dir="2700000" algn="ctr" rotWithShape="0">
+                    <a:schemeClr val="tx1">
+                      <a:alpha val="50000"/>
+                    </a:schemeClr>
+                  </a:outerShdw>
+                </a:effectLst>
+              </a14:hiddenEffects>
+            </a:ext>
+          </a:extLst>
+        </p:spPr>
+      </p:cxnSp>
+    </p:spTree>
+    <p:extLst>
+      <p:ext uri="{BB962C8B-B14F-4D97-AF65-F5344CB8AC3E}">
+        <p14:creationId xmlns:p14="http://schemas.microsoft.com/office/powerpoint/2010/main" val="1030943158"/>
+      </p:ext>
+    </p:extLst>
+  </p:cSld>
+  <p:clrMapOvr>
+    <a:masterClrMapping/>
+  </p:clrMapOvr>
+  <p:timing>
+    <p:tnLst>
+      <p:par>
+        <p:cTn id="1" dur="indefinite" restart="never" nodeType="tmRoot"/>
+      </p:par>
+    </p:tnLst>
+  </p:timing>
+</p:sld>
+</file>
+
+<file path=ppt/slides/slide18.xml><?xml version="1.0" encoding="utf-8"?>
+<p:sld xmlns:a="http://schemas.openxmlformats.org/drawingml/2006/main" xmlns:r="http://schemas.openxmlformats.org/officeDocument/2006/relationships" xmlns:p="http://schemas.openxmlformats.org/presentationml/2006/main">
+  <p:cSld>
+    <p:spTree>
+      <p:nvGrpSpPr>
+        <p:cNvPr id="1" name=""/>
+        <p:cNvGrpSpPr/>
+        <p:nvPr/>
+      </p:nvGrpSpPr>
+      <p:grpSpPr>
+        <a:xfrm>
+          <a:off x="0" y="0"/>
+          <a:ext cx="0" cy="0"/>
+          <a:chOff x="0" y="0"/>
+          <a:chExt cx="0" cy="0"/>
+        </a:xfrm>
+      </p:grpSpPr>
+      <p:sp>
+        <p:nvSpPr>
+          <p:cNvPr id="2" name="タイトル 1"/>
+          <p:cNvSpPr>
+            <a:spLocks noGrp="1"/>
+          </p:cNvSpPr>
+          <p:nvPr>
+            <p:ph type="title"/>
+          </p:nvPr>
+        </p:nvSpPr>
+        <p:spPr/>
+        <p:txBody>
+          <a:bodyPr/>
+          <a:lstStyle/>
+          <a:p>
+            <a:r>
+              <a:rPr lang="en-US" altLang="ja-JP" dirty="0" smtClean="0"/>
               <a:t>3.11</a:t>
             </a:r>
             <a:r>
-              <a:rPr lang="ja-JP" altLang="en-US"/>
-              <a:t>　環境構築（</a:t>
-            </a:r>
-            <a:r>
-              <a:rPr lang="en-US" altLang="ja-JP"/>
+              <a:rPr lang="ja-JP" altLang="en-US" dirty="0"/>
+              <a:t>　環境構築</a:t>
+            </a:r>
+            <a:r>
+              <a:rPr lang="ja-JP" altLang="en-US" dirty="0" smtClean="0"/>
+              <a:t>（</a:t>
+            </a:r>
+            <a:r>
+              <a:rPr lang="en-US" altLang="ja-JP" dirty="0"/>
+              <a:t>8</a:t>
+            </a:r>
+            <a:r>
+              <a:rPr lang="en-US" altLang="ja-JP" dirty="0" smtClean="0"/>
+              <a:t>/11</a:t>
+            </a:r>
+            <a:r>
+              <a:rPr lang="ja-JP" altLang="en-US" dirty="0" smtClean="0"/>
+              <a:t>）</a:t>
+            </a:r>
+            <a:endParaRPr kumimoji="1" lang="ja-JP" altLang="en-US" dirty="0"/>
+          </a:p>
+        </p:txBody>
+      </p:sp>
+      <p:sp>
+        <p:nvSpPr>
+          <p:cNvPr id="3" name="コンテンツ プレースホルダー 2"/>
+          <p:cNvSpPr>
+            <a:spLocks noGrp="1"/>
+          </p:cNvSpPr>
+          <p:nvPr>
+            <p:ph sz="quarter" idx="10"/>
+          </p:nvPr>
+        </p:nvSpPr>
+        <p:spPr>
+          <a:xfrm>
+            <a:off x="179512" y="692620"/>
+            <a:ext cx="8964487" cy="5760568"/>
+          </a:xfrm>
+        </p:spPr>
+        <p:txBody>
+          <a:bodyPr>
+            <a:normAutofit/>
+          </a:bodyPr>
+          <a:lstStyle/>
+          <a:p>
+            <a:r>
+              <a:rPr lang="ja-JP" altLang="en-US" dirty="0"/>
+              <a:t>アンサーファイル</a:t>
+            </a:r>
+            <a:r>
+              <a:rPr lang="en-US" altLang="ja-JP" dirty="0"/>
+              <a:t>(oase_answers.txt)</a:t>
+            </a:r>
+            <a:r>
+              <a:rPr lang="ja-JP" altLang="en-US" dirty="0"/>
+              <a:t>の記述サンプル</a:t>
+            </a:r>
+            <a:r>
+              <a:rPr lang="en-US" altLang="ja-JP" dirty="0"/>
+              <a:t> </a:t>
+            </a:r>
+            <a:r>
+              <a:rPr lang="en-US" altLang="ja-JP" dirty="0" smtClean="0"/>
+              <a:t>2/4</a:t>
+            </a:r>
+            <a:endParaRPr lang="en-US" altLang="ja-JP" dirty="0"/>
+          </a:p>
+          <a:p>
+            <a:pPr lvl="1"/>
+            <a:endParaRPr lang="en-US" altLang="ja-JP" dirty="0"/>
+          </a:p>
+        </p:txBody>
+      </p:sp>
+      <p:pic>
+        <p:nvPicPr>
+          <p:cNvPr id="5" name="図 4"/>
+          <p:cNvPicPr>
+            <a:picLocks noChangeAspect="1"/>
+          </p:cNvPicPr>
+          <p:nvPr/>
+        </p:nvPicPr>
+        <p:blipFill>
+          <a:blip r:embed="rId2"/>
+          <a:stretch>
+            <a:fillRect/>
+          </a:stretch>
+        </p:blipFill>
+        <p:spPr>
+          <a:xfrm>
+            <a:off x="2134843" y="1196690"/>
+            <a:ext cx="4873340" cy="5141178"/>
+          </a:xfrm>
+          <a:prstGeom prst="rect">
+            <a:avLst/>
+          </a:prstGeom>
+        </p:spPr>
+      </p:pic>
+      <p:cxnSp>
+        <p:nvCxnSpPr>
+          <p:cNvPr id="7" name="直線コネクタ 6"/>
+          <p:cNvCxnSpPr/>
+          <p:nvPr/>
+        </p:nvCxnSpPr>
+        <p:spPr bwMode="auto">
+          <a:xfrm>
+            <a:off x="2555720" y="1667307"/>
+            <a:ext cx="360050" cy="0"/>
+          </a:xfrm>
+          <a:prstGeom prst="line">
+            <a:avLst/>
+          </a:prstGeom>
+          <a:solidFill>
+            <a:schemeClr val="bg1"/>
+          </a:solidFill>
+          <a:ln w="38100" cap="flat" cmpd="sng" algn="ctr">
+            <a:solidFill>
+              <a:srgbClr val="FF0000"/>
+            </a:solidFill>
+            <a:prstDash val="solid"/>
+            <a:round/>
+            <a:headEnd type="none" w="med" len="med"/>
+            <a:tailEnd type="none" w="med" len="med"/>
+          </a:ln>
+          <a:effectLst/>
+          <a:extLst>
+            <a:ext uri="{AF507438-7753-43E0-B8FC-AC1667EBCBE1}">
+              <a14:hiddenEffects xmlns:a14="http://schemas.microsoft.com/office/drawing/2010/main">
+                <a:effectLst>
+                  <a:outerShdw dist="35921" dir="2700000" algn="ctr" rotWithShape="0">
+                    <a:schemeClr val="tx1">
+                      <a:alpha val="50000"/>
+                    </a:schemeClr>
+                  </a:outerShdw>
+                </a:effectLst>
+              </a14:hiddenEffects>
+            </a:ext>
+          </a:extLst>
+        </p:spPr>
+      </p:cxnSp>
+    </p:spTree>
+    <p:extLst>
+      <p:ext uri="{BB962C8B-B14F-4D97-AF65-F5344CB8AC3E}">
+        <p14:creationId xmlns:p14="http://schemas.microsoft.com/office/powerpoint/2010/main" val="1534905894"/>
+      </p:ext>
+    </p:extLst>
+  </p:cSld>
+  <p:clrMapOvr>
+    <a:masterClrMapping/>
+  </p:clrMapOvr>
+</p:sld>
+</file>
+
+<file path=ppt/slides/slide19.xml><?xml version="1.0" encoding="utf-8"?>
+<p:sld xmlns:a="http://schemas.openxmlformats.org/drawingml/2006/main" xmlns:r="http://schemas.openxmlformats.org/officeDocument/2006/relationships" xmlns:p="http://schemas.openxmlformats.org/presentationml/2006/main">
+  <p:cSld>
+    <p:spTree>
+      <p:nvGrpSpPr>
+        <p:cNvPr id="1" name=""/>
+        <p:cNvGrpSpPr/>
+        <p:nvPr/>
+      </p:nvGrpSpPr>
+      <p:grpSpPr>
+        <a:xfrm>
+          <a:off x="0" y="0"/>
+          <a:ext cx="0" cy="0"/>
+          <a:chOff x="0" y="0"/>
+          <a:chExt cx="0" cy="0"/>
+        </a:xfrm>
+      </p:grpSpPr>
+      <p:sp>
+        <p:nvSpPr>
+          <p:cNvPr id="2" name="タイトル 1"/>
+          <p:cNvSpPr>
+            <a:spLocks noGrp="1"/>
+          </p:cNvSpPr>
+          <p:nvPr>
+            <p:ph type="title"/>
+          </p:nvPr>
+        </p:nvSpPr>
+        <p:spPr/>
+        <p:txBody>
+          <a:bodyPr/>
+          <a:lstStyle/>
+          <a:p>
+            <a:r>
+              <a:rPr lang="en-US" altLang="ja-JP" dirty="0" smtClean="0"/>
+              <a:t>3.12</a:t>
+            </a:r>
+            <a:r>
+              <a:rPr lang="ja-JP" altLang="en-US" dirty="0"/>
+              <a:t>　環境構築</a:t>
+            </a:r>
+            <a:r>
+              <a:rPr lang="ja-JP" altLang="en-US" dirty="0" smtClean="0"/>
+              <a:t>（</a:t>
+            </a:r>
+            <a:r>
+              <a:rPr lang="en-US" altLang="ja-JP" dirty="0"/>
+              <a:t>9</a:t>
+            </a:r>
+            <a:r>
+              <a:rPr lang="en-US" altLang="ja-JP" dirty="0" smtClean="0"/>
+              <a:t>/11</a:t>
+            </a:r>
+            <a:r>
+              <a:rPr lang="ja-JP" altLang="en-US" dirty="0" smtClean="0"/>
+              <a:t>）</a:t>
+            </a:r>
+            <a:endParaRPr kumimoji="1" lang="ja-JP" altLang="en-US" dirty="0"/>
+          </a:p>
+        </p:txBody>
+      </p:sp>
+      <p:sp>
+        <p:nvSpPr>
+          <p:cNvPr id="3" name="コンテンツ プレースホルダー 2"/>
+          <p:cNvSpPr>
+            <a:spLocks noGrp="1"/>
+          </p:cNvSpPr>
+          <p:nvPr>
+            <p:ph sz="quarter" idx="10"/>
+          </p:nvPr>
+        </p:nvSpPr>
+        <p:spPr>
+          <a:xfrm>
+            <a:off x="179512" y="692620"/>
+            <a:ext cx="8964487" cy="5760568"/>
+          </a:xfrm>
+        </p:spPr>
+        <p:txBody>
+          <a:bodyPr>
+            <a:normAutofit/>
+          </a:bodyPr>
+          <a:lstStyle/>
+          <a:p>
+            <a:r>
+              <a:rPr lang="ja-JP" altLang="en-US" dirty="0"/>
+              <a:t>アンサーファイル</a:t>
+            </a:r>
+            <a:r>
+              <a:rPr lang="en-US" altLang="ja-JP" dirty="0"/>
+              <a:t>(oase_answers.txt)</a:t>
+            </a:r>
+            <a:r>
+              <a:rPr lang="ja-JP" altLang="en-US" dirty="0"/>
+              <a:t>の記述サンプル</a:t>
+            </a:r>
+            <a:r>
+              <a:rPr lang="en-US" altLang="ja-JP" dirty="0"/>
+              <a:t> </a:t>
+            </a:r>
+            <a:r>
+              <a:rPr lang="en-US" altLang="ja-JP" dirty="0" smtClean="0"/>
+              <a:t>3/4</a:t>
+            </a:r>
+            <a:endParaRPr lang="en-US" altLang="ja-JP" dirty="0"/>
+          </a:p>
+          <a:p>
+            <a:pPr lvl="1"/>
+            <a:endParaRPr lang="en-US" altLang="ja-JP" dirty="0"/>
+          </a:p>
+        </p:txBody>
+      </p:sp>
+      <p:pic>
+        <p:nvPicPr>
+          <p:cNvPr id="4" name="図 3"/>
+          <p:cNvPicPr>
+            <a:picLocks noChangeAspect="1"/>
+          </p:cNvPicPr>
+          <p:nvPr/>
+        </p:nvPicPr>
+        <p:blipFill>
+          <a:blip r:embed="rId2"/>
+          <a:stretch>
+            <a:fillRect/>
+          </a:stretch>
+        </p:blipFill>
+        <p:spPr>
+          <a:xfrm>
+            <a:off x="2353723" y="1196690"/>
+            <a:ext cx="4435580" cy="5207596"/>
+          </a:xfrm>
+          <a:prstGeom prst="rect">
+            <a:avLst/>
+          </a:prstGeom>
+        </p:spPr>
+      </p:pic>
+      <p:cxnSp>
+        <p:nvCxnSpPr>
+          <p:cNvPr id="7" name="直線コネクタ 6"/>
+          <p:cNvCxnSpPr/>
+          <p:nvPr/>
+        </p:nvCxnSpPr>
+        <p:spPr bwMode="auto">
+          <a:xfrm>
+            <a:off x="3059790" y="5157240"/>
+            <a:ext cx="504070" cy="0"/>
+          </a:xfrm>
+          <a:prstGeom prst="line">
+            <a:avLst/>
+          </a:prstGeom>
+          <a:solidFill>
+            <a:schemeClr val="bg1"/>
+          </a:solidFill>
+          <a:ln w="38100" cap="flat" cmpd="sng" algn="ctr">
+            <a:solidFill>
+              <a:srgbClr val="FF0000"/>
+            </a:solidFill>
+            <a:prstDash val="solid"/>
+            <a:round/>
+            <a:headEnd type="none" w="med" len="med"/>
+            <a:tailEnd type="none" w="med" len="med"/>
+          </a:ln>
+          <a:effectLst/>
+          <a:extLst>
+            <a:ext uri="{AF507438-7753-43E0-B8FC-AC1667EBCBE1}">
+              <a14:hiddenEffects xmlns:a14="http://schemas.microsoft.com/office/drawing/2010/main">
+                <a:effectLst>
+                  <a:outerShdw dist="35921" dir="2700000" algn="ctr" rotWithShape="0">
+                    <a:schemeClr val="tx1">
+                      <a:alpha val="50000"/>
+                    </a:schemeClr>
+                  </a:outerShdw>
+                </a:effectLst>
+              </a14:hiddenEffects>
+            </a:ext>
+          </a:extLst>
+        </p:spPr>
+      </p:cxnSp>
+      <p:cxnSp>
+        <p:nvCxnSpPr>
+          <p:cNvPr id="9" name="直線コネクタ 8"/>
+          <p:cNvCxnSpPr/>
+          <p:nvPr/>
+        </p:nvCxnSpPr>
+        <p:spPr bwMode="auto">
+          <a:xfrm>
+            <a:off x="2785453" y="6165380"/>
+            <a:ext cx="346347" cy="0"/>
+          </a:xfrm>
+          <a:prstGeom prst="line">
+            <a:avLst/>
+          </a:prstGeom>
+          <a:solidFill>
+            <a:schemeClr val="bg1"/>
+          </a:solidFill>
+          <a:ln w="38100" cap="flat" cmpd="sng" algn="ctr">
+            <a:solidFill>
+              <a:srgbClr val="FF0000"/>
+            </a:solidFill>
+            <a:prstDash val="solid"/>
+            <a:round/>
+            <a:headEnd type="none" w="med" len="med"/>
+            <a:tailEnd type="none" w="med" len="med"/>
+          </a:ln>
+          <a:effectLst/>
+          <a:extLst>
+            <a:ext uri="{AF507438-7753-43E0-B8FC-AC1667EBCBE1}">
+              <a14:hiddenEffects xmlns:a14="http://schemas.microsoft.com/office/drawing/2010/main">
+                <a:effectLst>
+                  <a:outerShdw dist="35921" dir="2700000" algn="ctr" rotWithShape="0">
+                    <a:schemeClr val="tx1">
+                      <a:alpha val="50000"/>
+                    </a:schemeClr>
+                  </a:outerShdw>
+                </a:effectLst>
+              </a14:hiddenEffects>
+            </a:ext>
+          </a:extLst>
+        </p:spPr>
+      </p:cxnSp>
+    </p:spTree>
+    <p:extLst>
+      <p:ext uri="{BB962C8B-B14F-4D97-AF65-F5344CB8AC3E}">
+        <p14:creationId xmlns:p14="http://schemas.microsoft.com/office/powerpoint/2010/main" val="3270756872"/>
+      </p:ext>
+    </p:extLst>
+  </p:cSld>
+  <p:clrMapOvr>
+    <a:masterClrMapping/>
+  </p:clrMapOvr>
+  <p:timing>
+    <p:tnLst>
+      <p:par>
+        <p:cTn id="1" dur="indefinite" restart="never" nodeType="tmRoot"/>
+      </p:par>
+    </p:tnLst>
+  </p:timing>
+</p:sld>
+</file>
+
+<file path=ppt/slides/slide2.xml><?xml version="1.0" encoding="utf-8"?>
+<p:sld xmlns:a="http://schemas.openxmlformats.org/drawingml/2006/main" xmlns:r="http://schemas.openxmlformats.org/officeDocument/2006/relationships" xmlns:p="http://schemas.openxmlformats.org/presentationml/2006/main">
+  <p:cSld>
+    <p:spTree>
+      <p:nvGrpSpPr>
+        <p:cNvPr id="1" name=""/>
+        <p:cNvGrpSpPr/>
+        <p:nvPr/>
+      </p:nvGrpSpPr>
+      <p:grpSpPr>
+        <a:xfrm>
+          <a:off x="0" y="0"/>
+          <a:ext cx="0" cy="0"/>
+          <a:chOff x="0" y="0"/>
+          <a:chExt cx="0" cy="0"/>
+        </a:xfrm>
+      </p:grpSpPr>
+      <p:sp>
+        <p:nvSpPr>
+          <p:cNvPr id="2" name="タイトル 1"/>
+          <p:cNvSpPr>
+            <a:spLocks noGrp="1"/>
+          </p:cNvSpPr>
+          <p:nvPr>
+            <p:ph type="title"/>
+          </p:nvPr>
+        </p:nvSpPr>
+        <p:spPr>
+          <a:xfrm>
+            <a:off x="1619672" y="116540"/>
+            <a:ext cx="7344000" cy="405683"/>
+          </a:xfrm>
+        </p:spPr>
+        <p:txBody>
+          <a:bodyPr/>
+          <a:lstStyle/>
+          <a:p>
+            <a:r>
+              <a:rPr kumimoji="1" lang="ja-JP" altLang="en-US"/>
+              <a:t>目次</a:t>
+            </a:r>
+          </a:p>
+        </p:txBody>
+      </p:sp>
+      <p:sp>
+        <p:nvSpPr>
+          <p:cNvPr id="4" name="正方形/長方形 3"/>
+          <p:cNvSpPr/>
+          <p:nvPr/>
+        </p:nvSpPr>
+        <p:spPr bwMode="auto">
+          <a:xfrm>
+            <a:off x="1619590" y="522116"/>
+            <a:ext cx="3600500" cy="6335884"/>
+          </a:xfrm>
+          <a:prstGeom prst="rect">
+            <a:avLst/>
+          </a:prstGeom>
+          <a:noFill/>
+          <a:ln w="12700">
+            <a:noFill/>
+          </a:ln>
+          <a:effectLst/>
+        </p:spPr>
+        <p:txBody>
+          <a:bodyPr rot="0" spcFirstLastPara="0" vertOverflow="overflow" horzOverflow="overflow" vert="horz" wrap="none" lIns="72000" tIns="72000" rIns="72000" bIns="72000" numCol="1" spcCol="0" rtlCol="0" fromWordArt="0" anchor="t" anchorCtr="0" forceAA="0" compatLnSpc="1">
+            <a:prstTxWarp prst="textNoShape">
+              <a:avLst/>
+            </a:prstTxWarp>
+            <a:noAutofit/>
+          </a:bodyPr>
+          <a:lstStyle/>
+          <a:p>
+            <a:pPr marL="342900" indent="-342900">
+              <a:buFont typeface="+mj-lt"/>
+              <a:buAutoNum type="arabicPeriod"/>
+            </a:pPr>
+            <a:r>
+              <a:rPr lang="ja-JP" altLang="en-US" sz="1400" dirty="0">
+                <a:latin typeface="+mn-ea"/>
+              </a:rPr>
+              <a:t>はじめに</a:t>
+            </a:r>
+            <a:endParaRPr lang="en-US" altLang="ja-JP" sz="1400" dirty="0">
+              <a:latin typeface="+mn-ea"/>
+            </a:endParaRPr>
+          </a:p>
+          <a:p>
+            <a:r>
+              <a:rPr lang="ja-JP" altLang="en-US" sz="1400" dirty="0">
+                <a:latin typeface="+mn-ea"/>
+              </a:rPr>
+              <a:t>　</a:t>
+            </a:r>
+            <a:r>
+              <a:rPr lang="en-US" altLang="ja-JP" sz="1400" dirty="0">
+                <a:latin typeface="+mn-ea"/>
+              </a:rPr>
+              <a:t> 1.1</a:t>
+            </a:r>
+            <a:r>
+              <a:rPr lang="ja-JP" altLang="en-US" sz="1400" dirty="0">
+                <a:latin typeface="+mn-ea"/>
+              </a:rPr>
+              <a:t>　 本資料について</a:t>
+            </a:r>
+            <a:endParaRPr lang="en-US" altLang="ja-JP" sz="1400" dirty="0">
+              <a:latin typeface="+mn-ea"/>
+            </a:endParaRPr>
+          </a:p>
+          <a:p>
+            <a:endParaRPr lang="en-US" altLang="ja-JP" sz="1400" dirty="0">
+              <a:latin typeface="+mn-ea"/>
+            </a:endParaRPr>
+          </a:p>
+          <a:p>
+            <a:pPr marL="342900" indent="-342900">
+              <a:buFont typeface="+mj-lt"/>
+              <a:buAutoNum type="arabicPeriod" startAt="2"/>
+            </a:pPr>
+            <a:r>
+              <a:rPr lang="ja-JP" altLang="en-US" sz="1400" dirty="0">
+                <a:latin typeface="+mn-ea"/>
+              </a:rPr>
+              <a:t>システム構成</a:t>
+            </a:r>
+            <a:endParaRPr lang="en-US" altLang="ja-JP" sz="1400" dirty="0">
+              <a:latin typeface="+mn-ea"/>
+            </a:endParaRPr>
+          </a:p>
+          <a:p>
+            <a:r>
+              <a:rPr lang="ja-JP" altLang="en-US" sz="1400" dirty="0">
+                <a:latin typeface="+mn-ea"/>
+              </a:rPr>
+              <a:t>　 </a:t>
+            </a:r>
+            <a:r>
+              <a:rPr lang="en-US" altLang="ja-JP" sz="1400" dirty="0">
+                <a:latin typeface="+mn-ea"/>
+              </a:rPr>
+              <a:t>2.1</a:t>
+            </a:r>
+            <a:r>
+              <a:rPr lang="ja-JP" altLang="en-US" sz="1400" dirty="0">
+                <a:latin typeface="+mn-ea"/>
+              </a:rPr>
+              <a:t>　 動作環境・条件</a:t>
+            </a:r>
+            <a:r>
+              <a:rPr lang="en-US" altLang="ja-JP" sz="1400" dirty="0">
+                <a:latin typeface="+mn-ea"/>
+              </a:rPr>
+              <a:t>(1/2)</a:t>
+            </a:r>
+          </a:p>
+          <a:p>
+            <a:r>
+              <a:rPr lang="en-US" altLang="ja-JP" sz="1400" dirty="0">
+                <a:latin typeface="+mn-ea"/>
+              </a:rPr>
+              <a:t>    2.2    </a:t>
+            </a:r>
+            <a:r>
+              <a:rPr lang="ja-JP" altLang="en-US" sz="1400" dirty="0">
+                <a:latin typeface="+mn-ea"/>
+              </a:rPr>
+              <a:t>動作環境・条件</a:t>
+            </a:r>
+            <a:r>
+              <a:rPr lang="en-US" altLang="ja-JP" sz="1400" dirty="0">
+                <a:latin typeface="+mn-ea"/>
+              </a:rPr>
+              <a:t>(2/2)</a:t>
+            </a:r>
+          </a:p>
+          <a:p>
+            <a:endParaRPr lang="en-US" altLang="ja-JP" sz="1400" dirty="0">
+              <a:latin typeface="+mn-ea"/>
+            </a:endParaRPr>
+          </a:p>
+          <a:p>
+            <a:pPr marL="342900" indent="-342900">
+              <a:buFont typeface="+mj-lt"/>
+              <a:buAutoNum type="arabicPeriod" startAt="3"/>
+            </a:pPr>
+            <a:r>
+              <a:rPr lang="en-US" altLang="zh-TW" sz="1400" dirty="0">
+                <a:latin typeface="+mn-ea"/>
+              </a:rPr>
+              <a:t>OASE</a:t>
+            </a:r>
+            <a:r>
+              <a:rPr lang="zh-TW" altLang="en-US" sz="1400" dirty="0">
+                <a:latin typeface="+mn-ea"/>
+              </a:rPr>
+              <a:t>環境構築手順</a:t>
+            </a:r>
+            <a:endParaRPr lang="en-US" altLang="ja-JP" sz="1400" dirty="0">
+              <a:latin typeface="+mn-ea"/>
+            </a:endParaRPr>
+          </a:p>
+          <a:p>
+            <a:r>
+              <a:rPr lang="en-US" altLang="ja-JP" sz="1400" dirty="0">
+                <a:latin typeface="+mn-ea"/>
+              </a:rPr>
+              <a:t> </a:t>
+            </a:r>
+            <a:r>
+              <a:rPr lang="ja-JP" altLang="en-US" sz="1400" dirty="0">
+                <a:latin typeface="+mn-ea"/>
+              </a:rPr>
+              <a:t>   </a:t>
+            </a:r>
+            <a:r>
+              <a:rPr lang="en-US" altLang="ja-JP" sz="1400" dirty="0">
+                <a:latin typeface="+mn-ea"/>
+              </a:rPr>
+              <a:t>3.1</a:t>
+            </a:r>
+            <a:r>
+              <a:rPr lang="ja-JP" altLang="en-US" sz="1400" dirty="0">
+                <a:latin typeface="+mn-ea"/>
+              </a:rPr>
+              <a:t>　 オンラインインストール</a:t>
+            </a:r>
+          </a:p>
+          <a:p>
+            <a:r>
+              <a:rPr lang="ja-JP" altLang="en-US" sz="1400" dirty="0">
+                <a:latin typeface="+mn-ea"/>
+              </a:rPr>
+              <a:t>　 </a:t>
+            </a:r>
+            <a:r>
+              <a:rPr lang="en-US" altLang="ja-JP" sz="1400" dirty="0">
+                <a:latin typeface="+mn-ea"/>
+              </a:rPr>
+              <a:t>3.2</a:t>
+            </a:r>
+            <a:r>
+              <a:rPr lang="ja-JP" altLang="en-US" sz="1400" dirty="0">
+                <a:latin typeface="+mn-ea"/>
+              </a:rPr>
+              <a:t>　 事前</a:t>
+            </a:r>
+            <a:r>
+              <a:rPr lang="ja-JP" altLang="en-US" sz="1400" dirty="0" smtClean="0">
+                <a:latin typeface="+mn-ea"/>
+              </a:rPr>
+              <a:t>準備</a:t>
+            </a:r>
+            <a:endParaRPr lang="en-US" altLang="ja-JP" sz="1400" dirty="0" smtClean="0">
+              <a:latin typeface="+mn-ea"/>
+            </a:endParaRPr>
+          </a:p>
+          <a:p>
+            <a:r>
+              <a:rPr lang="en-US" altLang="ja-JP" sz="1400" dirty="0">
+                <a:latin typeface="+mn-ea"/>
+              </a:rPr>
+              <a:t> </a:t>
+            </a:r>
+            <a:r>
+              <a:rPr lang="en-US" altLang="ja-JP" sz="1400" dirty="0" smtClean="0">
+                <a:latin typeface="+mn-ea"/>
+              </a:rPr>
+              <a:t>   3.3    </a:t>
+            </a:r>
+            <a:r>
+              <a:rPr lang="en-US" altLang="ja-JP" sz="1400" dirty="0">
+                <a:latin typeface="+mn-ea"/>
+              </a:rPr>
+              <a:t>OASE</a:t>
+            </a:r>
+            <a:r>
+              <a:rPr lang="ja-JP" altLang="en-US" sz="1400" dirty="0">
+                <a:latin typeface="+mn-ea"/>
+              </a:rPr>
+              <a:t>環境構築フロー</a:t>
+            </a:r>
+          </a:p>
+          <a:p>
+            <a:r>
+              <a:rPr lang="en-US" altLang="ja-JP" sz="1400" dirty="0">
+                <a:latin typeface="+mn-ea"/>
+              </a:rPr>
+              <a:t>    </a:t>
+            </a:r>
+            <a:r>
+              <a:rPr lang="en-US" altLang="ja-JP" sz="1400" dirty="0" smtClean="0">
+                <a:latin typeface="+mn-ea"/>
+              </a:rPr>
+              <a:t>3.4</a:t>
+            </a:r>
+            <a:r>
+              <a:rPr lang="ja-JP" altLang="en-US" sz="1400" dirty="0">
+                <a:latin typeface="+mn-ea"/>
+              </a:rPr>
+              <a:t>　 環境構築（</a:t>
+            </a:r>
+            <a:r>
+              <a:rPr lang="en-US" altLang="ja-JP" sz="1400" dirty="0" smtClean="0">
+                <a:latin typeface="+mn-ea"/>
+              </a:rPr>
+              <a:t>1/11</a:t>
+            </a:r>
+            <a:r>
+              <a:rPr lang="ja-JP" altLang="en-US" sz="1400" dirty="0" smtClean="0">
+                <a:latin typeface="+mn-ea"/>
+              </a:rPr>
+              <a:t>）</a:t>
+            </a:r>
+            <a:endParaRPr lang="ja-JP" altLang="en-US" sz="1400" dirty="0">
+              <a:latin typeface="+mn-ea"/>
+            </a:endParaRPr>
+          </a:p>
+          <a:p>
+            <a:r>
+              <a:rPr lang="en-US" altLang="ja-JP" sz="1400" dirty="0">
+                <a:latin typeface="+mn-ea"/>
+              </a:rPr>
+              <a:t>    </a:t>
+            </a:r>
+            <a:r>
+              <a:rPr lang="en-US" altLang="ja-JP" sz="1400" dirty="0" smtClean="0">
+                <a:latin typeface="+mn-ea"/>
+              </a:rPr>
+              <a:t>3.5</a:t>
+            </a:r>
+            <a:r>
+              <a:rPr lang="ja-JP" altLang="en-US" sz="1400" dirty="0">
+                <a:latin typeface="+mn-ea"/>
+              </a:rPr>
+              <a:t>　 環境構築（</a:t>
+            </a:r>
+            <a:r>
+              <a:rPr lang="en-US" altLang="ja-JP" sz="1400" dirty="0" smtClean="0">
+                <a:latin typeface="+mn-ea"/>
+              </a:rPr>
+              <a:t>2/11</a:t>
+            </a:r>
+            <a:r>
+              <a:rPr lang="ja-JP" altLang="en-US" sz="1400" dirty="0" smtClean="0">
+                <a:latin typeface="+mn-ea"/>
+              </a:rPr>
+              <a:t>）</a:t>
+            </a:r>
+            <a:endParaRPr lang="ja-JP" altLang="en-US" sz="1400" dirty="0">
+              <a:latin typeface="+mn-ea"/>
+            </a:endParaRPr>
+          </a:p>
+          <a:p>
+            <a:r>
+              <a:rPr lang="en-US" altLang="ja-JP" sz="1400" dirty="0">
+                <a:latin typeface="+mn-ea"/>
+              </a:rPr>
+              <a:t>    </a:t>
+            </a:r>
+            <a:r>
+              <a:rPr lang="en-US" altLang="ja-JP" sz="1400" dirty="0" smtClean="0">
+                <a:latin typeface="+mn-ea"/>
+              </a:rPr>
+              <a:t>3.6</a:t>
+            </a:r>
+            <a:r>
+              <a:rPr lang="ja-JP" altLang="en-US" sz="1400" dirty="0">
+                <a:latin typeface="+mn-ea"/>
+              </a:rPr>
+              <a:t>　 環境構築（</a:t>
+            </a:r>
+            <a:r>
+              <a:rPr lang="en-US" altLang="ja-JP" sz="1400" dirty="0" smtClean="0">
+                <a:latin typeface="+mn-ea"/>
+              </a:rPr>
+              <a:t>3/11</a:t>
+            </a:r>
+            <a:r>
+              <a:rPr lang="ja-JP" altLang="en-US" sz="1400" dirty="0" smtClean="0">
+                <a:latin typeface="+mn-ea"/>
+              </a:rPr>
+              <a:t>）</a:t>
+            </a:r>
+            <a:endParaRPr lang="ja-JP" altLang="en-US" sz="1400" dirty="0">
+              <a:latin typeface="+mn-ea"/>
+            </a:endParaRPr>
+          </a:p>
+          <a:p>
+            <a:r>
+              <a:rPr lang="en-US" altLang="ja-JP" sz="1400" dirty="0">
+                <a:latin typeface="+mn-ea"/>
+              </a:rPr>
+              <a:t>    </a:t>
+            </a:r>
+            <a:r>
+              <a:rPr lang="en-US" altLang="ja-JP" sz="1400" dirty="0" smtClean="0">
+                <a:latin typeface="+mn-ea"/>
+              </a:rPr>
+              <a:t>3.7</a:t>
+            </a:r>
+            <a:r>
+              <a:rPr lang="ja-JP" altLang="en-US" sz="1400" dirty="0">
+                <a:latin typeface="+mn-ea"/>
+              </a:rPr>
+              <a:t>　 環境構築（</a:t>
+            </a:r>
+            <a:r>
+              <a:rPr lang="en-US" altLang="ja-JP" sz="1400" dirty="0" smtClean="0">
+                <a:latin typeface="+mn-ea"/>
+              </a:rPr>
+              <a:t>4/11</a:t>
+            </a:r>
+            <a:r>
+              <a:rPr lang="ja-JP" altLang="en-US" sz="1400" dirty="0" smtClean="0">
+                <a:latin typeface="+mn-ea"/>
+              </a:rPr>
+              <a:t>）</a:t>
+            </a:r>
+            <a:endParaRPr lang="ja-JP" altLang="en-US" sz="1400" dirty="0">
+              <a:latin typeface="+mn-ea"/>
+            </a:endParaRPr>
+          </a:p>
+          <a:p>
+            <a:r>
+              <a:rPr lang="en-US" altLang="ja-JP" sz="1400" dirty="0">
+                <a:latin typeface="+mn-ea"/>
+              </a:rPr>
+              <a:t>    </a:t>
+            </a:r>
+            <a:r>
+              <a:rPr lang="en-US" altLang="ja-JP" sz="1400" dirty="0" smtClean="0">
+                <a:latin typeface="+mn-ea"/>
+              </a:rPr>
+              <a:t>3.8</a:t>
+            </a:r>
+            <a:r>
+              <a:rPr lang="ja-JP" altLang="en-US" sz="1400" dirty="0" smtClean="0">
+                <a:latin typeface="+mn-ea"/>
+              </a:rPr>
+              <a:t>    </a:t>
+            </a:r>
+            <a:r>
+              <a:rPr lang="ja-JP" altLang="en-US" sz="1400" dirty="0">
+                <a:latin typeface="+mn-ea"/>
+              </a:rPr>
+              <a:t>環境構築（</a:t>
+            </a:r>
+            <a:r>
+              <a:rPr lang="en-US" altLang="ja-JP" sz="1400" dirty="0" smtClean="0">
+                <a:latin typeface="+mn-ea"/>
+              </a:rPr>
+              <a:t>5/11</a:t>
+            </a:r>
+            <a:r>
+              <a:rPr lang="ja-JP" altLang="en-US" sz="1400" dirty="0" smtClean="0">
+                <a:latin typeface="+mn-ea"/>
+              </a:rPr>
+              <a:t>）</a:t>
+            </a:r>
+            <a:endParaRPr lang="ja-JP" altLang="en-US" sz="1400" dirty="0">
+              <a:latin typeface="+mn-ea"/>
+            </a:endParaRPr>
+          </a:p>
+          <a:p>
+            <a:r>
+              <a:rPr lang="en-US" altLang="ja-JP" sz="1400" dirty="0">
+                <a:latin typeface="+mn-ea"/>
+              </a:rPr>
+              <a:t>    </a:t>
+            </a:r>
+            <a:r>
+              <a:rPr lang="en-US" altLang="ja-JP" sz="1400" dirty="0" smtClean="0">
+                <a:latin typeface="+mn-ea"/>
+              </a:rPr>
+              <a:t>3.9</a:t>
+            </a:r>
+            <a:r>
+              <a:rPr lang="ja-JP" altLang="en-US" sz="1400" dirty="0" smtClean="0">
+                <a:latin typeface="+mn-ea"/>
+              </a:rPr>
+              <a:t>    環境</a:t>
+            </a:r>
+            <a:r>
+              <a:rPr lang="ja-JP" altLang="en-US" sz="1400" dirty="0">
+                <a:latin typeface="+mn-ea"/>
+              </a:rPr>
+              <a:t>構築（</a:t>
+            </a:r>
+            <a:r>
+              <a:rPr lang="en-US" altLang="ja-JP" sz="1400" dirty="0" smtClean="0">
+                <a:latin typeface="+mn-ea"/>
+              </a:rPr>
+              <a:t>6/11</a:t>
+            </a:r>
+            <a:r>
+              <a:rPr lang="ja-JP" altLang="en-US" sz="1400" dirty="0" smtClean="0">
+                <a:latin typeface="+mn-ea"/>
+              </a:rPr>
+              <a:t>）</a:t>
+            </a:r>
+            <a:endParaRPr lang="ja-JP" altLang="en-US" sz="1400" dirty="0">
+              <a:latin typeface="+mn-ea"/>
+            </a:endParaRPr>
+          </a:p>
+          <a:p>
+            <a:r>
+              <a:rPr lang="en-US" altLang="ja-JP" sz="1400" dirty="0">
+                <a:latin typeface="+mn-ea"/>
+              </a:rPr>
+              <a:t>    </a:t>
+            </a:r>
+            <a:r>
+              <a:rPr lang="en-US" altLang="ja-JP" sz="1400" dirty="0" smtClean="0">
+                <a:latin typeface="+mn-ea"/>
+              </a:rPr>
+              <a:t>3.10  </a:t>
+            </a:r>
+            <a:r>
+              <a:rPr lang="ja-JP" altLang="en-US" sz="1400" dirty="0">
+                <a:latin typeface="+mn-ea"/>
+              </a:rPr>
+              <a:t>環境構築（</a:t>
+            </a:r>
+            <a:r>
+              <a:rPr lang="en-US" altLang="ja-JP" sz="1400" dirty="0" smtClean="0">
+                <a:latin typeface="+mn-ea"/>
+              </a:rPr>
+              <a:t>7/11</a:t>
+            </a:r>
+            <a:r>
+              <a:rPr lang="ja-JP" altLang="en-US" sz="1400" dirty="0" smtClean="0">
+                <a:latin typeface="+mn-ea"/>
+              </a:rPr>
+              <a:t>）</a:t>
+            </a:r>
+            <a:endParaRPr lang="en-US" altLang="ja-JP" sz="1400" dirty="0" smtClean="0">
+              <a:latin typeface="+mn-ea"/>
+            </a:endParaRPr>
+          </a:p>
+          <a:p>
+            <a:r>
+              <a:rPr lang="en-US" altLang="ja-JP" sz="1400" dirty="0">
+                <a:latin typeface="+mn-ea"/>
+              </a:rPr>
+              <a:t> </a:t>
+            </a:r>
+            <a:r>
+              <a:rPr lang="en-US" altLang="ja-JP" sz="1400" dirty="0" smtClean="0">
+                <a:latin typeface="+mn-ea"/>
+              </a:rPr>
+              <a:t>   3.11  </a:t>
+            </a:r>
+            <a:r>
+              <a:rPr lang="ja-JP" altLang="en-US" sz="1400" dirty="0">
+                <a:latin typeface="+mn-ea"/>
+              </a:rPr>
+              <a:t>環境構築</a:t>
+            </a:r>
+            <a:r>
+              <a:rPr lang="ja-JP" altLang="en-US" sz="1400" dirty="0" smtClean="0">
+                <a:latin typeface="+mn-ea"/>
+              </a:rPr>
+              <a:t>（</a:t>
+            </a:r>
+            <a:r>
+              <a:rPr lang="en-US" altLang="ja-JP" sz="1400" dirty="0" smtClean="0">
+                <a:latin typeface="+mn-ea"/>
+              </a:rPr>
+              <a:t>8/11</a:t>
+            </a:r>
+            <a:r>
+              <a:rPr lang="ja-JP" altLang="en-US" sz="1400" dirty="0" smtClean="0">
+                <a:latin typeface="+mn-ea"/>
+              </a:rPr>
+              <a:t>）</a:t>
+            </a:r>
+            <a:endParaRPr lang="en-US" altLang="ja-JP" sz="1400" dirty="0" smtClean="0">
+              <a:latin typeface="+mn-ea"/>
+            </a:endParaRPr>
+          </a:p>
+          <a:p>
+            <a:r>
+              <a:rPr lang="en-US" altLang="ja-JP" sz="1400" dirty="0">
+                <a:latin typeface="+mn-ea"/>
+              </a:rPr>
+              <a:t> </a:t>
+            </a:r>
+            <a:r>
+              <a:rPr lang="en-US" altLang="ja-JP" sz="1400" dirty="0" smtClean="0">
+                <a:latin typeface="+mn-ea"/>
+              </a:rPr>
+              <a:t>   3.12  </a:t>
+            </a:r>
+            <a:r>
+              <a:rPr lang="ja-JP" altLang="en-US" sz="1400" dirty="0">
+                <a:latin typeface="+mn-ea"/>
+              </a:rPr>
+              <a:t>環境構築</a:t>
+            </a:r>
+            <a:r>
+              <a:rPr lang="ja-JP" altLang="en-US" sz="1400" dirty="0" smtClean="0">
+                <a:latin typeface="+mn-ea"/>
+              </a:rPr>
+              <a:t>（</a:t>
+            </a:r>
+            <a:r>
+              <a:rPr lang="en-US" altLang="ja-JP" sz="1400" dirty="0" smtClean="0">
+                <a:latin typeface="+mn-ea"/>
+              </a:rPr>
+              <a:t>9/11</a:t>
+            </a:r>
+            <a:r>
+              <a:rPr lang="ja-JP" altLang="en-US" sz="1400" dirty="0" smtClean="0">
+                <a:latin typeface="+mn-ea"/>
+              </a:rPr>
+              <a:t>）</a:t>
+            </a:r>
+            <a:endParaRPr lang="en-US" altLang="ja-JP" sz="1400" dirty="0">
+              <a:latin typeface="+mn-ea"/>
+            </a:endParaRPr>
+          </a:p>
+          <a:p>
+            <a:r>
+              <a:rPr lang="en-US" altLang="ja-JP" sz="1400" dirty="0">
+                <a:latin typeface="+mn-ea"/>
+              </a:rPr>
+              <a:t> </a:t>
+            </a:r>
+            <a:r>
+              <a:rPr lang="en-US" altLang="ja-JP" sz="1400" dirty="0" smtClean="0">
+                <a:latin typeface="+mn-ea"/>
+              </a:rPr>
+              <a:t>   3.13  </a:t>
+            </a:r>
+            <a:r>
+              <a:rPr lang="ja-JP" altLang="en-US" sz="1400" dirty="0">
+                <a:latin typeface="+mn-ea"/>
+              </a:rPr>
+              <a:t>環境構築</a:t>
+            </a:r>
+            <a:r>
+              <a:rPr lang="ja-JP" altLang="en-US" sz="1400" dirty="0" smtClean="0">
+                <a:latin typeface="+mn-ea"/>
+              </a:rPr>
+              <a:t>（</a:t>
+            </a:r>
+            <a:r>
+              <a:rPr lang="en-US" altLang="ja-JP" sz="1400" dirty="0" smtClean="0">
+                <a:latin typeface="+mn-ea"/>
+              </a:rPr>
+              <a:t>10/11</a:t>
+            </a:r>
+            <a:r>
+              <a:rPr lang="ja-JP" altLang="en-US" sz="1400" dirty="0">
+                <a:latin typeface="+mn-ea"/>
+              </a:rPr>
+              <a:t>）</a:t>
+            </a:r>
+            <a:endParaRPr lang="en-US" altLang="ja-JP" sz="1400" dirty="0">
+              <a:latin typeface="+mn-ea"/>
+            </a:endParaRPr>
+          </a:p>
+          <a:p>
+            <a:r>
+              <a:rPr lang="en-US" altLang="ja-JP" sz="1400" dirty="0">
+                <a:latin typeface="+mn-ea"/>
+              </a:rPr>
+              <a:t>    </a:t>
+            </a:r>
+            <a:r>
+              <a:rPr lang="en-US" altLang="ja-JP" sz="1400" dirty="0" smtClean="0">
+                <a:latin typeface="+mn-ea"/>
+              </a:rPr>
+              <a:t>3.14  </a:t>
+            </a:r>
+            <a:r>
+              <a:rPr lang="ja-JP" altLang="en-US" sz="1400" dirty="0">
+                <a:latin typeface="+mn-ea"/>
+              </a:rPr>
+              <a:t>環境構築</a:t>
+            </a:r>
+            <a:r>
+              <a:rPr lang="ja-JP" altLang="en-US" sz="1400" dirty="0" smtClean="0">
+                <a:latin typeface="+mn-ea"/>
+              </a:rPr>
+              <a:t>（</a:t>
+            </a:r>
+            <a:r>
+              <a:rPr lang="en-US" altLang="ja-JP" sz="1400" dirty="0" smtClean="0">
+                <a:latin typeface="+mn-ea"/>
+              </a:rPr>
+              <a:t>11/11</a:t>
+            </a:r>
+            <a:r>
+              <a:rPr lang="ja-JP" altLang="en-US" sz="1400" dirty="0" smtClean="0">
+                <a:latin typeface="+mn-ea"/>
+              </a:rPr>
+              <a:t>）</a:t>
+            </a:r>
+            <a:endParaRPr lang="en-US" altLang="ja-JP" sz="1400" dirty="0" smtClean="0">
+              <a:latin typeface="+mn-ea"/>
+            </a:endParaRPr>
+          </a:p>
+          <a:p>
+            <a:endParaRPr lang="en-US" altLang="ja-JP" sz="1400" dirty="0">
+              <a:latin typeface="+mn-ea"/>
+            </a:endParaRPr>
+          </a:p>
+        </p:txBody>
+      </p:sp>
+      <p:sp>
+        <p:nvSpPr>
+          <p:cNvPr id="6" name="正方形/長方形 5"/>
+          <p:cNvSpPr/>
+          <p:nvPr/>
+        </p:nvSpPr>
+        <p:spPr bwMode="auto">
+          <a:xfrm>
+            <a:off x="5076070" y="523360"/>
+            <a:ext cx="3600500" cy="6335884"/>
+          </a:xfrm>
+          <a:prstGeom prst="rect">
+            <a:avLst/>
+          </a:prstGeom>
+          <a:noFill/>
+          <a:ln w="12700">
+            <a:noFill/>
+          </a:ln>
+          <a:effectLst/>
+        </p:spPr>
+        <p:txBody>
+          <a:bodyPr rot="0" spcFirstLastPara="0" vertOverflow="overflow" horzOverflow="overflow" vert="horz" wrap="none" lIns="72000" tIns="72000" rIns="72000" bIns="72000" numCol="1" spcCol="0" rtlCol="0" fromWordArt="0" anchor="t" anchorCtr="0" forceAA="0" compatLnSpc="1">
+            <a:prstTxWarp prst="textNoShape">
+              <a:avLst/>
+            </a:prstTxWarp>
+            <a:noAutofit/>
+          </a:bodyPr>
+          <a:lstStyle/>
+          <a:p>
+            <a:pPr marL="342900" indent="-342900">
+              <a:buFont typeface="+mj-lt"/>
+              <a:buAutoNum type="arabicPeriod" startAt="4"/>
+            </a:pPr>
+            <a:r>
+              <a:rPr lang="en-US" altLang="ja-JP" sz="1400" dirty="0" smtClean="0">
+                <a:latin typeface="+mn-ea"/>
+              </a:rPr>
+              <a:t>OASE</a:t>
+            </a:r>
+            <a:r>
+              <a:rPr lang="ja-JP" altLang="en-US" sz="1400" dirty="0">
+                <a:latin typeface="+mn-ea"/>
+              </a:rPr>
+              <a:t>動作確認</a:t>
+            </a:r>
+            <a:endParaRPr lang="en-US" altLang="ja-JP" sz="1400" dirty="0">
+              <a:latin typeface="+mn-ea"/>
+            </a:endParaRPr>
+          </a:p>
+          <a:p>
+            <a:r>
+              <a:rPr lang="en-US" altLang="zh-TW" sz="1400" dirty="0">
+                <a:latin typeface="+mn-ea"/>
+              </a:rPr>
+              <a:t>    4.1</a:t>
+            </a:r>
+            <a:r>
+              <a:rPr lang="zh-TW" altLang="en-US" sz="1400" dirty="0">
+                <a:latin typeface="+mn-ea"/>
+              </a:rPr>
+              <a:t>　 動作確認（</a:t>
+            </a:r>
+            <a:r>
+              <a:rPr lang="en-US" altLang="zh-TW" sz="1400" dirty="0" smtClean="0">
+                <a:latin typeface="+mn-ea"/>
+              </a:rPr>
+              <a:t>1/7</a:t>
+            </a:r>
+            <a:r>
+              <a:rPr lang="zh-TW" altLang="en-US" sz="1400" dirty="0" smtClean="0">
+                <a:latin typeface="+mn-ea"/>
+              </a:rPr>
+              <a:t>）</a:t>
+            </a:r>
+            <a:endParaRPr lang="zh-TW" altLang="en-US" sz="1400" dirty="0">
+              <a:latin typeface="+mn-ea"/>
+            </a:endParaRPr>
+          </a:p>
+          <a:p>
+            <a:r>
+              <a:rPr lang="en-US" altLang="zh-TW" sz="1400" dirty="0">
+                <a:latin typeface="+mn-ea"/>
+              </a:rPr>
+              <a:t>    4.2</a:t>
+            </a:r>
+            <a:r>
+              <a:rPr lang="zh-TW" altLang="en-US" sz="1400" dirty="0">
+                <a:latin typeface="+mn-ea"/>
+              </a:rPr>
+              <a:t>　 動作確認（</a:t>
+            </a:r>
+            <a:r>
+              <a:rPr lang="en-US" altLang="zh-TW" sz="1400" dirty="0" smtClean="0">
+                <a:latin typeface="+mn-ea"/>
+              </a:rPr>
+              <a:t>2/7</a:t>
+            </a:r>
+            <a:r>
+              <a:rPr lang="zh-TW" altLang="en-US" sz="1400" dirty="0" smtClean="0">
+                <a:latin typeface="+mn-ea"/>
+              </a:rPr>
+              <a:t>）</a:t>
+            </a:r>
+            <a:endParaRPr lang="zh-TW" altLang="en-US" sz="1400" dirty="0">
+              <a:latin typeface="+mn-ea"/>
+            </a:endParaRPr>
+          </a:p>
+          <a:p>
+            <a:r>
+              <a:rPr lang="en-US" altLang="zh-TW" sz="1400" dirty="0">
+                <a:latin typeface="+mn-ea"/>
+              </a:rPr>
+              <a:t>    4.3</a:t>
+            </a:r>
+            <a:r>
+              <a:rPr lang="zh-TW" altLang="en-US" sz="1400" dirty="0">
+                <a:latin typeface="+mn-ea"/>
+              </a:rPr>
+              <a:t>　 動作確認（</a:t>
+            </a:r>
+            <a:r>
+              <a:rPr lang="en-US" altLang="zh-TW" sz="1400" dirty="0" smtClean="0">
+                <a:latin typeface="+mn-ea"/>
+              </a:rPr>
+              <a:t>3/7</a:t>
+            </a:r>
+            <a:r>
+              <a:rPr lang="zh-TW" altLang="en-US" sz="1400" dirty="0" smtClean="0">
+                <a:latin typeface="+mn-ea"/>
+              </a:rPr>
+              <a:t>）</a:t>
+            </a:r>
+            <a:endParaRPr lang="zh-TW" altLang="en-US" sz="1400" dirty="0">
+              <a:latin typeface="+mn-ea"/>
+            </a:endParaRPr>
+          </a:p>
+          <a:p>
+            <a:r>
+              <a:rPr lang="en-US" altLang="zh-TW" sz="1400" dirty="0">
+                <a:latin typeface="+mn-ea"/>
+              </a:rPr>
+              <a:t>    4.4</a:t>
+            </a:r>
+            <a:r>
+              <a:rPr lang="zh-TW" altLang="en-US" sz="1400" dirty="0">
+                <a:latin typeface="+mn-ea"/>
+              </a:rPr>
+              <a:t>　 動作確認（</a:t>
+            </a:r>
+            <a:r>
+              <a:rPr lang="en-US" altLang="zh-TW" sz="1400" dirty="0" smtClean="0">
+                <a:latin typeface="+mn-ea"/>
+              </a:rPr>
+              <a:t>4/7</a:t>
+            </a:r>
+            <a:r>
+              <a:rPr lang="zh-TW" altLang="en-US" sz="1400" dirty="0" smtClean="0">
+                <a:latin typeface="+mn-ea"/>
+              </a:rPr>
+              <a:t>）</a:t>
+            </a:r>
+            <a:endParaRPr lang="zh-TW" altLang="en-US" sz="1400" dirty="0">
+              <a:latin typeface="+mn-ea"/>
+            </a:endParaRPr>
+          </a:p>
+          <a:p>
+            <a:r>
+              <a:rPr lang="en-US" altLang="zh-TW" sz="1400" dirty="0">
+                <a:latin typeface="+mn-ea"/>
+              </a:rPr>
+              <a:t>    4.5</a:t>
+            </a:r>
+            <a:r>
+              <a:rPr lang="zh-TW" altLang="en-US" sz="1400" dirty="0">
+                <a:latin typeface="+mn-ea"/>
+              </a:rPr>
+              <a:t>　 動作確認（</a:t>
+            </a:r>
+            <a:r>
+              <a:rPr lang="en-US" altLang="zh-TW" sz="1400" dirty="0" smtClean="0">
+                <a:latin typeface="+mn-ea"/>
+              </a:rPr>
+              <a:t>5/7</a:t>
+            </a:r>
+            <a:r>
+              <a:rPr lang="zh-TW" altLang="en-US" sz="1400" dirty="0" smtClean="0">
+                <a:latin typeface="+mn-ea"/>
+              </a:rPr>
+              <a:t>）</a:t>
+            </a:r>
+            <a:endParaRPr lang="en-US" altLang="zh-TW" sz="1400" dirty="0" smtClean="0">
+              <a:latin typeface="+mn-ea"/>
+            </a:endParaRPr>
+          </a:p>
+          <a:p>
+            <a:r>
+              <a:rPr lang="en-US" altLang="ja-JP" sz="1400" dirty="0" smtClean="0">
+                <a:latin typeface="+mn-ea"/>
+              </a:rPr>
+              <a:t>    </a:t>
+            </a:r>
+            <a:r>
+              <a:rPr lang="en-US" altLang="zh-TW" sz="1400" dirty="0" smtClean="0">
+                <a:latin typeface="+mn-ea"/>
+              </a:rPr>
+              <a:t>4.6</a:t>
+            </a:r>
+            <a:r>
+              <a:rPr lang="zh-TW" altLang="en-US" sz="1400" dirty="0">
+                <a:latin typeface="+mn-ea"/>
+              </a:rPr>
+              <a:t>　 動作確認</a:t>
+            </a:r>
+            <a:r>
+              <a:rPr lang="zh-TW" altLang="en-US" sz="1400" dirty="0" smtClean="0">
+                <a:latin typeface="+mn-ea"/>
+              </a:rPr>
+              <a:t>（</a:t>
+            </a:r>
+            <a:r>
+              <a:rPr lang="en-US" altLang="zh-TW" sz="1400" dirty="0">
+                <a:latin typeface="+mn-ea"/>
+              </a:rPr>
+              <a:t>6</a:t>
+            </a:r>
+            <a:r>
+              <a:rPr lang="en-US" altLang="zh-TW" sz="1400" dirty="0" smtClean="0">
+                <a:latin typeface="+mn-ea"/>
+              </a:rPr>
+              <a:t>/7</a:t>
+            </a:r>
+            <a:r>
+              <a:rPr lang="zh-TW" altLang="en-US" sz="1400" dirty="0" smtClean="0">
+                <a:latin typeface="+mn-ea"/>
+              </a:rPr>
+              <a:t>）</a:t>
+            </a:r>
+            <a:endParaRPr lang="en-US" altLang="zh-TW" sz="1400" dirty="0">
+              <a:latin typeface="+mn-ea"/>
+            </a:endParaRPr>
+          </a:p>
+          <a:p>
+            <a:r>
+              <a:rPr lang="en-US" altLang="ja-JP" sz="1400" dirty="0" smtClean="0">
+                <a:latin typeface="+mn-ea"/>
+              </a:rPr>
+              <a:t>    </a:t>
+            </a:r>
+            <a:r>
+              <a:rPr lang="en-US" altLang="zh-TW" sz="1400" dirty="0" smtClean="0">
+                <a:latin typeface="+mn-ea"/>
+              </a:rPr>
+              <a:t>4.7</a:t>
+            </a:r>
+            <a:r>
+              <a:rPr lang="zh-TW" altLang="en-US" sz="1400" dirty="0">
+                <a:latin typeface="+mn-ea"/>
+              </a:rPr>
+              <a:t>　 動作確認</a:t>
+            </a:r>
+            <a:r>
+              <a:rPr lang="zh-TW" altLang="en-US" sz="1400" dirty="0" smtClean="0">
+                <a:latin typeface="+mn-ea"/>
+              </a:rPr>
+              <a:t>（</a:t>
+            </a:r>
+            <a:r>
+              <a:rPr lang="en-US" altLang="zh-TW" sz="1400" dirty="0" smtClean="0">
+                <a:latin typeface="+mn-ea"/>
+              </a:rPr>
               <a:t>7/7</a:t>
             </a:r>
             <a:r>
-              <a:rPr lang="ja-JP" altLang="en-US"/>
+              <a:rPr lang="zh-TW" altLang="en-US" sz="1400" dirty="0">
+                <a:latin typeface="+mn-ea"/>
+              </a:rPr>
               <a:t>）</a:t>
             </a:r>
-            <a:endParaRPr kumimoji="1" lang="ja-JP" altLang="en-US"/>
+            <a:endParaRPr lang="en-US" altLang="zh-TW" sz="1400" dirty="0">
+              <a:latin typeface="+mn-ea"/>
+            </a:endParaRPr>
+          </a:p>
+          <a:p>
+            <a:r>
+              <a:rPr lang="en-US" altLang="ja-JP" sz="1400" dirty="0" smtClean="0">
+                <a:latin typeface="+mn-ea"/>
+              </a:rPr>
+              <a:t> </a:t>
+            </a:r>
+            <a:endParaRPr lang="en-US" altLang="ja-JP" sz="1400" dirty="0">
+              <a:latin typeface="+mn-ea"/>
+            </a:endParaRPr>
+          </a:p>
+        </p:txBody>
+      </p:sp>
+    </p:spTree>
+    <p:extLst>
+      <p:ext uri="{BB962C8B-B14F-4D97-AF65-F5344CB8AC3E}">
+        <p14:creationId xmlns:p14="http://schemas.microsoft.com/office/powerpoint/2010/main" val="497929968"/>
+      </p:ext>
+    </p:extLst>
+  </p:cSld>
+  <p:clrMapOvr>
+    <a:masterClrMapping/>
+  </p:clrMapOvr>
+  <p:timing>
+    <p:tnLst>
+      <p:par>
+        <p:cTn id="1" dur="indefinite" restart="never" nodeType="tmRoot"/>
+      </p:par>
+    </p:tnLst>
+  </p:timing>
+</p:sld>
+</file>
+
+<file path=ppt/slides/slide20.xml><?xml version="1.0" encoding="utf-8"?>
+<p:sld xmlns:a="http://schemas.openxmlformats.org/drawingml/2006/main" xmlns:r="http://schemas.openxmlformats.org/officeDocument/2006/relationships" xmlns:p="http://schemas.openxmlformats.org/presentationml/2006/main">
+  <p:cSld>
+    <p:spTree>
+      <p:nvGrpSpPr>
+        <p:cNvPr id="1" name=""/>
+        <p:cNvGrpSpPr/>
+        <p:nvPr/>
+      </p:nvGrpSpPr>
+      <p:grpSpPr>
+        <a:xfrm>
+          <a:off x="0" y="0"/>
+          <a:ext cx="0" cy="0"/>
+          <a:chOff x="0" y="0"/>
+          <a:chExt cx="0" cy="0"/>
+        </a:xfrm>
+      </p:grpSpPr>
+      <p:sp>
+        <p:nvSpPr>
+          <p:cNvPr id="2" name="タイトル 1"/>
+          <p:cNvSpPr>
+            <a:spLocks noGrp="1"/>
+          </p:cNvSpPr>
+          <p:nvPr>
+            <p:ph type="title"/>
+          </p:nvPr>
+        </p:nvSpPr>
+        <p:spPr/>
+        <p:txBody>
+          <a:bodyPr/>
+          <a:lstStyle/>
+          <a:p>
+            <a:r>
+              <a:rPr lang="en-US" altLang="ja-JP" dirty="0" smtClean="0"/>
+              <a:t>3.13</a:t>
+            </a:r>
+            <a:r>
+              <a:rPr lang="ja-JP" altLang="en-US" dirty="0"/>
+              <a:t>　環境構築</a:t>
+            </a:r>
+            <a:r>
+              <a:rPr lang="ja-JP" altLang="en-US" dirty="0" smtClean="0"/>
+              <a:t>（</a:t>
+            </a:r>
+            <a:r>
+              <a:rPr lang="en-US" altLang="ja-JP" dirty="0" smtClean="0"/>
+              <a:t>10/11</a:t>
+            </a:r>
+            <a:r>
+              <a:rPr lang="ja-JP" altLang="en-US" dirty="0" smtClean="0"/>
+              <a:t>）</a:t>
+            </a:r>
+            <a:endParaRPr kumimoji="1" lang="ja-JP" altLang="en-US" dirty="0"/>
+          </a:p>
+        </p:txBody>
+      </p:sp>
+      <p:sp>
+        <p:nvSpPr>
+          <p:cNvPr id="3" name="コンテンツ プレースホルダー 2"/>
+          <p:cNvSpPr>
+            <a:spLocks noGrp="1"/>
+          </p:cNvSpPr>
+          <p:nvPr>
+            <p:ph sz="quarter" idx="10"/>
+          </p:nvPr>
+        </p:nvSpPr>
+        <p:spPr>
+          <a:xfrm>
+            <a:off x="179512" y="692620"/>
+            <a:ext cx="8964487" cy="5760568"/>
+          </a:xfrm>
+        </p:spPr>
+        <p:txBody>
+          <a:bodyPr>
+            <a:normAutofit/>
+          </a:bodyPr>
+          <a:lstStyle/>
+          <a:p>
+            <a:r>
+              <a:rPr lang="ja-JP" altLang="en-US" dirty="0"/>
+              <a:t>アンサーファイル</a:t>
+            </a:r>
+            <a:r>
+              <a:rPr lang="en-US" altLang="ja-JP" dirty="0"/>
+              <a:t>(oase_answers.txt)</a:t>
+            </a:r>
+            <a:r>
+              <a:rPr lang="ja-JP" altLang="en-US" dirty="0"/>
+              <a:t>の記述サンプル</a:t>
+            </a:r>
+            <a:r>
+              <a:rPr lang="en-US" altLang="ja-JP" dirty="0"/>
+              <a:t> 4</a:t>
+            </a:r>
+            <a:r>
+              <a:rPr lang="en-US" altLang="ja-JP" dirty="0" smtClean="0"/>
+              <a:t>/4</a:t>
+            </a:r>
+            <a:endParaRPr lang="en-US" altLang="ja-JP" dirty="0"/>
+          </a:p>
+          <a:p>
+            <a:pPr lvl="1"/>
+            <a:endParaRPr lang="en-US" altLang="ja-JP" dirty="0"/>
+          </a:p>
+        </p:txBody>
+      </p:sp>
+      <p:pic>
+        <p:nvPicPr>
+          <p:cNvPr id="6" name="図 5"/>
+          <p:cNvPicPr>
+            <a:picLocks noChangeAspect="1"/>
+          </p:cNvPicPr>
+          <p:nvPr/>
+        </p:nvPicPr>
+        <p:blipFill>
+          <a:blip r:embed="rId2"/>
+          <a:stretch>
+            <a:fillRect/>
+          </a:stretch>
+        </p:blipFill>
+        <p:spPr>
+          <a:xfrm>
+            <a:off x="2339690" y="1196690"/>
+            <a:ext cx="4376458" cy="5070609"/>
+          </a:xfrm>
+          <a:prstGeom prst="rect">
+            <a:avLst/>
+          </a:prstGeom>
+        </p:spPr>
+      </p:pic>
+    </p:spTree>
+    <p:extLst>
+      <p:ext uri="{BB962C8B-B14F-4D97-AF65-F5344CB8AC3E}">
+        <p14:creationId xmlns:p14="http://schemas.microsoft.com/office/powerpoint/2010/main" val="1871746088"/>
+      </p:ext>
+    </p:extLst>
+  </p:cSld>
+  <p:clrMapOvr>
+    <a:masterClrMapping/>
+  </p:clrMapOvr>
+  <p:timing>
+    <p:tnLst>
+      <p:par>
+        <p:cTn id="1" dur="indefinite" restart="never" nodeType="tmRoot"/>
+      </p:par>
+    </p:tnLst>
+  </p:timing>
+</p:sld>
+</file>
+
+<file path=ppt/slides/slide21.xml><?xml version="1.0" encoding="utf-8"?>
+<p:sld xmlns:a="http://schemas.openxmlformats.org/drawingml/2006/main" xmlns:r="http://schemas.openxmlformats.org/officeDocument/2006/relationships" xmlns:p="http://schemas.openxmlformats.org/presentationml/2006/main">
+  <p:cSld>
+    <p:spTree>
+      <p:nvGrpSpPr>
+        <p:cNvPr id="1" name=""/>
+        <p:cNvGrpSpPr/>
+        <p:nvPr/>
+      </p:nvGrpSpPr>
+      <p:grpSpPr>
+        <a:xfrm>
+          <a:off x="0" y="0"/>
+          <a:ext cx="0" cy="0"/>
+          <a:chOff x="0" y="0"/>
+          <a:chExt cx="0" cy="0"/>
+        </a:xfrm>
+      </p:grpSpPr>
+      <p:sp>
+        <p:nvSpPr>
+          <p:cNvPr id="2" name="タイトル 1"/>
+          <p:cNvSpPr>
+            <a:spLocks noGrp="1"/>
+          </p:cNvSpPr>
+          <p:nvPr>
+            <p:ph type="title"/>
+          </p:nvPr>
+        </p:nvSpPr>
+        <p:spPr/>
+        <p:txBody>
+          <a:bodyPr/>
+          <a:lstStyle/>
+          <a:p>
+            <a:r>
+              <a:rPr lang="en-US" altLang="ja-JP" dirty="0" smtClean="0"/>
+              <a:t>3.14</a:t>
+            </a:r>
+            <a:r>
+              <a:rPr lang="ja-JP" altLang="en-US" dirty="0"/>
+              <a:t>　環境構築</a:t>
+            </a:r>
+            <a:r>
+              <a:rPr lang="ja-JP" altLang="en-US" dirty="0" smtClean="0"/>
+              <a:t>（</a:t>
+            </a:r>
+            <a:r>
+              <a:rPr lang="en-US" altLang="ja-JP" dirty="0" smtClean="0"/>
+              <a:t>11/11</a:t>
+            </a:r>
+            <a:r>
+              <a:rPr lang="ja-JP" altLang="en-US" dirty="0" smtClean="0"/>
+              <a:t>）</a:t>
+            </a:r>
+            <a:endParaRPr kumimoji="1" lang="ja-JP" altLang="en-US" dirty="0"/>
           </a:p>
         </p:txBody>
       </p:sp>
@@ -14089,190 +17254,207 @@
           <a:lstStyle/>
           <a:p>
             <a:r>
-              <a:rPr lang="ja-JP" altLang="en-US"/>
+              <a:rPr lang="ja-JP" altLang="en-US" dirty="0"/>
               <a:t>ディレクトリ移動</a:t>
             </a:r>
-            <a:endParaRPr lang="en-US" altLang="ja-JP"/>
+            <a:endParaRPr lang="en-US" altLang="ja-JP" dirty="0"/>
           </a:p>
           <a:p>
             <a:pPr lvl="1"/>
             <a:r>
-              <a:rPr lang="ja-JP" altLang="en-US"/>
+              <a:rPr lang="ja-JP" altLang="en-US" dirty="0"/>
               <a:t>環境構築を設定を行うセッティングファイルとシェルのあるディレクトリに移動します。</a:t>
             </a:r>
             <a:r>
-              <a:rPr lang="en-US" altLang="ja-JP"/>
+              <a:rPr lang="en-US" altLang="ja-JP" dirty="0"/>
               <a:t/>
             </a:r>
             <a:br>
-              <a:rPr lang="en-US" altLang="ja-JP"/>
+              <a:rPr lang="en-US" altLang="ja-JP" dirty="0"/>
             </a:br>
             <a:r>
-              <a:rPr lang="en-US" altLang="ja-JP"/>
+              <a:rPr lang="en-US" altLang="ja-JP" dirty="0"/>
               <a:t/>
             </a:r>
             <a:br>
-              <a:rPr lang="en-US" altLang="ja-JP"/>
+              <a:rPr lang="en-US" altLang="ja-JP" dirty="0"/>
             </a:br>
             <a:r>
-              <a:rPr lang="en-US" altLang="ja-JP" sz="1400"/>
+              <a:rPr lang="en-US" altLang="ja-JP" sz="1400" dirty="0"/>
               <a:t>$ cd </a:t>
             </a:r>
             <a:r>
-              <a:rPr lang="en-US" altLang="ja-JP" sz="1400" smtClean="0"/>
-              <a:t>oase/oase_install_package/install_scripts</a:t>
-            </a:r>
-            <a:endParaRPr lang="en-US" altLang="ja-JP"/>
-          </a:p>
-          <a:p>
-            <a:endParaRPr lang="en-US" altLang="ja-JP" smtClean="0"/>
-          </a:p>
-          <a:p>
-            <a:r>
-              <a:rPr lang="ja-JP" altLang="en-US" smtClean="0"/>
+              <a:rPr lang="en-US" altLang="ja-JP" sz="1400" dirty="0" err="1" smtClean="0"/>
+              <a:t>oase</a:t>
+            </a:r>
+            <a:r>
+              <a:rPr lang="en-US" altLang="ja-JP" sz="1400" dirty="0" smtClean="0"/>
+              <a:t>/</a:t>
+            </a:r>
+            <a:r>
+              <a:rPr lang="en-US" altLang="ja-JP" sz="1400" dirty="0" err="1" smtClean="0"/>
+              <a:t>oase_install_package</a:t>
+            </a:r>
+            <a:r>
+              <a:rPr lang="en-US" altLang="ja-JP" sz="1400" dirty="0" smtClean="0"/>
+              <a:t>/</a:t>
+            </a:r>
+            <a:r>
+              <a:rPr lang="en-US" altLang="ja-JP" sz="1400" dirty="0" err="1" smtClean="0"/>
+              <a:t>install_scripts</a:t>
+            </a:r>
+            <a:endParaRPr lang="en-US" altLang="ja-JP" dirty="0"/>
+          </a:p>
+          <a:p>
+            <a:endParaRPr lang="en-US" altLang="ja-JP" dirty="0" smtClean="0"/>
+          </a:p>
+          <a:p>
+            <a:r>
+              <a:rPr lang="ja-JP" altLang="en-US" dirty="0" smtClean="0"/>
               <a:t>環境</a:t>
             </a:r>
             <a:r>
-              <a:rPr lang="ja-JP" altLang="en-US"/>
+              <a:rPr lang="ja-JP" altLang="en-US" dirty="0"/>
               <a:t>構築ツール</a:t>
             </a:r>
             <a:r>
-              <a:rPr lang="en-US" altLang="ja-JP"/>
+              <a:rPr lang="en-US" altLang="ja-JP" dirty="0"/>
               <a:t>(</a:t>
             </a:r>
             <a:r>
-              <a:rPr lang="ja-JP" altLang="en-US"/>
+              <a:rPr lang="ja-JP" altLang="en-US" dirty="0"/>
               <a:t>オンライン版</a:t>
             </a:r>
             <a:r>
-              <a:rPr lang="en-US" altLang="ja-JP"/>
+              <a:rPr lang="en-US" altLang="ja-JP" dirty="0"/>
               <a:t>)</a:t>
             </a:r>
             <a:r>
-              <a:rPr lang="ja-JP" altLang="en-US"/>
+              <a:rPr lang="ja-JP" altLang="en-US" dirty="0"/>
               <a:t>実行</a:t>
             </a:r>
-            <a:endParaRPr lang="en-US" altLang="ja-JP"/>
+            <a:endParaRPr lang="en-US" altLang="ja-JP" dirty="0"/>
           </a:p>
           <a:p>
             <a:pPr lvl="1"/>
             <a:r>
-              <a:rPr lang="ja-JP" altLang="en-US"/>
+              <a:rPr lang="ja-JP" altLang="en-US" dirty="0"/>
               <a:t>以下のコマンドで、環境構築ツールを実行します。</a:t>
             </a:r>
-            <a:endParaRPr lang="en-US" altLang="ja-JP"/>
+            <a:endParaRPr lang="en-US" altLang="ja-JP" dirty="0"/>
           </a:p>
           <a:p>
             <a:pPr lvl="1"/>
-            <a:endParaRPr lang="en-US" altLang="ja-JP"/>
+            <a:endParaRPr lang="en-US" altLang="ja-JP" dirty="0"/>
           </a:p>
           <a:p>
             <a:pPr lvl="1"/>
-            <a:endParaRPr lang="en-US" altLang="ja-JP"/>
+            <a:endParaRPr lang="en-US" altLang="ja-JP" dirty="0"/>
           </a:p>
           <a:p>
             <a:pPr marL="180000" lvl="1" indent="0">
               <a:buNone/>
             </a:pPr>
             <a:r>
-              <a:rPr lang="ja-JP" altLang="en-US"/>
+              <a:rPr lang="ja-JP" altLang="en-US" dirty="0"/>
               <a:t>　</a:t>
             </a:r>
             <a:r>
-              <a:rPr lang="en-US" altLang="ja-JP"/>
+              <a:rPr lang="en-US" altLang="ja-JP" dirty="0"/>
               <a:t>#</a:t>
             </a:r>
             <a:r>
-              <a:rPr lang="en-US" altLang="ja-JP" err="1"/>
+              <a:rPr lang="en-US" altLang="ja-JP" dirty="0" err="1"/>
               <a:t>sh</a:t>
             </a:r>
             <a:r>
-              <a:rPr lang="en-US" altLang="ja-JP"/>
+              <a:rPr lang="en-US" altLang="ja-JP" dirty="0"/>
               <a:t> </a:t>
             </a:r>
             <a:r>
-              <a:rPr lang="en-US" altLang="ja-JP" kern="100"/>
-              <a:t>oase_online_installer.sh</a:t>
-            </a:r>
+              <a:rPr lang="en-US" altLang="ja-JP" kern="100" dirty="0" smtClean="0"/>
+              <a:t>oase_installer.sh</a:t>
+            </a:r>
+            <a:endParaRPr lang="en-US" altLang="ja-JP" kern="100" dirty="0"/>
           </a:p>
           <a:p>
             <a:pPr lvl="1"/>
-            <a:endParaRPr lang="en-US" altLang="ja-JP"/>
+            <a:endParaRPr lang="en-US" altLang="ja-JP" dirty="0"/>
           </a:p>
           <a:p>
             <a:pPr lvl="1"/>
-            <a:endParaRPr lang="en-US" altLang="ja-JP"/>
+            <a:endParaRPr lang="en-US" altLang="ja-JP" dirty="0"/>
           </a:p>
           <a:p>
             <a:pPr lvl="1"/>
             <a:r>
-              <a:rPr lang="ja-JP" altLang="en-US"/>
+              <a:rPr lang="ja-JP" altLang="en-US" dirty="0"/>
               <a:t>以上で</a:t>
             </a:r>
             <a:r>
-              <a:rPr lang="en-US" altLang="ja-JP"/>
+              <a:rPr lang="en-US" altLang="ja-JP" dirty="0"/>
               <a:t>OASE</a:t>
             </a:r>
             <a:r>
-              <a:rPr lang="ja-JP" altLang="en-US"/>
+              <a:rPr lang="ja-JP" altLang="en-US" dirty="0"/>
               <a:t>インストールは完了となります。</a:t>
             </a:r>
-            <a:endParaRPr lang="en-US" altLang="ja-JP"/>
+            <a:endParaRPr lang="en-US" altLang="ja-JP" dirty="0"/>
           </a:p>
           <a:p>
             <a:pPr marL="180000" lvl="1" indent="0">
               <a:buNone/>
             </a:pPr>
-            <a:endParaRPr lang="en-US" altLang="ja-JP"/>
+            <a:endParaRPr lang="en-US" altLang="ja-JP" dirty="0"/>
           </a:p>
           <a:p>
             <a:pPr marL="180000" lvl="1" indent="0">
               <a:buNone/>
             </a:pPr>
-            <a:endParaRPr lang="en-US" altLang="ja-JP"/>
+            <a:endParaRPr lang="en-US" altLang="ja-JP" dirty="0"/>
           </a:p>
           <a:p>
             <a:pPr marL="360000" lvl="2" indent="0">
               <a:buNone/>
             </a:pPr>
-            <a:endParaRPr lang="en-US" altLang="ja-JP" sz="1600"/>
+            <a:endParaRPr lang="en-US" altLang="ja-JP" sz="1600" dirty="0"/>
           </a:p>
           <a:p>
             <a:pPr marL="360000" lvl="2" indent="0">
               <a:buNone/>
             </a:pPr>
-            <a:endParaRPr lang="en-US" altLang="ja-JP" sz="1600" kern="100"/>
+            <a:endParaRPr lang="en-US" altLang="ja-JP" sz="1600" kern="100" dirty="0"/>
           </a:p>
           <a:p>
             <a:pPr marL="360000" lvl="2" indent="0">
               <a:buNone/>
             </a:pPr>
-            <a:endParaRPr lang="en-US" altLang="ja-JP"/>
+            <a:endParaRPr lang="en-US" altLang="ja-JP" dirty="0"/>
           </a:p>
           <a:p>
             <a:pPr marL="360000" lvl="2" indent="0">
               <a:buNone/>
             </a:pPr>
-            <a:endParaRPr lang="en-US" altLang="ja-JP"/>
+            <a:endParaRPr lang="en-US" altLang="ja-JP" dirty="0"/>
           </a:p>
           <a:p>
             <a:pPr marL="0" indent="0">
               <a:buNone/>
             </a:pPr>
-            <a:endParaRPr lang="en-US" altLang="ja-JP"/>
+            <a:endParaRPr lang="en-US" altLang="ja-JP" dirty="0"/>
           </a:p>
           <a:p>
             <a:pPr marL="0" indent="0">
               <a:buNone/>
             </a:pPr>
             <a:r>
-              <a:rPr lang="en-US" altLang="ja-JP"/>
+              <a:rPr lang="en-US" altLang="ja-JP" dirty="0"/>
               <a:t/>
             </a:r>
             <a:br>
-              <a:rPr lang="en-US" altLang="ja-JP"/>
+              <a:rPr lang="en-US" altLang="ja-JP" dirty="0"/>
             </a:br>
-            <a:endParaRPr lang="en-US" altLang="ja-JP"/>
+            <a:endParaRPr lang="en-US" altLang="ja-JP" dirty="0"/>
           </a:p>
         </p:txBody>
       </p:sp>
@@ -14286,10 +17468,17 @@
   <p:clrMapOvr>
     <a:masterClrMapping/>
   </p:clrMapOvr>
+  <p:timing>
+    <p:tnLst>
+      <p:par>
+        <p:cTn id="1" dur="indefinite" restart="never" nodeType="tmRoot"/>
+      </p:par>
+    </p:tnLst>
+  </p:timing>
 </p:sld>
 </file>
 
-<file path=ppt/slides/slide18.xml><?xml version="1.0" encoding="utf-8"?>
+<file path=ppt/slides/slide22.xml><?xml version="1.0" encoding="utf-8"?>
 <p:sld xmlns:a="http://schemas.openxmlformats.org/drawingml/2006/main" xmlns:r="http://schemas.openxmlformats.org/officeDocument/2006/relationships" xmlns:p="http://schemas.openxmlformats.org/presentationml/2006/main">
   <p:cSld>
     <p:spTree>
@@ -14356,10 +17545,17 @@
   <p:clrMapOvr>
     <a:masterClrMapping/>
   </p:clrMapOvr>
+  <p:timing>
+    <p:tnLst>
+      <p:par>
+        <p:cTn id="1" dur="indefinite" restart="never" nodeType="tmRoot"/>
+      </p:par>
+    </p:tnLst>
+  </p:timing>
 </p:sld>
 </file>
 
-<file path=ppt/slides/slide19.xml><?xml version="1.0" encoding="utf-8"?>
+<file path=ppt/slides/slide23.xml><?xml version="1.0" encoding="utf-8"?>
 <p:sld xmlns:a="http://schemas.openxmlformats.org/drawingml/2006/main" xmlns:r="http://schemas.openxmlformats.org/officeDocument/2006/relationships" xmlns:p="http://schemas.openxmlformats.org/presentationml/2006/main">
   <p:cSld>
     <p:spTree>
@@ -14858,787 +18054,17 @@
   <p:clrMapOvr>
     <a:masterClrMapping/>
   </p:clrMapOvr>
+  <p:timing>
+    <p:tnLst>
+      <p:par>
+        <p:cTn id="1" dur="indefinite" restart="never" nodeType="tmRoot"/>
+      </p:par>
+    </p:tnLst>
+  </p:timing>
 </p:sld>
 </file>
 
-<file path=ppt/slides/slide2.xml><?xml version="1.0" encoding="utf-8"?>
-<p:sld xmlns:a="http://schemas.openxmlformats.org/drawingml/2006/main" xmlns:r="http://schemas.openxmlformats.org/officeDocument/2006/relationships" xmlns:p="http://schemas.openxmlformats.org/presentationml/2006/main">
-  <p:cSld>
-    <p:spTree>
-      <p:nvGrpSpPr>
-        <p:cNvPr id="1" name=""/>
-        <p:cNvGrpSpPr/>
-        <p:nvPr/>
-      </p:nvGrpSpPr>
-      <p:grpSpPr>
-        <a:xfrm>
-          <a:off x="0" y="0"/>
-          <a:ext cx="0" cy="0"/>
-          <a:chOff x="0" y="0"/>
-          <a:chExt cx="0" cy="0"/>
-        </a:xfrm>
-      </p:grpSpPr>
-      <p:sp>
-        <p:nvSpPr>
-          <p:cNvPr id="2" name="タイトル 1"/>
-          <p:cNvSpPr>
-            <a:spLocks noGrp="1"/>
-          </p:cNvSpPr>
-          <p:nvPr>
-            <p:ph type="title"/>
-          </p:nvPr>
-        </p:nvSpPr>
-        <p:spPr>
-          <a:xfrm>
-            <a:off x="1619672" y="116540"/>
-            <a:ext cx="7344000" cy="405683"/>
-          </a:xfrm>
-        </p:spPr>
-        <p:txBody>
-          <a:bodyPr/>
-          <a:lstStyle/>
-          <a:p>
-            <a:r>
-              <a:rPr kumimoji="1" lang="ja-JP" altLang="en-US"/>
-              <a:t>目次</a:t>
-            </a:r>
-          </a:p>
-        </p:txBody>
-      </p:sp>
-      <p:sp>
-        <p:nvSpPr>
-          <p:cNvPr id="4" name="正方形/長方形 3"/>
-          <p:cNvSpPr/>
-          <p:nvPr/>
-        </p:nvSpPr>
-        <p:spPr bwMode="auto">
-          <a:xfrm>
-            <a:off x="1619590" y="522116"/>
-            <a:ext cx="7345020" cy="6335884"/>
-          </a:xfrm>
-          <a:prstGeom prst="rect">
-            <a:avLst/>
-          </a:prstGeom>
-          <a:noFill/>
-          <a:ln w="12700">
-            <a:noFill/>
-          </a:ln>
-          <a:effectLst/>
-        </p:spPr>
-        <p:txBody>
-          <a:bodyPr rot="0" spcFirstLastPara="0" vertOverflow="overflow" horzOverflow="overflow" vert="horz" wrap="none" lIns="72000" tIns="72000" rIns="72000" bIns="72000" numCol="1" spcCol="0" rtlCol="0" fromWordArt="0" anchor="t" anchorCtr="0" forceAA="0" compatLnSpc="1">
-            <a:prstTxWarp prst="textNoShape">
-              <a:avLst/>
-            </a:prstTxWarp>
-            <a:noAutofit/>
-          </a:bodyPr>
-          <a:lstStyle/>
-          <a:p>
-            <a:pPr marL="342900" indent="-342900">
-              <a:buFont typeface="+mj-lt"/>
-              <a:buAutoNum type="arabicPeriod"/>
-            </a:pPr>
-            <a:r>
-              <a:rPr lang="ja-JP" altLang="en-US" sz="1400">
-                <a:latin typeface="+mn-ea"/>
-              </a:rPr>
-              <a:t>はじめに</a:t>
-            </a:r>
-            <a:endParaRPr lang="en-US" altLang="ja-JP" sz="1400">
-              <a:latin typeface="+mn-ea"/>
-            </a:endParaRPr>
-          </a:p>
-          <a:p>
-            <a:r>
-              <a:rPr lang="ja-JP" altLang="en-US" sz="1400">
-                <a:latin typeface="+mn-ea"/>
-              </a:rPr>
-              <a:t>　</a:t>
-            </a:r>
-            <a:r>
-              <a:rPr lang="en-US" altLang="ja-JP" sz="1400">
-                <a:latin typeface="+mn-ea"/>
-              </a:rPr>
-              <a:t> 1.1</a:t>
-            </a:r>
-            <a:r>
-              <a:rPr lang="ja-JP" altLang="en-US" sz="1400">
-                <a:latin typeface="+mn-ea"/>
-              </a:rPr>
-              <a:t>　 本資料について</a:t>
-            </a:r>
-            <a:endParaRPr lang="en-US" altLang="ja-JP" sz="1400">
-              <a:latin typeface="+mn-ea"/>
-            </a:endParaRPr>
-          </a:p>
-          <a:p>
-            <a:endParaRPr lang="en-US" altLang="ja-JP" sz="1400">
-              <a:latin typeface="+mn-ea"/>
-            </a:endParaRPr>
-          </a:p>
-          <a:p>
-            <a:pPr marL="342900" indent="-342900">
-              <a:buFont typeface="+mj-lt"/>
-              <a:buAutoNum type="arabicPeriod" startAt="2"/>
-            </a:pPr>
-            <a:r>
-              <a:rPr lang="ja-JP" altLang="en-US" sz="1400">
-                <a:latin typeface="+mn-ea"/>
-              </a:rPr>
-              <a:t>システム構成</a:t>
-            </a:r>
-            <a:endParaRPr lang="en-US" altLang="ja-JP" sz="1400">
-              <a:latin typeface="+mn-ea"/>
-            </a:endParaRPr>
-          </a:p>
-          <a:p>
-            <a:r>
-              <a:rPr lang="ja-JP" altLang="en-US" sz="1400">
-                <a:latin typeface="+mn-ea"/>
-              </a:rPr>
-              <a:t>　 </a:t>
-            </a:r>
-            <a:r>
-              <a:rPr lang="en-US" altLang="ja-JP" sz="1400">
-                <a:latin typeface="+mn-ea"/>
-              </a:rPr>
-              <a:t>2.1</a:t>
-            </a:r>
-            <a:r>
-              <a:rPr lang="ja-JP" altLang="en-US" sz="1400">
-                <a:latin typeface="+mn-ea"/>
-              </a:rPr>
-              <a:t>　 動作環境・条件</a:t>
-            </a:r>
-            <a:r>
-              <a:rPr lang="en-US" altLang="ja-JP" sz="1400">
-                <a:latin typeface="+mn-ea"/>
-              </a:rPr>
-              <a:t>(1/2)</a:t>
-            </a:r>
-          </a:p>
-          <a:p>
-            <a:r>
-              <a:rPr lang="en-US" altLang="ja-JP" sz="1400">
-                <a:latin typeface="+mn-ea"/>
-              </a:rPr>
-              <a:t>    2.2    </a:t>
-            </a:r>
-            <a:r>
-              <a:rPr lang="ja-JP" altLang="en-US" sz="1400">
-                <a:latin typeface="+mn-ea"/>
-              </a:rPr>
-              <a:t>動作環境・条件</a:t>
-            </a:r>
-            <a:r>
-              <a:rPr lang="en-US" altLang="ja-JP" sz="1400">
-                <a:latin typeface="+mn-ea"/>
-              </a:rPr>
-              <a:t>(2/2)</a:t>
-            </a:r>
-          </a:p>
-          <a:p>
-            <a:endParaRPr lang="en-US" altLang="ja-JP" sz="1400">
-              <a:latin typeface="+mn-ea"/>
-            </a:endParaRPr>
-          </a:p>
-          <a:p>
-            <a:pPr marL="342900" indent="-342900">
-              <a:buFont typeface="+mj-lt"/>
-              <a:buAutoNum type="arabicPeriod" startAt="3"/>
-            </a:pPr>
-            <a:r>
-              <a:rPr lang="en-US" altLang="zh-TW" sz="1400">
-                <a:latin typeface="+mn-ea"/>
-              </a:rPr>
-              <a:t>OASE</a:t>
-            </a:r>
-            <a:r>
-              <a:rPr lang="zh-TW" altLang="en-US" sz="1400">
-                <a:latin typeface="+mn-ea"/>
-              </a:rPr>
-              <a:t>環境構築手順</a:t>
-            </a:r>
-            <a:endParaRPr lang="en-US" altLang="ja-JP" sz="1400">
-              <a:latin typeface="+mn-ea"/>
-            </a:endParaRPr>
-          </a:p>
-          <a:p>
-            <a:r>
-              <a:rPr lang="en-US" altLang="ja-JP" sz="1400">
-                <a:latin typeface="+mn-ea"/>
-              </a:rPr>
-              <a:t> </a:t>
-            </a:r>
-            <a:r>
-              <a:rPr lang="ja-JP" altLang="en-US" sz="1400">
-                <a:latin typeface="+mn-ea"/>
-              </a:rPr>
-              <a:t>   </a:t>
-            </a:r>
-            <a:r>
-              <a:rPr lang="en-US" altLang="ja-JP" sz="1400">
-                <a:latin typeface="+mn-ea"/>
-              </a:rPr>
-              <a:t>3.1</a:t>
-            </a:r>
-            <a:r>
-              <a:rPr lang="ja-JP" altLang="en-US" sz="1400">
-                <a:latin typeface="+mn-ea"/>
-              </a:rPr>
-              <a:t>　 オンラインインストール</a:t>
-            </a:r>
-          </a:p>
-          <a:p>
-            <a:r>
-              <a:rPr lang="ja-JP" altLang="en-US" sz="1400">
-                <a:latin typeface="+mn-ea"/>
-              </a:rPr>
-              <a:t>　 </a:t>
-            </a:r>
-            <a:r>
-              <a:rPr lang="en-US" altLang="ja-JP" sz="1400">
-                <a:latin typeface="+mn-ea"/>
-              </a:rPr>
-              <a:t>3.2</a:t>
-            </a:r>
-            <a:r>
-              <a:rPr lang="ja-JP" altLang="en-US" sz="1400">
-                <a:latin typeface="+mn-ea"/>
-              </a:rPr>
-              <a:t>　 事前準備（</a:t>
-            </a:r>
-            <a:r>
-              <a:rPr lang="en-US" altLang="ja-JP" sz="1400">
-                <a:latin typeface="+mn-ea"/>
-              </a:rPr>
-              <a:t>1/2</a:t>
-            </a:r>
-            <a:r>
-              <a:rPr lang="ja-JP" altLang="en-US" sz="1400">
-                <a:latin typeface="+mn-ea"/>
-              </a:rPr>
-              <a:t>）</a:t>
-            </a:r>
-          </a:p>
-          <a:p>
-            <a:r>
-              <a:rPr lang="en-US" altLang="ja-JP" sz="1400">
-                <a:latin typeface="+mn-ea"/>
-              </a:rPr>
-              <a:t>    3.3</a:t>
-            </a:r>
-            <a:r>
-              <a:rPr lang="ja-JP" altLang="en-US" sz="1400">
-                <a:latin typeface="+mn-ea"/>
-              </a:rPr>
-              <a:t>　 事前準備（</a:t>
-            </a:r>
-            <a:r>
-              <a:rPr lang="en-US" altLang="ja-JP" sz="1400">
-                <a:latin typeface="+mn-ea"/>
-              </a:rPr>
-              <a:t>2/2</a:t>
-            </a:r>
-            <a:r>
-              <a:rPr lang="ja-JP" altLang="en-US" sz="1400">
-                <a:latin typeface="+mn-ea"/>
-              </a:rPr>
-              <a:t>）</a:t>
-            </a:r>
-            <a:endParaRPr lang="en-US" altLang="ja-JP" sz="1400">
-              <a:latin typeface="+mn-ea"/>
-            </a:endParaRPr>
-          </a:p>
-          <a:p>
-            <a:r>
-              <a:rPr lang="en-US" altLang="ja-JP" sz="1400">
-                <a:latin typeface="+mn-ea"/>
-              </a:rPr>
-              <a:t>    3.4    OASE</a:t>
-            </a:r>
-            <a:r>
-              <a:rPr lang="ja-JP" altLang="en-US" sz="1400">
-                <a:latin typeface="+mn-ea"/>
-              </a:rPr>
-              <a:t>環境構築フロー</a:t>
-            </a:r>
-          </a:p>
-          <a:p>
-            <a:r>
-              <a:rPr lang="en-US" altLang="ja-JP" sz="1400">
-                <a:latin typeface="+mn-ea"/>
-              </a:rPr>
-              <a:t>    3.5</a:t>
-            </a:r>
-            <a:r>
-              <a:rPr lang="ja-JP" altLang="en-US" sz="1400">
-                <a:latin typeface="+mn-ea"/>
-              </a:rPr>
-              <a:t>　 環境構築（</a:t>
-            </a:r>
-            <a:r>
-              <a:rPr lang="en-US" altLang="ja-JP" sz="1400">
-                <a:latin typeface="+mn-ea"/>
-              </a:rPr>
-              <a:t>1/7</a:t>
-            </a:r>
-            <a:r>
-              <a:rPr lang="ja-JP" altLang="en-US" sz="1400">
-                <a:latin typeface="+mn-ea"/>
-              </a:rPr>
-              <a:t>）</a:t>
-            </a:r>
-          </a:p>
-          <a:p>
-            <a:r>
-              <a:rPr lang="en-US" altLang="ja-JP" sz="1400">
-                <a:latin typeface="+mn-ea"/>
-              </a:rPr>
-              <a:t>    3.6</a:t>
-            </a:r>
-            <a:r>
-              <a:rPr lang="ja-JP" altLang="en-US" sz="1400">
-                <a:latin typeface="+mn-ea"/>
-              </a:rPr>
-              <a:t>　 環境構築（</a:t>
-            </a:r>
-            <a:r>
-              <a:rPr lang="en-US" altLang="ja-JP" sz="1400">
-                <a:latin typeface="+mn-ea"/>
-              </a:rPr>
-              <a:t>2/7</a:t>
-            </a:r>
-            <a:r>
-              <a:rPr lang="ja-JP" altLang="en-US" sz="1400">
-                <a:latin typeface="+mn-ea"/>
-              </a:rPr>
-              <a:t>）</a:t>
-            </a:r>
-          </a:p>
-          <a:p>
-            <a:r>
-              <a:rPr lang="en-US" altLang="ja-JP" sz="1400">
-                <a:latin typeface="+mn-ea"/>
-              </a:rPr>
-              <a:t>    3.7</a:t>
-            </a:r>
-            <a:r>
-              <a:rPr lang="ja-JP" altLang="en-US" sz="1400">
-                <a:latin typeface="+mn-ea"/>
-              </a:rPr>
-              <a:t>　 環境構築（</a:t>
-            </a:r>
-            <a:r>
-              <a:rPr lang="en-US" altLang="ja-JP" sz="1400">
-                <a:latin typeface="+mn-ea"/>
-              </a:rPr>
-              <a:t>3/7</a:t>
-            </a:r>
-            <a:r>
-              <a:rPr lang="ja-JP" altLang="en-US" sz="1400">
-                <a:latin typeface="+mn-ea"/>
-              </a:rPr>
-              <a:t>）</a:t>
-            </a:r>
-          </a:p>
-          <a:p>
-            <a:r>
-              <a:rPr lang="en-US" altLang="ja-JP" sz="1400">
-                <a:latin typeface="+mn-ea"/>
-              </a:rPr>
-              <a:t>    3.8</a:t>
-            </a:r>
-            <a:r>
-              <a:rPr lang="ja-JP" altLang="en-US" sz="1400">
-                <a:latin typeface="+mn-ea"/>
-              </a:rPr>
-              <a:t>　 環境構築（</a:t>
-            </a:r>
-            <a:r>
-              <a:rPr lang="en-US" altLang="ja-JP" sz="1400">
-                <a:latin typeface="+mn-ea"/>
-              </a:rPr>
-              <a:t>4/7</a:t>
-            </a:r>
-            <a:r>
-              <a:rPr lang="ja-JP" altLang="en-US" sz="1400">
-                <a:latin typeface="+mn-ea"/>
-              </a:rPr>
-              <a:t>）</a:t>
-            </a:r>
-          </a:p>
-          <a:p>
-            <a:r>
-              <a:rPr lang="en-US" altLang="ja-JP" sz="1400">
-                <a:latin typeface="+mn-ea"/>
-              </a:rPr>
-              <a:t>    3.9</a:t>
-            </a:r>
-            <a:r>
-              <a:rPr lang="ja-JP" altLang="en-US" sz="1400">
-                <a:latin typeface="+mn-ea"/>
-              </a:rPr>
-              <a:t>    環境構築（</a:t>
-            </a:r>
-            <a:r>
-              <a:rPr lang="en-US" altLang="ja-JP" sz="1400">
-                <a:latin typeface="+mn-ea"/>
-              </a:rPr>
-              <a:t>5/7</a:t>
-            </a:r>
-            <a:r>
-              <a:rPr lang="ja-JP" altLang="en-US" sz="1400">
-                <a:latin typeface="+mn-ea"/>
-              </a:rPr>
-              <a:t>）</a:t>
-            </a:r>
-          </a:p>
-          <a:p>
-            <a:r>
-              <a:rPr lang="en-US" altLang="ja-JP" sz="1400">
-                <a:latin typeface="+mn-ea"/>
-              </a:rPr>
-              <a:t>    3.10</a:t>
-            </a:r>
-            <a:r>
-              <a:rPr lang="ja-JP" altLang="en-US" sz="1400">
-                <a:latin typeface="+mn-ea"/>
-              </a:rPr>
-              <a:t>  環境構築（</a:t>
-            </a:r>
-            <a:r>
-              <a:rPr lang="en-US" altLang="ja-JP" sz="1400">
-                <a:latin typeface="+mn-ea"/>
-              </a:rPr>
-              <a:t>6/7</a:t>
-            </a:r>
-            <a:r>
-              <a:rPr lang="ja-JP" altLang="en-US" sz="1400">
-                <a:latin typeface="+mn-ea"/>
-              </a:rPr>
-              <a:t>）</a:t>
-            </a:r>
-          </a:p>
-          <a:p>
-            <a:r>
-              <a:rPr lang="en-US" altLang="ja-JP" sz="1400">
-                <a:latin typeface="+mn-ea"/>
-              </a:rPr>
-              <a:t>    3.11  </a:t>
-            </a:r>
-            <a:r>
-              <a:rPr lang="ja-JP" altLang="en-US" sz="1400">
-                <a:latin typeface="+mn-ea"/>
-              </a:rPr>
-              <a:t>環境構築（</a:t>
-            </a:r>
-            <a:r>
-              <a:rPr lang="en-US" altLang="ja-JP" sz="1400">
-                <a:latin typeface="+mn-ea"/>
-              </a:rPr>
-              <a:t>7/7</a:t>
-            </a:r>
-            <a:r>
-              <a:rPr lang="ja-JP" altLang="en-US" sz="1400">
-                <a:latin typeface="+mn-ea"/>
-              </a:rPr>
-              <a:t>）</a:t>
-            </a:r>
-            <a:endParaRPr lang="en-US" altLang="ja-JP" sz="1400">
-              <a:latin typeface="+mn-ea"/>
-            </a:endParaRPr>
-          </a:p>
-          <a:p>
-            <a:pPr marL="342900" indent="-342900">
-              <a:buFont typeface="+mj-lt"/>
-              <a:buAutoNum type="arabicPeriod" startAt="3"/>
-            </a:pPr>
-            <a:endParaRPr lang="en-US" altLang="ja-JP" sz="1400">
-              <a:latin typeface="+mn-ea"/>
-            </a:endParaRPr>
-          </a:p>
-          <a:p>
-            <a:pPr marL="342900" indent="-342900">
-              <a:buFont typeface="+mj-lt"/>
-              <a:buAutoNum type="arabicPeriod" startAt="4"/>
-            </a:pPr>
-            <a:r>
-              <a:rPr lang="en-US" altLang="ja-JP" sz="1400">
-                <a:latin typeface="+mn-ea"/>
-              </a:rPr>
-              <a:t>OASE</a:t>
-            </a:r>
-            <a:r>
-              <a:rPr lang="ja-JP" altLang="en-US" sz="1400">
-                <a:latin typeface="+mn-ea"/>
-              </a:rPr>
-              <a:t>動作確認</a:t>
-            </a:r>
-            <a:endParaRPr lang="en-US" altLang="ja-JP" sz="1400">
-              <a:latin typeface="+mn-ea"/>
-            </a:endParaRPr>
-          </a:p>
-          <a:p>
-            <a:r>
-              <a:rPr lang="en-US" altLang="zh-TW" sz="1400">
-                <a:latin typeface="+mn-ea"/>
-              </a:rPr>
-              <a:t>    4.1</a:t>
-            </a:r>
-            <a:r>
-              <a:rPr lang="zh-TW" altLang="en-US" sz="1400">
-                <a:latin typeface="+mn-ea"/>
-              </a:rPr>
-              <a:t>　 動作確認（</a:t>
-            </a:r>
-            <a:r>
-              <a:rPr lang="en-US" altLang="zh-TW" sz="1400" smtClean="0">
-                <a:latin typeface="+mn-ea"/>
-              </a:rPr>
-              <a:t>1/7</a:t>
-            </a:r>
-            <a:r>
-              <a:rPr lang="zh-TW" altLang="en-US" sz="1400" smtClean="0">
-                <a:latin typeface="+mn-ea"/>
-              </a:rPr>
-              <a:t>）</a:t>
-            </a:r>
-            <a:endParaRPr lang="zh-TW" altLang="en-US" sz="1400">
-              <a:latin typeface="+mn-ea"/>
-            </a:endParaRPr>
-          </a:p>
-          <a:p>
-            <a:r>
-              <a:rPr lang="en-US" altLang="zh-TW" sz="1400">
-                <a:latin typeface="+mn-ea"/>
-              </a:rPr>
-              <a:t>    4.2</a:t>
-            </a:r>
-            <a:r>
-              <a:rPr lang="zh-TW" altLang="en-US" sz="1400">
-                <a:latin typeface="+mn-ea"/>
-              </a:rPr>
-              <a:t>　 動作確認（</a:t>
-            </a:r>
-            <a:r>
-              <a:rPr lang="en-US" altLang="zh-TW" sz="1400" smtClean="0">
-                <a:latin typeface="+mn-ea"/>
-              </a:rPr>
-              <a:t>2/7</a:t>
-            </a:r>
-            <a:r>
-              <a:rPr lang="zh-TW" altLang="en-US" sz="1400" smtClean="0">
-                <a:latin typeface="+mn-ea"/>
-              </a:rPr>
-              <a:t>）</a:t>
-            </a:r>
-            <a:endParaRPr lang="zh-TW" altLang="en-US" sz="1400">
-              <a:latin typeface="+mn-ea"/>
-            </a:endParaRPr>
-          </a:p>
-          <a:p>
-            <a:r>
-              <a:rPr lang="en-US" altLang="zh-TW" sz="1400">
-                <a:latin typeface="+mn-ea"/>
-              </a:rPr>
-              <a:t>    4.3</a:t>
-            </a:r>
-            <a:r>
-              <a:rPr lang="zh-TW" altLang="en-US" sz="1400">
-                <a:latin typeface="+mn-ea"/>
-              </a:rPr>
-              <a:t>　 動作確認（</a:t>
-            </a:r>
-            <a:r>
-              <a:rPr lang="en-US" altLang="zh-TW" sz="1400" smtClean="0">
-                <a:latin typeface="+mn-ea"/>
-              </a:rPr>
-              <a:t>3/7</a:t>
-            </a:r>
-            <a:r>
-              <a:rPr lang="zh-TW" altLang="en-US" sz="1400" smtClean="0">
-                <a:latin typeface="+mn-ea"/>
-              </a:rPr>
-              <a:t>）</a:t>
-            </a:r>
-            <a:endParaRPr lang="zh-TW" altLang="en-US" sz="1400">
-              <a:latin typeface="+mn-ea"/>
-            </a:endParaRPr>
-          </a:p>
-          <a:p>
-            <a:r>
-              <a:rPr lang="en-US" altLang="zh-TW" sz="1400">
-                <a:latin typeface="+mn-ea"/>
-              </a:rPr>
-              <a:t>    4.4</a:t>
-            </a:r>
-            <a:r>
-              <a:rPr lang="zh-TW" altLang="en-US" sz="1400">
-                <a:latin typeface="+mn-ea"/>
-              </a:rPr>
-              <a:t>　 動作確認（</a:t>
-            </a:r>
-            <a:r>
-              <a:rPr lang="en-US" altLang="zh-TW" sz="1400" smtClean="0">
-                <a:latin typeface="+mn-ea"/>
-              </a:rPr>
-              <a:t>4/7</a:t>
-            </a:r>
-            <a:r>
-              <a:rPr lang="zh-TW" altLang="en-US" sz="1400" smtClean="0">
-                <a:latin typeface="+mn-ea"/>
-              </a:rPr>
-              <a:t>）</a:t>
-            </a:r>
-            <a:endParaRPr lang="zh-TW" altLang="en-US" sz="1400">
-              <a:latin typeface="+mn-ea"/>
-            </a:endParaRPr>
-          </a:p>
-          <a:p>
-            <a:r>
-              <a:rPr lang="en-US" altLang="zh-TW" sz="1400">
-                <a:latin typeface="+mn-ea"/>
-              </a:rPr>
-              <a:t>    4.5</a:t>
-            </a:r>
-            <a:r>
-              <a:rPr lang="zh-TW" altLang="en-US" sz="1400">
-                <a:latin typeface="+mn-ea"/>
-              </a:rPr>
-              <a:t>　 動作確認（</a:t>
-            </a:r>
-            <a:r>
-              <a:rPr lang="en-US" altLang="zh-TW" sz="1400" smtClean="0">
-                <a:latin typeface="+mn-ea"/>
-              </a:rPr>
-              <a:t>5/7</a:t>
-            </a:r>
-            <a:r>
-              <a:rPr lang="zh-TW" altLang="en-US" sz="1400" smtClean="0">
-                <a:latin typeface="+mn-ea"/>
-              </a:rPr>
-              <a:t>）</a:t>
-            </a:r>
-            <a:endParaRPr lang="en-US" altLang="zh-TW" sz="1400" smtClean="0">
-              <a:latin typeface="+mn-ea"/>
-            </a:endParaRPr>
-          </a:p>
-          <a:p>
-            <a:r>
-              <a:rPr lang="en-US" altLang="ja-JP" sz="1400" smtClean="0">
-                <a:latin typeface="+mn-ea"/>
-              </a:rPr>
-              <a:t>    </a:t>
-            </a:r>
-            <a:r>
-              <a:rPr lang="en-US" altLang="zh-TW" sz="1400" smtClean="0">
-                <a:latin typeface="+mn-ea"/>
-              </a:rPr>
-              <a:t>4.6</a:t>
-            </a:r>
-            <a:r>
-              <a:rPr lang="zh-TW" altLang="en-US" sz="1400">
-                <a:latin typeface="+mn-ea"/>
-              </a:rPr>
-              <a:t>　 動作確認</a:t>
-            </a:r>
-            <a:r>
-              <a:rPr lang="zh-TW" altLang="en-US" sz="1400" smtClean="0">
-                <a:latin typeface="+mn-ea"/>
-              </a:rPr>
-              <a:t>（</a:t>
-            </a:r>
-            <a:r>
-              <a:rPr lang="en-US" altLang="zh-TW" sz="1400">
-                <a:latin typeface="+mn-ea"/>
-              </a:rPr>
-              <a:t>6</a:t>
-            </a:r>
-            <a:r>
-              <a:rPr lang="en-US" altLang="zh-TW" sz="1400" smtClean="0">
-                <a:latin typeface="+mn-ea"/>
-              </a:rPr>
-              <a:t>/7</a:t>
-            </a:r>
-            <a:r>
-              <a:rPr lang="zh-TW" altLang="en-US" sz="1400" smtClean="0">
-                <a:latin typeface="+mn-ea"/>
-              </a:rPr>
-              <a:t>）</a:t>
-            </a:r>
-            <a:endParaRPr lang="en-US" altLang="zh-TW" sz="1400">
-              <a:latin typeface="+mn-ea"/>
-            </a:endParaRPr>
-          </a:p>
-          <a:p>
-            <a:r>
-              <a:rPr lang="en-US" altLang="ja-JP" sz="1400" smtClean="0">
-                <a:latin typeface="+mn-ea"/>
-              </a:rPr>
-              <a:t>    </a:t>
-            </a:r>
-            <a:r>
-              <a:rPr lang="en-US" altLang="zh-TW" sz="1400" smtClean="0">
-                <a:latin typeface="+mn-ea"/>
-              </a:rPr>
-              <a:t>4.7</a:t>
-            </a:r>
-            <a:r>
-              <a:rPr lang="zh-TW" altLang="en-US" sz="1400">
-                <a:latin typeface="+mn-ea"/>
-              </a:rPr>
-              <a:t>　 動作確認</a:t>
-            </a:r>
-            <a:r>
-              <a:rPr lang="zh-TW" altLang="en-US" sz="1400" smtClean="0">
-                <a:latin typeface="+mn-ea"/>
-              </a:rPr>
-              <a:t>（</a:t>
-            </a:r>
-            <a:r>
-              <a:rPr lang="en-US" altLang="zh-TW" sz="1400" smtClean="0">
-                <a:latin typeface="+mn-ea"/>
-              </a:rPr>
-              <a:t>7/7</a:t>
-            </a:r>
-            <a:r>
-              <a:rPr lang="zh-TW" altLang="en-US" sz="1400">
-                <a:latin typeface="+mn-ea"/>
-              </a:rPr>
-              <a:t>）</a:t>
-            </a:r>
-            <a:endParaRPr lang="en-US" altLang="zh-TW" sz="1400">
-              <a:latin typeface="+mn-ea"/>
-            </a:endParaRPr>
-          </a:p>
-          <a:p>
-            <a:r>
-              <a:rPr lang="en-US" altLang="ja-JP" sz="1400" smtClean="0">
-                <a:latin typeface="+mn-ea"/>
-              </a:rPr>
-              <a:t> </a:t>
-            </a:r>
-            <a:endParaRPr lang="en-US" altLang="ja-JP" sz="1400">
-              <a:latin typeface="+mn-ea"/>
-            </a:endParaRPr>
-          </a:p>
-        </p:txBody>
-      </p:sp>
-    </p:spTree>
-    <p:extLst>
-      <p:ext uri="{BB962C8B-B14F-4D97-AF65-F5344CB8AC3E}">
-        <p14:creationId xmlns:p14="http://schemas.microsoft.com/office/powerpoint/2010/main" val="497929968"/>
-      </p:ext>
-    </p:extLst>
-  </p:cSld>
-  <p:clrMapOvr>
-    <a:masterClrMapping/>
-  </p:clrMapOvr>
-</p:sld>
-</file>
-
-<file path=ppt/slides/slide20.xml><?xml version="1.0" encoding="utf-8"?>
+<file path=ppt/slides/slide24.xml><?xml version="1.0" encoding="utf-8"?>
 <p:sld xmlns:a="http://schemas.openxmlformats.org/drawingml/2006/main" xmlns:r="http://schemas.openxmlformats.org/officeDocument/2006/relationships" xmlns:p="http://schemas.openxmlformats.org/presentationml/2006/main">
   <p:cSld>
     <p:spTree>
@@ -16496,10 +18922,17 @@
   <p:clrMapOvr>
     <a:masterClrMapping/>
   </p:clrMapOvr>
+  <p:timing>
+    <p:tnLst>
+      <p:par>
+        <p:cTn id="1" dur="indefinite" restart="never" nodeType="tmRoot"/>
+      </p:par>
+    </p:tnLst>
+  </p:timing>
 </p:sld>
 </file>
 
-<file path=ppt/slides/slide21.xml><?xml version="1.0" encoding="utf-8"?>
+<file path=ppt/slides/slide25.xml><?xml version="1.0" encoding="utf-8"?>
 <p:sld xmlns:a="http://schemas.openxmlformats.org/drawingml/2006/main" xmlns:r="http://schemas.openxmlformats.org/officeDocument/2006/relationships" xmlns:p="http://schemas.openxmlformats.org/presentationml/2006/main">
   <p:cSld>
     <p:spTree>
@@ -16915,10 +19348,17 @@
   <p:clrMapOvr>
     <a:masterClrMapping/>
   </p:clrMapOvr>
+  <p:timing>
+    <p:tnLst>
+      <p:par>
+        <p:cTn id="1" dur="indefinite" restart="never" nodeType="tmRoot"/>
+      </p:par>
+    </p:tnLst>
+  </p:timing>
 </p:sld>
 </file>
 
-<file path=ppt/slides/slide22.xml><?xml version="1.0" encoding="utf-8"?>
+<file path=ppt/slides/slide26.xml><?xml version="1.0" encoding="utf-8"?>
 <p:sld xmlns:a="http://schemas.openxmlformats.org/drawingml/2006/main" xmlns:r="http://schemas.openxmlformats.org/officeDocument/2006/relationships" xmlns:p="http://schemas.openxmlformats.org/presentationml/2006/main">
   <p:cSld>
     <p:spTree>
@@ -17415,10 +19855,17 @@
   <p:clrMapOvr>
     <a:masterClrMapping/>
   </p:clrMapOvr>
+  <p:timing>
+    <p:tnLst>
+      <p:par>
+        <p:cTn id="1" dur="indefinite" restart="never" nodeType="tmRoot"/>
+      </p:par>
+    </p:tnLst>
+  </p:timing>
 </p:sld>
 </file>
 
-<file path=ppt/slides/slide23.xml><?xml version="1.0" encoding="utf-8"?>
+<file path=ppt/slides/slide27.xml><?xml version="1.0" encoding="utf-8"?>
 <p:sld xmlns:a="http://schemas.openxmlformats.org/drawingml/2006/main" xmlns:r="http://schemas.openxmlformats.org/officeDocument/2006/relationships" xmlns:p="http://schemas.openxmlformats.org/presentationml/2006/main">
   <p:cSld>
     <p:spTree>
@@ -17846,7 +20293,7 @@
                         </a:spcAft>
                       </a:pPr>
                       <a:r>
-                        <a:rPr lang="ja-JP" altLang="en-US" sz="1050" kern="100">
+                        <a:rPr lang="ja-JP" altLang="en-US" sz="1050" kern="100" dirty="0">
                           <a:effectLst/>
                           <a:latin typeface="+mn-lt"/>
                           <a:ea typeface="+mn-ea"/>
@@ -17854,7 +20301,7 @@
                         </a:rPr>
                         <a:t>管理</a:t>
                       </a:r>
-                      <a:endParaRPr lang="ja-JP" sz="1050" kern="100">
+                      <a:endParaRPr lang="ja-JP" sz="1050" kern="100" dirty="0">
                         <a:effectLst/>
                         <a:latin typeface="Century" panose="02040604050505020304" pitchFamily="18" charset="0"/>
                         <a:ea typeface="ＭＳ 明朝" panose="02020609040205080304" pitchFamily="17" charset="-128"/>
@@ -17888,10 +20335,17 @@
   <p:clrMapOvr>
     <a:masterClrMapping/>
   </p:clrMapOvr>
+  <p:timing>
+    <p:tnLst>
+      <p:par>
+        <p:cTn id="1" dur="indefinite" restart="never" nodeType="tmRoot"/>
+      </p:par>
+    </p:tnLst>
+  </p:timing>
 </p:sld>
 </file>
 
-<file path=ppt/slides/slide24.xml><?xml version="1.0" encoding="utf-8"?>
+<file path=ppt/slides/slide28.xml><?xml version="1.0" encoding="utf-8"?>
 <p:sld xmlns:a="http://schemas.openxmlformats.org/drawingml/2006/main" xmlns:r="http://schemas.openxmlformats.org/officeDocument/2006/relationships" xmlns:p="http://schemas.openxmlformats.org/presentationml/2006/main">
   <p:cSld>
     <p:spTree>
@@ -17964,432 +20418,306 @@
         <p:spPr/>
         <p:txBody>
           <a:bodyPr>
-            <a:normAutofit fontScale="77500" lnSpcReduction="20000"/>
+            <a:normAutofit/>
           </a:bodyPr>
           <a:lstStyle/>
           <a:p>
             <a:pPr lvl="0"/>
             <a:r>
-              <a:rPr lang="en-US" altLang="ja-JP" smtClean="0"/>
+              <a:rPr lang="en-US" altLang="ja-JP" dirty="0" smtClean="0"/>
               <a:t>HTTP</a:t>
             </a:r>
             <a:r>
-              <a:rPr lang="ja-JP" altLang="en-US" smtClean="0"/>
-              <a:t>アクセスの許可</a:t>
-            </a:r>
-            <a:endParaRPr lang="en-US" altLang="ja-JP" sz="1800" smtClean="0"/>
+              <a:rPr lang="ja-JP" altLang="en-US" dirty="0"/>
+              <a:t>または</a:t>
+            </a:r>
+            <a:r>
+              <a:rPr lang="en-US" altLang="ja-JP" dirty="0"/>
+              <a:t>HTTPS</a:t>
+            </a:r>
+            <a:r>
+              <a:rPr lang="ja-JP" altLang="en-US" dirty="0"/>
+              <a:t>アクセスの制限</a:t>
+            </a:r>
+            <a:endParaRPr lang="en-US" altLang="ja-JP" sz="1800" dirty="0" smtClean="0"/>
           </a:p>
           <a:p>
             <a:pPr marL="0" lvl="0" indent="0">
               <a:buNone/>
             </a:pPr>
             <a:r>
-              <a:rPr lang="ja-JP" altLang="en-US" sz="1800" smtClean="0"/>
+              <a:rPr lang="ja-JP" altLang="en-US" sz="1800" dirty="0" smtClean="0"/>
               <a:t>　</a:t>
             </a:r>
             <a:r>
-              <a:rPr lang="en-US" altLang="ja-JP" sz="1700" smtClean="0"/>
+              <a:rPr lang="en-US" altLang="ja-JP" sz="1700" dirty="0" smtClean="0"/>
               <a:t>HTTP</a:t>
             </a:r>
             <a:r>
-              <a:rPr lang="ja-JP" altLang="en-US" sz="1700" smtClean="0"/>
-              <a:t>アクセスを許可する場合は、以下の手順を実施してください。</a:t>
-            </a:r>
-            <a:endParaRPr lang="en-US" altLang="ja-JP" sz="1700"/>
+              <a:rPr lang="ja-JP" altLang="en-US" sz="1700" dirty="0"/>
+              <a:t>または</a:t>
+            </a:r>
+            <a:r>
+              <a:rPr lang="en-US" altLang="ja-JP" sz="1700" dirty="0"/>
+              <a:t>HTTPS</a:t>
+            </a:r>
+            <a:r>
+              <a:rPr lang="ja-JP" altLang="en-US" sz="1700" dirty="0"/>
+              <a:t>アクセスを制限する場合は、以下の手順を実施してください</a:t>
+            </a:r>
+            <a:r>
+              <a:rPr lang="ja-JP" altLang="en-US" sz="1700" dirty="0" smtClean="0"/>
+              <a:t>。</a:t>
+            </a:r>
+            <a:endParaRPr lang="en-US" altLang="ja-JP" sz="1700" dirty="0" smtClean="0"/>
+          </a:p>
+          <a:p>
+            <a:pPr marL="0" lvl="0" indent="0">
+              <a:buNone/>
+            </a:pPr>
+            <a:endParaRPr lang="en-US" altLang="ja-JP" sz="1700" dirty="0"/>
           </a:p>
           <a:p>
             <a:pPr lvl="1"/>
             <a:r>
-              <a:rPr lang="ja-JP" altLang="en-US" smtClean="0"/>
-              <a:t>インストール後、生成されるファイル「</a:t>
+              <a:rPr lang="ja-JP" altLang="en-US" dirty="0" smtClean="0"/>
+              <a:t>ファイル「</a:t>
             </a:r>
             <a:r>
               <a:rPr lang="en-US" altLang="ja-JP" dirty="0"/>
               <a:t>/</a:t>
             </a:r>
             <a:r>
-              <a:rPr lang="en-US" altLang="ja-JP"/>
-              <a:t>etc/nginx/conf.d/oase.conf</a:t>
-            </a:r>
-            <a:r>
-              <a:rPr lang="ja-JP" altLang="en-US" smtClean="0"/>
-              <a:t>」を編集する。</a:t>
-            </a:r>
-            <a:endParaRPr lang="en-US" altLang="ja-JP" smtClean="0"/>
+              <a:rPr lang="en-US" altLang="ja-JP" dirty="0" err="1"/>
+              <a:t>etc</a:t>
+            </a:r>
+            <a:r>
+              <a:rPr lang="en-US" altLang="ja-JP" dirty="0"/>
+              <a:t>/</a:t>
+            </a:r>
+            <a:r>
+              <a:rPr lang="en-US" altLang="ja-JP" dirty="0" err="1"/>
+              <a:t>httpd</a:t>
+            </a:r>
+            <a:r>
+              <a:rPr lang="en-US" altLang="ja-JP" dirty="0"/>
+              <a:t>/</a:t>
+            </a:r>
+            <a:r>
+              <a:rPr lang="en-US" altLang="ja-JP" dirty="0" err="1"/>
+              <a:t>conf.d</a:t>
+            </a:r>
+            <a:r>
+              <a:rPr lang="en-US" altLang="ja-JP" dirty="0"/>
+              <a:t>/</a:t>
+            </a:r>
+            <a:r>
+              <a:rPr lang="en-US" altLang="ja-JP" dirty="0" err="1"/>
+              <a:t>oase.conf</a:t>
+            </a:r>
+            <a:r>
+              <a:rPr lang="ja-JP" altLang="en-US" dirty="0" smtClean="0"/>
+              <a:t>」</a:t>
+            </a:r>
+            <a:r>
+              <a:rPr lang="ja-JP" altLang="en-US" dirty="0"/>
+              <a:t>を編集する。</a:t>
+            </a:r>
           </a:p>
           <a:p>
             <a:pPr marL="180000" lvl="1" indent="0">
               <a:buNone/>
             </a:pPr>
             <a:r>
-              <a:rPr lang="ja-JP" altLang="en-US"/>
+              <a:rPr lang="ja-JP" altLang="en-US" dirty="0" smtClean="0"/>
               <a:t>　</a:t>
             </a:r>
             <a:r>
+              <a:rPr lang="en-US" altLang="ja-JP" dirty="0" smtClean="0"/>
+              <a:t>HTTP</a:t>
+            </a:r>
+            <a:r>
+              <a:rPr lang="ja-JP" altLang="en-US" dirty="0"/>
+              <a:t>を制限する場合は、「</a:t>
+            </a:r>
+            <a:r>
               <a:rPr lang="en-US" altLang="ja-JP" dirty="0"/>
-              <a:t>server {</a:t>
-            </a:r>
-            <a:r>
-              <a:rPr lang="en-US" altLang="ja-JP"/>
-              <a:t/>
-            </a:r>
-            <a:br>
-              <a:rPr lang="en-US" altLang="ja-JP"/>
-            </a:br>
+              <a:t>&lt;</a:t>
+            </a:r>
+            <a:r>
+              <a:rPr lang="en-US" altLang="ja-JP" dirty="0" err="1"/>
+              <a:t>VirtualHost</a:t>
+            </a:r>
             <a:r>
               <a:rPr lang="en-US" altLang="ja-JP" dirty="0"/>
-              <a:t>    listen 80;</a:t>
-            </a:r>
-            <a:r>
-              <a:rPr lang="en-US" altLang="ja-JP"/>
-              <a:t/>
-            </a:r>
-            <a:br>
-              <a:rPr lang="en-US" altLang="ja-JP"/>
-            </a:br>
+              <a:t> *:80 &gt;</a:t>
+            </a:r>
+            <a:r>
+              <a:rPr lang="ja-JP" altLang="en-US" dirty="0"/>
+              <a:t>」から「</a:t>
+            </a:r>
             <a:r>
               <a:rPr lang="en-US" altLang="ja-JP" dirty="0"/>
-              <a:t>    server_name exastro-oase;</a:t>
-            </a:r>
-            <a:r>
-              <a:rPr lang="en-US" altLang="ja-JP"/>
-              <a:t/>
-            </a:r>
-            <a:br>
-              <a:rPr lang="en-US" altLang="ja-JP"/>
-            </a:br>
+              <a:t>&lt;/</a:t>
+            </a:r>
+            <a:r>
+              <a:rPr lang="en-US" altLang="ja-JP" dirty="0" err="1"/>
+              <a:t>VirtualHost</a:t>
+            </a:r>
             <a:r>
               <a:rPr lang="en-US" altLang="ja-JP" dirty="0"/>
-              <a:t>    return 301 https://$host$request_uri;</a:t>
-            </a:r>
-            <a:r>
-              <a:rPr lang="en-US" altLang="ja-JP"/>
-              <a:t/>
-            </a:r>
-            <a:br>
-              <a:rPr lang="en-US" altLang="ja-JP"/>
-            </a:br>
-            <a:r>
-              <a:rPr lang="en-US" altLang="ja-JP" smtClean="0"/>
-              <a:t>}</a:t>
-            </a:r>
-            <a:endParaRPr lang="en-US" altLang="ja-JP"/>
+              <a:t>&gt;</a:t>
+            </a:r>
+            <a:r>
+              <a:rPr lang="ja-JP" altLang="en-US" dirty="0"/>
+              <a:t>」をコメント</a:t>
+            </a:r>
           </a:p>
           <a:p>
             <a:pPr marL="180000" lvl="1" indent="0">
               <a:buNone/>
             </a:pPr>
             <a:r>
+              <a:rPr lang="ja-JP" altLang="en-US" dirty="0" smtClean="0"/>
+              <a:t>　アウト</a:t>
+            </a:r>
+            <a:r>
               <a:rPr lang="en-US" altLang="ja-JP" dirty="0"/>
-              <a:t>return 301 </a:t>
-            </a:r>
-            <a:r>
-              <a:rPr lang="en-US" altLang="ja-JP" dirty="0">
-                <a:hlinkClick r:id="rId2"/>
-              </a:rPr>
-              <a:t>https://$</a:t>
-            </a:r>
-            <a:r>
-              <a:rPr lang="en-US" altLang="ja-JP">
-                <a:hlinkClick r:id="rId2"/>
-              </a:rPr>
-              <a:t>host$request_uri</a:t>
-            </a:r>
-            <a:r>
-              <a:rPr lang="en-US" altLang="ja-JP" smtClean="0"/>
-              <a:t>;</a:t>
-            </a:r>
-            <a:r>
-              <a:rPr lang="ja-JP" altLang="en-US" smtClean="0"/>
-              <a:t>　をコメントアウト（</a:t>
-            </a:r>
-            <a:r>
-              <a:rPr lang="en-US" altLang="ja-JP" smtClean="0"/>
-              <a:t>#</a:t>
-            </a:r>
-            <a:r>
-              <a:rPr lang="ja-JP" altLang="en-US" smtClean="0"/>
-              <a:t>）し、以下を追記する。</a:t>
-            </a:r>
-            <a:endParaRPr lang="en-US" altLang="ja-JP" smtClean="0"/>
+              <a:t>(#)</a:t>
+            </a:r>
+            <a:r>
+              <a:rPr lang="ja-JP" altLang="en-US" dirty="0"/>
+              <a:t>をする。</a:t>
+            </a:r>
           </a:p>
           <a:p>
             <a:pPr marL="180000" lvl="1" indent="0">
               <a:buNone/>
             </a:pPr>
-            <a:endParaRPr lang="en-US" altLang="ja-JP" smtClean="0"/>
+            <a:r>
+              <a:rPr lang="ja-JP" altLang="en-US" dirty="0" smtClean="0"/>
+              <a:t>　</a:t>
+            </a:r>
+            <a:r>
+              <a:rPr lang="en-US" altLang="ja-JP" dirty="0" smtClean="0"/>
+              <a:t>HTTPS</a:t>
+            </a:r>
+            <a:r>
+              <a:rPr lang="ja-JP" altLang="en-US" dirty="0"/>
+              <a:t>を制限する場合は、「</a:t>
+            </a:r>
+            <a:r>
+              <a:rPr lang="en-US" altLang="ja-JP" dirty="0"/>
+              <a:t>&lt;</a:t>
+            </a:r>
+            <a:r>
+              <a:rPr lang="en-US" altLang="ja-JP" dirty="0" err="1"/>
+              <a:t>VirtualHost</a:t>
+            </a:r>
+            <a:r>
+              <a:rPr lang="en-US" altLang="ja-JP" dirty="0"/>
+              <a:t> *:443 &gt;</a:t>
+            </a:r>
+            <a:r>
+              <a:rPr lang="ja-JP" altLang="en-US" dirty="0"/>
+              <a:t>」から「</a:t>
+            </a:r>
+            <a:r>
+              <a:rPr lang="en-US" altLang="ja-JP" dirty="0"/>
+              <a:t>&lt;/</a:t>
+            </a:r>
+            <a:r>
+              <a:rPr lang="en-US" altLang="ja-JP" dirty="0" err="1"/>
+              <a:t>VirtualHost</a:t>
+            </a:r>
+            <a:r>
+              <a:rPr lang="en-US" altLang="ja-JP" dirty="0"/>
+              <a:t>&gt;</a:t>
+            </a:r>
+            <a:r>
+              <a:rPr lang="ja-JP" altLang="en-US" dirty="0"/>
+              <a:t>」をコメン</a:t>
+            </a:r>
           </a:p>
           <a:p>
             <a:pPr marL="180000" lvl="1" indent="0">
               <a:buNone/>
             </a:pPr>
             <a:r>
+              <a:rPr lang="ja-JP" altLang="en-US" dirty="0" smtClean="0"/>
+              <a:t>　トアウト</a:t>
+            </a:r>
+            <a:r>
               <a:rPr lang="en-US" altLang="ja-JP" dirty="0"/>
-              <a:t>server {</a:t>
-            </a:r>
-            <a:r>
-              <a:rPr lang="en-US" altLang="ja-JP"/>
-              <a:t/>
-            </a:r>
-            <a:br>
-              <a:rPr lang="en-US" altLang="ja-JP"/>
-            </a:br>
+              <a:t>(#)</a:t>
+            </a:r>
+            <a:r>
+              <a:rPr lang="ja-JP" altLang="en-US" dirty="0"/>
+              <a:t>をする。</a:t>
+            </a:r>
+            <a:endParaRPr lang="en-US" altLang="ja-JP" dirty="0" smtClean="0"/>
+          </a:p>
+          <a:p>
+            <a:pPr marL="0" lvl="0" indent="0">
+              <a:buNone/>
+            </a:pPr>
+            <a:endParaRPr lang="en-US" altLang="ja-JP" sz="1700" dirty="0" smtClean="0"/>
+          </a:p>
+          <a:p>
+            <a:pPr lvl="1"/>
+            <a:r>
+              <a:rPr lang="ja-JP" altLang="en-US" dirty="0"/>
+              <a:t>以下のコマンドにより</a:t>
+            </a:r>
             <a:r>
               <a:rPr lang="en-US" altLang="ja-JP" dirty="0"/>
-              <a:t>    listen 80;</a:t>
-            </a:r>
-            <a:r>
-              <a:rPr lang="en-US" altLang="ja-JP"/>
-              <a:t/>
-            </a:r>
-            <a:br>
-              <a:rPr lang="en-US" altLang="ja-JP"/>
-            </a:br>
-            <a:r>
-              <a:rPr lang="en-US" altLang="ja-JP" dirty="0"/>
-              <a:t>    server_name exastro-oase;  </a:t>
-            </a:r>
-            <a:r>
-              <a:rPr lang="en-US" altLang="ja-JP"/>
-              <a:t> </a:t>
-            </a:r>
-            <a:endParaRPr lang="en-US" altLang="ja-JP" smtClean="0"/>
+              <a:t>Apache</a:t>
+            </a:r>
+            <a:r>
+              <a:rPr lang="ja-JP" altLang="en-US" dirty="0"/>
+              <a:t>を再起動する</a:t>
+            </a:r>
+            <a:r>
+              <a:rPr lang="ja-JP" altLang="en-US" dirty="0" smtClean="0"/>
+              <a:t>。</a:t>
+            </a:r>
+            <a:endParaRPr lang="en-US" altLang="ja-JP" dirty="0" smtClean="0"/>
           </a:p>
           <a:p>
             <a:pPr marL="180000" lvl="1" indent="0">
               <a:buNone/>
             </a:pPr>
             <a:r>
-              <a:rPr lang="ja-JP" altLang="en-US"/>
+              <a:rPr lang="ja-JP" altLang="en-US" dirty="0"/>
               <a:t>　</a:t>
             </a:r>
             <a:r>
               <a:rPr lang="en-US" altLang="ja-JP" dirty="0"/>
-              <a:t> location / {</a:t>
-            </a:r>
-            <a:r>
-              <a:rPr lang="en-US" altLang="ja-JP"/>
-              <a:t/>
-            </a:r>
-            <a:br>
-              <a:rPr lang="en-US" altLang="ja-JP"/>
-            </a:br>
+              <a:t># </a:t>
+            </a:r>
+            <a:r>
+              <a:rPr lang="en-US" altLang="ja-JP" dirty="0" err="1"/>
+              <a:t>systemctl</a:t>
+            </a:r>
             <a:r>
               <a:rPr lang="en-US" altLang="ja-JP" dirty="0"/>
-              <a:t>     </a:t>
-            </a:r>
-            <a:r>
-              <a:rPr lang="en-US" altLang="ja-JP"/>
-              <a:t> </a:t>
-            </a:r>
-            <a:r>
-              <a:rPr lang="en-US" altLang="ja-JP" smtClean="0"/>
-              <a:t>  include </a:t>
-            </a:r>
-            <a:r>
-              <a:rPr lang="en-US" altLang="ja-JP" dirty="0"/>
-              <a:t>uwsgi_params;</a:t>
-            </a:r>
-            <a:r>
-              <a:rPr lang="en-US" altLang="ja-JP"/>
-              <a:t/>
-            </a:r>
-            <a:br>
-              <a:rPr lang="en-US" altLang="ja-JP"/>
-            </a:br>
-            <a:r>
-              <a:rPr lang="en-US" altLang="ja-JP" dirty="0"/>
-              <a:t>        uwsgi_pass unix:///home/uWSGI/uwsgi.sock;</a:t>
-            </a:r>
-            <a:r>
-              <a:rPr lang="en-US" altLang="ja-JP"/>
-              <a:t/>
-            </a:r>
-            <a:br>
-              <a:rPr lang="en-US" altLang="ja-JP"/>
-            </a:br>
-            <a:r>
-              <a:rPr lang="en-US" altLang="ja-JP" dirty="0"/>
-              <a:t>    }   </a:t>
-            </a:r>
-            <a:r>
-              <a:rPr lang="en-US" altLang="ja-JP"/>
-              <a:t> </a:t>
-            </a:r>
+              <a:t> restart </a:t>
+            </a:r>
+            <a:r>
+              <a:rPr lang="en-US" altLang="ja-JP" dirty="0" err="1"/>
+              <a:t>httpd</a:t>
+            </a:r>
+            <a:r>
+              <a:rPr lang="ja-JP" altLang="en-US" dirty="0"/>
+              <a:t>　</a:t>
+            </a:r>
+            <a:endParaRPr lang="en-US" altLang="ja-JP" dirty="0"/>
           </a:p>
           <a:p>
             <a:pPr marL="180000" lvl="1" indent="0">
               <a:buNone/>
             </a:pPr>
-            <a:r>
-              <a:rPr lang="en-US" altLang="ja-JP" smtClean="0"/>
-              <a:t>    location </a:t>
-            </a:r>
-            <a:r>
-              <a:rPr lang="en-US" altLang="ja-JP" dirty="0"/>
-              <a:t>= / {</a:t>
-            </a:r>
-            <a:r>
-              <a:rPr lang="en-US" altLang="ja-JP"/>
-              <a:t/>
-            </a:r>
-            <a:br>
-              <a:rPr lang="en-US" altLang="ja-JP"/>
-            </a:br>
-            <a:r>
-              <a:rPr lang="en-US" altLang="ja-JP" dirty="0"/>
-              <a:t>        include uwsgi_params;</a:t>
-            </a:r>
-            <a:r>
-              <a:rPr lang="en-US" altLang="ja-JP"/>
-              <a:t/>
-            </a:r>
-            <a:br>
-              <a:rPr lang="en-US" altLang="ja-JP"/>
-            </a:br>
-            <a:r>
-              <a:rPr lang="en-US" altLang="ja-JP" dirty="0"/>
-              <a:t>        uwsgi_pass unix:///home/uWSGI/uwsgi.sock;</a:t>
-            </a:r>
-            <a:r>
-              <a:rPr lang="en-US" altLang="ja-JP"/>
-              <a:t/>
-            </a:r>
-            <a:br>
-              <a:rPr lang="en-US" altLang="ja-JP"/>
-            </a:br>
-            <a:r>
-              <a:rPr lang="en-US" altLang="ja-JP" dirty="0"/>
-              <a:t>        return 301 /oase_web/top/login;</a:t>
-            </a:r>
-            <a:r>
-              <a:rPr lang="en-US" altLang="ja-JP"/>
-              <a:t/>
-            </a:r>
-            <a:br>
-              <a:rPr lang="en-US" altLang="ja-JP"/>
-            </a:br>
-            <a:r>
-              <a:rPr lang="en-US" altLang="ja-JP" dirty="0"/>
-              <a:t>    }   </a:t>
-            </a:r>
-            <a:r>
-              <a:rPr lang="en-US" altLang="ja-JP"/>
-              <a:t> </a:t>
-            </a:r>
-            <a:endParaRPr lang="en-US" altLang="ja-JP" smtClean="0"/>
-          </a:p>
-          <a:p>
-            <a:pPr marL="180000" lvl="1" indent="0">
-              <a:buNone/>
-            </a:pPr>
-            <a:r>
-              <a:rPr lang="en-US" altLang="ja-JP"/>
-              <a:t> </a:t>
-            </a:r>
-            <a:r>
-              <a:rPr lang="en-US" altLang="ja-JP" smtClean="0"/>
-              <a:t>   location </a:t>
-            </a:r>
-            <a:r>
-              <a:rPr lang="en-US" altLang="ja-JP" dirty="0"/>
-              <a:t>/static {</a:t>
-            </a:r>
-            <a:r>
-              <a:rPr lang="en-US" altLang="ja-JP"/>
-              <a:t/>
-            </a:r>
-            <a:br>
-              <a:rPr lang="en-US" altLang="ja-JP"/>
-            </a:br>
-            <a:r>
-              <a:rPr lang="en-US" altLang="ja-JP" dirty="0"/>
-              <a:t>        alias /exastro/OASE/oase-root/web_app/static;</a:t>
-            </a:r>
-            <a:r>
-              <a:rPr lang="en-US" altLang="ja-JP"/>
-              <a:t/>
-            </a:r>
-            <a:br>
-              <a:rPr lang="en-US" altLang="ja-JP"/>
-            </a:br>
-            <a:r>
-              <a:rPr lang="en-US" altLang="ja-JP" dirty="0"/>
-              <a:t>    }   </a:t>
-            </a:r>
-            <a:r>
-              <a:rPr lang="en-US" altLang="ja-JP"/>
-              <a:t> </a:t>
-            </a:r>
-            <a:endParaRPr lang="en-US" altLang="ja-JP" smtClean="0"/>
-          </a:p>
-          <a:p>
-            <a:pPr marL="180000" lvl="1" indent="0">
-              <a:buNone/>
-            </a:pPr>
-            <a:r>
-              <a:rPr lang="en-US" altLang="ja-JP"/>
-              <a:t> </a:t>
-            </a:r>
-            <a:r>
-              <a:rPr lang="en-US" altLang="ja-JP" smtClean="0"/>
-              <a:t>   error_page</a:t>
-            </a:r>
-            <a:r>
-              <a:rPr lang="en-US" altLang="ja-JP" dirty="0"/>
-              <a:t>   500 502 503 504  /50x.html;</a:t>
-            </a:r>
-            <a:r>
-              <a:rPr lang="en-US" altLang="ja-JP"/>
-              <a:t/>
-            </a:r>
-            <a:br>
-              <a:rPr lang="en-US" altLang="ja-JP"/>
-            </a:br>
-            <a:r>
-              <a:rPr lang="en-US" altLang="ja-JP" dirty="0"/>
-              <a:t>    location = /50x.html {</a:t>
-            </a:r>
-            <a:r>
-              <a:rPr lang="en-US" altLang="ja-JP"/>
-              <a:t/>
-            </a:r>
-            <a:br>
-              <a:rPr lang="en-US" altLang="ja-JP"/>
-            </a:br>
-            <a:r>
-              <a:rPr lang="en-US" altLang="ja-JP" dirty="0"/>
-              <a:t>        root   /usr/share/nginx/html;</a:t>
-            </a:r>
-            <a:r>
-              <a:rPr lang="en-US" altLang="ja-JP"/>
-              <a:t/>
-            </a:r>
-            <a:br>
-              <a:rPr lang="en-US" altLang="ja-JP"/>
-            </a:br>
-            <a:r>
-              <a:rPr lang="en-US" altLang="ja-JP" dirty="0"/>
-              <a:t>    }</a:t>
-            </a:r>
-            <a:r>
-              <a:rPr lang="en-US" altLang="ja-JP"/>
-              <a:t/>
-            </a:r>
-            <a:br>
-              <a:rPr lang="en-US" altLang="ja-JP"/>
-            </a:br>
-            <a:r>
-              <a:rPr lang="en-US" altLang="ja-JP" dirty="0"/>
-              <a:t>}</a:t>
-            </a:r>
-            <a:endParaRPr lang="en-US" altLang="ja-JP" smtClean="0"/>
-          </a:p>
-          <a:p>
-            <a:pPr marL="180000" lvl="1" indent="0">
-              <a:buNone/>
-            </a:pPr>
-            <a:endParaRPr kumimoji="1" lang="ja-JP" altLang="en-US"/>
+            <a:endParaRPr lang="en-US" altLang="ja-JP" dirty="0" smtClean="0"/>
           </a:p>
         </p:txBody>
       </p:sp>
@@ -18403,10 +20731,17 @@
   <p:clrMapOvr>
     <a:masterClrMapping/>
   </p:clrMapOvr>
+  <p:timing>
+    <p:tnLst>
+      <p:par>
+        <p:cTn id="1" dur="indefinite" restart="never" nodeType="tmRoot"/>
+      </p:par>
+    </p:tnLst>
+  </p:timing>
 </p:sld>
 </file>
 
-<file path=ppt/slides/slide25.xml><?xml version="1.0" encoding="utf-8"?>
+<file path=ppt/slides/slide29.xml><?xml version="1.0" encoding="utf-8"?>
 <p:sld xmlns:a="http://schemas.openxmlformats.org/drawingml/2006/main" xmlns:r="http://schemas.openxmlformats.org/officeDocument/2006/relationships" xmlns:p="http://schemas.openxmlformats.org/presentationml/2006/main">
   <p:cSld>
     <p:spTree>
@@ -18483,89 +20818,53 @@
           </a:bodyPr>
           <a:lstStyle/>
           <a:p>
+            <a:pPr lvl="0"/>
+            <a:r>
+              <a:rPr lang="en-US" altLang="ja-JP" dirty="0" smtClean="0"/>
+              <a:t>HTTP</a:t>
+            </a:r>
+            <a:r>
+              <a:rPr lang="ja-JP" altLang="en-US" dirty="0" err="1" smtClean="0"/>
+              <a:t>での</a:t>
+            </a:r>
+            <a:r>
+              <a:rPr lang="en-US" altLang="ja-JP" dirty="0" smtClean="0"/>
+              <a:t>URL</a:t>
+            </a:r>
+            <a:r>
+              <a:rPr lang="ja-JP" altLang="en-US" dirty="0"/>
+              <a:t>接続</a:t>
+            </a:r>
+            <a:endParaRPr lang="en-US" altLang="ja-JP" dirty="0"/>
+          </a:p>
+          <a:p>
             <a:pPr lvl="1"/>
             <a:r>
-              <a:rPr lang="ja-JP" altLang="en-US"/>
-              <a:t>以下のコマンドにより</a:t>
-            </a:r>
-            <a:r>
-              <a:rPr lang="en-US" altLang="ja-JP"/>
-              <a:t>Nginx</a:t>
-            </a:r>
-            <a:r>
-              <a:rPr lang="ja-JP" altLang="en-US"/>
-              <a:t>を再起動する。</a:t>
-            </a:r>
-            <a:endParaRPr lang="en-US" altLang="ja-JP"/>
-          </a:p>
-          <a:p>
-            <a:pPr marL="180000" lvl="1" indent="0">
-              <a:buNone/>
-            </a:pPr>
-            <a:r>
-              <a:rPr lang="ja-JP" altLang="en-US"/>
-              <a:t>　</a:t>
-            </a:r>
-            <a:r>
-              <a:rPr lang="en-US" altLang="ja-JP"/>
-              <a:t># systemctl restart nginx</a:t>
-            </a:r>
-            <a:endParaRPr lang="ja-JP" altLang="ja-JP"/>
-          </a:p>
-          <a:p>
-            <a:pPr marL="0" lvl="0" indent="0">
-              <a:buNone/>
-            </a:pPr>
-            <a:endParaRPr lang="en-US" altLang="ja-JP" smtClean="0"/>
-          </a:p>
-          <a:p>
-            <a:pPr lvl="0"/>
-            <a:r>
-              <a:rPr lang="en-US" altLang="ja-JP" smtClean="0"/>
-              <a:t>HTTP</a:t>
-            </a:r>
-            <a:r>
-              <a:rPr lang="ja-JP" altLang="en-US" smtClean="0"/>
-              <a:t>での</a:t>
-            </a:r>
-            <a:r>
-              <a:rPr lang="en-US" altLang="ja-JP" smtClean="0"/>
+              <a:rPr lang="ja-JP" altLang="en-US" dirty="0"/>
+              <a:t>以下の</a:t>
+            </a:r>
+            <a:r>
+              <a:rPr lang="en-US" altLang="ja-JP" dirty="0"/>
               <a:t>URL</a:t>
             </a:r>
             <a:r>
-              <a:rPr lang="ja-JP" altLang="en-US"/>
-              <a:t>接続</a:t>
-            </a:r>
-            <a:endParaRPr lang="en-US" altLang="ja-JP"/>
+              <a:rPr lang="ja-JP" altLang="en-US" dirty="0"/>
+              <a:t>より、ログイン画面にアクセスしてください。</a:t>
+            </a:r>
+            <a:endParaRPr lang="en-US" altLang="ja-JP" dirty="0"/>
           </a:p>
           <a:p>
             <a:pPr lvl="1"/>
             <a:r>
-              <a:rPr lang="ja-JP" altLang="en-US"/>
-              <a:t>以下の</a:t>
-            </a:r>
-            <a:r>
-              <a:rPr lang="en-US" altLang="ja-JP"/>
+              <a:rPr lang="en-US" altLang="ja-JP" dirty="0"/>
               <a:t>URL</a:t>
             </a:r>
             <a:r>
-              <a:rPr lang="ja-JP" altLang="en-US"/>
-              <a:t>より、ログイン画面にアクセスしてください。</a:t>
-            </a:r>
-            <a:endParaRPr lang="en-US" altLang="ja-JP"/>
-          </a:p>
-          <a:p>
-            <a:pPr lvl="1"/>
-            <a:r>
-              <a:rPr lang="en-US" altLang="ja-JP"/>
-              <a:t>URL</a:t>
-            </a:r>
-            <a:r>
-              <a:rPr lang="ja-JP" altLang="ja-JP"/>
+              <a:rPr lang="ja-JP" altLang="ja-JP" dirty="0"/>
               <a:t>：</a:t>
             </a:r>
             <a:r>
-              <a:rPr lang="en-US" altLang="ja-JP" smtClean="0">
+              <a:rPr lang="en-US" altLang="ja-JP" dirty="0" smtClean="0">
                 <a:solidFill>
                   <a:srgbClr val="FF0000"/>
                 </a:solidFill>
@@ -18573,7 +20872,7 @@
               <a:t>http://</a:t>
             </a:r>
             <a:r>
-              <a:rPr lang="ja-JP" altLang="en-US" smtClean="0">
+              <a:rPr lang="ja-JP" altLang="en-US" dirty="0" smtClean="0">
                 <a:solidFill>
                   <a:srgbClr val="FF0000"/>
                 </a:solidFill>
@@ -18581,7 +20880,7 @@
               <a:t>（サーバの</a:t>
             </a:r>
             <a:r>
-              <a:rPr lang="en-US" altLang="ja-JP" smtClean="0">
+              <a:rPr lang="en-US" altLang="ja-JP" dirty="0" smtClean="0">
                 <a:solidFill>
                   <a:srgbClr val="FF0000"/>
                 </a:solidFill>
@@ -18589,14 +20888,14 @@
               <a:t>IP</a:t>
             </a:r>
             <a:r>
-              <a:rPr lang="ja-JP" altLang="en-US" smtClean="0">
+              <a:rPr lang="ja-JP" altLang="en-US" dirty="0" smtClean="0">
                 <a:solidFill>
                   <a:srgbClr val="FF0000"/>
                 </a:solidFill>
               </a:rPr>
               <a:t>アドレス）</a:t>
             </a:r>
-            <a:endParaRPr kumimoji="1" lang="en-US" altLang="ja-JP">
+            <a:endParaRPr kumimoji="1" lang="en-US" altLang="ja-JP" dirty="0">
               <a:solidFill>
                 <a:srgbClr val="FF0000"/>
               </a:solidFill>
@@ -18604,25 +20903,25 @@
           </a:p>
           <a:p>
             <a:pPr lvl="1"/>
-            <a:endParaRPr kumimoji="1" lang="en-US" altLang="ja-JP" smtClean="0"/>
+            <a:endParaRPr kumimoji="1" lang="en-US" altLang="ja-JP" dirty="0" smtClean="0"/>
           </a:p>
           <a:p>
             <a:pPr marL="180000" lvl="1" indent="0">
               <a:buNone/>
             </a:pPr>
             <a:r>
-              <a:rPr kumimoji="1" lang="ja-JP" altLang="en-US" smtClean="0"/>
+              <a:rPr kumimoji="1" lang="ja-JP" altLang="en-US" dirty="0" smtClean="0"/>
               <a:t>接続後は</a:t>
             </a:r>
             <a:r>
-              <a:rPr kumimoji="1" lang="en-US" altLang="ja-JP" smtClean="0"/>
+              <a:rPr kumimoji="1" lang="en-US" altLang="ja-JP" dirty="0" smtClean="0"/>
               <a:t>HTTPS</a:t>
             </a:r>
             <a:r>
-              <a:rPr kumimoji="1" lang="ja-JP" altLang="en-US" smtClean="0"/>
+              <a:rPr kumimoji="1" lang="ja-JP" altLang="en-US" dirty="0" smtClean="0"/>
               <a:t>の場合と同様となります。</a:t>
             </a:r>
-            <a:endParaRPr kumimoji="1" lang="ja-JP" altLang="en-US"/>
+            <a:endParaRPr kumimoji="1" lang="ja-JP" altLang="en-US" dirty="0"/>
           </a:p>
         </p:txBody>
       </p:sp>
@@ -18636,36 +20935,13 @@
   <p:clrMapOvr>
     <a:masterClrMapping/>
   </p:clrMapOvr>
-</p:sld>
-</file>
-
-<file path=ppt/slides/slide26.xml><?xml version="1.0" encoding="utf-8"?>
-<p:sld xmlns:a="http://schemas.openxmlformats.org/drawingml/2006/main" xmlns:r="http://schemas.openxmlformats.org/officeDocument/2006/relationships" xmlns:p="http://schemas.openxmlformats.org/presentationml/2006/main">
-  <p:cSld>
-    <p:spTree>
-      <p:nvGrpSpPr>
-        <p:cNvPr id="1" name=""/>
-        <p:cNvGrpSpPr/>
-        <p:nvPr/>
-      </p:nvGrpSpPr>
-      <p:grpSpPr>
-        <a:xfrm>
-          <a:off x="0" y="0"/>
-          <a:ext cx="0" cy="0"/>
-          <a:chOff x="0" y="0"/>
-          <a:chExt cx="0" cy="0"/>
-        </a:xfrm>
-      </p:grpSpPr>
-    </p:spTree>
-    <p:extLst>
-      <p:ext uri="{BB962C8B-B14F-4D97-AF65-F5344CB8AC3E}">
-        <p14:creationId xmlns:p14="http://schemas.microsoft.com/office/powerpoint/2010/main" val="3218686016"/>
-      </p:ext>
-    </p:extLst>
-  </p:cSld>
-  <p:clrMapOvr>
-    <a:masterClrMapping/>
-  </p:clrMapOvr>
+  <p:timing>
+    <p:tnLst>
+      <p:par>
+        <p:cTn id="1" dur="indefinite" restart="never" nodeType="tmRoot"/>
+      </p:par>
+    </p:tnLst>
+  </p:timing>
 </p:sld>
 </file>
 
@@ -18722,6 +20998,43 @@
     <p:extLst>
       <p:ext uri="{BB962C8B-B14F-4D97-AF65-F5344CB8AC3E}">
         <p14:creationId xmlns:p14="http://schemas.microsoft.com/office/powerpoint/2010/main" val="4241673824"/>
+      </p:ext>
+    </p:extLst>
+  </p:cSld>
+  <p:clrMapOvr>
+    <a:masterClrMapping/>
+  </p:clrMapOvr>
+  <p:timing>
+    <p:tnLst>
+      <p:par>
+        <p:cTn id="1" dur="indefinite" restart="never" nodeType="tmRoot"/>
+      </p:par>
+    </p:tnLst>
+  </p:timing>
+</p:sld>
+</file>
+
+<file path=ppt/slides/slide30.xml><?xml version="1.0" encoding="utf-8"?>
+<p:sld xmlns:a="http://schemas.openxmlformats.org/drawingml/2006/main" xmlns:r="http://schemas.openxmlformats.org/officeDocument/2006/relationships" xmlns:p="http://schemas.openxmlformats.org/presentationml/2006/main">
+  <p:cSld>
+    <p:spTree>
+      <p:nvGrpSpPr>
+        <p:cNvPr id="1" name=""/>
+        <p:cNvGrpSpPr/>
+        <p:nvPr/>
+      </p:nvGrpSpPr>
+      <p:grpSpPr>
+        <a:xfrm>
+          <a:off x="0" y="0"/>
+          <a:ext cx="0" cy="0"/>
+          <a:chOff x="0" y="0"/>
+          <a:chExt cx="0" cy="0"/>
+        </a:xfrm>
+      </p:grpSpPr>
+    </p:spTree>
+    <p:extLst>
+      <p:ext uri="{BB962C8B-B14F-4D97-AF65-F5344CB8AC3E}">
+        <p14:creationId xmlns:p14="http://schemas.microsoft.com/office/powerpoint/2010/main" val="3218686016"/>
       </p:ext>
     </p:extLst>
   </p:cSld>
@@ -18833,6 +21146,13 @@
   <p:clrMapOvr>
     <a:masterClrMapping/>
   </p:clrMapOvr>
+  <p:timing>
+    <p:tnLst>
+      <p:par>
+        <p:cTn id="1" dur="indefinite" restart="never" nodeType="tmRoot"/>
+      </p:par>
+    </p:tnLst>
+  </p:timing>
 </p:sld>
 </file>
 
@@ -18895,6 +21215,13 @@
   <p:clrMapOvr>
     <a:masterClrMapping/>
   </p:clrMapOvr>
+  <p:timing>
+    <p:tnLst>
+      <p:par>
+        <p:cTn id="1" dur="indefinite" restart="never" nodeType="tmRoot"/>
+      </p:par>
+    </p:tnLst>
+  </p:timing>
 </p:sld>
 </file>
 
@@ -19127,6 +21454,13 @@
   <p:clrMapOvr>
     <a:masterClrMapping/>
   </p:clrMapOvr>
+  <p:timing>
+    <p:tnLst>
+      <p:par>
+        <p:cTn id="1" dur="indefinite" restart="never" nodeType="tmRoot"/>
+      </p:par>
+    </p:tnLst>
+  </p:timing>
 </p:sld>
 </file>
 
@@ -19197,6 +21531,13 @@
   <p:clrMapOvr>
     <a:masterClrMapping/>
   </p:clrMapOvr>
+  <p:timing>
+    <p:tnLst>
+      <p:par>
+        <p:cTn id="1" dur="indefinite" restart="never" nodeType="tmRoot"/>
+      </p:par>
+    </p:tnLst>
+  </p:timing>
 </p:sld>
 </file>
 
@@ -19260,29 +21601,29 @@
           <a:lstStyle/>
           <a:p>
             <a:r>
-              <a:rPr lang="ja-JP" altLang="en-US"/>
+              <a:rPr lang="ja-JP" altLang="en-US" dirty="0"/>
               <a:t>インストール手順について</a:t>
             </a:r>
           </a:p>
           <a:p>
             <a:pPr lvl="1"/>
             <a:r>
-              <a:rPr lang="en-US" altLang="ja-JP"/>
+              <a:rPr lang="en-US" altLang="ja-JP" dirty="0"/>
               <a:t>OASE</a:t>
             </a:r>
             <a:r>
-              <a:rPr lang="ja-JP" altLang="en-US"/>
+              <a:rPr lang="ja-JP" altLang="en-US" dirty="0"/>
               <a:t>サーバがオンライン環境の場合、インターネット経由で必要なライブラリのインストールと、</a:t>
             </a:r>
             <a:r>
-              <a:rPr lang="en-US" altLang="ja-JP"/>
+              <a:rPr lang="en-US" altLang="ja-JP" dirty="0"/>
               <a:t>OASE</a:t>
             </a:r>
             <a:r>
-              <a:rPr lang="ja-JP" altLang="en-US"/>
+              <a:rPr lang="ja-JP" altLang="en-US" dirty="0"/>
               <a:t>インストーラーを実行して環境構築を行います。</a:t>
             </a:r>
-            <a:endParaRPr kumimoji="1" lang="ja-JP" altLang="en-US"/>
+            <a:endParaRPr kumimoji="1" lang="ja-JP" altLang="en-US" dirty="0"/>
           </a:p>
         </p:txBody>
       </p:sp>
@@ -19295,9 +21636,9 @@
         <p:grpSpPr>
           <a:xfrm>
             <a:off x="2195670" y="2276840"/>
-            <a:ext cx="4261332" cy="4137450"/>
+            <a:ext cx="4261332" cy="3808311"/>
             <a:chOff x="0" y="0"/>
-            <a:chExt cx="3052859" cy="2569467"/>
+            <a:chExt cx="3052859" cy="2365063"/>
           </a:xfrm>
         </p:grpSpPr>
         <p:sp>
@@ -19309,7 +21650,7 @@
           <p:spPr>
             <a:xfrm>
               <a:off x="0" y="166977"/>
-              <a:ext cx="3052859" cy="2123737"/>
+              <a:ext cx="3052859" cy="1840868"/>
             </a:xfrm>
             <a:prstGeom prst="rect">
               <a:avLst/>
@@ -19439,7 +21780,7 @@
           </p:nvSpPr>
           <p:spPr>
             <a:xfrm>
-              <a:off x="1218732" y="2314870"/>
+              <a:off x="1292507" y="2110466"/>
               <a:ext cx="856521" cy="254597"/>
             </a:xfrm>
             <a:prstGeom prst="rect">
@@ -19739,9 +22080,9 @@
           <p:grpSpPr>
             <a:xfrm>
               <a:off x="135172" y="318052"/>
-              <a:ext cx="1585595" cy="1437033"/>
+              <a:ext cx="1585595" cy="1088892"/>
               <a:chOff x="0" y="0"/>
-              <a:chExt cx="1585595" cy="1437033"/>
+              <a:chExt cx="1585595" cy="1088892"/>
             </a:xfrm>
           </p:grpSpPr>
           <p:sp>
@@ -19752,7 +22093,7 @@
             </p:nvSpPr>
             <p:spPr>
               <a:xfrm>
-                <a:off x="0" y="1113183"/>
+                <a:off x="0" y="765042"/>
                 <a:ext cx="1585595" cy="323850"/>
               </a:xfrm>
               <a:prstGeom prst="rect">
@@ -19780,7 +22121,7 @@
                   <a:defRPr/>
                 </a:pPr>
                 <a:r>
-                  <a:rPr kumimoji="0" lang="en-US" altLang="ja-JP" sz="1050" kern="100" err="1">
+                  <a:rPr kumimoji="0" lang="en-US" altLang="ja-JP" sz="1050" kern="100" dirty="0" err="1">
                     <a:latin typeface="Century"/>
                     <a:ea typeface="ＭＳ 明朝" panose="02020609040205080304" pitchFamily="17" charset="-128"/>
                     <a:cs typeface="Times New Roman" panose="02020603050405020304" pitchFamily="18" charset="0"/>
@@ -19788,7 +22129,7 @@
                   <a:t>RabbitMQ</a:t>
                 </a:r>
                 <a:r>
-                  <a:rPr kumimoji="0" lang="en-US" altLang="ja-JP" sz="1050" kern="100">
+                  <a:rPr kumimoji="0" lang="en-US" altLang="ja-JP" sz="1050" kern="100" dirty="0">
                     <a:latin typeface="Century"/>
                     <a:ea typeface="ＭＳ 明朝" panose="02020609040205080304" pitchFamily="17" charset="-128"/>
                     <a:cs typeface="Times New Roman" panose="02020603050405020304" pitchFamily="18" charset="0"/>
@@ -19796,7 +22137,7 @@
                   <a:t> Server</a:t>
                 </a:r>
                 <a:r>
-                  <a:rPr kumimoji="0" lang="ja-JP" altLang="en-US" sz="1050" kern="100" err="1">
+                  <a:rPr kumimoji="0" lang="ja-JP" altLang="en-US" sz="1050" kern="100" dirty="0" err="1" smtClean="0">
                     <a:latin typeface="Century"/>
                     <a:ea typeface="ＭＳ 明朝" panose="02020609040205080304" pitchFamily="17" charset="-128"/>
                     <a:cs typeface="Times New Roman" panose="02020603050405020304" pitchFamily="18" charset="0"/>
@@ -19804,15 +22145,31 @@
                   <a:t>、</a:t>
                 </a:r>
                 <a:r>
-                  <a:rPr kumimoji="0" lang="en-US" altLang="ja-JP" sz="1050" kern="100">
+                  <a:rPr kumimoji="0" lang="en-US" altLang="ja-JP" sz="1050" kern="100" dirty="0" err="1" smtClean="0">
                     <a:latin typeface="Century"/>
                     <a:ea typeface="ＭＳ 明朝" panose="02020609040205080304" pitchFamily="17" charset="-128"/>
                     <a:cs typeface="Times New Roman" panose="02020603050405020304" pitchFamily="18" charset="0"/>
                   </a:rPr>
-                  <a:t>MySQL Server</a:t>
+                  <a:t>MariaDB</a:t>
                 </a:r>
                 <a:r>
-                  <a:rPr kumimoji="0" lang="ja-JP" altLang="en-US" sz="1050" kern="100" err="1">
+                  <a:rPr kumimoji="0" lang="en-US" altLang="ja-JP" sz="1050" kern="100" dirty="0" smtClean="0">
+                    <a:latin typeface="Century"/>
+                    <a:ea typeface="ＭＳ 明朝" panose="02020609040205080304" pitchFamily="17" charset="-128"/>
+                    <a:cs typeface="Times New Roman" panose="02020603050405020304" pitchFamily="18" charset="0"/>
+                  </a:rPr>
+                  <a:t> </a:t>
+                </a:r>
+                <a:r>
+                  <a:rPr kumimoji="0" lang="en-US" altLang="ja-JP" sz="1050" kern="100" dirty="0">
+                    <a:latin typeface="Century"/>
+                    <a:ea typeface="ＭＳ 明朝" panose="02020609040205080304" pitchFamily="17" charset="-128"/>
+                    <a:cs typeface="Times New Roman" panose="02020603050405020304" pitchFamily="18" charset="0"/>
+                  </a:rPr>
+                  <a:t>Server</a:t>
+                </a:r>
+                <a:r>
+                  <a:rPr kumimoji="0" lang="ja-JP" altLang="en-US" sz="1050" kern="100" dirty="0" err="1" smtClean="0">
                     <a:latin typeface="Century"/>
                     <a:ea typeface="ＭＳ 明朝" panose="02020609040205080304" pitchFamily="17" charset="-128"/>
                     <a:cs typeface="Times New Roman" panose="02020603050405020304" pitchFamily="18" charset="0"/>
@@ -19820,86 +22177,18 @@
                   <a:t>、</a:t>
                 </a:r>
                 <a:r>
-                  <a:rPr kumimoji="0" lang="en-US" altLang="ja-JP" sz="1050" kern="100">
+                  <a:rPr kumimoji="0" lang="en-US" altLang="ja-JP" sz="1050" kern="100" dirty="0" smtClean="0">
                     <a:latin typeface="Century"/>
                     <a:ea typeface="ＭＳ 明朝" panose="02020609040205080304" pitchFamily="17" charset="-128"/>
                     <a:cs typeface="Times New Roman" panose="02020603050405020304" pitchFamily="18" charset="0"/>
                   </a:rPr>
-                  <a:t>Nginx</a:t>
+                  <a:t>Apache</a:t>
                 </a:r>
-                <a:endParaRPr kumimoji="0" lang="ja-JP" altLang="en-US" sz="1050" kern="100">
+                <a:endParaRPr kumimoji="0" lang="ja-JP" altLang="en-US" sz="1050" kern="100" dirty="0">
                   <a:latin typeface="Century"/>
                   <a:ea typeface="ＭＳ 明朝" panose="02020609040205080304" pitchFamily="17" charset="-128"/>
                   <a:cs typeface="Times New Roman" panose="02020603050405020304" pitchFamily="18" charset="0"/>
                 </a:endParaRPr>
-              </a:p>
-            </p:txBody>
-          </p:sp>
-          <p:sp>
-            <p:nvSpPr>
-              <p:cNvPr id="23" name="正方形/長方形 22"/>
-              <p:cNvSpPr/>
-              <p:nvPr/>
-            </p:nvSpPr>
-            <p:spPr>
-              <a:xfrm>
-                <a:off x="0" y="731520"/>
-                <a:ext cx="1585595" cy="323850"/>
-              </a:xfrm>
-              <a:prstGeom prst="rect">
-                <a:avLst/>
-              </a:prstGeom>
-              <a:noFill/>
-              <a:ln w="12700" cap="flat" cmpd="sng" algn="ctr">
-                <a:solidFill>
-                  <a:srgbClr val="002060"/>
-                </a:solidFill>
-                <a:prstDash val="solid"/>
-              </a:ln>
-              <a:effectLst/>
-            </p:spPr>
-            <p:txBody>
-              <a:bodyPr rot="0" spcFirstLastPara="0" vert="horz" wrap="square" lIns="91440" tIns="45720" rIns="91440" bIns="45720" numCol="1" spcCol="0" rtlCol="0" fromWordArt="0" anchor="ctr" anchorCtr="0" forceAA="0" compatLnSpc="1">
-                <a:prstTxWarp prst="textNoShape">
-                  <a:avLst/>
-                </a:prstTxWarp>
-                <a:noAutofit/>
-              </a:bodyPr>
-              <a:lstStyle/>
-              <a:p>
-                <a:pPr marL="0" marR="0" lvl="0" indent="0" algn="ctr" defTabSz="914400" eaLnBrk="1" fontAlgn="auto" latinLnBrk="0" hangingPunct="1">
-                  <a:lnSpc>
-                    <a:spcPct val="100000"/>
-                  </a:lnSpc>
-                  <a:spcBef>
-                    <a:spcPts val="0"/>
-                  </a:spcBef>
-                  <a:spcAft>
-                    <a:spcPts val="0"/>
-                  </a:spcAft>
-                  <a:buClrTx/>
-                  <a:buSzTx/>
-                  <a:buFontTx/>
-                  <a:buNone/>
-                  <a:tabLst/>
-                  <a:defRPr/>
-                </a:pPr>
-                <a:r>
-                  <a:rPr kumimoji="0" lang="en-US" altLang="ja-JP" sz="1050" kern="100" err="1">
-                    <a:latin typeface="Century"/>
-                    <a:ea typeface="ＭＳ 明朝" panose="02020609040205080304" pitchFamily="17" charset="-128"/>
-                    <a:cs typeface="Times New Roman" panose="02020603050405020304" pitchFamily="18" charset="0"/>
-                  </a:rPr>
-                  <a:t>memcached</a:t>
-                </a:r>
-                <a:r>
-                  <a:rPr kumimoji="0" lang="en-US" altLang="ja-JP" sz="1050" kern="100">
-                    <a:latin typeface="Century"/>
-                    <a:ea typeface="ＭＳ 明朝" panose="02020609040205080304" pitchFamily="17" charset="-128"/>
-                    <a:cs typeface="Times New Roman" panose="02020603050405020304" pitchFamily="18" charset="0"/>
-                  </a:rPr>
-                  <a:t>, </a:t>
-                </a:r>
               </a:p>
             </p:txBody>
           </p:sp>
@@ -20017,12 +22306,18 @@
                   <a:t>、</a:t>
                 </a:r>
                 <a:r>
-                  <a:rPr kumimoji="0" lang="en-US" altLang="ja-JP" sz="1050" kern="100" dirty="0" err="1" smtClean="0">
+                  <a:rPr kumimoji="0" lang="en-US" altLang="ja-JP" sz="1050" b="0" i="0" u="none" strike="noStrike" kern="100" cap="none" spc="0" normalizeH="0" baseline="0" noProof="0" dirty="0" err="1" smtClean="0">
+                    <a:ln>
+                      <a:noFill/>
+                    </a:ln>
+                    <a:effectLst/>
+                    <a:uLnTx/>
+                    <a:uFillTx/>
                     <a:latin typeface="Century"/>
                     <a:ea typeface="ＭＳ 明朝" panose="02020609040205080304" pitchFamily="17" charset="-128"/>
                     <a:cs typeface="Times New Roman" panose="02020603050405020304" pitchFamily="18" charset="0"/>
                   </a:rPr>
-                  <a:t>Wildfly</a:t>
+                  <a:t>JBoss</a:t>
                 </a:r>
                 <a:r>
                   <a:rPr kumimoji="0" lang="ja-JP" altLang="en-US" sz="1050" b="0" i="0" u="none" strike="noStrike" kern="100" cap="none" spc="0" normalizeH="0" noProof="0" dirty="0" err="1" smtClean="0">
@@ -20237,7 +22532,7 @@
           <p:spPr>
             <a:xfrm>
               <a:off x="1796995" y="644055"/>
-              <a:ext cx="198782" cy="1525779"/>
+              <a:ext cx="198782" cy="1162171"/>
             </a:xfrm>
             <a:prstGeom prst="rightBrace">
               <a:avLst>
@@ -20430,7 +22725,7 @@
         </p:nvSpPr>
         <p:spPr>
           <a:xfrm>
-            <a:off x="2384350" y="5249312"/>
+            <a:off x="2384350" y="4663817"/>
             <a:ext cx="2213252" cy="521475"/>
           </a:xfrm>
           <a:prstGeom prst="rect">
@@ -20463,7 +22758,7 @@
                 <a:ea typeface="ＭＳ 明朝" panose="02020609040205080304" pitchFamily="17" charset="-128"/>
                 <a:cs typeface="Times New Roman" panose="02020603050405020304" pitchFamily="18" charset="0"/>
               </a:rPr>
-              <a:t>Drools</a:t>
+              <a:t>RHDM</a:t>
             </a:r>
             <a:r>
               <a:rPr kumimoji="0" lang="ja-JP" altLang="en-US" sz="1050" kern="100" dirty="0" err="1" smtClean="0">
@@ -20507,6 +22802,13 @@
   <p:clrMapOvr>
     <a:masterClrMapping/>
   </p:clrMapOvr>
+  <p:timing>
+    <p:tnLst>
+      <p:par>
+        <p:cTn id="1" dur="indefinite" restart="never" nodeType="tmRoot"/>
+      </p:par>
+    </p:tnLst>
+  </p:timing>
 </p:sld>
 </file>
 
@@ -20543,22 +22845,18 @@
           <a:lstStyle/>
           <a:p>
             <a:r>
-              <a:rPr lang="en-US" altLang="ja-JP"/>
+              <a:rPr lang="en-US" altLang="ja-JP" dirty="0"/>
               <a:t>3.2</a:t>
             </a:r>
             <a:r>
-              <a:rPr lang="ja-JP" altLang="en-US"/>
-              <a:t>　事前準備（</a:t>
-            </a:r>
-            <a:r>
-              <a:rPr lang="en-US" altLang="ja-JP"/>
-              <a:t>1/2</a:t>
-            </a:r>
-            <a:r>
-              <a:rPr lang="ja-JP" altLang="en-US"/>
-              <a:t>）</a:t>
-            </a:r>
-            <a:endParaRPr kumimoji="1" lang="ja-JP" altLang="en-US"/>
+              <a:rPr lang="ja-JP" altLang="en-US" dirty="0"/>
+              <a:t>　事前</a:t>
+            </a:r>
+            <a:r>
+              <a:rPr lang="ja-JP" altLang="en-US" dirty="0" smtClean="0"/>
+              <a:t>準備</a:t>
+            </a:r>
+            <a:endParaRPr kumimoji="1" lang="ja-JP" altLang="en-US" dirty="0"/>
           </a:p>
         </p:txBody>
       </p:sp>
@@ -20610,7 +22908,7 @@
           <p:nvPr>
             <p:extLst>
               <p:ext uri="{D42A27DB-BD31-4B8C-83A1-F6EECF244321}">
-                <p14:modId xmlns:p14="http://schemas.microsoft.com/office/powerpoint/2010/main" val="3312347010"/>
+                <p14:modId xmlns:p14="http://schemas.microsoft.com/office/powerpoint/2010/main" val="3574712249"/>
               </p:ext>
             </p:extLst>
           </p:nvPr>
@@ -20785,13 +23083,13 @@
                         </a:spcAft>
                       </a:pPr>
                       <a:r>
-                        <a:rPr lang="en-US" altLang="ja-JP" sz="1050" kern="100" dirty="0">
+                        <a:rPr lang="en-US" altLang="ja-JP" sz="1050" kern="100" dirty="0" smtClean="0">
                           <a:effectLst/>
                           <a:latin typeface="+mn-lt"/>
                           <a:ea typeface="ＭＳ 明朝" panose="02020609040205080304" pitchFamily="17" charset="-128"/>
                           <a:cs typeface="Times New Roman" panose="02020603050405020304" pitchFamily="18" charset="0"/>
                         </a:rPr>
-                        <a:t>oase_online_installer.sh</a:t>
+                        <a:t>oase_installer.sh</a:t>
                       </a:r>
                       <a:endParaRPr lang="ja-JP" sz="1050" kern="100" dirty="0">
                         <a:effectLst/>
@@ -21032,6 +23330,13 @@
   <p:clrMapOvr>
     <a:masterClrMapping/>
   </p:clrMapOvr>
+  <p:timing>
+    <p:tnLst>
+      <p:par>
+        <p:cTn id="1" dur="indefinite" restart="never" nodeType="tmRoot"/>
+      </p:par>
+    </p:tnLst>
+  </p:timing>
 </p:sld>
 </file>
 

--- a/asset/Learn_ja/OASE-online-install_ja.pptx
+++ b/asset/Learn_ja/OASE-online-install_ja.pptx
@@ -6,10 +6,10 @@
     <p:sldMasterId id="2147483703" r:id="rId2"/>
   </p:sldMasterIdLst>
   <p:notesMasterIdLst>
-    <p:notesMasterId r:id="rId33"/>
+    <p:notesMasterId r:id="rId30"/>
   </p:notesMasterIdLst>
   <p:handoutMasterIdLst>
-    <p:handoutMasterId r:id="rId34"/>
+    <p:handoutMasterId r:id="rId31"/>
   </p:handoutMasterIdLst>
   <p:sldIdLst>
     <p:sldId id="262" r:id="rId3"/>
@@ -35,13 +35,10 @@
     <p:sldId id="522" r:id="rId23"/>
     <p:sldId id="524" r:id="rId24"/>
     <p:sldId id="539" r:id="rId25"/>
-    <p:sldId id="526" r:id="rId26"/>
-    <p:sldId id="525" r:id="rId27"/>
-    <p:sldId id="528" r:id="rId28"/>
-    <p:sldId id="529" r:id="rId29"/>
-    <p:sldId id="527" r:id="rId30"/>
-    <p:sldId id="540" r:id="rId31"/>
-    <p:sldId id="318" r:id="rId32"/>
+    <p:sldId id="528" r:id="rId26"/>
+    <p:sldId id="529" r:id="rId27"/>
+    <p:sldId id="525" r:id="rId28"/>
+    <p:sldId id="318" r:id="rId29"/>
   </p:sldIdLst>
   <p:sldSz cx="9144000" cy="6858000" type="screen4x3"/>
   <p:notesSz cx="6807200" cy="9939338"/>
@@ -189,12 +186,9 @@
           <p14:sldIdLst>
             <p14:sldId id="524"/>
             <p14:sldId id="539"/>
-            <p14:sldId id="526"/>
-            <p14:sldId id="525"/>
             <p14:sldId id="528"/>
             <p14:sldId id="529"/>
-            <p14:sldId id="527"/>
-            <p14:sldId id="540"/>
+            <p14:sldId id="525"/>
             <p14:sldId id="318"/>
           </p14:sldIdLst>
         </p14:section>
@@ -344,7 +338,7 @@
               <a:rPr kumimoji="1" lang="ja-JP" altLang="en-US" smtClean="0">
                 <a:ea typeface="メイリオ" panose="020B0604030504040204" pitchFamily="50" charset="-128"/>
               </a:rPr>
-              <a:t>2021/3/1</a:t>
+              <a:t>2021/7/2</a:t>
             </a:fld>
             <a:endParaRPr kumimoji="1" lang="ja-JP" altLang="en-US">
               <a:ea typeface="メイリオ" panose="020B0604030504040204" pitchFamily="50" charset="-128"/>
@@ -490,7 +484,7 @@
             <a:fld id="{4B26993D-C081-44EB-B0F5-A9F467792B62}" type="datetimeFigureOut">
               <a:rPr lang="ja-JP" altLang="en-US" smtClean="0"/>
               <a:pPr/>
-              <a:t>2021/3/1</a:t>
+              <a:t>2021/7/2</a:t>
             </a:fld>
             <a:endParaRPr lang="ja-JP" altLang="en-US"/>
           </a:p>
@@ -1179,7 +1173,7 @@
           <a:p>
             <a:fld id="{56F9016B-CCA6-43BE-8BEE-59565A35F4F7}" type="datetimeFigureOut">
               <a:rPr kumimoji="1" lang="ja-JP" altLang="en-US" smtClean="0"/>
-              <a:t>2021/3/1</a:t>
+              <a:t>2021/7/2</a:t>
             </a:fld>
             <a:endParaRPr kumimoji="1" lang="ja-JP" altLang="en-US"/>
           </a:p>
@@ -1379,7 +1373,7 @@
           <a:p>
             <a:fld id="{56F9016B-CCA6-43BE-8BEE-59565A35F4F7}" type="datetimeFigureOut">
               <a:rPr kumimoji="1" lang="ja-JP" altLang="en-US" smtClean="0"/>
-              <a:t>2021/3/1</a:t>
+              <a:t>2021/7/2</a:t>
             </a:fld>
             <a:endParaRPr kumimoji="1" lang="ja-JP" altLang="en-US"/>
           </a:p>
@@ -1624,7 +1618,7 @@
           <a:p>
             <a:fld id="{56F9016B-CCA6-43BE-8BEE-59565A35F4F7}" type="datetimeFigureOut">
               <a:rPr kumimoji="1" lang="ja-JP" altLang="en-US" smtClean="0"/>
-              <a:t>2021/3/1</a:t>
+              <a:t>2021/7/2</a:t>
             </a:fld>
             <a:endParaRPr kumimoji="1" lang="ja-JP" altLang="en-US"/>
           </a:p>
@@ -1917,7 +1911,7 @@
           <a:p>
             <a:fld id="{56F9016B-CCA6-43BE-8BEE-59565A35F4F7}" type="datetimeFigureOut">
               <a:rPr kumimoji="1" lang="ja-JP" altLang="en-US" smtClean="0"/>
-              <a:t>2021/3/1</a:t>
+              <a:t>2021/7/2</a:t>
             </a:fld>
             <a:endParaRPr kumimoji="1" lang="ja-JP" altLang="en-US"/>
           </a:p>
@@ -2345,7 +2339,7 @@
           <a:p>
             <a:fld id="{56F9016B-CCA6-43BE-8BEE-59565A35F4F7}" type="datetimeFigureOut">
               <a:rPr kumimoji="1" lang="ja-JP" altLang="en-US" smtClean="0"/>
-              <a:t>2021/3/1</a:t>
+              <a:t>2021/7/2</a:t>
             </a:fld>
             <a:endParaRPr kumimoji="1" lang="ja-JP" altLang="en-US"/>
           </a:p>
@@ -2462,7 +2456,7 @@
           <a:p>
             <a:fld id="{56F9016B-CCA6-43BE-8BEE-59565A35F4F7}" type="datetimeFigureOut">
               <a:rPr kumimoji="1" lang="ja-JP" altLang="en-US" smtClean="0"/>
-              <a:t>2021/3/1</a:t>
+              <a:t>2021/7/2</a:t>
             </a:fld>
             <a:endParaRPr kumimoji="1" lang="ja-JP" altLang="en-US"/>
           </a:p>
@@ -2557,7 +2551,7 @@
           <a:p>
             <a:fld id="{56F9016B-CCA6-43BE-8BEE-59565A35F4F7}" type="datetimeFigureOut">
               <a:rPr kumimoji="1" lang="ja-JP" altLang="en-US" smtClean="0"/>
-              <a:t>2021/3/1</a:t>
+              <a:t>2021/7/2</a:t>
             </a:fld>
             <a:endParaRPr kumimoji="1" lang="ja-JP" altLang="en-US"/>
           </a:p>
@@ -2864,7 +2858,7 @@
           <a:p>
             <a:fld id="{56F9016B-CCA6-43BE-8BEE-59565A35F4F7}" type="datetimeFigureOut">
               <a:rPr kumimoji="1" lang="ja-JP" altLang="en-US" smtClean="0"/>
-              <a:t>2021/3/1</a:t>
+              <a:t>2021/7/2</a:t>
             </a:fld>
             <a:endParaRPr kumimoji="1" lang="ja-JP" altLang="en-US"/>
           </a:p>
@@ -3116,7 +3110,7 @@
           <a:p>
             <a:fld id="{56F9016B-CCA6-43BE-8BEE-59565A35F4F7}" type="datetimeFigureOut">
               <a:rPr kumimoji="1" lang="ja-JP" altLang="en-US" smtClean="0"/>
-              <a:t>2021/3/1</a:t>
+              <a:t>2021/7/2</a:t>
             </a:fld>
             <a:endParaRPr kumimoji="1" lang="ja-JP" altLang="en-US"/>
           </a:p>
@@ -3383,7 +3377,7 @@
           <a:p>
             <a:fld id="{56F9016B-CCA6-43BE-8BEE-59565A35F4F7}" type="datetimeFigureOut">
               <a:rPr kumimoji="1" lang="ja-JP" altLang="en-US" smtClean="0"/>
-              <a:t>2021/3/1</a:t>
+              <a:t>2021/7/2</a:t>
             </a:fld>
             <a:endParaRPr kumimoji="1" lang="ja-JP" altLang="en-US"/>
           </a:p>
@@ -3593,7 +3587,7 @@
           <a:p>
             <a:fld id="{56F9016B-CCA6-43BE-8BEE-59565A35F4F7}" type="datetimeFigureOut">
               <a:rPr kumimoji="1" lang="ja-JP" altLang="en-US" smtClean="0"/>
-              <a:t>2021/3/1</a:t>
+              <a:t>2021/7/2</a:t>
             </a:fld>
             <a:endParaRPr kumimoji="1" lang="ja-JP" altLang="en-US"/>
           </a:p>
@@ -6585,7 +6579,7 @@
           <a:p>
             <a:fld id="{56F9016B-CCA6-43BE-8BEE-59565A35F4F7}" type="datetimeFigureOut">
               <a:rPr kumimoji="1" lang="ja-JP" altLang="en-US" smtClean="0"/>
-              <a:t>2021/3/1</a:t>
+              <a:t>2021/7/2</a:t>
             </a:fld>
             <a:endParaRPr kumimoji="1" lang="ja-JP" altLang="en-US"/>
           </a:p>
@@ -16776,7 +16770,7 @@
               <a:rPr lang="en-US" altLang="zh-TW" sz="1400" dirty="0" smtClean="0">
                 <a:latin typeface="+mn-ea"/>
               </a:rPr>
-              <a:t>1/7</a:t>
+              <a:t>1/4</a:t>
             </a:r>
             <a:r>
               <a:rPr lang="zh-TW" altLang="en-US" sz="1400" dirty="0" smtClean="0">
@@ -16805,7 +16799,7 @@
               <a:rPr lang="en-US" altLang="zh-TW" sz="1400" dirty="0" smtClean="0">
                 <a:latin typeface="+mn-ea"/>
               </a:rPr>
-              <a:t>2/7</a:t>
+              <a:t>2/4</a:t>
             </a:r>
             <a:r>
               <a:rPr lang="zh-TW" altLang="en-US" sz="1400" dirty="0" smtClean="0">
@@ -16834,7 +16828,7 @@
               <a:rPr lang="en-US" altLang="zh-TW" sz="1400" dirty="0" smtClean="0">
                 <a:latin typeface="+mn-ea"/>
               </a:rPr>
-              <a:t>3/7</a:t>
+              <a:t>3/4</a:t>
             </a:r>
             <a:r>
               <a:rPr lang="zh-TW" altLang="en-US" sz="1400" dirty="0" smtClean="0">
@@ -16863,7 +16857,7 @@
               <a:rPr lang="en-US" altLang="zh-TW" sz="1400" dirty="0" smtClean="0">
                 <a:latin typeface="+mn-ea"/>
               </a:rPr>
-              <a:t>4/7</a:t>
+              <a:t>4/4</a:t>
             </a:r>
             <a:r>
               <a:rPr lang="zh-TW" altLang="en-US" sz="1400" dirty="0" smtClean="0">
@@ -16872,123 +16866,6 @@
               <a:t>）</a:t>
             </a:r>
             <a:endParaRPr lang="zh-TW" altLang="en-US" sz="1400" dirty="0">
-              <a:latin typeface="+mn-ea"/>
-            </a:endParaRPr>
-          </a:p>
-          <a:p>
-            <a:r>
-              <a:rPr lang="en-US" altLang="zh-TW" sz="1400" dirty="0">
-                <a:latin typeface="+mn-ea"/>
-              </a:rPr>
-              <a:t>    4.5</a:t>
-            </a:r>
-            <a:r>
-              <a:rPr lang="zh-TW" altLang="en-US" sz="1400" dirty="0">
-                <a:latin typeface="+mn-ea"/>
-              </a:rPr>
-              <a:t>　 動作確認（</a:t>
-            </a:r>
-            <a:r>
-              <a:rPr lang="en-US" altLang="zh-TW" sz="1400" dirty="0" smtClean="0">
-                <a:latin typeface="+mn-ea"/>
-              </a:rPr>
-              <a:t>5/7</a:t>
-            </a:r>
-            <a:r>
-              <a:rPr lang="zh-TW" altLang="en-US" sz="1400" dirty="0" smtClean="0">
-                <a:latin typeface="+mn-ea"/>
-              </a:rPr>
-              <a:t>）</a:t>
-            </a:r>
-            <a:endParaRPr lang="en-US" altLang="zh-TW" sz="1400" dirty="0" smtClean="0">
-              <a:latin typeface="+mn-ea"/>
-            </a:endParaRPr>
-          </a:p>
-          <a:p>
-            <a:r>
-              <a:rPr lang="en-US" altLang="ja-JP" sz="1400" dirty="0" smtClean="0">
-                <a:latin typeface="+mn-ea"/>
-              </a:rPr>
-              <a:t>    </a:t>
-            </a:r>
-            <a:r>
-              <a:rPr lang="en-US" altLang="zh-TW" sz="1400" dirty="0" smtClean="0">
-                <a:latin typeface="+mn-ea"/>
-              </a:rPr>
-              <a:t>4.6</a:t>
-            </a:r>
-            <a:r>
-              <a:rPr lang="zh-TW" altLang="en-US" sz="1400" dirty="0">
-                <a:latin typeface="+mn-ea"/>
-              </a:rPr>
-              <a:t>　 動作確認</a:t>
-            </a:r>
-            <a:r>
-              <a:rPr lang="zh-TW" altLang="en-US" sz="1400" dirty="0" smtClean="0">
-                <a:latin typeface="+mn-ea"/>
-              </a:rPr>
-              <a:t>（</a:t>
-            </a:r>
-            <a:r>
-              <a:rPr lang="en-US" altLang="zh-TW" sz="1400" dirty="0">
-                <a:latin typeface="+mn-ea"/>
-              </a:rPr>
-              <a:t>6</a:t>
-            </a:r>
-            <a:r>
-              <a:rPr lang="en-US" altLang="zh-TW" sz="1400" dirty="0" smtClean="0">
-                <a:latin typeface="+mn-ea"/>
-              </a:rPr>
-              <a:t>/7</a:t>
-            </a:r>
-            <a:r>
-              <a:rPr lang="zh-TW" altLang="en-US" sz="1400" dirty="0" smtClean="0">
-                <a:latin typeface="+mn-ea"/>
-              </a:rPr>
-              <a:t>）</a:t>
-            </a:r>
-            <a:endParaRPr lang="en-US" altLang="zh-TW" sz="1400" dirty="0">
-              <a:latin typeface="+mn-ea"/>
-            </a:endParaRPr>
-          </a:p>
-          <a:p>
-            <a:r>
-              <a:rPr lang="en-US" altLang="ja-JP" sz="1400" dirty="0" smtClean="0">
-                <a:latin typeface="+mn-ea"/>
-              </a:rPr>
-              <a:t>    </a:t>
-            </a:r>
-            <a:r>
-              <a:rPr lang="en-US" altLang="zh-TW" sz="1400" dirty="0" smtClean="0">
-                <a:latin typeface="+mn-ea"/>
-              </a:rPr>
-              <a:t>4.7</a:t>
-            </a:r>
-            <a:r>
-              <a:rPr lang="zh-TW" altLang="en-US" sz="1400" dirty="0">
-                <a:latin typeface="+mn-ea"/>
-              </a:rPr>
-              <a:t>　 動作確認</a:t>
-            </a:r>
-            <a:r>
-              <a:rPr lang="zh-TW" altLang="en-US" sz="1400" dirty="0" smtClean="0">
-                <a:latin typeface="+mn-ea"/>
-              </a:rPr>
-              <a:t>（</a:t>
-            </a:r>
-            <a:r>
-              <a:rPr lang="en-US" altLang="zh-TW" sz="1400" dirty="0" smtClean="0">
-                <a:latin typeface="+mn-ea"/>
-              </a:rPr>
-              <a:t>7/7</a:t>
-            </a:r>
-            <a:r>
-              <a:rPr lang="zh-TW" altLang="en-US" sz="1400" dirty="0">
-                <a:latin typeface="+mn-ea"/>
-              </a:rPr>
-              <a:t>）</a:t>
-            </a:r>
-            <a:endParaRPr lang="en-US" altLang="zh-TW" sz="1400" dirty="0">
               <a:latin typeface="+mn-ea"/>
             </a:endParaRPr>
           </a:p>
@@ -17588,26 +17465,26 @@
           <a:lstStyle/>
           <a:p>
             <a:r>
-              <a:rPr lang="en-US" altLang="ja-JP"/>
+              <a:rPr lang="en-US" altLang="ja-JP" dirty="0"/>
               <a:t>4.1</a:t>
             </a:r>
             <a:r>
-              <a:rPr lang="ja-JP" altLang="en-US"/>
+              <a:rPr lang="ja-JP" altLang="en-US" dirty="0"/>
               <a:t>　動作確認</a:t>
             </a:r>
             <a:r>
-              <a:rPr lang="ja-JP" altLang="en-US" smtClean="0"/>
+              <a:rPr lang="ja-JP" altLang="en-US" dirty="0" smtClean="0"/>
               <a:t>（</a:t>
             </a:r>
             <a:r>
-              <a:rPr lang="en-US" altLang="ja-JP" smtClean="0"/>
-              <a:t>1/7</a:t>
-            </a:r>
-            <a:r>
-              <a:rPr lang="ja-JP" altLang="en-US" smtClean="0"/>
+              <a:rPr lang="en-US" altLang="ja-JP" dirty="0" smtClean="0"/>
+              <a:t>1/4</a:t>
+            </a:r>
+            <a:r>
+              <a:rPr lang="ja-JP" altLang="en-US" dirty="0" smtClean="0"/>
               <a:t>）</a:t>
             </a:r>
-            <a:endParaRPr kumimoji="1" lang="ja-JP" altLang="en-US"/>
+            <a:endParaRPr kumimoji="1" lang="ja-JP" altLang="en-US" dirty="0"/>
           </a:p>
         </p:txBody>
       </p:sp>
@@ -17623,427 +17500,483 @@
         </p:nvSpPr>
         <p:spPr/>
         <p:txBody>
-          <a:bodyPr/>
+          <a:bodyPr>
+            <a:normAutofit fontScale="92500" lnSpcReduction="20000"/>
+          </a:bodyPr>
           <a:lstStyle/>
           <a:p>
             <a:r>
-              <a:rPr lang="ja-JP" altLang="en-US"/>
+              <a:rPr lang="ja-JP" altLang="en-US" dirty="0"/>
               <a:t>メインメニューの表示による確認</a:t>
             </a:r>
           </a:p>
           <a:p>
             <a:pPr lvl="1"/>
             <a:r>
-              <a:rPr lang="ja-JP" altLang="en-US"/>
+              <a:rPr lang="ja-JP" altLang="en-US" dirty="0"/>
               <a:t>インストール処理終了後、自端末の</a:t>
             </a:r>
             <a:r>
-              <a:rPr lang="en-US" altLang="ja-JP"/>
+              <a:rPr lang="en-US" altLang="ja-JP" dirty="0" err="1"/>
               <a:t>WindowsPC</a:t>
             </a:r>
             <a:r>
-              <a:rPr lang="ja-JP" altLang="en-US"/>
+              <a:rPr lang="ja-JP" altLang="en-US" dirty="0"/>
               <a:t>から下記の手順により、</a:t>
             </a:r>
             <a:r>
-              <a:rPr lang="en-US" altLang="ja-JP"/>
+              <a:rPr lang="en-US" altLang="ja-JP" dirty="0"/>
               <a:t>OASE</a:t>
             </a:r>
             <a:r>
-              <a:rPr lang="ja-JP" altLang="en-US"/>
+              <a:rPr lang="ja-JP" altLang="en-US" dirty="0"/>
               <a:t>システムメインメニューにアクセスし、</a:t>
             </a:r>
             <a:r>
-              <a:rPr lang="en-US" altLang="ja-JP"/>
+              <a:rPr lang="en-US" altLang="ja-JP" dirty="0"/>
               <a:t>OASE</a:t>
             </a:r>
             <a:r>
-              <a:rPr lang="ja-JP" altLang="en-US"/>
-              <a:t>本体、各ドライバーが正常に表示されたことを確認してください。</a:t>
-            </a:r>
-            <a:endParaRPr lang="en-US" altLang="ja-JP"/>
+              <a:rPr lang="ja-JP" altLang="en-US" dirty="0"/>
+              <a:t>本体、各ドライバーが正常に表示されたことを確認してください</a:t>
+            </a:r>
+            <a:r>
+              <a:rPr lang="ja-JP" altLang="en-US" dirty="0" smtClean="0"/>
+              <a:t>。</a:t>
+            </a:r>
+            <a:endParaRPr lang="en-US" altLang="ja-JP" dirty="0"/>
+          </a:p>
+          <a:p>
+            <a:pPr lvl="1"/>
+            <a:endParaRPr lang="en-US" altLang="ja-JP" dirty="0"/>
+          </a:p>
+          <a:p>
+            <a:pPr lvl="0"/>
+            <a:r>
+              <a:rPr lang="en-US" altLang="ja-JP" dirty="0"/>
+              <a:t>URL</a:t>
+            </a:r>
+            <a:r>
+              <a:rPr lang="ja-JP" altLang="en-US" dirty="0" smtClean="0"/>
+              <a:t>接続</a:t>
+            </a:r>
+            <a:endParaRPr lang="en-US" altLang="ja-JP" dirty="0"/>
+          </a:p>
+          <a:p>
+            <a:pPr lvl="1"/>
+            <a:r>
+              <a:rPr lang="ja-JP" altLang="en-US" dirty="0"/>
+              <a:t>以下の</a:t>
+            </a:r>
+            <a:r>
+              <a:rPr lang="en-US" altLang="ja-JP" dirty="0"/>
+              <a:t>URL</a:t>
+            </a:r>
+            <a:r>
+              <a:rPr lang="ja-JP" altLang="en-US" dirty="0"/>
+              <a:t>より、ログイン画面にアクセスしてください</a:t>
+            </a:r>
+            <a:r>
+              <a:rPr lang="ja-JP" altLang="en-US" dirty="0" smtClean="0"/>
+              <a:t>。</a:t>
+            </a:r>
+            <a:endParaRPr lang="en-US" altLang="ja-JP" dirty="0" smtClean="0"/>
+          </a:p>
+          <a:p>
+            <a:pPr lvl="1"/>
+            <a:r>
+              <a:rPr lang="en-US" altLang="ja-JP" dirty="0"/>
+              <a:t>URL</a:t>
+            </a:r>
+            <a:r>
+              <a:rPr lang="ja-JP" altLang="ja-JP" dirty="0"/>
+              <a:t>：</a:t>
+            </a:r>
+            <a:r>
+              <a:rPr lang="en-US" altLang="ja-JP" b="1" dirty="0" smtClean="0">
+                <a:solidFill>
+                  <a:srgbClr val="FF0000"/>
+                </a:solidFill>
+              </a:rPr>
+              <a:t>http://</a:t>
+            </a:r>
+            <a:r>
+              <a:rPr lang="ja-JP" altLang="en-US" b="1" dirty="0" smtClean="0">
+                <a:solidFill>
+                  <a:srgbClr val="FF0000"/>
+                </a:solidFill>
+              </a:rPr>
+              <a:t>（サーバの</a:t>
+            </a:r>
+            <a:r>
+              <a:rPr lang="en-US" altLang="ja-JP" b="1" dirty="0" smtClean="0">
+                <a:solidFill>
+                  <a:srgbClr val="FF0000"/>
+                </a:solidFill>
+              </a:rPr>
+              <a:t>IP</a:t>
+            </a:r>
+            <a:r>
+              <a:rPr lang="ja-JP" altLang="en-US" b="1" dirty="0" smtClean="0">
+                <a:solidFill>
+                  <a:srgbClr val="FF0000"/>
+                </a:solidFill>
+              </a:rPr>
+              <a:t>アドレス）</a:t>
+            </a:r>
+            <a:endParaRPr lang="en-US" altLang="ja-JP" b="1" dirty="0" smtClean="0">
+              <a:solidFill>
+                <a:srgbClr val="FF0000"/>
+              </a:solidFill>
+            </a:endParaRPr>
+          </a:p>
+          <a:p>
+            <a:pPr marL="180000" lvl="1" indent="0">
+              <a:buNone/>
+            </a:pPr>
+            <a:endParaRPr lang="en-US" altLang="ja-JP" b="1" dirty="0" smtClean="0">
+              <a:solidFill>
+                <a:srgbClr val="FF0000"/>
+              </a:solidFill>
+            </a:endParaRPr>
+          </a:p>
+          <a:p>
+            <a:pPr marL="180000" lvl="1" indent="0">
+              <a:buNone/>
+            </a:pPr>
+            <a:r>
+              <a:rPr lang="en-US" altLang="ja-JP" b="1" dirty="0" smtClean="0">
+                <a:solidFill>
+                  <a:srgbClr val="FF0000"/>
+                </a:solidFill>
+              </a:rPr>
+              <a:t> </a:t>
+            </a:r>
+            <a:r>
+              <a:rPr lang="en-US" altLang="ja-JP" dirty="0" smtClean="0">
+                <a:solidFill>
+                  <a:srgbClr val="FF0000"/>
+                </a:solidFill>
+              </a:rPr>
+              <a:t>※</a:t>
+            </a:r>
+            <a:r>
+              <a:rPr lang="ja-JP" altLang="en-US" dirty="0" smtClean="0">
+                <a:solidFill>
+                  <a:srgbClr val="FF0000"/>
+                </a:solidFill>
+              </a:rPr>
+              <a:t>インストール後は、</a:t>
+            </a:r>
+            <a:r>
+              <a:rPr lang="en-US" altLang="ja-JP" dirty="0" smtClean="0">
+                <a:solidFill>
+                  <a:srgbClr val="FF0000"/>
+                </a:solidFill>
+              </a:rPr>
+              <a:t>HTTP</a:t>
+            </a:r>
+            <a:r>
+              <a:rPr lang="ja-JP" altLang="en-US" dirty="0" smtClean="0">
+                <a:solidFill>
+                  <a:srgbClr val="FF0000"/>
+                </a:solidFill>
+              </a:rPr>
+              <a:t>と</a:t>
+            </a:r>
+            <a:r>
+              <a:rPr lang="en-US" altLang="ja-JP" dirty="0" smtClean="0">
+                <a:solidFill>
+                  <a:srgbClr val="FF0000"/>
+                </a:solidFill>
+              </a:rPr>
+              <a:t>HTTPS</a:t>
+            </a:r>
+            <a:r>
+              <a:rPr lang="ja-JP" altLang="en-US" dirty="0" smtClean="0">
+                <a:solidFill>
+                  <a:srgbClr val="FF0000"/>
+                </a:solidFill>
+              </a:rPr>
+              <a:t>の両方のアクセスが可能です。</a:t>
+            </a:r>
+            <a:endParaRPr lang="en-US" altLang="ja-JP" dirty="0" smtClean="0">
+              <a:solidFill>
+                <a:srgbClr val="FF0000"/>
+              </a:solidFill>
+            </a:endParaRPr>
+          </a:p>
+          <a:p>
+            <a:pPr marL="180000" lvl="1" indent="0">
+              <a:buNone/>
+            </a:pPr>
+            <a:r>
+              <a:rPr lang="en-US" altLang="ja-JP" dirty="0" smtClean="0">
+                <a:solidFill>
+                  <a:srgbClr val="FF0000"/>
+                </a:solidFill>
+              </a:rPr>
+              <a:t> </a:t>
+            </a:r>
+            <a:r>
+              <a:rPr lang="ja-JP" altLang="en-US" dirty="0" smtClean="0">
+                <a:solidFill>
+                  <a:srgbClr val="FF0000"/>
+                </a:solidFill>
+              </a:rPr>
+              <a:t>　</a:t>
+            </a:r>
+            <a:r>
+              <a:rPr lang="en-US" altLang="ja-JP" dirty="0" smtClean="0">
+                <a:solidFill>
+                  <a:srgbClr val="FF0000"/>
+                </a:solidFill>
+              </a:rPr>
+              <a:t>HTTP</a:t>
+            </a:r>
+            <a:r>
+              <a:rPr lang="ja-JP" altLang="en-US" dirty="0">
+                <a:solidFill>
+                  <a:srgbClr val="FF0000"/>
+                </a:solidFill>
+              </a:rPr>
+              <a:t>はセキュリティ的に脆弱なので、</a:t>
+            </a:r>
+            <a:r>
+              <a:rPr lang="en-US" altLang="ja-JP" dirty="0">
+                <a:solidFill>
+                  <a:srgbClr val="FF0000"/>
+                </a:solidFill>
+              </a:rPr>
+              <a:t>HTTPS</a:t>
+            </a:r>
+            <a:r>
+              <a:rPr lang="ja-JP" altLang="en-US" dirty="0" err="1">
+                <a:solidFill>
+                  <a:srgbClr val="FF0000"/>
+                </a:solidFill>
+              </a:rPr>
+              <a:t>での</a:t>
+            </a:r>
+            <a:r>
+              <a:rPr lang="ja-JP" altLang="en-US" dirty="0">
+                <a:solidFill>
+                  <a:srgbClr val="FF0000"/>
+                </a:solidFill>
+              </a:rPr>
+              <a:t>アクセスを推奨します。</a:t>
+            </a:r>
+            <a:endParaRPr lang="en-US" altLang="ja-JP" dirty="0">
+              <a:solidFill>
+                <a:srgbClr val="FF0000"/>
+              </a:solidFill>
+            </a:endParaRPr>
+          </a:p>
+          <a:p>
+            <a:pPr marL="180000" lvl="1" indent="0">
+              <a:buNone/>
+            </a:pPr>
+            <a:r>
+              <a:rPr lang="en-US" altLang="ja-JP" dirty="0">
+                <a:solidFill>
+                  <a:srgbClr val="FF0000"/>
+                </a:solidFill>
+              </a:rPr>
+              <a:t> </a:t>
+            </a:r>
+            <a:r>
+              <a:rPr lang="ja-JP" altLang="en-US" dirty="0" smtClean="0">
+                <a:solidFill>
+                  <a:srgbClr val="FF0000"/>
+                </a:solidFill>
+              </a:rPr>
+              <a:t>　</a:t>
+            </a:r>
+            <a:r>
+              <a:rPr lang="en-US" altLang="ja-JP" dirty="0" smtClean="0">
+                <a:solidFill>
+                  <a:srgbClr val="FF0000"/>
+                </a:solidFill>
+              </a:rPr>
+              <a:t>HTTPS</a:t>
+            </a:r>
+            <a:r>
+              <a:rPr lang="ja-JP" altLang="en-US" dirty="0" err="1" smtClean="0">
+                <a:solidFill>
+                  <a:srgbClr val="FF0000"/>
+                </a:solidFill>
+              </a:rPr>
+              <a:t>での</a:t>
+            </a:r>
+            <a:r>
+              <a:rPr lang="ja-JP" altLang="en-US" dirty="0">
+                <a:solidFill>
+                  <a:srgbClr val="FF0000"/>
+                </a:solidFill>
+              </a:rPr>
+              <a:t>アクセス方法は、動作確認</a:t>
+            </a:r>
+            <a:r>
+              <a:rPr lang="ja-JP" altLang="en-US" dirty="0" smtClean="0">
+                <a:solidFill>
+                  <a:srgbClr val="FF0000"/>
+                </a:solidFill>
+              </a:rPr>
+              <a:t>（</a:t>
+            </a:r>
+            <a:r>
+              <a:rPr lang="en-US" altLang="ja-JP" dirty="0" smtClean="0">
+                <a:solidFill>
+                  <a:srgbClr val="FF0000"/>
+                </a:solidFill>
+              </a:rPr>
+              <a:t>4/4</a:t>
+            </a:r>
+            <a:r>
+              <a:rPr lang="ja-JP" altLang="en-US" dirty="0" smtClean="0">
+                <a:solidFill>
+                  <a:srgbClr val="FF0000"/>
+                </a:solidFill>
+              </a:rPr>
+              <a:t>）を確認してください。</a:t>
+            </a:r>
+            <a:endParaRPr lang="en-US" altLang="ja-JP" dirty="0" smtClean="0">
+              <a:solidFill>
+                <a:srgbClr val="FF0000"/>
+              </a:solidFill>
+            </a:endParaRPr>
+          </a:p>
+          <a:p>
+            <a:pPr marL="180000" lvl="1" indent="0">
+              <a:buNone/>
+            </a:pPr>
+            <a:endParaRPr lang="en-US" altLang="ja-JP" dirty="0" smtClean="0"/>
+          </a:p>
+          <a:p>
+            <a:pPr lvl="0"/>
+            <a:r>
+              <a:rPr lang="ja-JP" altLang="en-US" dirty="0"/>
+              <a:t>ログイン</a:t>
+            </a:r>
+            <a:endParaRPr lang="en-US" altLang="ja-JP" dirty="0"/>
+          </a:p>
+          <a:p>
+            <a:pPr lvl="1"/>
+            <a:r>
+              <a:rPr lang="en-US" altLang="ja-JP" dirty="0"/>
+              <a:t>OASE</a:t>
+            </a:r>
+            <a:r>
+              <a:rPr lang="ja-JP" altLang="ja-JP" dirty="0"/>
+              <a:t>のログイン画面が表示されたら、指定のログイン</a:t>
+            </a:r>
+            <a:r>
+              <a:rPr lang="en-US" altLang="ja-JP" dirty="0"/>
+              <a:t>ID</a:t>
+            </a:r>
+            <a:r>
+              <a:rPr lang="ja-JP" altLang="ja-JP" dirty="0" err="1"/>
+              <a:t>、</a:t>
+            </a:r>
+            <a:r>
+              <a:rPr lang="ja-JP" altLang="ja-JP" dirty="0"/>
+              <a:t>初期パスワードを入力して、</a:t>
+            </a:r>
+            <a:r>
+              <a:rPr lang="en-US" altLang="ja-JP" dirty="0"/>
+              <a:t>[</a:t>
+            </a:r>
+            <a:r>
+              <a:rPr lang="ja-JP" altLang="ja-JP" dirty="0"/>
+              <a:t>ログイン</a:t>
+            </a:r>
+            <a:r>
+              <a:rPr lang="en-US" altLang="ja-JP" dirty="0"/>
+              <a:t>]</a:t>
+            </a:r>
+            <a:r>
+              <a:rPr lang="ja-JP" altLang="ja-JP" dirty="0"/>
+              <a:t>ボタンをクリックしてください。</a:t>
+            </a:r>
+          </a:p>
+          <a:p>
+            <a:pPr marL="180000" lvl="1" indent="0">
+              <a:buNone/>
+            </a:pPr>
+            <a:r>
+              <a:rPr lang="ja-JP" altLang="ja-JP" dirty="0"/>
+              <a:t>　　・ログイン</a:t>
+            </a:r>
+            <a:r>
+              <a:rPr lang="en-US" altLang="ja-JP" dirty="0"/>
+              <a:t>ID</a:t>
+            </a:r>
+            <a:r>
+              <a:rPr lang="ja-JP" altLang="ja-JP" dirty="0"/>
+              <a:t>　　：</a:t>
+            </a:r>
+            <a:r>
+              <a:rPr lang="ja-JP" altLang="en-US" dirty="0"/>
+              <a:t> </a:t>
+            </a:r>
+            <a:r>
+              <a:rPr lang="en-US" altLang="ja-JP" dirty="0"/>
+              <a:t>administrator</a:t>
+            </a:r>
+            <a:endParaRPr lang="ja-JP" altLang="ja-JP" dirty="0"/>
+          </a:p>
+          <a:p>
+            <a:pPr marL="180000" lvl="1" indent="0">
+              <a:buNone/>
+            </a:pPr>
+            <a:r>
+              <a:rPr lang="ja-JP" altLang="ja-JP" dirty="0"/>
+              <a:t>　　・初期パスワード ： </a:t>
+            </a:r>
+            <a:r>
+              <a:rPr lang="en-US" altLang="ja-JP" dirty="0" err="1"/>
+              <a:t>oaseoaseoase</a:t>
+            </a:r>
+            <a:endParaRPr lang="en-US" altLang="ja-JP" dirty="0"/>
+          </a:p>
+          <a:p>
+            <a:pPr marL="180000" lvl="1" indent="0">
+              <a:buNone/>
+            </a:pPr>
+            <a:endParaRPr lang="ja-JP" altLang="ja-JP" dirty="0"/>
+          </a:p>
+          <a:p>
+            <a:pPr lvl="1"/>
+            <a:r>
+              <a:rPr lang="ja-JP" altLang="ja-JP" dirty="0"/>
+              <a:t>インストール後に初めてログインした場合は、「パスワード変更画面」に遷移します。</a:t>
+            </a:r>
+          </a:p>
+          <a:p>
+            <a:pPr lvl="1"/>
+            <a:r>
+              <a:rPr lang="ja-JP" altLang="ja-JP" dirty="0"/>
+              <a:t>パスワード変更画面から、初期パスワードを変更してください。</a:t>
+            </a:r>
           </a:p>
           <a:p>
             <a:pPr marL="0" indent="0">
               <a:buNone/>
             </a:pPr>
-            <a:endParaRPr lang="en-US" altLang="ja-JP"/>
+            <a:endParaRPr lang="en-US" altLang="ja-JP" dirty="0"/>
           </a:p>
           <a:p>
             <a:pPr marL="0" indent="0">
               <a:buNone/>
             </a:pPr>
-            <a:endParaRPr lang="en-US" altLang="ja-JP"/>
-          </a:p>
-          <a:p>
-            <a:r>
-              <a:rPr lang="en-US" altLang="ja-JP" smtClean="0"/>
-              <a:t>HTTPS</a:t>
-            </a:r>
-            <a:r>
-              <a:rPr lang="ja-JP" altLang="en-US" smtClean="0"/>
-              <a:t>でアクセスするための準備作業</a:t>
-            </a:r>
-          </a:p>
-          <a:p>
-            <a:pPr marL="180000" lvl="1" indent="0">
-              <a:buNone/>
-            </a:pPr>
-            <a:endParaRPr lang="ja-JP" altLang="en-US"/>
+            <a:endParaRPr lang="en-US" altLang="ja-JP" dirty="0" smtClean="0"/>
           </a:p>
           <a:p>
             <a:pPr lvl="1"/>
-            <a:r>
-              <a:rPr lang="ja-JP" altLang="en-US" smtClean="0"/>
-              <a:t>操作</a:t>
-            </a:r>
-            <a:r>
-              <a:rPr lang="ja-JP" altLang="en-US"/>
-              <a:t>端末（</a:t>
-            </a:r>
-            <a:r>
-              <a:rPr lang="en-US" altLang="ja-JP"/>
-              <a:t>Windows</a:t>
-            </a:r>
-            <a:r>
-              <a:rPr lang="ja-JP" altLang="en-US"/>
-              <a:t>）の</a:t>
-            </a:r>
-            <a:r>
-              <a:rPr lang="en-US" altLang="ja-JP"/>
-              <a:t>hosts</a:t>
-            </a:r>
-            <a:r>
-              <a:rPr lang="ja-JP" altLang="en-US"/>
-              <a:t>ファイルへ</a:t>
-            </a:r>
-            <a:r>
-              <a:rPr lang="en-US" altLang="ja-JP"/>
-              <a:t>OASE</a:t>
-            </a:r>
-            <a:r>
-              <a:rPr lang="ja-JP" altLang="en-US"/>
-              <a:t>実装サーバの</a:t>
-            </a:r>
-            <a:r>
-              <a:rPr lang="en-US" altLang="ja-JP"/>
-              <a:t>IP</a:t>
-            </a:r>
-            <a:r>
-              <a:rPr lang="ja-JP" altLang="en-US"/>
-              <a:t>アドレスとホスト名を設定してください。</a:t>
-            </a:r>
-            <a:endParaRPr lang="en-US" altLang="ja-JP"/>
-          </a:p>
-          <a:p>
-            <a:pPr lvl="1"/>
-            <a:r>
-              <a:rPr lang="en-US" altLang="ja-JP" smtClean="0"/>
-              <a:t>Windows10</a:t>
-            </a:r>
-            <a:r>
-              <a:rPr lang="ja-JP" altLang="ja-JP" smtClean="0"/>
-              <a:t>の</a:t>
-            </a:r>
-            <a:r>
-              <a:rPr lang="ja-JP" altLang="ja-JP"/>
-              <a:t>場合、以下の</a:t>
-            </a:r>
-            <a:r>
-              <a:rPr lang="en-US" altLang="ja-JP"/>
-              <a:t>hosts</a:t>
-            </a:r>
-            <a:r>
-              <a:rPr lang="ja-JP" altLang="ja-JP"/>
-              <a:t>ファイルとなります。</a:t>
-            </a:r>
-            <a:endParaRPr lang="en-US" altLang="ja-JP"/>
-          </a:p>
-          <a:p>
-            <a:pPr lvl="1"/>
-            <a:endParaRPr lang="en-US" altLang="ja-JP"/>
-          </a:p>
-          <a:p>
-            <a:pPr lvl="1"/>
-            <a:endParaRPr lang="en-US" altLang="ja-JP"/>
-          </a:p>
-          <a:p>
-            <a:pPr lvl="1"/>
-            <a:r>
-              <a:rPr lang="en-US" altLang="ja-JP"/>
-              <a:t>hosts</a:t>
-            </a:r>
-            <a:r>
-              <a:rPr lang="ja-JP" altLang="ja-JP"/>
-              <a:t>ファイルに以下の設定を追加してください。</a:t>
-            </a:r>
-            <a:endParaRPr lang="ja-JP" altLang="en-US"/>
-          </a:p>
-          <a:p>
-            <a:pPr lvl="1"/>
-            <a:endParaRPr kumimoji="1" lang="ja-JP" altLang="en-US"/>
+            <a:endParaRPr kumimoji="1" lang="ja-JP" altLang="en-US" dirty="0"/>
           </a:p>
         </p:txBody>
       </p:sp>
-      <p:graphicFrame>
-        <p:nvGraphicFramePr>
-          <p:cNvPr id="4" name="表 3"/>
-          <p:cNvGraphicFramePr>
-            <a:graphicFrameLocks noGrp="1"/>
-          </p:cNvGraphicFramePr>
-          <p:nvPr>
-            <p:extLst>
-              <p:ext uri="{D42A27DB-BD31-4B8C-83A1-F6EECF244321}">
-                <p14:modId xmlns:p14="http://schemas.microsoft.com/office/powerpoint/2010/main" val="3645004171"/>
-              </p:ext>
-            </p:extLst>
-          </p:nvPr>
-        </p:nvGraphicFramePr>
-        <p:xfrm>
-          <a:off x="1828630" y="4365130"/>
-          <a:ext cx="5485765" cy="316230"/>
-        </p:xfrm>
-        <a:graphic>
-          <a:graphicData uri="http://schemas.openxmlformats.org/drawingml/2006/table">
-            <a:tbl>
-              <a:tblPr firstRow="1" firstCol="1" bandRow="1">
-                <a:tableStyleId>{5C22544A-7EE6-4342-B048-85BDC9FD1C3A}</a:tableStyleId>
-              </a:tblPr>
-              <a:tblGrid>
-                <a:gridCol w="5485765">
-                  <a:extLst>
-                    <a:ext uri="{9D8B030D-6E8A-4147-A177-3AD203B41FA5}">
-                      <a16:colId xmlns:a16="http://schemas.microsoft.com/office/drawing/2014/main" val="20000"/>
-                    </a:ext>
-                  </a:extLst>
-                </a:gridCol>
-              </a:tblGrid>
-              <a:tr h="316230">
-                <a:tc>
-                  <a:txBody>
-                    <a:bodyPr/>
-                    <a:lstStyle/>
-                    <a:p>
-                      <a:pPr algn="just">
-                        <a:spcAft>
-                          <a:spcPts val="0"/>
-                        </a:spcAft>
-                      </a:pPr>
-                      <a:r>
-                        <a:rPr lang="en-US" sz="1050" kern="100">
-                          <a:effectLst/>
-                        </a:rPr>
-                        <a:t>C:\Windows\System32\drivers\etc\hosts</a:t>
-                      </a:r>
-                      <a:endParaRPr lang="ja-JP" sz="1050" kern="100">
-                        <a:effectLst/>
-                        <a:latin typeface="Century" panose="02040604050505020304" pitchFamily="18" charset="0"/>
-                        <a:ea typeface="ＭＳ 明朝" panose="02020609040205080304" pitchFamily="17" charset="-128"/>
-                        <a:cs typeface="Times New Roman" panose="02020603050405020304" pitchFamily="18" charset="0"/>
-                      </a:endParaRPr>
-                    </a:p>
-                  </a:txBody>
-                  <a:tcPr marL="68580" marR="68580" marT="0" marB="0" anchor="ctr">
-                    <a:solidFill>
-                      <a:srgbClr val="002B62"/>
-                    </a:solidFill>
-                  </a:tcPr>
-                </a:tc>
-                <a:extLst>
-                  <a:ext uri="{0D108BD9-81ED-4DB2-BD59-A6C34878D82A}">
-                    <a16:rowId xmlns:a16="http://schemas.microsoft.com/office/drawing/2014/main" val="10000"/>
-                  </a:ext>
-                </a:extLst>
-              </a:tr>
-            </a:tbl>
-          </a:graphicData>
-        </a:graphic>
-      </p:graphicFrame>
-      <p:graphicFrame>
-        <p:nvGraphicFramePr>
-          <p:cNvPr id="5" name="表 4"/>
-          <p:cNvGraphicFramePr>
-            <a:graphicFrameLocks noGrp="1"/>
-          </p:cNvGraphicFramePr>
-          <p:nvPr>
-            <p:extLst>
-              <p:ext uri="{D42A27DB-BD31-4B8C-83A1-F6EECF244321}">
-                <p14:modId xmlns:p14="http://schemas.microsoft.com/office/powerpoint/2010/main" val="350487754"/>
-              </p:ext>
-            </p:extLst>
-          </p:nvPr>
-        </p:nvGraphicFramePr>
-        <p:xfrm>
-          <a:off x="1907630" y="5363155"/>
-          <a:ext cx="5485765" cy="936130"/>
-        </p:xfrm>
-        <a:graphic>
-          <a:graphicData uri="http://schemas.openxmlformats.org/drawingml/2006/table">
-            <a:tbl>
-              <a:tblPr firstRow="1" firstCol="1" bandRow="1">
-                <a:tableStyleId>{5C22544A-7EE6-4342-B048-85BDC9FD1C3A}</a:tableStyleId>
-              </a:tblPr>
-              <a:tblGrid>
-                <a:gridCol w="5485765">
-                  <a:extLst>
-                    <a:ext uri="{9D8B030D-6E8A-4147-A177-3AD203B41FA5}">
-                      <a16:colId xmlns:a16="http://schemas.microsoft.com/office/drawing/2014/main" val="20000"/>
-                    </a:ext>
-                  </a:extLst>
-                </a:gridCol>
-              </a:tblGrid>
-              <a:tr h="936130">
-                <a:tc>
-                  <a:txBody>
-                    <a:bodyPr/>
-                    <a:lstStyle/>
-                    <a:p>
-                      <a:pPr algn="l">
-                        <a:spcAft>
-                          <a:spcPts val="0"/>
-                        </a:spcAft>
-                      </a:pPr>
-                      <a:r>
-                        <a:rPr lang="en-US" sz="1050" kern="100">
-                          <a:effectLst/>
-                        </a:rPr>
-                        <a:t>“OASE</a:t>
-                      </a:r>
-                      <a:r>
-                        <a:rPr lang="ja-JP" sz="1050" kern="100">
-                          <a:effectLst/>
-                        </a:rPr>
-                        <a:t>実装サーバの</a:t>
-                      </a:r>
-                      <a:r>
-                        <a:rPr lang="en-US" sz="1050" kern="100">
-                          <a:effectLst/>
-                        </a:rPr>
-                        <a:t>IP</a:t>
-                      </a:r>
-                      <a:r>
-                        <a:rPr lang="ja-JP" sz="1050" kern="100">
-                          <a:effectLst/>
-                        </a:rPr>
-                        <a:t>アドレス</a:t>
-                      </a:r>
-                      <a:r>
-                        <a:rPr lang="en-US" sz="1050" kern="100">
-                          <a:effectLst/>
-                        </a:rPr>
-                        <a:t>”</a:t>
-                      </a:r>
-                      <a:r>
-                        <a:rPr lang="ja-JP" sz="1050" kern="100">
-                          <a:effectLst/>
-                        </a:rPr>
-                        <a:t>　</a:t>
-                      </a:r>
-                      <a:r>
-                        <a:rPr lang="ja-JP" sz="1050" kern="0">
-                          <a:effectLst/>
-                        </a:rPr>
-                        <a:t> </a:t>
-                      </a:r>
-                      <a:r>
-                        <a:rPr lang="en-US" altLang="ja-JP" sz="1050" kern="0" err="1">
-                          <a:effectLst/>
-                        </a:rPr>
-                        <a:t>exastro</a:t>
-                      </a:r>
-                      <a:r>
-                        <a:rPr lang="en-US" sz="1050" kern="0" err="1">
-                          <a:effectLst/>
-                        </a:rPr>
-                        <a:t>-oase</a:t>
-                      </a:r>
-                      <a:r>
-                        <a:rPr lang="en-US" sz="1050" kern="0">
-                          <a:effectLst/>
-                        </a:rPr>
-                        <a:t/>
-                      </a:r>
-                      <a:br>
-                        <a:rPr lang="en-US" sz="1050" kern="0">
-                          <a:effectLst/>
-                        </a:rPr>
-                      </a:br>
-                      <a:r>
-                        <a:rPr lang="en-US" sz="1050" kern="0">
-                          <a:effectLst/>
-                        </a:rPr>
-                        <a:t/>
-                      </a:r>
-                      <a:br>
-                        <a:rPr lang="en-US" sz="1050" kern="0">
-                          <a:effectLst/>
-                        </a:rPr>
-                      </a:br>
-                      <a:r>
-                        <a:rPr lang="ja-JP" sz="1050" kern="0">
-                          <a:effectLst/>
-                        </a:rPr>
-                        <a:t>例</a:t>
-                      </a:r>
-                      <a:r>
-                        <a:rPr lang="ja-JP" altLang="en-US" sz="1050" kern="0">
-                          <a:effectLst/>
-                        </a:rPr>
-                        <a:t>）</a:t>
-                      </a:r>
-                      <a:r>
-                        <a:rPr lang="en-US" sz="1050" kern="0">
-                          <a:effectLst/>
-                        </a:rPr>
-                        <a:t/>
-                      </a:r>
-                      <a:br>
-                        <a:rPr lang="en-US" sz="1050" kern="0">
-                          <a:effectLst/>
-                        </a:rPr>
-                      </a:br>
-                      <a:r>
-                        <a:rPr lang="en-US" sz="1050" kern="0">
-                          <a:effectLst/>
-                        </a:rPr>
-                        <a:t>192.168.0.3 </a:t>
-                      </a:r>
-                      <a:r>
-                        <a:rPr lang="ja-JP" sz="1050" kern="0">
-                          <a:effectLst/>
-                        </a:rPr>
-                        <a:t>　</a:t>
-                      </a:r>
-                      <a:r>
-                        <a:rPr lang="en-US" altLang="ja-JP" sz="1050" kern="0" err="1">
-                          <a:effectLst/>
-                        </a:rPr>
-                        <a:t>exastro-oase</a:t>
-                      </a:r>
-                      <a:endParaRPr lang="ja-JP" sz="1050" kern="100">
-                        <a:effectLst/>
-                        <a:latin typeface="Century" panose="02040604050505020304" pitchFamily="18" charset="0"/>
-                        <a:ea typeface="ＭＳ 明朝" panose="02020609040205080304" pitchFamily="17" charset="-128"/>
-                        <a:cs typeface="Times New Roman" panose="02020603050405020304" pitchFamily="18" charset="0"/>
-                      </a:endParaRPr>
-                    </a:p>
-                  </a:txBody>
-                  <a:tcPr marL="68580" marR="68580" marT="0" marB="0" anchor="ctr">
-                    <a:solidFill>
-                      <a:srgbClr val="002B62"/>
-                    </a:solidFill>
-                  </a:tcPr>
-                </a:tc>
-                <a:extLst>
-                  <a:ext uri="{0D108BD9-81ED-4DB2-BD59-A6C34878D82A}">
-                    <a16:rowId xmlns:a16="http://schemas.microsoft.com/office/drawing/2014/main" val="10000"/>
-                  </a:ext>
-                </a:extLst>
-              </a:tr>
-            </a:tbl>
-          </a:graphicData>
-        </a:graphic>
-      </p:graphicFrame>
     </p:spTree>
     <p:extLst>
       <p:ext uri="{BB962C8B-B14F-4D97-AF65-F5344CB8AC3E}">
@@ -18065,1300 +17998,6 @@
 </file>
 
 <file path=ppt/slides/slide24.xml><?xml version="1.0" encoding="utf-8"?>
-<p:sld xmlns:a="http://schemas.openxmlformats.org/drawingml/2006/main" xmlns:r="http://schemas.openxmlformats.org/officeDocument/2006/relationships" xmlns:p="http://schemas.openxmlformats.org/presentationml/2006/main">
-  <p:cSld>
-    <p:spTree>
-      <p:nvGrpSpPr>
-        <p:cNvPr id="1" name=""/>
-        <p:cNvGrpSpPr/>
-        <p:nvPr/>
-      </p:nvGrpSpPr>
-      <p:grpSpPr>
-        <a:xfrm>
-          <a:off x="0" y="0"/>
-          <a:ext cx="0" cy="0"/>
-          <a:chOff x="0" y="0"/>
-          <a:chExt cx="0" cy="0"/>
-        </a:xfrm>
-      </p:grpSpPr>
-      <p:sp>
-        <p:nvSpPr>
-          <p:cNvPr id="2" name="タイトル 1"/>
-          <p:cNvSpPr>
-            <a:spLocks noGrp="1"/>
-          </p:cNvSpPr>
-          <p:nvPr>
-            <p:ph type="title"/>
-          </p:nvPr>
-        </p:nvSpPr>
-        <p:spPr/>
-        <p:txBody>
-          <a:bodyPr/>
-          <a:lstStyle/>
-          <a:p>
-            <a:r>
-              <a:rPr lang="en-US" altLang="ja-JP"/>
-              <a:t>4.2</a:t>
-            </a:r>
-            <a:r>
-              <a:rPr lang="ja-JP" altLang="en-US"/>
-              <a:t>　動作確認</a:t>
-            </a:r>
-            <a:r>
-              <a:rPr lang="ja-JP" altLang="en-US" smtClean="0"/>
-              <a:t>（</a:t>
-            </a:r>
-            <a:r>
-              <a:rPr lang="en-US" altLang="ja-JP"/>
-              <a:t>2</a:t>
-            </a:r>
-            <a:r>
-              <a:rPr lang="en-US" altLang="ja-JP" smtClean="0"/>
-              <a:t>/7</a:t>
-            </a:r>
-            <a:r>
-              <a:rPr lang="ja-JP" altLang="en-US" smtClean="0"/>
-              <a:t>） </a:t>
-            </a:r>
-            <a:endParaRPr kumimoji="1" lang="ja-JP" altLang="en-US"/>
-          </a:p>
-        </p:txBody>
-      </p:sp>
-      <p:sp>
-        <p:nvSpPr>
-          <p:cNvPr id="3" name="コンテンツ プレースホルダー 2"/>
-          <p:cNvSpPr>
-            <a:spLocks noGrp="1"/>
-          </p:cNvSpPr>
-          <p:nvPr>
-            <p:ph sz="quarter" idx="10"/>
-          </p:nvPr>
-        </p:nvSpPr>
-        <p:spPr>
-          <a:xfrm>
-            <a:off x="179512" y="836712"/>
-            <a:ext cx="8964488" cy="5616476"/>
-          </a:xfrm>
-        </p:spPr>
-        <p:txBody>
-          <a:bodyPr>
-            <a:normAutofit fontScale="92500" lnSpcReduction="20000"/>
-          </a:bodyPr>
-          <a:lstStyle/>
-          <a:p>
-            <a:r>
-              <a:rPr lang="ja-JP" altLang="ja-JP"/>
-              <a:t>操作端末（</a:t>
-            </a:r>
-            <a:r>
-              <a:rPr lang="en-US" altLang="ja-JP"/>
-              <a:t>Windows</a:t>
-            </a:r>
-            <a:r>
-              <a:rPr lang="ja-JP" altLang="ja-JP"/>
-              <a:t>）</a:t>
-            </a:r>
-            <a:r>
-              <a:rPr lang="ja-JP" altLang="en-US"/>
-              <a:t>への</a:t>
-            </a:r>
-            <a:r>
-              <a:rPr lang="ja-JP" altLang="ja-JP"/>
-              <a:t>証明書インポート</a:t>
-            </a:r>
-            <a:endParaRPr lang="en-US" altLang="ja-JP"/>
-          </a:p>
-          <a:p>
-            <a:pPr lvl="1"/>
-            <a:r>
-              <a:rPr lang="ja-JP" altLang="ja-JP"/>
-              <a:t>証明書は</a:t>
-            </a:r>
-            <a:r>
-              <a:rPr lang="en-US" altLang="ja-JP"/>
-              <a:t>OASE</a:t>
-            </a:r>
-            <a:r>
-              <a:rPr lang="ja-JP" altLang="ja-JP"/>
-              <a:t>インストールパッケージの以下のパスに格納されています。</a:t>
-            </a:r>
-          </a:p>
-          <a:p>
-            <a:pPr lvl="1"/>
-            <a:r>
-              <a:rPr lang="en-US" altLang="ja-JP"/>
-              <a:t>FFFTP </a:t>
-            </a:r>
-            <a:r>
-              <a:rPr lang="ja-JP" altLang="ja-JP"/>
-              <a:t>、</a:t>
-            </a:r>
-            <a:r>
-              <a:rPr lang="en-US" altLang="ja-JP"/>
-              <a:t>WinSCP</a:t>
-            </a:r>
-            <a:r>
-              <a:rPr lang="ja-JP" altLang="ja-JP"/>
-              <a:t>などのツールを利用し操作端末にダウンロードします。</a:t>
-            </a:r>
-          </a:p>
-          <a:p>
-            <a:pPr marL="180000" lvl="1" indent="0">
-              <a:buNone/>
-            </a:pPr>
-            <a:endParaRPr lang="en-US" altLang="ja-JP"/>
-          </a:p>
-          <a:p>
-            <a:pPr marL="180000" lvl="1" indent="0">
-              <a:buNone/>
-            </a:pPr>
-            <a:endParaRPr lang="en-US" altLang="ja-JP"/>
-          </a:p>
-          <a:p>
-            <a:pPr marL="180000" lvl="1" indent="0">
-              <a:buNone/>
-            </a:pPr>
-            <a:endParaRPr lang="en-US" altLang="ja-JP"/>
-          </a:p>
-          <a:p>
-            <a:pPr marL="180000" lvl="1" indent="0">
-              <a:buNone/>
-            </a:pPr>
-            <a:endParaRPr lang="en-US" altLang="ja-JP"/>
-          </a:p>
-          <a:p>
-            <a:pPr marL="180000" lvl="1" indent="0">
-              <a:buNone/>
-            </a:pPr>
-            <a:endParaRPr lang="en-US" altLang="ja-JP"/>
-          </a:p>
-          <a:p>
-            <a:pPr lvl="1"/>
-            <a:r>
-              <a:rPr lang="en-US" altLang="ja-JP"/>
-              <a:t>Web</a:t>
-            </a:r>
-            <a:r>
-              <a:rPr lang="ja-JP" altLang="ja-JP"/>
-              <a:t>ブラウザに証明書のインポートをしてください。</a:t>
-            </a:r>
-          </a:p>
-          <a:p>
-            <a:pPr lvl="1"/>
-            <a:r>
-              <a:rPr lang="en-US" altLang="ja-JP"/>
-              <a:t>Google Chrome</a:t>
-            </a:r>
-            <a:r>
-              <a:rPr lang="ja-JP" altLang="ja-JP"/>
-              <a:t>にインポートする手順</a:t>
-            </a:r>
-            <a:r>
-              <a:rPr lang="ja-JP" altLang="en-US"/>
-              <a:t>を</a:t>
-            </a:r>
-            <a:r>
-              <a:rPr lang="ja-JP" altLang="ja-JP"/>
-              <a:t>以下</a:t>
-            </a:r>
-            <a:r>
-              <a:rPr lang="ja-JP" altLang="en-US"/>
-              <a:t>に示します。</a:t>
-            </a:r>
-            <a:endParaRPr lang="en-US" altLang="ja-JP"/>
-          </a:p>
-          <a:p>
-            <a:pPr marL="180000" lvl="1" indent="0">
-              <a:buNone/>
-            </a:pPr>
-            <a:endParaRPr lang="en-US" altLang="ja-JP"/>
-          </a:p>
-          <a:p>
-            <a:pPr marL="180000" lvl="1" indent="0">
-              <a:buNone/>
-            </a:pPr>
-            <a:r>
-              <a:rPr lang="ja-JP" altLang="en-US"/>
-              <a:t>　①　</a:t>
-            </a:r>
-            <a:r>
-              <a:rPr lang="en-US" altLang="ja-JP"/>
-              <a:t>Google Chrome</a:t>
-            </a:r>
-            <a:r>
-              <a:rPr lang="ja-JP" altLang="en-US"/>
-              <a:t>を起動し、右上の</a:t>
-            </a:r>
-            <a:r>
-              <a:rPr lang="en-US" altLang="ja-JP"/>
-              <a:t>[</a:t>
-            </a:r>
-            <a:r>
-              <a:rPr lang="ja-JP" altLang="en-US"/>
-              <a:t>設定</a:t>
-            </a:r>
-            <a:r>
-              <a:rPr lang="en-US" altLang="ja-JP"/>
-              <a:t>]</a:t>
-            </a:r>
-            <a:r>
-              <a:rPr lang="ja-JP" altLang="en-US"/>
-              <a:t>ボタンから</a:t>
-            </a:r>
-            <a:r>
-              <a:rPr lang="en-US" altLang="ja-JP"/>
-              <a:t>[</a:t>
-            </a:r>
-            <a:r>
-              <a:rPr lang="ja-JP" altLang="en-US"/>
-              <a:t>設定</a:t>
-            </a:r>
-            <a:r>
-              <a:rPr lang="en-US" altLang="ja-JP"/>
-              <a:t>(S)]</a:t>
-            </a:r>
-            <a:r>
-              <a:rPr lang="ja-JP" altLang="en-US"/>
-              <a:t>へ進みます。</a:t>
-            </a:r>
-            <a:endParaRPr lang="en-US" altLang="ja-JP"/>
-          </a:p>
-          <a:p>
-            <a:pPr marL="180000" lvl="1" indent="0">
-              <a:buNone/>
-            </a:pPr>
-            <a:r>
-              <a:rPr lang="ja-JP" altLang="en-US"/>
-              <a:t>　②　プライバシ</a:t>
-            </a:r>
-            <a:r>
-              <a:rPr lang="ja-JP" altLang="en-US" smtClean="0"/>
-              <a:t>ーとセキュリティの</a:t>
-            </a:r>
-            <a:r>
-              <a:rPr lang="en-US" altLang="ja-JP" smtClean="0"/>
-              <a:t>[</a:t>
-            </a:r>
-            <a:r>
-              <a:rPr lang="ja-JP" altLang="en-US" smtClean="0"/>
-              <a:t>もっと</a:t>
-            </a:r>
-            <a:r>
-              <a:rPr lang="ja-JP" altLang="en-US"/>
-              <a:t>見</a:t>
-            </a:r>
-            <a:r>
-              <a:rPr lang="ja-JP" altLang="en-US" smtClean="0"/>
-              <a:t>る</a:t>
-            </a:r>
-            <a:r>
-              <a:rPr lang="en-US" altLang="ja-JP" smtClean="0"/>
-              <a:t>]</a:t>
-            </a:r>
-            <a:r>
-              <a:rPr lang="ja-JP" altLang="en-US"/>
-              <a:t>をクリック後、表示される項目から</a:t>
-            </a:r>
-            <a:r>
-              <a:rPr lang="en-US" altLang="ja-JP"/>
-              <a:t>[</a:t>
-            </a:r>
-            <a:r>
-              <a:rPr lang="ja-JP" altLang="en-US"/>
-              <a:t>証明書の</a:t>
-            </a:r>
-            <a:r>
-              <a:rPr lang="ja-JP" altLang="en-US" smtClean="0"/>
-              <a:t>管</a:t>
-            </a:r>
-            <a:endParaRPr lang="en-US" altLang="ja-JP" smtClean="0"/>
-          </a:p>
-          <a:p>
-            <a:pPr marL="180000" lvl="1" indent="0">
-              <a:buNone/>
-            </a:pPr>
-            <a:r>
-              <a:rPr lang="ja-JP" altLang="en-US"/>
-              <a:t>　</a:t>
-            </a:r>
-            <a:r>
-              <a:rPr lang="ja-JP" altLang="en-US" smtClean="0"/>
-              <a:t>　　理</a:t>
-            </a:r>
-            <a:r>
-              <a:rPr lang="en-US" altLang="ja-JP"/>
-              <a:t>]</a:t>
-            </a:r>
-            <a:r>
-              <a:rPr lang="ja-JP" altLang="en-US"/>
-              <a:t>をクリックします。</a:t>
-            </a:r>
-            <a:endParaRPr lang="ja-JP" altLang="ja-JP"/>
-          </a:p>
-          <a:p>
-            <a:pPr marL="357188" lvl="1" indent="0">
-              <a:buNone/>
-            </a:pPr>
-            <a:r>
-              <a:rPr lang="ja-JP" altLang="en-US"/>
-              <a:t>③　</a:t>
-            </a:r>
-            <a:r>
-              <a:rPr lang="en-US" altLang="ja-JP"/>
-              <a:t>[</a:t>
-            </a:r>
-            <a:r>
-              <a:rPr lang="ja-JP" altLang="en-US"/>
-              <a:t>信頼されたルート証明機関</a:t>
-            </a:r>
-            <a:r>
-              <a:rPr lang="en-US" altLang="ja-JP"/>
-              <a:t>]</a:t>
-            </a:r>
-            <a:r>
-              <a:rPr lang="ja-JP" altLang="en-US"/>
-              <a:t>タブへ進み、左下の</a:t>
-            </a:r>
-            <a:r>
-              <a:rPr lang="en-US" altLang="ja-JP"/>
-              <a:t>[</a:t>
-            </a:r>
-            <a:r>
-              <a:rPr lang="ja-JP" altLang="en-US"/>
-              <a:t>インポート</a:t>
-            </a:r>
-            <a:r>
-              <a:rPr lang="en-US" altLang="ja-JP"/>
-              <a:t>]</a:t>
-            </a:r>
-            <a:r>
-              <a:rPr lang="ja-JP" altLang="en-US"/>
-              <a:t>をクリックします。</a:t>
-            </a:r>
-            <a:endParaRPr lang="en-US" altLang="ja-JP"/>
-          </a:p>
-          <a:p>
-            <a:pPr marL="357188" lvl="1" indent="0">
-              <a:buNone/>
-            </a:pPr>
-            <a:r>
-              <a:rPr lang="ja-JP" altLang="en-US"/>
-              <a:t>④　証明書のインポートウィザードが起動します。</a:t>
-            </a:r>
-            <a:r>
-              <a:rPr lang="en-US" altLang="ja-JP"/>
-              <a:t>[</a:t>
-            </a:r>
-            <a:r>
-              <a:rPr lang="ja-JP" altLang="en-US"/>
-              <a:t>次へ</a:t>
-            </a:r>
-            <a:r>
-              <a:rPr lang="en-US" altLang="ja-JP"/>
-              <a:t>]</a:t>
-            </a:r>
-            <a:r>
-              <a:rPr lang="ja-JP" altLang="en-US"/>
-              <a:t>をクリックします。</a:t>
-            </a:r>
-            <a:endParaRPr lang="en-US" altLang="ja-JP"/>
-          </a:p>
-          <a:p>
-            <a:pPr marL="357188" lvl="1" indent="0">
-              <a:buNone/>
-            </a:pPr>
-            <a:r>
-              <a:rPr lang="ja-JP" altLang="en-US"/>
-              <a:t>⑤　インポートするファイル名を指定し、</a:t>
-            </a:r>
-            <a:r>
-              <a:rPr lang="en-US" altLang="ja-JP"/>
-              <a:t>[</a:t>
-            </a:r>
-            <a:r>
-              <a:rPr lang="ja-JP" altLang="en-US"/>
-              <a:t>次へ</a:t>
-            </a:r>
-            <a:r>
-              <a:rPr lang="en-US" altLang="ja-JP"/>
-              <a:t>]</a:t>
-            </a:r>
-            <a:r>
-              <a:rPr lang="ja-JP" altLang="en-US"/>
-              <a:t>をクリックします。</a:t>
-            </a:r>
-            <a:endParaRPr lang="en-US" altLang="ja-JP"/>
-          </a:p>
-          <a:p>
-            <a:pPr marL="357188" lvl="1" indent="0">
-              <a:buNone/>
-            </a:pPr>
-            <a:r>
-              <a:rPr lang="ja-JP" altLang="en-US"/>
-              <a:t>⑥　</a:t>
-            </a:r>
-            <a:r>
-              <a:rPr lang="en-US" altLang="ja-JP"/>
-              <a:t>[</a:t>
-            </a:r>
-            <a:r>
-              <a:rPr lang="ja-JP" altLang="en-US"/>
-              <a:t>証明書をすべての次のストアに配置する</a:t>
-            </a:r>
-            <a:r>
-              <a:rPr lang="en-US" altLang="ja-JP"/>
-              <a:t>(P)]</a:t>
-            </a:r>
-            <a:r>
-              <a:rPr lang="ja-JP" altLang="en-US"/>
-              <a:t>をチェックされている状態を確認します。</a:t>
-            </a:r>
-            <a:endParaRPr lang="en-US" altLang="ja-JP"/>
-          </a:p>
-          <a:p>
-            <a:pPr marL="357188" lvl="1" indent="0">
-              <a:buNone/>
-            </a:pPr>
-            <a:r>
-              <a:rPr lang="ja-JP" altLang="en-US"/>
-              <a:t>⑦　</a:t>
-            </a:r>
-            <a:r>
-              <a:rPr lang="en-US" altLang="ja-JP"/>
-              <a:t>[</a:t>
-            </a:r>
-            <a:r>
-              <a:rPr lang="ja-JP" altLang="en-US"/>
-              <a:t>信頼されたルート証明機関</a:t>
-            </a:r>
-            <a:r>
-              <a:rPr lang="en-US" altLang="ja-JP"/>
-              <a:t>]</a:t>
-            </a:r>
-            <a:r>
-              <a:rPr lang="ja-JP" altLang="en-US"/>
-              <a:t>を選択し、</a:t>
-            </a:r>
-            <a:r>
-              <a:rPr lang="en-US" altLang="ja-JP"/>
-              <a:t>[</a:t>
-            </a:r>
-            <a:r>
-              <a:rPr lang="ja-JP" altLang="en-US"/>
-              <a:t>次へ</a:t>
-            </a:r>
-            <a:r>
-              <a:rPr lang="en-US" altLang="ja-JP"/>
-              <a:t>]</a:t>
-            </a:r>
-            <a:r>
-              <a:rPr lang="ja-JP" altLang="en-US"/>
-              <a:t>をクリックします。</a:t>
-            </a:r>
-            <a:endParaRPr lang="en-US" altLang="ja-JP"/>
-          </a:p>
-          <a:p>
-            <a:pPr marL="357188" lvl="1" indent="0">
-              <a:buNone/>
-            </a:pPr>
-            <a:r>
-              <a:rPr lang="en-US" altLang="ja-JP"/>
-              <a:t>※</a:t>
-            </a:r>
-            <a:r>
-              <a:rPr lang="ja-JP" altLang="en-US"/>
-              <a:t>選択されていない場合は右の</a:t>
-            </a:r>
-            <a:r>
-              <a:rPr lang="en-US" altLang="ja-JP"/>
-              <a:t>[</a:t>
-            </a:r>
-            <a:r>
-              <a:rPr lang="ja-JP" altLang="en-US"/>
-              <a:t>参照</a:t>
-            </a:r>
-            <a:r>
-              <a:rPr lang="en-US" altLang="ja-JP"/>
-              <a:t>(R)]</a:t>
-            </a:r>
-            <a:r>
-              <a:rPr lang="ja-JP" altLang="en-US"/>
-              <a:t>から</a:t>
-            </a:r>
-            <a:r>
-              <a:rPr lang="en-US" altLang="ja-JP"/>
-              <a:t>[</a:t>
-            </a:r>
-            <a:r>
-              <a:rPr lang="ja-JP" altLang="ja-JP"/>
-              <a:t>信頼されたルート証明機関</a:t>
-            </a:r>
-            <a:r>
-              <a:rPr lang="en-US" altLang="ja-JP"/>
-              <a:t>]</a:t>
-            </a:r>
-            <a:r>
-              <a:rPr lang="ja-JP" altLang="en-US"/>
-              <a:t>を選択してください。</a:t>
-            </a:r>
-            <a:endParaRPr lang="en-US" altLang="ja-JP"/>
-          </a:p>
-          <a:p>
-            <a:pPr marL="357188" lvl="1" indent="0">
-              <a:buNone/>
-            </a:pPr>
-            <a:r>
-              <a:rPr lang="ja-JP" altLang="en-US"/>
-              <a:t>⑧　</a:t>
-            </a:r>
-            <a:r>
-              <a:rPr lang="en-US" altLang="ja-JP"/>
-              <a:t>[</a:t>
-            </a:r>
-            <a:r>
-              <a:rPr lang="ja-JP" altLang="en-US"/>
-              <a:t>完了</a:t>
-            </a:r>
-            <a:r>
-              <a:rPr lang="en-US" altLang="ja-JP"/>
-              <a:t>]</a:t>
-            </a:r>
-            <a:r>
-              <a:rPr lang="ja-JP" altLang="en-US"/>
-              <a:t>をクリックします。</a:t>
-            </a:r>
-            <a:endParaRPr lang="ja-JP" altLang="ja-JP"/>
-          </a:p>
-        </p:txBody>
-      </p:sp>
-      <p:graphicFrame>
-        <p:nvGraphicFramePr>
-          <p:cNvPr id="6" name="表 5"/>
-          <p:cNvGraphicFramePr>
-            <a:graphicFrameLocks noGrp="1"/>
-          </p:cNvGraphicFramePr>
-          <p:nvPr>
-            <p:extLst>
-              <p:ext uri="{D42A27DB-BD31-4B8C-83A1-F6EECF244321}">
-                <p14:modId xmlns:p14="http://schemas.microsoft.com/office/powerpoint/2010/main" val="4019569878"/>
-              </p:ext>
-            </p:extLst>
-          </p:nvPr>
-        </p:nvGraphicFramePr>
-        <p:xfrm>
-          <a:off x="1207459" y="1836779"/>
-          <a:ext cx="6729082" cy="653247"/>
-        </p:xfrm>
-        <a:graphic>
-          <a:graphicData uri="http://schemas.openxmlformats.org/drawingml/2006/table">
-            <a:tbl>
-              <a:tblPr firstRow="1" firstCol="1" bandRow="1">
-                <a:tableStyleId>{5C22544A-7EE6-4342-B048-85BDC9FD1C3A}</a:tableStyleId>
-              </a:tblPr>
-              <a:tblGrid>
-                <a:gridCol w="1581792">
-                  <a:extLst>
-                    <a:ext uri="{9D8B030D-6E8A-4147-A177-3AD203B41FA5}">
-                      <a16:colId xmlns:a16="http://schemas.microsoft.com/office/drawing/2014/main" val="20000"/>
-                    </a:ext>
-                  </a:extLst>
-                </a:gridCol>
-                <a:gridCol w="3269829">
-                  <a:extLst>
-                    <a:ext uri="{9D8B030D-6E8A-4147-A177-3AD203B41FA5}">
-                      <a16:colId xmlns:a16="http://schemas.microsoft.com/office/drawing/2014/main" val="20001"/>
-                    </a:ext>
-                  </a:extLst>
-                </a:gridCol>
-                <a:gridCol w="1877461">
-                  <a:extLst>
-                    <a:ext uri="{9D8B030D-6E8A-4147-A177-3AD203B41FA5}">
-                      <a16:colId xmlns:a16="http://schemas.microsoft.com/office/drawing/2014/main" val="20002"/>
-                    </a:ext>
-                  </a:extLst>
-                </a:gridCol>
-              </a:tblGrid>
-              <a:tr h="288039">
-                <a:tc>
-                  <a:txBody>
-                    <a:bodyPr/>
-                    <a:lstStyle/>
-                    <a:p>
-                      <a:pPr algn="ctr">
-                        <a:spcAft>
-                          <a:spcPts val="0"/>
-                        </a:spcAft>
-                      </a:pPr>
-                      <a:r>
-                        <a:rPr lang="en-US" altLang="ja-JP" sz="1050" kern="100">
-                          <a:effectLst/>
-                        </a:rPr>
-                        <a:t>OASE</a:t>
-                      </a:r>
-                      <a:r>
-                        <a:rPr lang="ja-JP" sz="1050" kern="100">
-                          <a:effectLst/>
-                        </a:rPr>
-                        <a:t>サーバの</a:t>
-                      </a:r>
-                      <a:r>
-                        <a:rPr lang="en-US" sz="1050" kern="100">
-                          <a:effectLst/>
-                        </a:rPr>
-                        <a:t>OS</a:t>
-                      </a:r>
-                      <a:endParaRPr lang="ja-JP" sz="1050" kern="100">
-                        <a:effectLst/>
-                        <a:latin typeface="Century" panose="02040604050505020304" pitchFamily="18" charset="0"/>
-                        <a:ea typeface="ＭＳ 明朝" panose="02020609040205080304" pitchFamily="17" charset="-128"/>
-                        <a:cs typeface="Times New Roman" panose="02020603050405020304" pitchFamily="18" charset="0"/>
-                      </a:endParaRPr>
-                    </a:p>
-                  </a:txBody>
-                  <a:tcPr marL="68580" marR="68580" marT="0" marB="0" anchor="ctr">
-                    <a:solidFill>
-                      <a:srgbClr val="002B62"/>
-                    </a:solidFill>
-                  </a:tcPr>
-                </a:tc>
-                <a:tc>
-                  <a:txBody>
-                    <a:bodyPr/>
-                    <a:lstStyle/>
-                    <a:p>
-                      <a:pPr algn="ctr">
-                        <a:spcAft>
-                          <a:spcPts val="0"/>
-                        </a:spcAft>
-                      </a:pPr>
-                      <a:r>
-                        <a:rPr lang="ja-JP" sz="1050" kern="100">
-                          <a:effectLst/>
-                        </a:rPr>
-                        <a:t>ファイルパス</a:t>
-                      </a:r>
-                      <a:endParaRPr lang="ja-JP" sz="1050" kern="100">
-                        <a:effectLst/>
-                        <a:latin typeface="Century" panose="02040604050505020304" pitchFamily="18" charset="0"/>
-                        <a:ea typeface="ＭＳ 明朝" panose="02020609040205080304" pitchFamily="17" charset="-128"/>
-                        <a:cs typeface="Times New Roman" panose="02020603050405020304" pitchFamily="18" charset="0"/>
-                      </a:endParaRPr>
-                    </a:p>
-                  </a:txBody>
-                  <a:tcPr marL="68580" marR="68580" marT="0" marB="0" anchor="ctr">
-                    <a:solidFill>
-                      <a:srgbClr val="002B62"/>
-                    </a:solidFill>
-                  </a:tcPr>
-                </a:tc>
-                <a:tc>
-                  <a:txBody>
-                    <a:bodyPr/>
-                    <a:lstStyle/>
-                    <a:p>
-                      <a:pPr algn="ctr">
-                        <a:spcAft>
-                          <a:spcPts val="0"/>
-                        </a:spcAft>
-                      </a:pPr>
-                      <a:r>
-                        <a:rPr lang="ja-JP" sz="1050" kern="100">
-                          <a:effectLst/>
-                        </a:rPr>
-                        <a:t>ファイル名</a:t>
-                      </a:r>
-                      <a:endParaRPr lang="ja-JP" sz="1050" kern="100">
-                        <a:effectLst/>
-                        <a:latin typeface="Century" panose="02040604050505020304" pitchFamily="18" charset="0"/>
-                        <a:ea typeface="ＭＳ 明朝" panose="02020609040205080304" pitchFamily="17" charset="-128"/>
-                        <a:cs typeface="Times New Roman" panose="02020603050405020304" pitchFamily="18" charset="0"/>
-                      </a:endParaRPr>
-                    </a:p>
-                  </a:txBody>
-                  <a:tcPr marL="68580" marR="68580" marT="0" marB="0" anchor="ctr">
-                    <a:solidFill>
-                      <a:srgbClr val="002B62"/>
-                    </a:solidFill>
-                  </a:tcPr>
-                </a:tc>
-                <a:extLst>
-                  <a:ext uri="{0D108BD9-81ED-4DB2-BD59-A6C34878D82A}">
-                    <a16:rowId xmlns:a16="http://schemas.microsoft.com/office/drawing/2014/main" val="10000"/>
-                  </a:ext>
-                </a:extLst>
-              </a:tr>
-              <a:tr h="365208">
-                <a:tc>
-                  <a:txBody>
-                    <a:bodyPr/>
-                    <a:lstStyle/>
-                    <a:p>
-                      <a:pPr algn="l" latinLnBrk="1">
-                        <a:spcAft>
-                          <a:spcPts val="0"/>
-                        </a:spcAft>
-                      </a:pPr>
-                      <a:r>
-                        <a:rPr lang="en-US" sz="900" kern="100">
-                          <a:effectLst/>
-                        </a:rPr>
-                        <a:t>RHEL 7, CentOS 7</a:t>
-                      </a:r>
-                      <a:r>
-                        <a:rPr lang="ja-JP" sz="900" kern="100">
-                          <a:effectLst/>
-                        </a:rPr>
-                        <a:t>系</a:t>
-                      </a:r>
-                      <a:endParaRPr lang="ja-JP" sz="1050" kern="100">
-                        <a:effectLst/>
-                        <a:latin typeface="Century" panose="02040604050505020304" pitchFamily="18" charset="0"/>
-                        <a:ea typeface="ＭＳ 明朝" panose="02020609040205080304" pitchFamily="17" charset="-128"/>
-                        <a:cs typeface="Times New Roman" panose="02020603050405020304" pitchFamily="18" charset="0"/>
-                      </a:endParaRPr>
-                    </a:p>
-                  </a:txBody>
-                  <a:tcPr marL="68580" marR="68580" marT="0" marB="0" anchor="ctr">
-                    <a:solidFill>
-                      <a:srgbClr val="002B62"/>
-                    </a:solidFill>
-                  </a:tcPr>
-                </a:tc>
-                <a:tc>
-                  <a:txBody>
-                    <a:bodyPr/>
-                    <a:lstStyle/>
-                    <a:p>
-                      <a:pPr algn="l" latinLnBrk="1">
-                        <a:spcAft>
-                          <a:spcPts val="0"/>
-                        </a:spcAft>
-                      </a:pPr>
-                      <a:r>
-                        <a:rPr lang="en-US" altLang="ja-JP" sz="1000" kern="100" dirty="0">
-                          <a:effectLst/>
-                        </a:rPr>
-                        <a:t>/(</a:t>
-                      </a:r>
-                      <a:r>
-                        <a:rPr lang="ja-JP" altLang="ja-JP" sz="1000" kern="100" dirty="0">
-                          <a:effectLst/>
-                        </a:rPr>
-                        <a:t>インストール資材展開先</a:t>
-                      </a:r>
-                      <a:r>
-                        <a:rPr lang="en-US" altLang="ja-JP" sz="1000" kern="100">
-                          <a:effectLst/>
-                        </a:rPr>
-                        <a:t>)/</a:t>
-                      </a:r>
-                      <a:r>
-                        <a:rPr lang="en-US" altLang="ja-JP" sz="1000" kern="100" smtClean="0">
-                          <a:effectLst/>
-                        </a:rPr>
-                        <a:t>oase/oase-root</a:t>
-                      </a:r>
-                      <a:endParaRPr lang="ja-JP" sz="1100" kern="100" dirty="0">
-                        <a:effectLst/>
-                        <a:latin typeface="Century" panose="02040604050505020304" pitchFamily="18" charset="0"/>
-                        <a:ea typeface="ＭＳ 明朝" panose="02020609040205080304" pitchFamily="17" charset="-128"/>
-                        <a:cs typeface="Times New Roman" panose="02020603050405020304" pitchFamily="18" charset="0"/>
-                      </a:endParaRPr>
-                    </a:p>
-                  </a:txBody>
-                  <a:tcPr marL="68580" marR="68580" marT="0" marB="0">
-                    <a:solidFill>
-                      <a:srgbClr val="E7E8EA"/>
-                    </a:solidFill>
-                  </a:tcPr>
-                </a:tc>
-                <a:tc>
-                  <a:txBody>
-                    <a:bodyPr/>
-                    <a:lstStyle/>
-                    <a:p>
-                      <a:pPr algn="l">
-                        <a:spcAft>
-                          <a:spcPts val="0"/>
-                        </a:spcAft>
-                      </a:pPr>
-                      <a:r>
-                        <a:rPr lang="en-US" sz="1100" kern="100" dirty="0">
-                          <a:effectLst/>
-                        </a:rPr>
-                        <a:t>exastro-oase.crt</a:t>
-                      </a:r>
-                      <a:endParaRPr lang="ja-JP" sz="1100" kern="100" dirty="0">
-                        <a:effectLst/>
-                        <a:latin typeface="Century" panose="02040604050505020304" pitchFamily="18" charset="0"/>
-                        <a:ea typeface="ＭＳ 明朝" panose="02020609040205080304" pitchFamily="17" charset="-128"/>
-                        <a:cs typeface="Times New Roman" panose="02020603050405020304" pitchFamily="18" charset="0"/>
-                      </a:endParaRPr>
-                    </a:p>
-                  </a:txBody>
-                  <a:tcPr marL="68580" marR="68580" marT="0" marB="0">
-                    <a:solidFill>
-                      <a:srgbClr val="E7E8EA"/>
-                    </a:solidFill>
-                  </a:tcPr>
-                </a:tc>
-                <a:extLst>
-                  <a:ext uri="{0D108BD9-81ED-4DB2-BD59-A6C34878D82A}">
-                    <a16:rowId xmlns:a16="http://schemas.microsoft.com/office/drawing/2014/main" val="10002"/>
-                  </a:ext>
-                </a:extLst>
-              </a:tr>
-            </a:tbl>
-          </a:graphicData>
-        </a:graphic>
-      </p:graphicFrame>
-    </p:spTree>
-    <p:extLst>
-      <p:ext uri="{BB962C8B-B14F-4D97-AF65-F5344CB8AC3E}">
-        <p14:creationId xmlns:p14="http://schemas.microsoft.com/office/powerpoint/2010/main" val="2206087911"/>
-      </p:ext>
-    </p:extLst>
-  </p:cSld>
-  <p:clrMapOvr>
-    <a:masterClrMapping/>
-  </p:clrMapOvr>
-  <p:timing>
-    <p:tnLst>
-      <p:par>
-        <p:cTn id="1" dur="indefinite" restart="never" nodeType="tmRoot"/>
-      </p:par>
-    </p:tnLst>
-  </p:timing>
-</p:sld>
-</file>
-
-<file path=ppt/slides/slide25.xml><?xml version="1.0" encoding="utf-8"?>
-<p:sld xmlns:a="http://schemas.openxmlformats.org/drawingml/2006/main" xmlns:r="http://schemas.openxmlformats.org/officeDocument/2006/relationships" xmlns:p="http://schemas.openxmlformats.org/presentationml/2006/main">
-  <p:cSld>
-    <p:spTree>
-      <p:nvGrpSpPr>
-        <p:cNvPr id="1" name=""/>
-        <p:cNvGrpSpPr/>
-        <p:nvPr/>
-      </p:nvGrpSpPr>
-      <p:grpSpPr>
-        <a:xfrm>
-          <a:off x="0" y="0"/>
-          <a:ext cx="0" cy="0"/>
-          <a:chOff x="0" y="0"/>
-          <a:chExt cx="0" cy="0"/>
-        </a:xfrm>
-      </p:grpSpPr>
-      <p:sp>
-        <p:nvSpPr>
-          <p:cNvPr id="2" name="タイトル 1"/>
-          <p:cNvSpPr>
-            <a:spLocks noGrp="1"/>
-          </p:cNvSpPr>
-          <p:nvPr>
-            <p:ph type="title"/>
-          </p:nvPr>
-        </p:nvSpPr>
-        <p:spPr/>
-        <p:txBody>
-          <a:bodyPr/>
-          <a:lstStyle/>
-          <a:p>
-            <a:r>
-              <a:rPr lang="en-US" altLang="ja-JP" dirty="0" smtClean="0"/>
-              <a:t>4.3</a:t>
-            </a:r>
-            <a:r>
-              <a:rPr lang="ja-JP" altLang="en-US" dirty="0"/>
-              <a:t>　動作確認</a:t>
-            </a:r>
-            <a:r>
-              <a:rPr lang="ja-JP" altLang="en-US" dirty="0" smtClean="0"/>
-              <a:t>（</a:t>
-            </a:r>
-            <a:r>
-              <a:rPr lang="en-US" altLang="ja-JP" dirty="0" smtClean="0"/>
-              <a:t>3/7</a:t>
-            </a:r>
-            <a:r>
-              <a:rPr lang="ja-JP" altLang="en-US" dirty="0" smtClean="0"/>
-              <a:t>）</a:t>
-            </a:r>
-            <a:endParaRPr kumimoji="1" lang="ja-JP" altLang="en-US" dirty="0"/>
-          </a:p>
-        </p:txBody>
-      </p:sp>
-      <p:sp>
-        <p:nvSpPr>
-          <p:cNvPr id="3" name="コンテンツ プレースホルダー 2"/>
-          <p:cNvSpPr>
-            <a:spLocks noGrp="1"/>
-          </p:cNvSpPr>
-          <p:nvPr>
-            <p:ph sz="quarter" idx="10"/>
-          </p:nvPr>
-        </p:nvSpPr>
-        <p:spPr/>
-        <p:txBody>
-          <a:bodyPr>
-            <a:normAutofit/>
-          </a:bodyPr>
-          <a:lstStyle/>
-          <a:p>
-            <a:pPr lvl="0"/>
-            <a:r>
-              <a:rPr lang="en-US" altLang="ja-JP" dirty="0" smtClean="0"/>
-              <a:t>URL</a:t>
-            </a:r>
-            <a:r>
-              <a:rPr lang="ja-JP" altLang="en-US" dirty="0"/>
-              <a:t>接続</a:t>
-            </a:r>
-            <a:endParaRPr lang="en-US" altLang="ja-JP" dirty="0"/>
-          </a:p>
-          <a:p>
-            <a:pPr lvl="1"/>
-            <a:r>
-              <a:rPr lang="ja-JP" altLang="en-US" dirty="0"/>
-              <a:t>以下の</a:t>
-            </a:r>
-            <a:r>
-              <a:rPr lang="en-US" altLang="ja-JP" dirty="0"/>
-              <a:t>URL</a:t>
-            </a:r>
-            <a:r>
-              <a:rPr lang="ja-JP" altLang="en-US" dirty="0"/>
-              <a:t>より、ログイン画面にアクセスしてください。</a:t>
-            </a:r>
-            <a:endParaRPr lang="en-US" altLang="ja-JP" dirty="0"/>
-          </a:p>
-          <a:p>
-            <a:pPr lvl="1"/>
-            <a:r>
-              <a:rPr lang="en-US" altLang="ja-JP" dirty="0"/>
-              <a:t>URL</a:t>
-            </a:r>
-            <a:r>
-              <a:rPr lang="ja-JP" altLang="ja-JP" dirty="0" smtClean="0"/>
-              <a:t>：</a:t>
-            </a:r>
-            <a:r>
-              <a:rPr lang="en-US" altLang="ja-JP" b="1" dirty="0" smtClean="0">
-                <a:solidFill>
-                  <a:srgbClr val="FF0000"/>
-                </a:solidFill>
-              </a:rPr>
-              <a:t>https</a:t>
-            </a:r>
-            <a:r>
-              <a:rPr lang="en-US" altLang="ja-JP" b="1" dirty="0">
-                <a:solidFill>
-                  <a:srgbClr val="FF0000"/>
-                </a:solidFill>
-              </a:rPr>
-              <a:t>://exastro-oase/oase_web/top/login</a:t>
-            </a:r>
-          </a:p>
-          <a:p>
-            <a:pPr marL="180000" lvl="1" indent="0">
-              <a:buNone/>
-            </a:pPr>
-            <a:r>
-              <a:rPr lang="en-US" altLang="ja-JP" b="1" dirty="0" smtClean="0">
-                <a:solidFill>
-                  <a:srgbClr val="FF0000"/>
-                </a:solidFill>
-              </a:rPr>
-              <a:t> ※</a:t>
-            </a:r>
-            <a:r>
-              <a:rPr lang="ja-JP" altLang="en-US" b="1" dirty="0" smtClean="0">
-                <a:solidFill>
-                  <a:srgbClr val="FF0000"/>
-                </a:solidFill>
-              </a:rPr>
-              <a:t>インストール後は</a:t>
-            </a:r>
-            <a:r>
-              <a:rPr lang="en-US" altLang="ja-JP" b="1" dirty="0" smtClean="0">
-                <a:solidFill>
-                  <a:srgbClr val="FF0000"/>
-                </a:solidFill>
-              </a:rPr>
-              <a:t>HTTP</a:t>
-            </a:r>
-            <a:r>
-              <a:rPr lang="ja-JP" altLang="en-US" b="1" dirty="0" smtClean="0">
-                <a:solidFill>
-                  <a:srgbClr val="FF0000"/>
-                </a:solidFill>
-              </a:rPr>
-              <a:t>と</a:t>
-            </a:r>
-            <a:r>
-              <a:rPr lang="en-US" altLang="ja-JP" b="1" dirty="0" smtClean="0">
-                <a:solidFill>
-                  <a:srgbClr val="FF0000"/>
-                </a:solidFill>
-              </a:rPr>
-              <a:t>HTTPS</a:t>
-            </a:r>
-            <a:r>
-              <a:rPr lang="ja-JP" altLang="en-US" b="1" dirty="0" smtClean="0">
-                <a:solidFill>
-                  <a:srgbClr val="FF0000"/>
-                </a:solidFill>
-              </a:rPr>
-              <a:t>の両方のアクセスが可能です。</a:t>
-            </a:r>
-            <a:endParaRPr lang="en-US" altLang="ja-JP" b="1" dirty="0">
-              <a:solidFill>
-                <a:srgbClr val="FF0000"/>
-              </a:solidFill>
-            </a:endParaRPr>
-          </a:p>
-          <a:p>
-            <a:pPr marL="180000" lvl="1" indent="0">
-              <a:buNone/>
-            </a:pPr>
-            <a:r>
-              <a:rPr lang="en-US" altLang="ja-JP" b="1" dirty="0" smtClean="0">
-                <a:solidFill>
-                  <a:srgbClr val="FF0000"/>
-                </a:solidFill>
-              </a:rPr>
-              <a:t> HTTP</a:t>
-            </a:r>
-            <a:r>
-              <a:rPr lang="ja-JP" altLang="en-US" b="1" dirty="0" smtClean="0">
-                <a:solidFill>
-                  <a:srgbClr val="FF0000"/>
-                </a:solidFill>
-              </a:rPr>
-              <a:t>はセキュリティ的に脆弱なので、</a:t>
-            </a:r>
-            <a:r>
-              <a:rPr lang="en-US" altLang="ja-JP" b="1" dirty="0" smtClean="0">
-                <a:solidFill>
-                  <a:srgbClr val="FF0000"/>
-                </a:solidFill>
-              </a:rPr>
-              <a:t>HTTPS</a:t>
-            </a:r>
-            <a:r>
-              <a:rPr lang="ja-JP" altLang="en-US" b="1" dirty="0" err="1" smtClean="0">
-                <a:solidFill>
-                  <a:srgbClr val="FF0000"/>
-                </a:solidFill>
-              </a:rPr>
-              <a:t>での</a:t>
-            </a:r>
-            <a:r>
-              <a:rPr lang="ja-JP" altLang="en-US" b="1" dirty="0" smtClean="0">
-                <a:solidFill>
-                  <a:srgbClr val="FF0000"/>
-                </a:solidFill>
-              </a:rPr>
-              <a:t>アクセスを推奨します。</a:t>
-            </a:r>
-            <a:endParaRPr lang="en-US" altLang="ja-JP" b="1" dirty="0" smtClean="0">
-              <a:solidFill>
-                <a:srgbClr val="FF0000"/>
-              </a:solidFill>
-            </a:endParaRPr>
-          </a:p>
-          <a:p>
-            <a:pPr marL="180000" lvl="1" indent="0">
-              <a:buNone/>
-            </a:pPr>
-            <a:r>
-              <a:rPr lang="en-US" altLang="ja-JP" b="1" dirty="0" smtClean="0">
-                <a:solidFill>
-                  <a:srgbClr val="FF0000"/>
-                </a:solidFill>
-              </a:rPr>
-              <a:t> HTTP</a:t>
-            </a:r>
-            <a:r>
-              <a:rPr lang="ja-JP" altLang="en-US" b="1" dirty="0" err="1" smtClean="0">
-                <a:solidFill>
-                  <a:srgbClr val="FF0000"/>
-                </a:solidFill>
-              </a:rPr>
-              <a:t>での</a:t>
-            </a:r>
-            <a:r>
-              <a:rPr lang="ja-JP" altLang="en-US" b="1" dirty="0" smtClean="0">
-                <a:solidFill>
-                  <a:srgbClr val="FF0000"/>
-                </a:solidFill>
-              </a:rPr>
-              <a:t>アクセス方法は、動作確認（</a:t>
-            </a:r>
-            <a:r>
-              <a:rPr lang="en-US" altLang="ja-JP" b="1" dirty="0" smtClean="0">
-                <a:solidFill>
-                  <a:srgbClr val="FF0000"/>
-                </a:solidFill>
-              </a:rPr>
-              <a:t>6/7</a:t>
-            </a:r>
-            <a:r>
-              <a:rPr lang="ja-JP" altLang="en-US" b="1" dirty="0" smtClean="0">
-                <a:solidFill>
-                  <a:srgbClr val="FF0000"/>
-                </a:solidFill>
-              </a:rPr>
-              <a:t>）以降を確認ください。</a:t>
-            </a:r>
-            <a:endParaRPr lang="en-US" altLang="ja-JP" b="1" dirty="0">
-              <a:solidFill>
-                <a:srgbClr val="FF0000"/>
-              </a:solidFill>
-            </a:endParaRPr>
-          </a:p>
-          <a:p>
-            <a:pPr lvl="1"/>
-            <a:endParaRPr lang="en-US" altLang="ja-JP" dirty="0" smtClean="0"/>
-          </a:p>
-          <a:p>
-            <a:pPr lvl="0"/>
-            <a:r>
-              <a:rPr lang="ja-JP" altLang="en-US" dirty="0"/>
-              <a:t>ログイン</a:t>
-            </a:r>
-            <a:endParaRPr lang="en-US" altLang="ja-JP" dirty="0"/>
-          </a:p>
-          <a:p>
-            <a:pPr lvl="1"/>
-            <a:r>
-              <a:rPr lang="en-US" altLang="ja-JP" dirty="0"/>
-              <a:t>OASE</a:t>
-            </a:r>
-            <a:r>
-              <a:rPr lang="ja-JP" altLang="ja-JP" dirty="0"/>
-              <a:t>のログイン画面が表示されたら、指定のログイン</a:t>
-            </a:r>
-            <a:r>
-              <a:rPr lang="en-US" altLang="ja-JP" dirty="0"/>
-              <a:t>ID</a:t>
-            </a:r>
-            <a:r>
-              <a:rPr lang="ja-JP" altLang="ja-JP" dirty="0" err="1"/>
-              <a:t>、</a:t>
-            </a:r>
-            <a:r>
-              <a:rPr lang="ja-JP" altLang="ja-JP" dirty="0"/>
-              <a:t>初期パスワードを入力して、</a:t>
-            </a:r>
-            <a:r>
-              <a:rPr lang="en-US" altLang="ja-JP" dirty="0"/>
-              <a:t>[</a:t>
-            </a:r>
-            <a:r>
-              <a:rPr lang="ja-JP" altLang="ja-JP" dirty="0"/>
-              <a:t>ログイン</a:t>
-            </a:r>
-            <a:r>
-              <a:rPr lang="en-US" altLang="ja-JP" dirty="0"/>
-              <a:t>]</a:t>
-            </a:r>
-            <a:r>
-              <a:rPr lang="ja-JP" altLang="ja-JP" dirty="0"/>
-              <a:t>ボタンをクリックしてください。</a:t>
-            </a:r>
-          </a:p>
-          <a:p>
-            <a:pPr marL="180000" lvl="1" indent="0">
-              <a:buNone/>
-            </a:pPr>
-            <a:r>
-              <a:rPr lang="ja-JP" altLang="ja-JP" dirty="0"/>
-              <a:t>　　・ログイン</a:t>
-            </a:r>
-            <a:r>
-              <a:rPr lang="en-US" altLang="ja-JP" dirty="0"/>
-              <a:t>ID</a:t>
-            </a:r>
-            <a:r>
-              <a:rPr lang="ja-JP" altLang="ja-JP" dirty="0"/>
-              <a:t>　　：</a:t>
-            </a:r>
-            <a:r>
-              <a:rPr lang="ja-JP" altLang="en-US" dirty="0"/>
-              <a:t> </a:t>
-            </a:r>
-            <a:r>
-              <a:rPr lang="en-US" altLang="ja-JP" dirty="0"/>
-              <a:t>administrator</a:t>
-            </a:r>
-            <a:endParaRPr lang="ja-JP" altLang="ja-JP" dirty="0"/>
-          </a:p>
-          <a:p>
-            <a:pPr marL="180000" lvl="1" indent="0">
-              <a:buNone/>
-            </a:pPr>
-            <a:r>
-              <a:rPr lang="ja-JP" altLang="ja-JP" dirty="0"/>
-              <a:t>　　・初期パスワード ： </a:t>
-            </a:r>
-            <a:r>
-              <a:rPr lang="en-US" altLang="ja-JP" dirty="0" err="1"/>
-              <a:t>oaseoaseoase</a:t>
-            </a:r>
-            <a:endParaRPr lang="en-US" altLang="ja-JP" dirty="0"/>
-          </a:p>
-          <a:p>
-            <a:pPr marL="180000" lvl="1" indent="0">
-              <a:buNone/>
-            </a:pPr>
-            <a:endParaRPr lang="ja-JP" altLang="ja-JP" dirty="0"/>
-          </a:p>
-          <a:p>
-            <a:pPr lvl="1"/>
-            <a:r>
-              <a:rPr lang="ja-JP" altLang="ja-JP" dirty="0"/>
-              <a:t>インストール後に初めてログインした場合は、「パスワード変更画面」に遷移します。</a:t>
-            </a:r>
-          </a:p>
-          <a:p>
-            <a:pPr lvl="1"/>
-            <a:r>
-              <a:rPr lang="ja-JP" altLang="ja-JP" dirty="0"/>
-              <a:t>パスワード変更画面から、初期パスワードを変更してください。</a:t>
-            </a:r>
-          </a:p>
-          <a:p>
-            <a:pPr lvl="1"/>
-            <a:endParaRPr lang="ja-JP" altLang="en-US" dirty="0"/>
-          </a:p>
-          <a:p>
-            <a:pPr lvl="1"/>
-            <a:endParaRPr lang="ja-JP" altLang="en-US" dirty="0"/>
-          </a:p>
-        </p:txBody>
-      </p:sp>
-    </p:spTree>
-    <p:extLst>
-      <p:ext uri="{BB962C8B-B14F-4D97-AF65-F5344CB8AC3E}">
-        <p14:creationId xmlns:p14="http://schemas.microsoft.com/office/powerpoint/2010/main" val="897253124"/>
-      </p:ext>
-    </p:extLst>
-  </p:cSld>
-  <p:clrMapOvr>
-    <a:masterClrMapping/>
-  </p:clrMapOvr>
-  <p:timing>
-    <p:tnLst>
-      <p:par>
-        <p:cTn id="1" dur="indefinite" restart="never" nodeType="tmRoot"/>
-      </p:par>
-    </p:tnLst>
-  </p:timing>
-</p:sld>
-</file>
-
-<file path=ppt/slides/slide26.xml><?xml version="1.0" encoding="utf-8"?>
 <p:sld xmlns:a="http://schemas.openxmlformats.org/drawingml/2006/main" xmlns:r="http://schemas.openxmlformats.org/officeDocument/2006/relationships" xmlns:p="http://schemas.openxmlformats.org/presentationml/2006/main">
   <p:cSld>
     <p:spTree>
@@ -19421,30 +18060,30 @@
           <a:lstStyle/>
           <a:p>
             <a:r>
-              <a:rPr lang="en-US" altLang="ja-JP"/>
-              <a:t>4.4</a:t>
-            </a:r>
-            <a:r>
-              <a:rPr lang="ja-JP" altLang="en-US"/>
+              <a:rPr lang="en-US" altLang="ja-JP" dirty="0" smtClean="0"/>
+              <a:t>4.2</a:t>
+            </a:r>
+            <a:r>
+              <a:rPr lang="ja-JP" altLang="en-US" dirty="0"/>
               <a:t>　動作確認</a:t>
             </a:r>
             <a:r>
-              <a:rPr lang="ja-JP" altLang="en-US" smtClean="0"/>
+              <a:rPr lang="ja-JP" altLang="en-US" dirty="0" smtClean="0"/>
               <a:t>（</a:t>
             </a:r>
             <a:r>
-              <a:rPr lang="en-US" altLang="ja-JP"/>
-              <a:t>4</a:t>
-            </a:r>
-            <a:r>
-              <a:rPr lang="en-US" altLang="ja-JP" smtClean="0"/>
-              <a:t>/7</a:t>
-            </a:r>
-            <a:r>
-              <a:rPr lang="ja-JP" altLang="en-US" smtClean="0"/>
+              <a:rPr lang="en-US" altLang="ja-JP" dirty="0" smtClean="0"/>
+              <a:t>2</a:t>
+            </a:r>
+            <a:r>
+              <a:rPr lang="en-US" altLang="ja-JP" dirty="0" smtClean="0"/>
+              <a:t>/4</a:t>
+            </a:r>
+            <a:r>
+              <a:rPr lang="ja-JP" altLang="en-US" dirty="0" smtClean="0"/>
               <a:t>）</a:t>
             </a:r>
-            <a:endParaRPr kumimoji="1" lang="ja-JP" altLang="en-US"/>
+            <a:endParaRPr kumimoji="1" lang="ja-JP" altLang="en-US" dirty="0"/>
           </a:p>
         </p:txBody>
       </p:sp>
@@ -19865,7 +18504,7 @@
 </p:sld>
 </file>
 
-<file path=ppt/slides/slide27.xml><?xml version="1.0" encoding="utf-8"?>
+<file path=ppt/slides/slide25.xml><?xml version="1.0" encoding="utf-8"?>
 <p:sld xmlns:a="http://schemas.openxmlformats.org/drawingml/2006/main" xmlns:r="http://schemas.openxmlformats.org/officeDocument/2006/relationships" xmlns:p="http://schemas.openxmlformats.org/presentationml/2006/main">
   <p:cSld>
     <p:spTree>
@@ -19900,30 +18539,30 @@
           <a:lstStyle/>
           <a:p>
             <a:r>
-              <a:rPr lang="en-US" altLang="ja-JP"/>
-              <a:t>4.5</a:t>
-            </a:r>
-            <a:r>
-              <a:rPr lang="ja-JP" altLang="en-US"/>
+              <a:rPr lang="en-US" altLang="ja-JP" dirty="0" smtClean="0"/>
+              <a:t>4.3</a:t>
+            </a:r>
+            <a:r>
+              <a:rPr lang="ja-JP" altLang="en-US" dirty="0"/>
               <a:t>　動作確認</a:t>
             </a:r>
             <a:r>
-              <a:rPr lang="ja-JP" altLang="en-US" smtClean="0"/>
+              <a:rPr lang="ja-JP" altLang="en-US" dirty="0" smtClean="0"/>
               <a:t>（</a:t>
             </a:r>
             <a:r>
-              <a:rPr lang="en-US" altLang="ja-JP"/>
-              <a:t>5</a:t>
-            </a:r>
-            <a:r>
-              <a:rPr lang="en-US" altLang="ja-JP" smtClean="0"/>
-              <a:t>/7</a:t>
-            </a:r>
-            <a:r>
-              <a:rPr lang="ja-JP" altLang="en-US" smtClean="0"/>
+              <a:rPr lang="en-US" altLang="ja-JP" dirty="0" smtClean="0"/>
+              <a:t>3</a:t>
+            </a:r>
+            <a:r>
+              <a:rPr lang="en-US" altLang="ja-JP" dirty="0" smtClean="0"/>
+              <a:t>/4</a:t>
+            </a:r>
+            <a:r>
+              <a:rPr lang="ja-JP" altLang="en-US" dirty="0" smtClean="0"/>
               <a:t>）</a:t>
             </a:r>
-            <a:endParaRPr kumimoji="1" lang="ja-JP" altLang="en-US"/>
+            <a:endParaRPr kumimoji="1" lang="ja-JP" altLang="en-US" dirty="0"/>
           </a:p>
         </p:txBody>
       </p:sp>
@@ -20345,7 +18984,7 @@
 </p:sld>
 </file>
 
-<file path=ppt/slides/slide28.xml><?xml version="1.0" encoding="utf-8"?>
+<file path=ppt/slides/slide26.xml><?xml version="1.0" encoding="utf-8"?>
 <p:sld xmlns:a="http://schemas.openxmlformats.org/drawingml/2006/main" xmlns:r="http://schemas.openxmlformats.org/officeDocument/2006/relationships" xmlns:p="http://schemas.openxmlformats.org/presentationml/2006/main">
   <p:cSld>
     <p:spTree>
@@ -20379,7 +19018,7 @@
           <a:p>
             <a:r>
               <a:rPr lang="en-US" altLang="ja-JP" dirty="0" smtClean="0"/>
-              <a:t>4.6</a:t>
+              <a:t>4.4</a:t>
             </a:r>
             <a:r>
               <a:rPr lang="ja-JP" altLang="en-US" dirty="0"/>
@@ -20390,12 +19029,12 @@
               <a:t>（</a:t>
             </a:r>
             <a:r>
-              <a:rPr lang="en-US" altLang="ja-JP" dirty="0"/>
-              <a:t>6</a:t>
-            </a:r>
-            <a:r>
               <a:rPr lang="en-US" altLang="ja-JP" dirty="0" smtClean="0"/>
-              <a:t>/7</a:t>
+              <a:t>4</a:t>
+            </a:r>
+            <a:r>
+              <a:rPr lang="en-US" altLang="ja-JP" dirty="0" smtClean="0"/>
+              <a:t>/4</a:t>
             </a:r>
             <a:r>
               <a:rPr lang="ja-JP" altLang="en-US" dirty="0" smtClean="0"/>
@@ -20418,160 +19057,92 @@
         <p:spPr/>
         <p:txBody>
           <a:bodyPr>
-            <a:normAutofit/>
+            <a:normAutofit fontScale="92500" lnSpcReduction="20000"/>
           </a:bodyPr>
           <a:lstStyle/>
           <a:p>
-            <a:pPr lvl="0"/>
-            <a:r>
-              <a:rPr lang="en-US" altLang="ja-JP" dirty="0" smtClean="0"/>
-              <a:t>HTTP</a:t>
-            </a:r>
-            <a:r>
-              <a:rPr lang="ja-JP" altLang="en-US" dirty="0"/>
-              <a:t>または</a:t>
-            </a:r>
             <a:r>
               <a:rPr lang="en-US" altLang="ja-JP" dirty="0"/>
               <a:t>HTTPS</a:t>
             </a:r>
             <a:r>
               <a:rPr lang="ja-JP" altLang="en-US" dirty="0"/>
-              <a:t>アクセスの制限</a:t>
-            </a:r>
-            <a:endParaRPr lang="en-US" altLang="ja-JP" sz="1800" dirty="0" smtClean="0"/>
-          </a:p>
-          <a:p>
-            <a:pPr marL="0" lvl="0" indent="0">
-              <a:buNone/>
-            </a:pPr>
-            <a:r>
-              <a:rPr lang="ja-JP" altLang="en-US" sz="1800" dirty="0" smtClean="0"/>
-              <a:t>　</a:t>
-            </a:r>
-            <a:r>
-              <a:rPr lang="en-US" altLang="ja-JP" sz="1700" dirty="0" smtClean="0"/>
-              <a:t>HTTP</a:t>
-            </a:r>
-            <a:r>
-              <a:rPr lang="ja-JP" altLang="en-US" sz="1700" dirty="0"/>
-              <a:t>または</a:t>
-            </a:r>
-            <a:r>
-              <a:rPr lang="en-US" altLang="ja-JP" sz="1700" dirty="0"/>
-              <a:t>HTTPS</a:t>
-            </a:r>
-            <a:r>
-              <a:rPr lang="ja-JP" altLang="en-US" sz="1700" dirty="0"/>
-              <a:t>アクセスを制限する場合は、以下の手順を実施してください</a:t>
-            </a:r>
-            <a:r>
-              <a:rPr lang="ja-JP" altLang="en-US" sz="1700" dirty="0" smtClean="0"/>
-              <a:t>。</a:t>
-            </a:r>
-            <a:endParaRPr lang="en-US" altLang="ja-JP" sz="1700" dirty="0" smtClean="0"/>
-          </a:p>
-          <a:p>
-            <a:pPr marL="0" lvl="0" indent="0">
-              <a:buNone/>
-            </a:pPr>
-            <a:endParaRPr lang="en-US" altLang="ja-JP" sz="1700" dirty="0"/>
-          </a:p>
-          <a:p>
-            <a:pPr lvl="1"/>
-            <a:r>
-              <a:rPr lang="ja-JP" altLang="en-US" dirty="0" smtClean="0"/>
-              <a:t>ファイル「</a:t>
-            </a:r>
-            <a:r>
-              <a:rPr lang="en-US" altLang="ja-JP" dirty="0"/>
-              <a:t>/</a:t>
-            </a:r>
-            <a:r>
-              <a:rPr lang="en-US" altLang="ja-JP" dirty="0" err="1"/>
-              <a:t>etc</a:t>
-            </a:r>
-            <a:r>
-              <a:rPr lang="en-US" altLang="ja-JP" dirty="0"/>
-              <a:t>/</a:t>
-            </a:r>
-            <a:r>
-              <a:rPr lang="en-US" altLang="ja-JP" dirty="0" err="1"/>
-              <a:t>httpd</a:t>
-            </a:r>
-            <a:r>
-              <a:rPr lang="en-US" altLang="ja-JP" dirty="0"/>
-              <a:t>/</a:t>
-            </a:r>
-            <a:r>
-              <a:rPr lang="en-US" altLang="ja-JP" dirty="0" err="1"/>
-              <a:t>conf.d</a:t>
-            </a:r>
-            <a:r>
-              <a:rPr lang="en-US" altLang="ja-JP" dirty="0"/>
-              <a:t>/</a:t>
-            </a:r>
-            <a:r>
-              <a:rPr lang="en-US" altLang="ja-JP" dirty="0" err="1"/>
-              <a:t>oase.conf</a:t>
-            </a:r>
-            <a:r>
-              <a:rPr lang="ja-JP" altLang="en-US" dirty="0" smtClean="0"/>
-              <a:t>」</a:t>
-            </a:r>
-            <a:r>
-              <a:rPr lang="ja-JP" altLang="en-US" dirty="0"/>
-              <a:t>を編集する。</a:t>
+              <a:t>でアクセスするための準備作業</a:t>
             </a:r>
           </a:p>
           <a:p>
             <a:pPr marL="180000" lvl="1" indent="0">
               <a:buNone/>
             </a:pPr>
+            <a:endParaRPr lang="ja-JP" altLang="en-US" dirty="0"/>
+          </a:p>
+          <a:p>
+            <a:pPr lvl="1"/>
+            <a:r>
+              <a:rPr lang="ja-JP" altLang="en-US" dirty="0"/>
+              <a:t>アンサーファイルの「</a:t>
+            </a:r>
+            <a:r>
+              <a:rPr lang="en-US" altLang="ja-JP" dirty="0" err="1"/>
+              <a:t>oase_domain</a:t>
+            </a:r>
+            <a:r>
+              <a:rPr lang="ja-JP" altLang="en-US" dirty="0"/>
+              <a:t>」に設定したホスト名をご使用の環境の</a:t>
+            </a:r>
+            <a:r>
+              <a:rPr lang="en-US" altLang="ja-JP" dirty="0"/>
+              <a:t>DNS</a:t>
+            </a:r>
+            <a:r>
+              <a:rPr lang="ja-JP" altLang="en-US" dirty="0"/>
+              <a:t>サーバまたは操作端末の</a:t>
+            </a:r>
+            <a:r>
+              <a:rPr lang="en-US" altLang="ja-JP" dirty="0"/>
+              <a:t>hosts</a:t>
+            </a:r>
+            <a:r>
+              <a:rPr lang="ja-JP" altLang="en-US" dirty="0" err="1"/>
+              <a:t>に登</a:t>
+            </a:r>
+            <a:r>
+              <a:rPr lang="ja-JP" altLang="en-US" dirty="0"/>
+              <a:t>録してください。</a:t>
+            </a:r>
+            <a:endParaRPr lang="en-US" altLang="ja-JP" dirty="0"/>
+          </a:p>
+          <a:p>
+            <a:pPr lvl="1"/>
             <a:r>
               <a:rPr lang="ja-JP" altLang="en-US" dirty="0" smtClean="0"/>
-              <a:t>　</a:t>
+              <a:t>操作端末（</a:t>
             </a:r>
             <a:r>
               <a:rPr lang="en-US" altLang="ja-JP" dirty="0" smtClean="0"/>
-              <a:t>HTTP</a:t>
+              <a:t>Windows</a:t>
+            </a:r>
+            <a:r>
+              <a:rPr lang="ja-JP" altLang="en-US" dirty="0" smtClean="0"/>
+              <a:t>）</a:t>
             </a:r>
             <a:r>
               <a:rPr lang="ja-JP" altLang="en-US" dirty="0"/>
-              <a:t>を制限する場合は、「</a:t>
-            </a:r>
-            <a:r>
-              <a:rPr lang="en-US" altLang="ja-JP" dirty="0"/>
-              <a:t>&lt;</a:t>
-            </a:r>
-            <a:r>
-              <a:rPr lang="en-US" altLang="ja-JP" dirty="0" err="1"/>
-              <a:t>VirtualHost</a:t>
-            </a:r>
-            <a:r>
-              <a:rPr lang="en-US" altLang="ja-JP" dirty="0"/>
-              <a:t> *:80 &gt;</a:t>
-            </a:r>
-            <a:r>
-              <a:rPr lang="ja-JP" altLang="en-US" dirty="0"/>
-              <a:t>」から「</a:t>
-            </a:r>
-            <a:r>
-              <a:rPr lang="en-US" altLang="ja-JP" dirty="0"/>
-              <a:t>&lt;/</a:t>
-            </a:r>
-            <a:r>
-              <a:rPr lang="en-US" altLang="ja-JP" dirty="0" err="1"/>
-              <a:t>VirtualHost</a:t>
-            </a:r>
-            <a:r>
-              <a:rPr lang="en-US" altLang="ja-JP" dirty="0"/>
-              <a:t>&gt;</a:t>
-            </a:r>
-            <a:r>
-              <a:rPr lang="ja-JP" altLang="en-US" dirty="0"/>
-              <a:t>」をコメント</a:t>
-            </a:r>
+              <a:t>へ</a:t>
+            </a:r>
+            <a:r>
+              <a:rPr lang="ja-JP" altLang="ja-JP" dirty="0" smtClean="0"/>
+              <a:t>の</a:t>
+            </a:r>
+            <a:r>
+              <a:rPr lang="ja-JP" altLang="en-US" dirty="0" smtClean="0"/>
+              <a:t>証明書インポートを行います</a:t>
+            </a:r>
+            <a:r>
+              <a:rPr lang="ja-JP" altLang="ja-JP" dirty="0" smtClean="0"/>
+              <a:t>。</a:t>
+            </a:r>
+            <a:endParaRPr lang="en-US" altLang="ja-JP" dirty="0"/>
           </a:p>
           <a:p>
             <a:pPr marL="180000" lvl="1" indent="0">
@@ -20579,65 +19150,43 @@
             </a:pPr>
             <a:r>
               <a:rPr lang="ja-JP" altLang="en-US" dirty="0" smtClean="0"/>
-              <a:t>　アウト</a:t>
-            </a:r>
-            <a:r>
-              <a:rPr lang="en-US" altLang="ja-JP" dirty="0"/>
-              <a:t>(#)</a:t>
-            </a:r>
-            <a:r>
-              <a:rPr lang="ja-JP" altLang="en-US" dirty="0"/>
-              <a:t>をする。</a:t>
-            </a:r>
+              <a:t>　ユーザ指定のサーバ証明書を使用していない場合、サーバ証明書は</a:t>
+            </a:r>
+            <a:r>
+              <a:rPr lang="en-US" altLang="ja-JP" dirty="0" smtClean="0"/>
+              <a:t>OASE</a:t>
+            </a:r>
+            <a:r>
+              <a:rPr lang="ja-JP" altLang="en-US" dirty="0" smtClean="0"/>
+              <a:t>インストール　　　　　　　</a:t>
+            </a:r>
+            <a:endParaRPr lang="en-US" altLang="ja-JP" dirty="0" smtClean="0"/>
           </a:p>
           <a:p>
             <a:pPr marL="180000" lvl="1" indent="0">
               <a:buNone/>
             </a:pPr>
             <a:r>
+              <a:rPr lang="ja-JP" altLang="en-US" dirty="0"/>
+              <a:t>　</a:t>
+            </a:r>
+            <a:r>
               <a:rPr lang="ja-JP" altLang="en-US" dirty="0" smtClean="0"/>
-              <a:t>　</a:t>
-            </a:r>
-            <a:r>
-              <a:rPr lang="en-US" altLang="ja-JP" dirty="0" smtClean="0"/>
-              <a:t>HTTPS</a:t>
-            </a:r>
-            <a:r>
-              <a:rPr lang="ja-JP" altLang="en-US" dirty="0"/>
-              <a:t>を制限する場合は、「</a:t>
-            </a:r>
-            <a:r>
-              <a:rPr lang="en-US" altLang="ja-JP" dirty="0"/>
-              <a:t>&lt;</a:t>
-            </a:r>
-            <a:r>
-              <a:rPr lang="en-US" altLang="ja-JP" dirty="0" err="1"/>
-              <a:t>VirtualHost</a:t>
-            </a:r>
-            <a:r>
-              <a:rPr lang="en-US" altLang="ja-JP" dirty="0"/>
-              <a:t> *:443 &gt;</a:t>
-            </a:r>
-            <a:r>
-              <a:rPr lang="ja-JP" altLang="en-US" dirty="0"/>
-              <a:t>」から「</a:t>
-            </a:r>
-            <a:r>
-              <a:rPr lang="en-US" altLang="ja-JP" dirty="0"/>
-              <a:t>&lt;/</a:t>
-            </a:r>
-            <a:r>
-              <a:rPr lang="en-US" altLang="ja-JP" dirty="0" err="1"/>
-              <a:t>VirtualHost</a:t>
-            </a:r>
-            <a:r>
-              <a:rPr lang="en-US" altLang="ja-JP" dirty="0"/>
-              <a:t>&gt;</a:t>
-            </a:r>
-            <a:r>
-              <a:rPr lang="ja-JP" altLang="en-US" dirty="0"/>
-              <a:t>」をコメン</a:t>
-            </a:r>
+              <a:t>パッケージの以下のパスに格納されています。</a:t>
+            </a:r>
+            <a:endParaRPr lang="en-US" altLang="ja-JP" dirty="0"/>
+          </a:p>
+          <a:p>
+            <a:pPr lvl="1"/>
+            <a:endParaRPr lang="en-US" altLang="ja-JP" dirty="0"/>
+          </a:p>
+          <a:p>
+            <a:pPr lvl="1"/>
+            <a:endParaRPr lang="en-US" altLang="ja-JP" dirty="0"/>
+          </a:p>
+          <a:p>
+            <a:pPr lvl="1"/>
+            <a:endParaRPr lang="en-US" altLang="ja-JP" dirty="0" smtClean="0"/>
           </a:p>
           <a:p>
             <a:pPr marL="180000" lvl="1" indent="0">
@@ -20645,86 +19194,398 @@
             </a:pPr>
             <a:r>
               <a:rPr lang="ja-JP" altLang="en-US" dirty="0" smtClean="0"/>
-              <a:t>　トアウト</a:t>
-            </a:r>
-            <a:r>
-              <a:rPr lang="en-US" altLang="ja-JP" dirty="0"/>
-              <a:t>(#)</a:t>
-            </a:r>
-            <a:r>
-              <a:rPr lang="ja-JP" altLang="en-US" dirty="0"/>
-              <a:t>をする。</a:t>
-            </a:r>
-            <a:endParaRPr lang="en-US" altLang="ja-JP" dirty="0" smtClean="0"/>
-          </a:p>
-          <a:p>
-            <a:pPr marL="0" lvl="0" indent="0">
-              <a:buNone/>
-            </a:pPr>
-            <a:endParaRPr lang="en-US" altLang="ja-JP" sz="1700" dirty="0" smtClean="0"/>
-          </a:p>
-          <a:p>
-            <a:pPr lvl="1"/>
-            <a:r>
-              <a:rPr lang="ja-JP" altLang="en-US" dirty="0"/>
-              <a:t>以下のコマンドにより</a:t>
-            </a:r>
-            <a:r>
-              <a:rPr lang="en-US" altLang="ja-JP" dirty="0"/>
-              <a:t>Apache</a:t>
-            </a:r>
-            <a:r>
-              <a:rPr lang="ja-JP" altLang="en-US" dirty="0"/>
-              <a:t>を再起動する</a:t>
-            </a:r>
-            <a:r>
-              <a:rPr lang="ja-JP" altLang="en-US" dirty="0" smtClean="0"/>
-              <a:t>。</a:t>
-            </a:r>
-            <a:endParaRPr lang="en-US" altLang="ja-JP" dirty="0" smtClean="0"/>
+              <a:t>　　　 </a:t>
+            </a:r>
+            <a:r>
+              <a:rPr lang="en-US" altLang="ja-JP" sz="1300" dirty="0" smtClean="0"/>
+              <a:t>※</a:t>
+            </a:r>
+            <a:r>
+              <a:rPr lang="ja-JP" altLang="en-US" sz="1300" dirty="0" smtClean="0"/>
+              <a:t>ユーザ証明書を使用する場合はアンサーファイルの「</a:t>
+            </a:r>
+            <a:r>
+              <a:rPr lang="en-US" altLang="ja-JP" sz="1300" dirty="0" err="1"/>
+              <a:t>certificate_path</a:t>
+            </a:r>
+            <a:r>
+              <a:rPr lang="ja-JP" altLang="en-US" sz="1300" dirty="0" smtClean="0"/>
+              <a:t>」に設定した証明書ファイル</a:t>
+            </a:r>
+            <a:endParaRPr lang="en-US" altLang="ja-JP" sz="1300" dirty="0" smtClean="0"/>
           </a:p>
           <a:p>
             <a:pPr marL="180000" lvl="1" indent="0">
               <a:buNone/>
             </a:pPr>
             <a:r>
-              <a:rPr lang="ja-JP" altLang="en-US" dirty="0"/>
+              <a:rPr lang="ja-JP" altLang="en-US" sz="1300" dirty="0"/>
               <a:t>　</a:t>
             </a:r>
             <a:r>
-              <a:rPr lang="en-US" altLang="ja-JP" dirty="0"/>
-              <a:t># </a:t>
-            </a:r>
-            <a:r>
-              <a:rPr lang="en-US" altLang="ja-JP" dirty="0" err="1"/>
-              <a:t>systemctl</a:t>
-            </a:r>
-            <a:r>
-              <a:rPr lang="en-US" altLang="ja-JP" dirty="0"/>
-              <a:t> restart </a:t>
-            </a:r>
-            <a:r>
-              <a:rPr lang="en-US" altLang="ja-JP" dirty="0" err="1"/>
-              <a:t>httpd</a:t>
-            </a:r>
-            <a:r>
-              <a:rPr lang="ja-JP" altLang="en-US" dirty="0"/>
-              <a:t>　</a:t>
-            </a:r>
-            <a:endParaRPr lang="en-US" altLang="ja-JP" dirty="0"/>
+              <a:rPr lang="ja-JP" altLang="en-US" sz="1300" dirty="0" smtClean="0"/>
+              <a:t>　　　 を使用してください。</a:t>
+            </a:r>
+            <a:endParaRPr lang="en-US" altLang="ja-JP" sz="1300" dirty="0" smtClean="0"/>
           </a:p>
           <a:p>
             <a:pPr marL="180000" lvl="1" indent="0">
               <a:buNone/>
             </a:pPr>
+            <a:endParaRPr lang="en-US" altLang="ja-JP" sz="1300" dirty="0"/>
+          </a:p>
+          <a:p>
+            <a:pPr lvl="1"/>
+            <a:r>
+              <a:rPr lang="en-US" altLang="ja-JP" dirty="0" smtClean="0"/>
+              <a:t>Web</a:t>
+            </a:r>
+            <a:r>
+              <a:rPr lang="ja-JP" altLang="en-US" dirty="0" smtClean="0"/>
+              <a:t>ブラウザに証明書のインポート</a:t>
+            </a:r>
+            <a:r>
+              <a:rPr lang="ja-JP" altLang="ja-JP" dirty="0" smtClean="0"/>
+              <a:t>をして</a:t>
+            </a:r>
+            <a:r>
+              <a:rPr lang="ja-JP" altLang="ja-JP" dirty="0"/>
+              <a:t>ください</a:t>
+            </a:r>
+            <a:r>
+              <a:rPr lang="ja-JP" altLang="ja-JP" dirty="0" smtClean="0"/>
+              <a:t>。</a:t>
+            </a:r>
             <a:endParaRPr lang="en-US" altLang="ja-JP" dirty="0" smtClean="0"/>
+          </a:p>
+          <a:p>
+            <a:pPr lvl="1"/>
+            <a:endParaRPr lang="ja-JP" altLang="en-US" dirty="0"/>
+          </a:p>
+          <a:p>
+            <a:pPr lvl="0"/>
+            <a:r>
+              <a:rPr lang="en-US" altLang="ja-JP" dirty="0" smtClean="0"/>
+              <a:t>HTTPS</a:t>
+            </a:r>
+            <a:r>
+              <a:rPr lang="ja-JP" altLang="en-US" dirty="0" err="1" smtClean="0"/>
+              <a:t>での</a:t>
+            </a:r>
+            <a:r>
+              <a:rPr lang="en-US" altLang="ja-JP" dirty="0" smtClean="0"/>
+              <a:t>URL</a:t>
+            </a:r>
+            <a:r>
+              <a:rPr lang="ja-JP" altLang="en-US" dirty="0" smtClean="0"/>
+              <a:t>接続</a:t>
+            </a:r>
+            <a:endParaRPr lang="en-US" altLang="ja-JP" dirty="0"/>
+          </a:p>
+          <a:p>
+            <a:pPr lvl="1"/>
+            <a:r>
+              <a:rPr lang="ja-JP" altLang="en-US" dirty="0"/>
+              <a:t>以下</a:t>
+            </a:r>
+            <a:r>
+              <a:rPr lang="ja-JP" altLang="en-US" dirty="0" smtClean="0"/>
+              <a:t>の</a:t>
+            </a:r>
+            <a:r>
+              <a:rPr lang="en-US" altLang="ja-JP" dirty="0" smtClean="0"/>
+              <a:t>URL</a:t>
+            </a:r>
+            <a:r>
+              <a:rPr lang="ja-JP" altLang="en-US" dirty="0" smtClean="0"/>
+              <a:t>より、ログイン画面にアクセスして</a:t>
+            </a:r>
+            <a:r>
+              <a:rPr lang="ja-JP" altLang="ja-JP" dirty="0" smtClean="0"/>
+              <a:t>ください。</a:t>
+            </a:r>
+            <a:endParaRPr lang="en-US" altLang="ja-JP" dirty="0" smtClean="0"/>
+          </a:p>
+          <a:p>
+            <a:pPr lvl="1"/>
+            <a:r>
+              <a:rPr lang="en-US" altLang="ja-JP" dirty="0" smtClean="0"/>
+              <a:t>URL</a:t>
+            </a:r>
+            <a:r>
+              <a:rPr lang="ja-JP" altLang="en-US" dirty="0" smtClean="0"/>
+              <a:t>：</a:t>
+            </a:r>
+            <a:r>
+              <a:rPr lang="en-US" altLang="ja-JP" b="1" u="sng" dirty="0" smtClean="0">
+                <a:solidFill>
+                  <a:srgbClr val="FF0000"/>
+                </a:solidFill>
+              </a:rPr>
+              <a:t>https://[</a:t>
+            </a:r>
+            <a:r>
+              <a:rPr lang="ja-JP" altLang="en-US" b="1" u="sng" dirty="0" smtClean="0">
+                <a:solidFill>
+                  <a:srgbClr val="FF0000"/>
+                </a:solidFill>
+              </a:rPr>
+              <a:t>アンサーファイルの</a:t>
+            </a:r>
+            <a:r>
+              <a:rPr lang="en-US" altLang="ja-JP" b="1" u="sng" dirty="0" err="1" smtClean="0">
+                <a:solidFill>
+                  <a:srgbClr val="FF0000"/>
+                </a:solidFill>
+              </a:rPr>
+              <a:t>oase_domain</a:t>
+            </a:r>
+            <a:r>
+              <a:rPr lang="ja-JP" altLang="en-US" b="1" u="sng" dirty="0" smtClean="0">
+                <a:solidFill>
+                  <a:srgbClr val="FF0000"/>
+                </a:solidFill>
+              </a:rPr>
+              <a:t>に入力したホスト名</a:t>
+            </a:r>
+            <a:r>
+              <a:rPr lang="en-US" altLang="ja-JP" b="1" u="sng" dirty="0" smtClean="0">
+                <a:solidFill>
+                  <a:srgbClr val="FF0000"/>
+                </a:solidFill>
+              </a:rPr>
+              <a:t>]</a:t>
+            </a:r>
+            <a:endParaRPr lang="ja-JP" altLang="ja-JP" b="1" u="sng" dirty="0">
+              <a:solidFill>
+                <a:srgbClr val="FF0000"/>
+              </a:solidFill>
+            </a:endParaRPr>
+          </a:p>
+          <a:p>
+            <a:pPr marL="180000" lvl="1" indent="0">
+              <a:buNone/>
+            </a:pPr>
+            <a:r>
+              <a:rPr lang="ja-JP" altLang="ja-JP" dirty="0"/>
+              <a:t>　</a:t>
+            </a:r>
+            <a:r>
+              <a:rPr lang="en-US" altLang="ja-JP" dirty="0" smtClean="0"/>
+              <a:t>※</a:t>
+            </a:r>
+            <a:r>
+              <a:rPr lang="ja-JP" altLang="en-US" dirty="0" smtClean="0"/>
+              <a:t>ドメイン名の代わりに、サーバの</a:t>
+            </a:r>
+            <a:r>
+              <a:rPr lang="en-US" altLang="ja-JP" dirty="0" smtClean="0"/>
+              <a:t>IP</a:t>
+            </a:r>
+            <a:r>
+              <a:rPr lang="ja-JP" altLang="en-US" dirty="0" smtClean="0"/>
+              <a:t>アドレスでアクセスすることも可能です。</a:t>
+            </a:r>
+            <a:endParaRPr lang="en-US" altLang="ja-JP" dirty="0"/>
+          </a:p>
+          <a:p>
+            <a:pPr marL="180000" lvl="1" indent="0">
+              <a:buNone/>
+            </a:pPr>
+            <a:endParaRPr lang="en-US" altLang="ja-JP" dirty="0"/>
+          </a:p>
+          <a:p>
+            <a:pPr marL="180000" lvl="1" indent="0">
+              <a:buNone/>
+            </a:pPr>
+            <a:r>
+              <a:rPr lang="ja-JP" altLang="en-US" dirty="0"/>
+              <a:t>　</a:t>
+            </a:r>
+            <a:r>
+              <a:rPr lang="ja-JP" altLang="en-US" dirty="0" smtClean="0"/>
+              <a:t>接続後は</a:t>
+            </a:r>
+            <a:r>
+              <a:rPr lang="en-US" altLang="ja-JP" dirty="0" smtClean="0"/>
+              <a:t>HTTP</a:t>
+            </a:r>
+            <a:r>
+              <a:rPr lang="ja-JP" altLang="en-US" dirty="0" smtClean="0"/>
+              <a:t>の場合と同様となります。</a:t>
+            </a:r>
+            <a:endParaRPr lang="ja-JP" altLang="en-US" dirty="0"/>
+          </a:p>
+          <a:p>
+            <a:pPr lvl="1"/>
+            <a:endParaRPr lang="ja-JP" altLang="en-US" dirty="0"/>
           </a:p>
         </p:txBody>
       </p:sp>
+      <p:graphicFrame>
+        <p:nvGraphicFramePr>
+          <p:cNvPr id="4" name="表 3"/>
+          <p:cNvGraphicFramePr>
+            <a:graphicFrameLocks noGrp="1"/>
+          </p:cNvGraphicFramePr>
+          <p:nvPr>
+            <p:extLst>
+              <p:ext uri="{D42A27DB-BD31-4B8C-83A1-F6EECF244321}">
+                <p14:modId xmlns:p14="http://schemas.microsoft.com/office/powerpoint/2010/main" val="1345922454"/>
+              </p:ext>
+            </p:extLst>
+          </p:nvPr>
+        </p:nvGraphicFramePr>
+        <p:xfrm>
+          <a:off x="1115033" y="2503887"/>
+          <a:ext cx="6912960" cy="741680"/>
+        </p:xfrm>
+        <a:graphic>
+          <a:graphicData uri="http://schemas.openxmlformats.org/drawingml/2006/table">
+            <a:tbl>
+              <a:tblPr firstRow="1" bandRow="1">
+                <a:tableStyleId>{93296810-A885-4BE3-A3E7-6D5BEEA58F35}</a:tableStyleId>
+              </a:tblPr>
+              <a:tblGrid>
+                <a:gridCol w="2016280">
+                  <a:extLst>
+                    <a:ext uri="{9D8B030D-6E8A-4147-A177-3AD203B41FA5}">
+                      <a16:colId xmlns:a16="http://schemas.microsoft.com/office/drawing/2014/main" val="854185673"/>
+                    </a:ext>
+                  </a:extLst>
+                </a:gridCol>
+                <a:gridCol w="4896680">
+                  <a:extLst>
+                    <a:ext uri="{9D8B030D-6E8A-4147-A177-3AD203B41FA5}">
+                      <a16:colId xmlns:a16="http://schemas.microsoft.com/office/drawing/2014/main" val="44267676"/>
+                    </a:ext>
+                  </a:extLst>
+                </a:gridCol>
+              </a:tblGrid>
+              <a:tr h="370840">
+                <a:tc>
+                  <a:txBody>
+                    <a:bodyPr/>
+                    <a:lstStyle/>
+                    <a:p>
+                      <a:pPr algn="ctr"/>
+                      <a:r>
+                        <a:rPr kumimoji="1" lang="ja-JP" altLang="en-US" sz="1200" b="1" dirty="0" smtClean="0"/>
+                        <a:t>ディレクトリ</a:t>
+                      </a:r>
+                      <a:endParaRPr kumimoji="1" lang="ja-JP" altLang="en-US" sz="1200" b="1" dirty="0"/>
+                    </a:p>
+                  </a:txBody>
+                  <a:tcPr anchor="ctr" anchorCtr="1"/>
+                </a:tc>
+                <a:tc>
+                  <a:txBody>
+                    <a:bodyPr/>
+                    <a:lstStyle/>
+                    <a:p>
+                      <a:pPr algn="ctr"/>
+                      <a:r>
+                        <a:rPr kumimoji="1" lang="ja-JP" altLang="en-US" sz="1200" dirty="0" smtClean="0"/>
+                        <a:t>ファイル名</a:t>
+                      </a:r>
+                      <a:endParaRPr kumimoji="1" lang="ja-JP" altLang="en-US" sz="1200" dirty="0"/>
+                    </a:p>
+                  </a:txBody>
+                  <a:tcPr anchor="ctr" anchorCtr="1"/>
+                </a:tc>
+                <a:extLst>
+                  <a:ext uri="{0D108BD9-81ED-4DB2-BD59-A6C34878D82A}">
+                    <a16:rowId xmlns:a16="http://schemas.microsoft.com/office/drawing/2014/main" val="901334737"/>
+                  </a:ext>
+                </a:extLst>
+              </a:tr>
+              <a:tr h="370840">
+                <a:tc>
+                  <a:txBody>
+                    <a:bodyPr/>
+                    <a:lstStyle/>
+                    <a:p>
+                      <a:r>
+                        <a:rPr kumimoji="1" lang="en-US" altLang="ja-JP" sz="1200" dirty="0" smtClean="0"/>
+                        <a:t>/</a:t>
+                      </a:r>
+                      <a:r>
+                        <a:rPr kumimoji="1" lang="en-US" altLang="ja-JP" sz="1200" dirty="0" err="1" smtClean="0"/>
+                        <a:t>etc</a:t>
+                      </a:r>
+                      <a:r>
+                        <a:rPr kumimoji="1" lang="en-US" altLang="ja-JP" sz="1200" dirty="0" smtClean="0"/>
+                        <a:t>/</a:t>
+                      </a:r>
+                      <a:r>
+                        <a:rPr kumimoji="1" lang="en-US" altLang="ja-JP" sz="1200" dirty="0" err="1" smtClean="0"/>
+                        <a:t>pki</a:t>
+                      </a:r>
+                      <a:r>
+                        <a:rPr kumimoji="1" lang="en-US" altLang="ja-JP" sz="1200" dirty="0" smtClean="0"/>
+                        <a:t>/</a:t>
+                      </a:r>
+                      <a:r>
+                        <a:rPr kumimoji="1" lang="en-US" altLang="ja-JP" sz="1200" dirty="0" err="1" smtClean="0"/>
+                        <a:t>tls</a:t>
+                      </a:r>
+                      <a:r>
+                        <a:rPr kumimoji="1" lang="en-US" altLang="ja-JP" sz="1200" dirty="0" smtClean="0"/>
+                        <a:t>/certs</a:t>
+                      </a:r>
+                      <a:endParaRPr kumimoji="1" lang="ja-JP" altLang="en-US" sz="1200" dirty="0"/>
+                    </a:p>
+                  </a:txBody>
+                  <a:tcPr anchor="ctr"/>
+                </a:tc>
+                <a:tc>
+                  <a:txBody>
+                    <a:bodyPr/>
+                    <a:lstStyle/>
+                    <a:p>
+                      <a:r>
+                        <a:rPr kumimoji="1" lang="en-US" altLang="ja-JP" sz="1200" dirty="0" smtClean="0"/>
+                        <a:t>[</a:t>
+                      </a:r>
+                      <a:r>
+                        <a:rPr kumimoji="1" lang="ja-JP" altLang="en-US" sz="1200" dirty="0" smtClean="0"/>
+                        <a:t>アンサーファイルの</a:t>
+                      </a:r>
+                      <a:r>
+                        <a:rPr kumimoji="1" lang="en-US" altLang="ja-JP" sz="1200" dirty="0" err="1" smtClean="0"/>
+                        <a:t>oase_domain</a:t>
+                      </a:r>
+                      <a:r>
+                        <a:rPr kumimoji="1" lang="ja-JP" altLang="en-US" sz="1200" dirty="0" smtClean="0"/>
+                        <a:t>に設定したホスト名</a:t>
+                      </a:r>
+                      <a:r>
+                        <a:rPr kumimoji="1" lang="en-US" altLang="ja-JP" sz="1200" dirty="0" smtClean="0"/>
+                        <a:t>].</a:t>
+                      </a:r>
+                      <a:r>
+                        <a:rPr kumimoji="1" lang="en-US" altLang="ja-JP" sz="1200" dirty="0" err="1" smtClean="0"/>
+                        <a:t>crt</a:t>
+                      </a:r>
+                      <a:endParaRPr kumimoji="1" lang="ja-JP" altLang="en-US" sz="1200" dirty="0"/>
+                    </a:p>
+                  </a:txBody>
+                  <a:tcPr anchor="ctr"/>
+                </a:tc>
+                <a:extLst>
+                  <a:ext uri="{0D108BD9-81ED-4DB2-BD59-A6C34878D82A}">
+                    <a16:rowId xmlns:a16="http://schemas.microsoft.com/office/drawing/2014/main" val="3427282974"/>
+                  </a:ext>
+                </a:extLst>
+              </a:tr>
+            </a:tbl>
+          </a:graphicData>
+        </a:graphic>
+      </p:graphicFrame>
     </p:spTree>
     <p:extLst>
       <p:ext uri="{BB962C8B-B14F-4D97-AF65-F5344CB8AC3E}">
-        <p14:creationId xmlns:p14="http://schemas.microsoft.com/office/powerpoint/2010/main" val="3139446089"/>
+        <p14:creationId xmlns:p14="http://schemas.microsoft.com/office/powerpoint/2010/main" val="897253124"/>
       </p:ext>
     </p:extLst>
   </p:cSld>
@@ -20741,7 +19602,7 @@
 </p:sld>
 </file>
 
-<file path=ppt/slides/slide29.xml><?xml version="1.0" encoding="utf-8"?>
+<file path=ppt/slides/slide27.xml><?xml version="1.0" encoding="utf-8"?>
 <p:sld xmlns:a="http://schemas.openxmlformats.org/drawingml/2006/main" xmlns:r="http://schemas.openxmlformats.org/officeDocument/2006/relationships" xmlns:p="http://schemas.openxmlformats.org/presentationml/2006/main">
   <p:cSld>
     <p:spTree>
@@ -20758,190 +19619,16 @@
           <a:chExt cx="0" cy="0"/>
         </a:xfrm>
       </p:grpSpPr>
-      <p:sp>
-        <p:nvSpPr>
-          <p:cNvPr id="2" name="タイトル 1"/>
-          <p:cNvSpPr>
-            <a:spLocks noGrp="1"/>
-          </p:cNvSpPr>
-          <p:nvPr>
-            <p:ph type="title"/>
-          </p:nvPr>
-        </p:nvSpPr>
-        <p:spPr/>
-        <p:txBody>
-          <a:bodyPr/>
-          <a:lstStyle/>
-          <a:p>
-            <a:r>
-              <a:rPr lang="en-US" altLang="ja-JP" dirty="0" smtClean="0"/>
-              <a:t>4.7</a:t>
-            </a:r>
-            <a:r>
-              <a:rPr lang="ja-JP" altLang="en-US" dirty="0"/>
-              <a:t>　動作確認</a:t>
-            </a:r>
-            <a:r>
-              <a:rPr lang="ja-JP" altLang="en-US" dirty="0" smtClean="0"/>
-              <a:t>（</a:t>
-            </a:r>
-            <a:r>
-              <a:rPr lang="en-US" altLang="ja-JP" dirty="0"/>
-              <a:t>7</a:t>
-            </a:r>
-            <a:r>
-              <a:rPr lang="en-US" altLang="ja-JP" dirty="0" smtClean="0"/>
-              <a:t>/7</a:t>
-            </a:r>
-            <a:r>
-              <a:rPr lang="ja-JP" altLang="en-US" dirty="0" smtClean="0"/>
-              <a:t>）</a:t>
-            </a:r>
-            <a:endParaRPr kumimoji="1" lang="ja-JP" altLang="en-US" dirty="0"/>
-          </a:p>
-        </p:txBody>
-      </p:sp>
-      <p:sp>
-        <p:nvSpPr>
-          <p:cNvPr id="3" name="コンテンツ プレースホルダー 2"/>
-          <p:cNvSpPr>
-            <a:spLocks noGrp="1"/>
-          </p:cNvSpPr>
-          <p:nvPr>
-            <p:ph sz="quarter" idx="10"/>
-          </p:nvPr>
-        </p:nvSpPr>
-        <p:spPr/>
-        <p:txBody>
-          <a:bodyPr>
-            <a:normAutofit/>
-          </a:bodyPr>
-          <a:lstStyle/>
-          <a:p>
-            <a:pPr lvl="0"/>
-            <a:r>
-              <a:rPr lang="en-US" altLang="ja-JP" dirty="0" smtClean="0"/>
-              <a:t>HTTP</a:t>
-            </a:r>
-            <a:r>
-              <a:rPr lang="ja-JP" altLang="en-US" dirty="0" err="1" smtClean="0"/>
-              <a:t>での</a:t>
-            </a:r>
-            <a:r>
-              <a:rPr lang="en-US" altLang="ja-JP" dirty="0" smtClean="0"/>
-              <a:t>URL</a:t>
-            </a:r>
-            <a:r>
-              <a:rPr lang="ja-JP" altLang="en-US" dirty="0"/>
-              <a:t>接続</a:t>
-            </a:r>
-            <a:endParaRPr lang="en-US" altLang="ja-JP" dirty="0"/>
-          </a:p>
-          <a:p>
-            <a:pPr lvl="1"/>
-            <a:r>
-              <a:rPr lang="ja-JP" altLang="en-US" dirty="0"/>
-              <a:t>以下の</a:t>
-            </a:r>
-            <a:r>
-              <a:rPr lang="en-US" altLang="ja-JP" dirty="0"/>
-              <a:t>URL</a:t>
-            </a:r>
-            <a:r>
-              <a:rPr lang="ja-JP" altLang="en-US" dirty="0"/>
-              <a:t>より、ログイン画面にアクセスしてください。</a:t>
-            </a:r>
-            <a:endParaRPr lang="en-US" altLang="ja-JP" dirty="0"/>
-          </a:p>
-          <a:p>
-            <a:pPr lvl="1"/>
-            <a:r>
-              <a:rPr lang="en-US" altLang="ja-JP" dirty="0"/>
-              <a:t>URL</a:t>
-            </a:r>
-            <a:r>
-              <a:rPr lang="ja-JP" altLang="ja-JP" dirty="0"/>
-              <a:t>：</a:t>
-            </a:r>
-            <a:r>
-              <a:rPr lang="en-US" altLang="ja-JP" dirty="0" smtClean="0">
-                <a:solidFill>
-                  <a:srgbClr val="FF0000"/>
-                </a:solidFill>
-              </a:rPr>
-              <a:t>http://</a:t>
-            </a:r>
-            <a:r>
-              <a:rPr lang="ja-JP" altLang="en-US" dirty="0" smtClean="0">
-                <a:solidFill>
-                  <a:srgbClr val="FF0000"/>
-                </a:solidFill>
-              </a:rPr>
-              <a:t>（サーバの</a:t>
-            </a:r>
-            <a:r>
-              <a:rPr lang="en-US" altLang="ja-JP" dirty="0" smtClean="0">
-                <a:solidFill>
-                  <a:srgbClr val="FF0000"/>
-                </a:solidFill>
-              </a:rPr>
-              <a:t>IP</a:t>
-            </a:r>
-            <a:r>
-              <a:rPr lang="ja-JP" altLang="en-US" dirty="0" smtClean="0">
-                <a:solidFill>
-                  <a:srgbClr val="FF0000"/>
-                </a:solidFill>
-              </a:rPr>
-              <a:t>アドレス）</a:t>
-            </a:r>
-            <a:endParaRPr kumimoji="1" lang="en-US" altLang="ja-JP" dirty="0">
-              <a:solidFill>
-                <a:srgbClr val="FF0000"/>
-              </a:solidFill>
-            </a:endParaRPr>
-          </a:p>
-          <a:p>
-            <a:pPr lvl="1"/>
-            <a:endParaRPr kumimoji="1" lang="en-US" altLang="ja-JP" dirty="0" smtClean="0"/>
-          </a:p>
-          <a:p>
-            <a:pPr marL="180000" lvl="1" indent="0">
-              <a:buNone/>
-            </a:pPr>
-            <a:r>
-              <a:rPr kumimoji="1" lang="ja-JP" altLang="en-US" dirty="0" smtClean="0"/>
-              <a:t>接続後は</a:t>
-            </a:r>
-            <a:r>
-              <a:rPr kumimoji="1" lang="en-US" altLang="ja-JP" dirty="0" smtClean="0"/>
-              <a:t>HTTPS</a:t>
-            </a:r>
-            <a:r>
-              <a:rPr kumimoji="1" lang="ja-JP" altLang="en-US" dirty="0" smtClean="0"/>
-              <a:t>の場合と同様となります。</a:t>
-            </a:r>
-            <a:endParaRPr kumimoji="1" lang="ja-JP" altLang="en-US" dirty="0"/>
-          </a:p>
-        </p:txBody>
-      </p:sp>
     </p:spTree>
     <p:extLst>
       <p:ext uri="{BB962C8B-B14F-4D97-AF65-F5344CB8AC3E}">
-        <p14:creationId xmlns:p14="http://schemas.microsoft.com/office/powerpoint/2010/main" val="3910586301"/>
+        <p14:creationId xmlns:p14="http://schemas.microsoft.com/office/powerpoint/2010/main" val="3218686016"/>
       </p:ext>
     </p:extLst>
   </p:cSld>
   <p:clrMapOvr>
     <a:masterClrMapping/>
   </p:clrMapOvr>
-  <p:timing>
-    <p:tnLst>
-      <p:par>
-        <p:cTn id="1" dur="indefinite" restart="never" nodeType="tmRoot"/>
-      </p:par>
-    </p:tnLst>
-  </p:timing>
 </p:sld>
 </file>
 
@@ -21011,36 +19698,6 @@
       </p:par>
     </p:tnLst>
   </p:timing>
-</p:sld>
-</file>
-
-<file path=ppt/slides/slide30.xml><?xml version="1.0" encoding="utf-8"?>
-<p:sld xmlns:a="http://schemas.openxmlformats.org/drawingml/2006/main" xmlns:r="http://schemas.openxmlformats.org/officeDocument/2006/relationships" xmlns:p="http://schemas.openxmlformats.org/presentationml/2006/main">
-  <p:cSld>
-    <p:spTree>
-      <p:nvGrpSpPr>
-        <p:cNvPr id="1" name=""/>
-        <p:cNvGrpSpPr/>
-        <p:nvPr/>
-      </p:nvGrpSpPr>
-      <p:grpSpPr>
-        <a:xfrm>
-          <a:off x="0" y="0"/>
-          <a:ext cx="0" cy="0"/>
-          <a:chOff x="0" y="0"/>
-          <a:chExt cx="0" cy="0"/>
-        </a:xfrm>
-      </p:grpSpPr>
-    </p:spTree>
-    <p:extLst>
-      <p:ext uri="{BB962C8B-B14F-4D97-AF65-F5344CB8AC3E}">
-        <p14:creationId xmlns:p14="http://schemas.microsoft.com/office/powerpoint/2010/main" val="3218686016"/>
-      </p:ext>
-    </p:extLst>
-  </p:cSld>
-  <p:clrMapOvr>
-    <a:masterClrMapping/>
-  </p:clrMapOvr>
 </p:sld>
 </file>
 
